--- a/report/progressReport-202304~.pptx
+++ b/report/progressReport-202304~.pptx
@@ -5,7 +5,7 @@
     <p:sldMasterId id="2147483648" r:id="rId1"/>
   </p:sldMasterIdLst>
   <p:notesMasterIdLst>
-    <p:notesMasterId r:id="rId9"/>
+    <p:notesMasterId r:id="rId10"/>
   </p:notesMasterIdLst>
   <p:sldIdLst>
     <p:sldId id="360" r:id="rId2"/>
@@ -14,7 +14,8 @@
     <p:sldId id="451" r:id="rId5"/>
     <p:sldId id="455" r:id="rId6"/>
     <p:sldId id="417" r:id="rId7"/>
-    <p:sldId id="456" r:id="rId8"/>
+    <p:sldId id="457" r:id="rId8"/>
+    <p:sldId id="456" r:id="rId9"/>
   </p:sldIdLst>
   <p:sldSz cx="12192000" cy="6858000"/>
   <p:notesSz cx="6858000" cy="9144000"/>
@@ -113,6 +114,11 @@
       </a:defRPr>
     </a:lvl9pPr>
   </p:defaultTextStyle>
+  <p:extLst>
+    <p:ext uri="{EFAFB233-063F-42B5-8137-9DF3F51BA10A}">
+      <p15:sldGuideLst xmlns:p15="http://schemas.microsoft.com/office/powerpoint/2012/main"/>
+    </p:ext>
+  </p:extLst>
 </p:presentation>
 </file>
 
@@ -542,7 +548,7 @@
           <a:bodyPr/>
           <a:lstStyle/>
           <a:p>
-            <a:endParaRPr kumimoji="1" lang="ja-JP" altLang="en-US" dirty="0"/>
+            <a:endParaRPr lang="en-US" dirty="0"/>
           </a:p>
         </p:txBody>
       </p:sp>
@@ -561,18 +567,18 @@
           <a:bodyPr/>
           <a:lstStyle/>
           <a:p>
-            <a:fld id="{39AC8A4A-8BDC-2247-9545-04B679C3B540}" type="slidenum">
-              <a:rPr kumimoji="1" lang="ja-JP" altLang="en-US" smtClean="0"/>
-              <a:t>6</a:t>
+            <a:fld id="{48DE0F4A-E449-4070-9B19-39FF5E156D7E}" type="slidenum">
+              <a:rPr lang="en-US" smtClean="0"/>
+              <a:t>4</a:t>
             </a:fld>
-            <a:endParaRPr kumimoji="1" lang="ja-JP" altLang="en-US"/>
+            <a:endParaRPr lang="en-US"/>
           </a:p>
         </p:txBody>
       </p:sp>
     </p:spTree>
     <p:extLst>
       <p:ext uri="{BB962C8B-B14F-4D97-AF65-F5344CB8AC3E}">
-        <p14:creationId xmlns:p14="http://schemas.microsoft.com/office/powerpoint/2010/main" val="171666879"/>
+        <p14:creationId xmlns:p14="http://schemas.microsoft.com/office/powerpoint/2010/main" val="1023061541"/>
       </p:ext>
     </p:extLst>
   </p:cSld>
@@ -647,7 +653,175 @@
           <a:p>
             <a:fld id="{39AC8A4A-8BDC-2247-9545-04B679C3B540}" type="slidenum">
               <a:rPr kumimoji="1" lang="ja-JP" altLang="en-US" smtClean="0"/>
+              <a:t>6</a:t>
+            </a:fld>
+            <a:endParaRPr kumimoji="1" lang="ja-JP" altLang="en-US"/>
+          </a:p>
+        </p:txBody>
+      </p:sp>
+    </p:spTree>
+    <p:extLst>
+      <p:ext uri="{BB962C8B-B14F-4D97-AF65-F5344CB8AC3E}">
+        <p14:creationId xmlns:p14="http://schemas.microsoft.com/office/powerpoint/2010/main" val="171666879"/>
+      </p:ext>
+    </p:extLst>
+  </p:cSld>
+  <p:clrMapOvr>
+    <a:masterClrMapping/>
+  </p:clrMapOvr>
+</p:notes>
+</file>
+
+<file path=ppt/notesSlides/notesSlide3.xml><?xml version="1.0" encoding="utf-8"?>
+<p:notes xmlns:a="http://schemas.openxmlformats.org/drawingml/2006/main" xmlns:r="http://schemas.openxmlformats.org/officeDocument/2006/relationships" xmlns:p="http://schemas.openxmlformats.org/presentationml/2006/main">
+  <p:cSld>
+    <p:spTree>
+      <p:nvGrpSpPr>
+        <p:cNvPr id="1" name=""/>
+        <p:cNvGrpSpPr/>
+        <p:nvPr/>
+      </p:nvGrpSpPr>
+      <p:grpSpPr>
+        <a:xfrm>
+          <a:off x="0" y="0"/>
+          <a:ext cx="0" cy="0"/>
+          <a:chOff x="0" y="0"/>
+          <a:chExt cx="0" cy="0"/>
+        </a:xfrm>
+      </p:grpSpPr>
+      <p:sp>
+        <p:nvSpPr>
+          <p:cNvPr id="2" name="スライド イメージ プレースホルダー 1"/>
+          <p:cNvSpPr>
+            <a:spLocks noGrp="1" noRot="1" noChangeAspect="1"/>
+          </p:cNvSpPr>
+          <p:nvPr>
+            <p:ph type="sldImg"/>
+          </p:nvPr>
+        </p:nvSpPr>
+        <p:spPr/>
+      </p:sp>
+      <p:sp>
+        <p:nvSpPr>
+          <p:cNvPr id="3" name="ノート プレースホルダー 2"/>
+          <p:cNvSpPr>
+            <a:spLocks noGrp="1"/>
+          </p:cNvSpPr>
+          <p:nvPr>
+            <p:ph type="body" idx="1"/>
+          </p:nvPr>
+        </p:nvSpPr>
+        <p:spPr/>
+        <p:txBody>
+          <a:bodyPr/>
+          <a:lstStyle/>
+          <a:p>
+            <a:endParaRPr kumimoji="1" lang="ja-JP" altLang="en-US" dirty="0"/>
+          </a:p>
+        </p:txBody>
+      </p:sp>
+      <p:sp>
+        <p:nvSpPr>
+          <p:cNvPr id="4" name="スライド番号プレースホルダー 3"/>
+          <p:cNvSpPr>
+            <a:spLocks noGrp="1"/>
+          </p:cNvSpPr>
+          <p:nvPr>
+            <p:ph type="sldNum" sz="quarter" idx="5"/>
+          </p:nvPr>
+        </p:nvSpPr>
+        <p:spPr/>
+        <p:txBody>
+          <a:bodyPr/>
+          <a:lstStyle/>
+          <a:p>
+            <a:fld id="{39AC8A4A-8BDC-2247-9545-04B679C3B540}" type="slidenum">
+              <a:rPr kumimoji="1" lang="ja-JP" altLang="en-US" smtClean="0"/>
               <a:t>7</a:t>
+            </a:fld>
+            <a:endParaRPr kumimoji="1" lang="ja-JP" altLang="en-US"/>
+          </a:p>
+        </p:txBody>
+      </p:sp>
+    </p:spTree>
+    <p:extLst>
+      <p:ext uri="{BB962C8B-B14F-4D97-AF65-F5344CB8AC3E}">
+        <p14:creationId xmlns:p14="http://schemas.microsoft.com/office/powerpoint/2010/main" val="960797229"/>
+      </p:ext>
+    </p:extLst>
+  </p:cSld>
+  <p:clrMapOvr>
+    <a:masterClrMapping/>
+  </p:clrMapOvr>
+</p:notes>
+</file>
+
+<file path=ppt/notesSlides/notesSlide4.xml><?xml version="1.0" encoding="utf-8"?>
+<p:notes xmlns:a="http://schemas.openxmlformats.org/drawingml/2006/main" xmlns:r="http://schemas.openxmlformats.org/officeDocument/2006/relationships" xmlns:p="http://schemas.openxmlformats.org/presentationml/2006/main">
+  <p:cSld>
+    <p:spTree>
+      <p:nvGrpSpPr>
+        <p:cNvPr id="1" name=""/>
+        <p:cNvGrpSpPr/>
+        <p:nvPr/>
+      </p:nvGrpSpPr>
+      <p:grpSpPr>
+        <a:xfrm>
+          <a:off x="0" y="0"/>
+          <a:ext cx="0" cy="0"/>
+          <a:chOff x="0" y="0"/>
+          <a:chExt cx="0" cy="0"/>
+        </a:xfrm>
+      </p:grpSpPr>
+      <p:sp>
+        <p:nvSpPr>
+          <p:cNvPr id="2" name="スライド イメージ プレースホルダー 1"/>
+          <p:cNvSpPr>
+            <a:spLocks noGrp="1" noRot="1" noChangeAspect="1"/>
+          </p:cNvSpPr>
+          <p:nvPr>
+            <p:ph type="sldImg"/>
+          </p:nvPr>
+        </p:nvSpPr>
+        <p:spPr/>
+      </p:sp>
+      <p:sp>
+        <p:nvSpPr>
+          <p:cNvPr id="3" name="ノート プレースホルダー 2"/>
+          <p:cNvSpPr>
+            <a:spLocks noGrp="1"/>
+          </p:cNvSpPr>
+          <p:nvPr>
+            <p:ph type="body" idx="1"/>
+          </p:nvPr>
+        </p:nvSpPr>
+        <p:spPr/>
+        <p:txBody>
+          <a:bodyPr/>
+          <a:lstStyle/>
+          <a:p>
+            <a:endParaRPr kumimoji="1" lang="ja-JP" altLang="en-US" dirty="0"/>
+          </a:p>
+        </p:txBody>
+      </p:sp>
+      <p:sp>
+        <p:nvSpPr>
+          <p:cNvPr id="4" name="スライド番号プレースホルダー 3"/>
+          <p:cNvSpPr>
+            <a:spLocks noGrp="1"/>
+          </p:cNvSpPr>
+          <p:nvPr>
+            <p:ph type="sldNum" sz="quarter" idx="5"/>
+          </p:nvPr>
+        </p:nvSpPr>
+        <p:spPr/>
+        <p:txBody>
+          <a:bodyPr/>
+          <a:lstStyle/>
+          <a:p>
+            <a:fld id="{39AC8A4A-8BDC-2247-9545-04B679C3B540}" type="slidenum">
+              <a:rPr kumimoji="1" lang="ja-JP" altLang="en-US" smtClean="0"/>
+              <a:t>8</a:t>
             </a:fld>
             <a:endParaRPr kumimoji="1" lang="ja-JP" altLang="en-US"/>
           </a:p>
@@ -4268,7 +4442,7 @@
               <a:rPr lang="en-US" sz="2000" dirty="0">
                 <a:latin typeface="Arial" panose="020B0604020202020204" pitchFamily="34" charset="0"/>
               </a:rPr>
-              <a:t>All Mixed Days</a:t>
+              <a:t>Interleaved Days</a:t>
             </a:r>
             <a:endParaRPr lang="en-US" sz="2000" i="0" dirty="0">
               <a:effectLst/>
@@ -4291,7 +4465,7 @@
                 <a:effectLst/>
                 <a:latin typeface="Arial" panose="020B0604020202020204" pitchFamily="34" charset="0"/>
               </a:rPr>
-              <a:t>Experiment date : 20220407~20220413 (4 days)</a:t>
+              <a:t>Experiment date : 20230216~20220411 (4 days)</a:t>
             </a:r>
           </a:p>
           <a:p>
@@ -4310,7 +4484,7 @@
                 <a:effectLst/>
                 <a:latin typeface="Arial" panose="020B0604020202020204" pitchFamily="34" charset="0"/>
               </a:rPr>
-              <a:t>Monkey : Rocky</a:t>
+              <a:t>Monkey : Satchel</a:t>
             </a:r>
           </a:p>
           <a:p>
@@ -4329,7 +4503,7 @@
                 <a:effectLst/>
                 <a:latin typeface="Arial" panose="020B0604020202020204" pitchFamily="34" charset="0"/>
               </a:rPr>
-              <a:t>Task type : delay reach task</a:t>
+              <a:t>Task type : Focus task: color change detection + delayed reach task (16% are catch trials)</a:t>
             </a:r>
           </a:p>
           <a:p>
@@ -4386,7 +4560,37 @@
                 <a:effectLst/>
                 <a:latin typeface="Arial" panose="020B0604020202020204" pitchFamily="34" charset="0"/>
               </a:rPr>
-              <a:t>Reward : small (0ul) medium (220ul) large (440ul) rewards cued by shapes inside</a:t>
+              <a:t>Reward : small (</a:t>
+            </a:r>
+            <a:r>
+              <a:rPr lang="en-US" sz="2000" i="0" dirty="0">
+                <a:solidFill>
+                  <a:srgbClr val="FF0000"/>
+                </a:solidFill>
+                <a:effectLst/>
+                <a:latin typeface="Arial" panose="020B0604020202020204" pitchFamily="34" charset="0"/>
+              </a:rPr>
+              <a:t>50ul</a:t>
+            </a:r>
+            <a:r>
+              <a:rPr lang="en-US" sz="2000" i="0" dirty="0">
+                <a:effectLst/>
+                <a:latin typeface="Arial" panose="020B0604020202020204" pitchFamily="34" charset="0"/>
+              </a:rPr>
+              <a:t>) medium (</a:t>
+            </a:r>
+            <a:r>
+              <a:rPr lang="en-US" sz="2000" dirty="0">
+                <a:latin typeface="Arial" panose="020B0604020202020204" pitchFamily="34" charset="0"/>
+              </a:rPr>
+              <a:t>15</a:t>
+            </a:r>
+            <a:r>
+              <a:rPr lang="en-US" sz="2000" i="0" dirty="0">
+                <a:effectLst/>
+                <a:latin typeface="Arial" panose="020B0604020202020204" pitchFamily="34" charset="0"/>
+              </a:rPr>
+              <a:t>0ul) large (400ul) rewards cued by shapes inside</a:t>
             </a:r>
           </a:p>
           <a:p>
@@ -4405,45 +4609,29 @@
                 <a:effectLst/>
                 <a:latin typeface="Arial" panose="020B0604020202020204" pitchFamily="34" charset="0"/>
               </a:rPr>
-              <a:t>Target size : either tiny (6mm rad) or huge (9mm rad)</a:t>
-            </a:r>
-            <a:endParaRPr lang="en-US" sz="2000" dirty="0">
-              <a:solidFill>
-                <a:srgbClr val="000000"/>
-              </a:solidFill>
-              <a:latin typeface="Arial" panose="020B0604020202020204" pitchFamily="34" charset="0"/>
-              <a:cs typeface="Arial" panose="020B0604020202020204" pitchFamily="34" charset="0"/>
-            </a:endParaRPr>
-          </a:p>
-          <a:p>
-            <a:pPr marL="0" indent="0" fontAlgn="base">
+              <a:t>Target size : either tiny (25mm rad) or huge (38mm rad)</a:t>
+            </a:r>
+          </a:p>
+          <a:p>
+            <a:pPr lvl="1" fontAlgn="base">
               <a:lnSpc>
                 <a:spcPct val="100000"/>
               </a:lnSpc>
               <a:spcBef>
                 <a:spcPts val="0"/>
               </a:spcBef>
-              <a:buNone/>
+              <a:buFont typeface="+mj-lt"/>
+              <a:buAutoNum type="arabicPeriod"/>
             </a:pPr>
-            <a:endParaRPr lang="en-US" sz="2000" dirty="0">
-              <a:latin typeface="Arial" panose="020B0604020202020204" pitchFamily="34" charset="0"/>
-            </a:endParaRPr>
-          </a:p>
-          <a:p>
-            <a:pPr marL="0" indent="0" fontAlgn="base">
-              <a:lnSpc>
-                <a:spcPct val="100000"/>
-              </a:lnSpc>
-              <a:spcBef>
-                <a:spcPts val="0"/>
-              </a:spcBef>
-              <a:buNone/>
-            </a:pPr>
             <a:r>
               <a:rPr lang="en-US" sz="2000" dirty="0">
+                <a:solidFill>
+                  <a:srgbClr val="000000"/>
+                </a:solidFill>
                 <a:latin typeface="Arial" panose="020B0604020202020204" pitchFamily="34" charset="0"/>
+                <a:cs typeface="Arial" panose="020B0604020202020204" pitchFamily="34" charset="0"/>
               </a:rPr>
-              <a:t>Blocked Days</a:t>
+              <a:t>Focus difficulty: </a:t>
             </a:r>
           </a:p>
           <a:p>
@@ -4458,25 +4646,6 @@
               <a:buAutoNum type="arabicPeriod"/>
             </a:pPr>
             <a:r>
-              <a:rPr lang="en-US" sz="2000" i="0" dirty="0">
-                <a:effectLst/>
-                <a:latin typeface="Arial" panose="020B0604020202020204" pitchFamily="34" charset="0"/>
-              </a:rPr>
-              <a:t>Experiment date : 20220414~20220420 (4 days)</a:t>
-            </a:r>
-          </a:p>
-          <a:p>
-            <a:pPr fontAlgn="base">
-              <a:lnSpc>
-                <a:spcPct val="100000"/>
-              </a:lnSpc>
-              <a:spcBef>
-                <a:spcPts val="0"/>
-              </a:spcBef>
-              <a:buFont typeface="+mj-lt"/>
-              <a:buAutoNum type="arabicPeriod"/>
-            </a:pPr>
-            <a:r>
               <a:rPr lang="en-US" sz="2000" dirty="0">
                 <a:solidFill>
                   <a:srgbClr val="000000"/>
@@ -4484,84 +4653,44 @@
                 <a:latin typeface="Arial" panose="020B0604020202020204" pitchFamily="34" charset="0"/>
                 <a:cs typeface="Arial" panose="020B0604020202020204" pitchFamily="34" charset="0"/>
               </a:rPr>
-              <a:t>Blocked</a:t>
-            </a:r>
-          </a:p>
-          <a:p>
-            <a:pPr lvl="1" fontAlgn="base">
-              <a:lnSpc>
-                <a:spcPct val="100000"/>
-              </a:lnSpc>
-              <a:spcBef>
-                <a:spcPts val="0"/>
-              </a:spcBef>
-              <a:buFont typeface="+mj-lt"/>
-              <a:buAutoNum type="arabicPeriod"/>
-            </a:pPr>
-            <a:r>
-              <a:rPr lang="en-US" sz="2000" i="0" dirty="0">
-                <a:effectLst/>
+              <a:t>Delay length: </a:t>
+            </a:r>
+            <a:r>
+              <a:rPr lang="en-US" sz="2000" dirty="0">
+                <a:solidFill>
+                  <a:srgbClr val="FF0000"/>
+                </a:solidFill>
                 <a:latin typeface="Arial" panose="020B0604020202020204" pitchFamily="34" charset="0"/>
                 <a:cs typeface="Arial" panose="020B0604020202020204" pitchFamily="34" charset="0"/>
               </a:rPr>
-              <a:t>Tiny-only: 200 trials</a:t>
-            </a:r>
-          </a:p>
-          <a:p>
-            <a:pPr lvl="1" fontAlgn="base">
-              <a:lnSpc>
-                <a:spcPct val="100000"/>
-              </a:lnSpc>
-              <a:spcBef>
-                <a:spcPts val="0"/>
-              </a:spcBef>
-              <a:buFont typeface="+mj-lt"/>
-              <a:buAutoNum type="arabicPeriod"/>
-            </a:pPr>
+              <a:t>500~2000</a:t>
+            </a:r>
             <a:r>
               <a:rPr lang="en-US" sz="2000" dirty="0">
+                <a:solidFill>
+                  <a:srgbClr val="000000"/>
+                </a:solidFill>
                 <a:latin typeface="Arial" panose="020B0604020202020204" pitchFamily="34" charset="0"/>
                 <a:cs typeface="Arial" panose="020B0604020202020204" pitchFamily="34" charset="0"/>
               </a:rPr>
-              <a:t>Huge-only: 200 trials</a:t>
-            </a:r>
-          </a:p>
-          <a:p>
-            <a:pPr lvl="1" fontAlgn="base">
-              <a:lnSpc>
-                <a:spcPct val="100000"/>
-              </a:lnSpc>
-              <a:spcBef>
-                <a:spcPts val="0"/>
-              </a:spcBef>
-              <a:buFont typeface="+mj-lt"/>
-              <a:buAutoNum type="arabicPeriod"/>
-            </a:pPr>
-            <a:r>
-              <a:rPr lang="en-US" sz="2000" i="0" dirty="0">
-                <a:effectLst/>
+              <a:t> </a:t>
+            </a:r>
+            <a:r>
+              <a:rPr lang="en-US" sz="2000" dirty="0" err="1">
+                <a:solidFill>
+                  <a:srgbClr val="000000"/>
+                </a:solidFill>
                 <a:latin typeface="Arial" panose="020B0604020202020204" pitchFamily="34" charset="0"/>
                 <a:cs typeface="Arial" panose="020B0604020202020204" pitchFamily="34" charset="0"/>
               </a:rPr>
-              <a:t>Interleaved: 250 trials</a:t>
-            </a:r>
-            <a:endParaRPr lang="en-US" sz="2000" i="0" dirty="0">
-              <a:effectLst/>
+              <a:t>ms</a:t>
+            </a:r>
+            <a:endParaRPr lang="en-US" sz="2000" dirty="0">
+              <a:solidFill>
+                <a:srgbClr val="000000"/>
+              </a:solidFill>
               <a:latin typeface="Arial" panose="020B0604020202020204" pitchFamily="34" charset="0"/>
-            </a:endParaRPr>
-          </a:p>
-          <a:p>
-            <a:pPr marL="0" indent="0" fontAlgn="base">
-              <a:lnSpc>
-                <a:spcPct val="100000"/>
-              </a:lnSpc>
-              <a:spcBef>
-                <a:spcPts val="0"/>
-              </a:spcBef>
-              <a:buNone/>
-            </a:pPr>
-            <a:endParaRPr lang="en-US" sz="2000" dirty="0">
-              <a:latin typeface="Arial" panose="020B0604020202020204" pitchFamily="34" charset="0"/>
+              <a:cs typeface="Arial" panose="020B0604020202020204" pitchFamily="34" charset="0"/>
             </a:endParaRPr>
           </a:p>
         </p:txBody>
@@ -4963,6 +5092,23 @@
                 <a:latin typeface="Arial" panose="020B0604020202020204" pitchFamily="34" charset="0"/>
               </a:rPr>
               <a:t>Remove noise spikes</a:t>
+            </a:r>
+          </a:p>
+          <a:p>
+            <a:pPr marL="457200" indent="-457200" fontAlgn="base">
+              <a:lnSpc>
+                <a:spcPct val="100000"/>
+              </a:lnSpc>
+              <a:spcBef>
+                <a:spcPts val="0"/>
+              </a:spcBef>
+              <a:buAutoNum type="arabicPeriod"/>
+            </a:pPr>
+            <a:r>
+              <a:rPr lang="en-US" sz="2000" dirty="0">
+                <a:latin typeface="Arial" panose="020B0604020202020204" pitchFamily="34" charset="0"/>
+              </a:rPr>
+              <a:t>How did Adi spike sort?</a:t>
             </a:r>
           </a:p>
           <a:p>
@@ -5311,7 +5457,7 @@
                 <a:latin typeface="Arial" panose="020B0604020202020204" pitchFamily="34" charset="0"/>
                 <a:cs typeface="Arial" panose="020B0604020202020204" pitchFamily="34" charset="0"/>
               </a:rPr>
-              <a:t>There are 4 types of neurons (S-M significant or not and M-L significant or not)</a:t>
+              <a:t>There are 4 types of neurons (S-M significant or not and M-L significant or not) (p &lt; 0.05)</a:t>
             </a:r>
           </a:p>
           <a:p>
@@ -6568,7 +6714,7 @@
           <p:nvPr>
             <p:extLst>
               <p:ext uri="{D42A27DB-BD31-4B8C-83A1-F6EECF244321}">
-                <p14:modId xmlns:p14="http://schemas.microsoft.com/office/powerpoint/2010/main" val="411842764"/>
+                <p14:modId xmlns:p14="http://schemas.microsoft.com/office/powerpoint/2010/main" val="3292027004"/>
               </p:ext>
             </p:extLst>
           </p:nvPr>
@@ -6670,7 +6816,7 @@
                       <a:pPr algn="ctr"/>
                       <a:r>
                         <a:rPr lang="en-US" dirty="0"/>
-                        <a:t>0216</a:t>
+                        <a:t>0216 (n=652)</a:t>
                       </a:r>
                     </a:p>
                   </a:txBody>
@@ -6721,7 +6867,7 @@
                       <a:pPr algn="ctr"/>
                       <a:r>
                         <a:rPr lang="en-US" dirty="0"/>
-                        <a:t>0405</a:t>
+                        <a:t>0405 (n=455)</a:t>
                       </a:r>
                     </a:p>
                   </a:txBody>
@@ -6772,7 +6918,7 @@
                       <a:pPr algn="ctr"/>
                       <a:r>
                         <a:rPr lang="en-US" dirty="0"/>
-                        <a:t>0411</a:t>
+                        <a:t>0411 (n=472)</a:t>
                       </a:r>
                     </a:p>
                   </a:txBody>
@@ -6896,12 +7042,8 @@
                         <a:defRPr/>
                       </a:pPr>
                       <a:r>
-                        <a:rPr lang="en-US" dirty="0">
-                          <a:highlight>
-                            <a:srgbClr val="FFFF00"/>
-                          </a:highlight>
-                        </a:rPr>
-                        <a:t>5%(5/96)</a:t>
+                        <a:rPr lang="en-US" dirty="0"/>
+                        <a:t>16%(15/96)</a:t>
                       </a:r>
                     </a:p>
                   </a:txBody>
@@ -6967,12 +7109,8 @@
                         <a:defRPr/>
                       </a:pPr>
                       <a:r>
-                        <a:rPr lang="en-US" dirty="0">
-                          <a:highlight>
-                            <a:srgbClr val="FFFF00"/>
-                          </a:highlight>
-                        </a:rPr>
-                        <a:t>5%(5/96)</a:t>
+                        <a:rPr lang="en-US" dirty="0"/>
+                        <a:t>9%(9/96)</a:t>
                       </a:r>
                     </a:p>
                   </a:txBody>
@@ -7038,12 +7176,8 @@
                         <a:defRPr/>
                       </a:pPr>
                       <a:r>
-                        <a:rPr lang="en-US" dirty="0">
-                          <a:highlight>
-                            <a:srgbClr val="FFFF00"/>
-                          </a:highlight>
-                        </a:rPr>
-                        <a:t>5%(5/96)</a:t>
+                        <a:rPr lang="en-US" dirty="0"/>
+                        <a:t>2%(2/96)</a:t>
                       </a:r>
                     </a:p>
                   </a:txBody>
@@ -7167,12 +7301,8 @@
                         <a:defRPr/>
                       </a:pPr>
                       <a:r>
-                        <a:rPr lang="en-US" dirty="0">
-                          <a:highlight>
-                            <a:srgbClr val="FFFF00"/>
-                          </a:highlight>
-                        </a:rPr>
-                        <a:t>7%(7/96)</a:t>
+                        <a:rPr lang="en-US" dirty="0"/>
+                        <a:t>10%(10/96)</a:t>
                       </a:r>
                     </a:p>
                   </a:txBody>
@@ -7238,12 +7368,8 @@
                         <a:defRPr/>
                       </a:pPr>
                       <a:r>
-                        <a:rPr lang="en-US" dirty="0">
-                          <a:highlight>
-                            <a:srgbClr val="FFFF00"/>
-                          </a:highlight>
-                        </a:rPr>
-                        <a:t>7%(7/96)</a:t>
+                        <a:rPr lang="en-US" dirty="0"/>
+                        <a:t>8%(8/96)</a:t>
                       </a:r>
                     </a:p>
                   </a:txBody>
@@ -7309,12 +7435,8 @@
                         <a:defRPr/>
                       </a:pPr>
                       <a:r>
-                        <a:rPr lang="en-US" dirty="0">
-                          <a:highlight>
-                            <a:srgbClr val="FFFF00"/>
-                          </a:highlight>
-                        </a:rPr>
-                        <a:t>7%(7/96)</a:t>
+                        <a:rPr lang="en-US" dirty="0"/>
+                        <a:t>8%(8/96)</a:t>
                       </a:r>
                     </a:p>
                   </a:txBody>
@@ -7454,12 +7576,8 @@
                         <a:defRPr/>
                       </a:pPr>
                       <a:r>
-                        <a:rPr lang="en-US" dirty="0">
-                          <a:highlight>
-                            <a:srgbClr val="FFFF00"/>
-                          </a:highlight>
-                        </a:rPr>
-                        <a:t>13%(12/96)</a:t>
+                        <a:rPr lang="en-US" dirty="0"/>
+                        <a:t>16%(15/96)</a:t>
                       </a:r>
                     </a:p>
                   </a:txBody>
@@ -7525,12 +7643,8 @@
                         <a:defRPr/>
                       </a:pPr>
                       <a:r>
-                        <a:rPr lang="en-US" dirty="0">
-                          <a:highlight>
-                            <a:srgbClr val="FFFF00"/>
-                          </a:highlight>
-                        </a:rPr>
-                        <a:t>13%(12/96)</a:t>
+                        <a:rPr lang="en-US" dirty="0"/>
+                        <a:t>14%(13/96)</a:t>
                       </a:r>
                     </a:p>
                   </a:txBody>
@@ -7596,12 +7710,8 @@
                         <a:defRPr/>
                       </a:pPr>
                       <a:r>
-                        <a:rPr lang="en-US" dirty="0">
-                          <a:highlight>
-                            <a:srgbClr val="FFFF00"/>
-                          </a:highlight>
-                        </a:rPr>
-                        <a:t>13%(12/96)</a:t>
+                        <a:rPr lang="en-US" dirty="0"/>
+                        <a:t>5%(5/96)</a:t>
                       </a:r>
                     </a:p>
                   </a:txBody>
@@ -7741,12 +7851,8 @@
                         <a:defRPr/>
                       </a:pPr>
                       <a:r>
-                        <a:rPr lang="en-US" dirty="0">
-                          <a:highlight>
-                            <a:srgbClr val="FFFF00"/>
-                          </a:highlight>
-                        </a:rPr>
-                        <a:t>15%(15/96)</a:t>
+                        <a:rPr lang="en-US" dirty="0"/>
+                        <a:t>25%(24/96)</a:t>
                       </a:r>
                     </a:p>
                   </a:txBody>
@@ -7812,12 +7918,8 @@
                         <a:defRPr/>
                       </a:pPr>
                       <a:r>
-                        <a:rPr lang="en-US" dirty="0">
-                          <a:highlight>
-                            <a:srgbClr val="FFFF00"/>
-                          </a:highlight>
-                        </a:rPr>
-                        <a:t>15%(15/96)</a:t>
+                        <a:rPr lang="en-US" dirty="0"/>
+                        <a:t>39%(37/96)</a:t>
                       </a:r>
                     </a:p>
                   </a:txBody>
@@ -7883,12 +7985,8 @@
                         <a:defRPr/>
                       </a:pPr>
                       <a:r>
-                        <a:rPr lang="en-US" dirty="0">
-                          <a:highlight>
-                            <a:srgbClr val="FFFF00"/>
-                          </a:highlight>
-                        </a:rPr>
-                        <a:t>15%(15/96)</a:t>
+                        <a:rPr lang="en-US" dirty="0"/>
+                        <a:t>31%(29/96)</a:t>
                       </a:r>
                     </a:p>
                   </a:txBody>
@@ -7996,12 +8094,8 @@
                     <a:p>
                       <a:pPr algn="ctr"/>
                       <a:r>
-                        <a:rPr lang="en-US" dirty="0">
-                          <a:highlight>
-                            <a:srgbClr val="FFFF00"/>
-                          </a:highlight>
-                        </a:rPr>
-                        <a:t>40%(39/96)</a:t>
+                        <a:rPr lang="en-US" dirty="0"/>
+                        <a:t>67%(64/96)</a:t>
                       </a:r>
                     </a:p>
                   </a:txBody>
@@ -8051,12 +8145,8 @@
                     <a:p>
                       <a:pPr algn="ctr"/>
                       <a:r>
-                        <a:rPr lang="en-US" dirty="0">
-                          <a:highlight>
-                            <a:srgbClr val="FFFF00"/>
-                          </a:highlight>
-                        </a:rPr>
-                        <a:t>40%(39/96)</a:t>
+                        <a:rPr lang="en-US" dirty="0"/>
+                        <a:t>70%(67/96)</a:t>
                       </a:r>
                     </a:p>
                   </a:txBody>
@@ -8106,12 +8196,8 @@
                     <a:p>
                       <a:pPr algn="ctr"/>
                       <a:r>
-                        <a:rPr lang="en-US" dirty="0">
-                          <a:highlight>
-                            <a:srgbClr val="FFFF00"/>
-                          </a:highlight>
-                        </a:rPr>
-                        <a:t>40%(39/96)</a:t>
+                        <a:rPr lang="en-US" dirty="0"/>
+                        <a:t>46%(44/96)</a:t>
                       </a:r>
                     </a:p>
                   </a:txBody>
@@ -8194,6 +8280,146 @@
           <a:chExt cx="0" cy="0"/>
         </a:xfrm>
       </p:grpSpPr>
+      <p:pic>
+        <p:nvPicPr>
+          <p:cNvPr id="19" name="図 18">
+            <a:extLst>
+              <a:ext uri="{FF2B5EF4-FFF2-40B4-BE49-F238E27FC236}">
+                <a16:creationId xmlns:a16="http://schemas.microsoft.com/office/drawing/2014/main" id="{6A1C6B49-3F41-8685-0A27-3C9665A99F46}"/>
+              </a:ext>
+            </a:extLst>
+          </p:cNvPr>
+          <p:cNvPicPr>
+            <a:picLocks noChangeAspect="1"/>
+          </p:cNvPicPr>
+          <p:nvPr/>
+        </p:nvPicPr>
+        <p:blipFill>
+          <a:blip r:embed="rId2">
+            <a:extLst>
+              <a:ext uri="{28A0092B-C50C-407E-A947-70E740481C1C}">
+                <a14:useLocalDpi xmlns:a14="http://schemas.microsoft.com/office/drawing/2010/main" val="0"/>
+              </a:ext>
+            </a:extLst>
+          </a:blip>
+          <a:srcRect/>
+          <a:stretch/>
+        </p:blipFill>
+        <p:spPr>
+          <a:xfrm>
+            <a:off x="257275" y="4107739"/>
+            <a:ext cx="2920375" cy="2189446"/>
+          </a:xfrm>
+          <a:prstGeom prst="rect">
+            <a:avLst/>
+          </a:prstGeom>
+        </p:spPr>
+      </p:pic>
+      <p:pic>
+        <p:nvPicPr>
+          <p:cNvPr id="18" name="図 17">
+            <a:extLst>
+              <a:ext uri="{FF2B5EF4-FFF2-40B4-BE49-F238E27FC236}">
+                <a16:creationId xmlns:a16="http://schemas.microsoft.com/office/drawing/2014/main" id="{A73C92AB-642F-0768-DFC1-FE02F1657F9F}"/>
+              </a:ext>
+            </a:extLst>
+          </p:cNvPr>
+          <p:cNvPicPr>
+            <a:picLocks noChangeAspect="1"/>
+          </p:cNvPicPr>
+          <p:nvPr/>
+        </p:nvPicPr>
+        <p:blipFill>
+          <a:blip r:embed="rId3">
+            <a:extLst>
+              <a:ext uri="{28A0092B-C50C-407E-A947-70E740481C1C}">
+                <a14:useLocalDpi xmlns:a14="http://schemas.microsoft.com/office/drawing/2010/main" val="0"/>
+              </a:ext>
+            </a:extLst>
+          </a:blip>
+          <a:srcRect/>
+          <a:stretch/>
+        </p:blipFill>
+        <p:spPr>
+          <a:xfrm>
+            <a:off x="296859" y="1169574"/>
+            <a:ext cx="2920375" cy="2189446"/>
+          </a:xfrm>
+          <a:prstGeom prst="rect">
+            <a:avLst/>
+          </a:prstGeom>
+        </p:spPr>
+      </p:pic>
+      <p:pic>
+        <p:nvPicPr>
+          <p:cNvPr id="17" name="図 16">
+            <a:extLst>
+              <a:ext uri="{FF2B5EF4-FFF2-40B4-BE49-F238E27FC236}">
+                <a16:creationId xmlns:a16="http://schemas.microsoft.com/office/drawing/2014/main" id="{89F92F0A-D1E6-BE21-C1E8-55D78EC61210}"/>
+              </a:ext>
+            </a:extLst>
+          </p:cNvPr>
+          <p:cNvPicPr>
+            <a:picLocks noChangeAspect="1"/>
+          </p:cNvPicPr>
+          <p:nvPr/>
+        </p:nvPicPr>
+        <p:blipFill>
+          <a:blip r:embed="rId4">
+            <a:extLst>
+              <a:ext uri="{28A0092B-C50C-407E-A947-70E740481C1C}">
+                <a14:useLocalDpi xmlns:a14="http://schemas.microsoft.com/office/drawing/2010/main" val="0"/>
+              </a:ext>
+            </a:extLst>
+          </a:blip>
+          <a:srcRect/>
+          <a:stretch/>
+        </p:blipFill>
+        <p:spPr>
+          <a:xfrm>
+            <a:off x="6262667" y="1177471"/>
+            <a:ext cx="2920375" cy="2189446"/>
+          </a:xfrm>
+          <a:prstGeom prst="rect">
+            <a:avLst/>
+          </a:prstGeom>
+        </p:spPr>
+      </p:pic>
+      <p:pic>
+        <p:nvPicPr>
+          <p:cNvPr id="16" name="図 15">
+            <a:extLst>
+              <a:ext uri="{FF2B5EF4-FFF2-40B4-BE49-F238E27FC236}">
+                <a16:creationId xmlns:a16="http://schemas.microsoft.com/office/drawing/2014/main" id="{CA71A3F8-5D75-3402-EA89-AD7CF8ED1C14}"/>
+              </a:ext>
+            </a:extLst>
+          </p:cNvPr>
+          <p:cNvPicPr>
+            <a:picLocks noChangeAspect="1"/>
+          </p:cNvPicPr>
+          <p:nvPr/>
+        </p:nvPicPr>
+        <p:blipFill>
+          <a:blip r:embed="rId5">
+            <a:extLst>
+              <a:ext uri="{28A0092B-C50C-407E-A947-70E740481C1C}">
+                <a14:useLocalDpi xmlns:a14="http://schemas.microsoft.com/office/drawing/2010/main" val="0"/>
+              </a:ext>
+            </a:extLst>
+          </a:blip>
+          <a:srcRect/>
+          <a:stretch/>
+        </p:blipFill>
+        <p:spPr>
+          <a:xfrm>
+            <a:off x="6262668" y="4169305"/>
+            <a:ext cx="2920375" cy="2189446"/>
+          </a:xfrm>
+          <a:prstGeom prst="rect">
+            <a:avLst/>
+          </a:prstGeom>
+        </p:spPr>
+      </p:pic>
       <p:sp>
         <p:nvSpPr>
           <p:cNvPr id="2" name="タイトル 1">
@@ -8234,10 +8460,10 @@
       </p:sp>
       <p:pic>
         <p:nvPicPr>
-          <p:cNvPr id="4" name="図 3" descr="バットとボール&#10;&#10;低い精度で自動的に生成された説明">
+          <p:cNvPr id="5" name="図 4">
             <a:extLst>
               <a:ext uri="{FF2B5EF4-FFF2-40B4-BE49-F238E27FC236}">
-                <a16:creationId xmlns:a16="http://schemas.microsoft.com/office/drawing/2014/main" id="{58A5D19F-F707-3CB4-828E-B769935A21A7}"/>
+                <a16:creationId xmlns:a16="http://schemas.microsoft.com/office/drawing/2014/main" id="{C775A665-0663-B41B-029C-DB6E8DEDD993}"/>
               </a:ext>
             </a:extLst>
           </p:cNvPr>
@@ -8247,27 +8473,287 @@
           <p:nvPr/>
         </p:nvPicPr>
         <p:blipFill>
-          <a:blip r:embed="rId2">
+          <a:blip r:embed="rId6">
             <a:extLst>
               <a:ext uri="{28A0092B-C50C-407E-A947-70E740481C1C}">
                 <a14:useLocalDpi xmlns:a14="http://schemas.microsoft.com/office/drawing/2010/main" val="0"/>
               </a:ext>
             </a:extLst>
           </a:blip>
-          <a:stretch>
-            <a:fillRect/>
-          </a:stretch>
+          <a:srcRect/>
+          <a:stretch/>
         </p:blipFill>
         <p:spPr>
           <a:xfrm>
-            <a:off x="386324" y="1059893"/>
-            <a:ext cx="1686367" cy="2962589"/>
+            <a:off x="3008958" y="1177471"/>
+            <a:ext cx="2920375" cy="2189446"/>
           </a:xfrm>
           <a:prstGeom prst="rect">
             <a:avLst/>
           </a:prstGeom>
         </p:spPr>
       </p:pic>
+      <p:pic>
+        <p:nvPicPr>
+          <p:cNvPr id="6" name="図 5">
+            <a:extLst>
+              <a:ext uri="{FF2B5EF4-FFF2-40B4-BE49-F238E27FC236}">
+                <a16:creationId xmlns:a16="http://schemas.microsoft.com/office/drawing/2014/main" id="{A58E8AB0-C2A4-BFE5-196C-C0F1B54911EE}"/>
+              </a:ext>
+            </a:extLst>
+          </p:cNvPr>
+          <p:cNvPicPr>
+            <a:picLocks noChangeAspect="1"/>
+          </p:cNvPicPr>
+          <p:nvPr/>
+        </p:nvPicPr>
+        <p:blipFill>
+          <a:blip r:embed="rId7">
+            <a:extLst>
+              <a:ext uri="{28A0092B-C50C-407E-A947-70E740481C1C}">
+                <a14:useLocalDpi xmlns:a14="http://schemas.microsoft.com/office/drawing/2010/main" val="0"/>
+              </a:ext>
+            </a:extLst>
+          </a:blip>
+          <a:srcRect/>
+          <a:stretch/>
+        </p:blipFill>
+        <p:spPr>
+          <a:xfrm>
+            <a:off x="8974766" y="1177471"/>
+            <a:ext cx="2920375" cy="2189447"/>
+          </a:xfrm>
+          <a:prstGeom prst="rect">
+            <a:avLst/>
+          </a:prstGeom>
+        </p:spPr>
+      </p:pic>
+      <p:pic>
+        <p:nvPicPr>
+          <p:cNvPr id="7" name="図 6">
+            <a:extLst>
+              <a:ext uri="{FF2B5EF4-FFF2-40B4-BE49-F238E27FC236}">
+                <a16:creationId xmlns:a16="http://schemas.microsoft.com/office/drawing/2014/main" id="{0FECC6A2-89DE-8153-9179-9688FC2B1E0F}"/>
+              </a:ext>
+            </a:extLst>
+          </p:cNvPr>
+          <p:cNvPicPr>
+            <a:picLocks noChangeAspect="1"/>
+          </p:cNvPicPr>
+          <p:nvPr/>
+        </p:nvPicPr>
+        <p:blipFill>
+          <a:blip r:embed="rId8">
+            <a:extLst>
+              <a:ext uri="{28A0092B-C50C-407E-A947-70E740481C1C}">
+                <a14:useLocalDpi xmlns:a14="http://schemas.microsoft.com/office/drawing/2010/main" val="0"/>
+              </a:ext>
+            </a:extLst>
+          </a:blip>
+          <a:srcRect/>
+          <a:stretch/>
+        </p:blipFill>
+        <p:spPr>
+          <a:xfrm>
+            <a:off x="2943486" y="4107160"/>
+            <a:ext cx="2920375" cy="2189447"/>
+          </a:xfrm>
+          <a:prstGeom prst="rect">
+            <a:avLst/>
+          </a:prstGeom>
+        </p:spPr>
+      </p:pic>
+      <p:pic>
+        <p:nvPicPr>
+          <p:cNvPr id="8" name="図 7">
+            <a:extLst>
+              <a:ext uri="{FF2B5EF4-FFF2-40B4-BE49-F238E27FC236}">
+                <a16:creationId xmlns:a16="http://schemas.microsoft.com/office/drawing/2014/main" id="{183AB63E-89E9-2FBF-44F3-395C736E5D7C}"/>
+              </a:ext>
+            </a:extLst>
+          </p:cNvPr>
+          <p:cNvPicPr>
+            <a:picLocks noChangeAspect="1"/>
+          </p:cNvPicPr>
+          <p:nvPr/>
+        </p:nvPicPr>
+        <p:blipFill>
+          <a:blip r:embed="rId9">
+            <a:extLst>
+              <a:ext uri="{28A0092B-C50C-407E-A947-70E740481C1C}">
+                <a14:useLocalDpi xmlns:a14="http://schemas.microsoft.com/office/drawing/2010/main" val="0"/>
+              </a:ext>
+            </a:extLst>
+          </a:blip>
+          <a:srcRect/>
+          <a:stretch/>
+        </p:blipFill>
+        <p:spPr>
+          <a:xfrm>
+            <a:off x="8869323" y="4028108"/>
+            <a:ext cx="3131262" cy="2347552"/>
+          </a:xfrm>
+          <a:prstGeom prst="rect">
+            <a:avLst/>
+          </a:prstGeom>
+        </p:spPr>
+      </p:pic>
+      <p:sp>
+        <p:nvSpPr>
+          <p:cNvPr id="9" name="テキスト ボックス 8">
+            <a:extLst>
+              <a:ext uri="{FF2B5EF4-FFF2-40B4-BE49-F238E27FC236}">
+                <a16:creationId xmlns:a16="http://schemas.microsoft.com/office/drawing/2014/main" id="{5DFD3D56-F89B-D1ED-6AF4-8BBCC4B6B1DD}"/>
+              </a:ext>
+            </a:extLst>
+          </p:cNvPr>
+          <p:cNvSpPr txBox="1"/>
+          <p:nvPr/>
+        </p:nvSpPr>
+        <p:spPr>
+          <a:xfrm>
+            <a:off x="1696883" y="808139"/>
+            <a:ext cx="2836506" cy="369332"/>
+          </a:xfrm>
+          <a:prstGeom prst="rect">
+            <a:avLst/>
+          </a:prstGeom>
+          <a:noFill/>
+        </p:spPr>
+        <p:txBody>
+          <a:bodyPr wrap="square" rtlCol="0">
+            <a:spAutoFit/>
+          </a:bodyPr>
+          <a:lstStyle/>
+          <a:p>
+            <a:pPr algn="ctr"/>
+            <a:r>
+              <a:rPr lang="en-US" dirty="0">
+                <a:latin typeface="Arial" panose="020B0604020202020204" pitchFamily="34" charset="0"/>
+                <a:cs typeface="Arial" panose="020B0604020202020204" pitchFamily="34" charset="0"/>
+              </a:rPr>
+              <a:t>0216-neuron #7</a:t>
+            </a:r>
+          </a:p>
+        </p:txBody>
+      </p:sp>
+      <p:sp>
+        <p:nvSpPr>
+          <p:cNvPr id="10" name="テキスト ボックス 9">
+            <a:extLst>
+              <a:ext uri="{FF2B5EF4-FFF2-40B4-BE49-F238E27FC236}">
+                <a16:creationId xmlns:a16="http://schemas.microsoft.com/office/drawing/2014/main" id="{78646B02-982D-9633-F42B-11E6CF8B6FB0}"/>
+              </a:ext>
+            </a:extLst>
+          </p:cNvPr>
+          <p:cNvSpPr txBox="1"/>
+          <p:nvPr/>
+        </p:nvSpPr>
+        <p:spPr>
+          <a:xfrm>
+            <a:off x="7556513" y="728376"/>
+            <a:ext cx="2836506" cy="369332"/>
+          </a:xfrm>
+          <a:prstGeom prst="rect">
+            <a:avLst/>
+          </a:prstGeom>
+          <a:noFill/>
+        </p:spPr>
+        <p:txBody>
+          <a:bodyPr wrap="square" rtlCol="0">
+            <a:spAutoFit/>
+          </a:bodyPr>
+          <a:lstStyle/>
+          <a:p>
+            <a:pPr algn="ctr"/>
+            <a:r>
+              <a:rPr lang="en-US" dirty="0">
+                <a:latin typeface="Arial" panose="020B0604020202020204" pitchFamily="34" charset="0"/>
+                <a:cs typeface="Arial" panose="020B0604020202020204" pitchFamily="34" charset="0"/>
+              </a:rPr>
+              <a:t>0216-neuron #52</a:t>
+            </a:r>
+          </a:p>
+        </p:txBody>
+      </p:sp>
+      <p:sp>
+        <p:nvSpPr>
+          <p:cNvPr id="11" name="テキスト ボックス 10">
+            <a:extLst>
+              <a:ext uri="{FF2B5EF4-FFF2-40B4-BE49-F238E27FC236}">
+                <a16:creationId xmlns:a16="http://schemas.microsoft.com/office/drawing/2014/main" id="{35A36050-F2C9-BCB4-6167-5C3718C0CA95}"/>
+              </a:ext>
+            </a:extLst>
+          </p:cNvPr>
+          <p:cNvSpPr txBox="1"/>
+          <p:nvPr/>
+        </p:nvSpPr>
+        <p:spPr>
+          <a:xfrm>
+            <a:off x="1883498" y="3517641"/>
+            <a:ext cx="2836506" cy="369332"/>
+          </a:xfrm>
+          <a:prstGeom prst="rect">
+            <a:avLst/>
+          </a:prstGeom>
+          <a:noFill/>
+        </p:spPr>
+        <p:txBody>
+          <a:bodyPr wrap="square" rtlCol="0">
+            <a:spAutoFit/>
+          </a:bodyPr>
+          <a:lstStyle/>
+          <a:p>
+            <a:pPr algn="ctr"/>
+            <a:r>
+              <a:rPr lang="en-US" dirty="0">
+                <a:latin typeface="Arial" panose="020B0604020202020204" pitchFamily="34" charset="0"/>
+                <a:cs typeface="Arial" panose="020B0604020202020204" pitchFamily="34" charset="0"/>
+              </a:rPr>
+              <a:t>0405-neuron #37</a:t>
+            </a:r>
+          </a:p>
+        </p:txBody>
+      </p:sp>
+      <p:sp>
+        <p:nvSpPr>
+          <p:cNvPr id="12" name="テキスト ボックス 11">
+            <a:extLst>
+              <a:ext uri="{FF2B5EF4-FFF2-40B4-BE49-F238E27FC236}">
+                <a16:creationId xmlns:a16="http://schemas.microsoft.com/office/drawing/2014/main" id="{08A91FB1-732A-AE25-A43C-1CBC428D7C69}"/>
+              </a:ext>
+            </a:extLst>
+          </p:cNvPr>
+          <p:cNvSpPr txBox="1"/>
+          <p:nvPr/>
+        </p:nvSpPr>
+        <p:spPr>
+          <a:xfrm>
+            <a:off x="7556513" y="3504361"/>
+            <a:ext cx="2836506" cy="369332"/>
+          </a:xfrm>
+          <a:prstGeom prst="rect">
+            <a:avLst/>
+          </a:prstGeom>
+          <a:noFill/>
+        </p:spPr>
+        <p:txBody>
+          <a:bodyPr wrap="square" rtlCol="0">
+            <a:spAutoFit/>
+          </a:bodyPr>
+          <a:lstStyle/>
+          <a:p>
+            <a:pPr algn="ctr"/>
+            <a:r>
+              <a:rPr lang="en-US" dirty="0">
+                <a:latin typeface="Arial" panose="020B0604020202020204" pitchFamily="34" charset="0"/>
+                <a:cs typeface="Arial" panose="020B0604020202020204" pitchFamily="34" charset="0"/>
+              </a:rPr>
+              <a:t>0414-neuron #22</a:t>
+            </a:r>
+          </a:p>
+        </p:txBody>
+      </p:sp>
     </p:spTree>
     <p:extLst>
       <p:ext uri="{BB962C8B-B14F-4D97-AF65-F5344CB8AC3E}">
@@ -8952,8 +9438,8 @@
         </p:blipFill>
         <p:spPr>
           <a:xfrm>
-            <a:off x="5076538" y="2692485"/>
-            <a:ext cx="1514180" cy="3287196"/>
+            <a:off x="5076538" y="2695990"/>
+            <a:ext cx="1514180" cy="3280185"/>
           </a:xfrm>
           <a:prstGeom prst="rect">
             <a:avLst/>
@@ -8987,8 +9473,8 @@
         </p:blipFill>
         <p:spPr>
           <a:xfrm>
-            <a:off x="3696772" y="2696295"/>
-            <a:ext cx="1514180" cy="3287196"/>
+            <a:off x="3696772" y="2699800"/>
+            <a:ext cx="1514180" cy="3280185"/>
           </a:xfrm>
           <a:prstGeom prst="rect">
             <a:avLst/>
@@ -9022,8 +9508,8 @@
         </p:blipFill>
         <p:spPr>
           <a:xfrm>
-            <a:off x="2283808" y="2698918"/>
-            <a:ext cx="1514180" cy="3287196"/>
+            <a:off x="2283808" y="2702423"/>
+            <a:ext cx="1514180" cy="3280185"/>
           </a:xfrm>
           <a:prstGeom prst="rect">
             <a:avLst/>
@@ -9171,8 +9657,8 @@
         </p:blipFill>
         <p:spPr>
           <a:xfrm>
-            <a:off x="7596631" y="2992296"/>
-            <a:ext cx="3837379" cy="2876937"/>
+            <a:off x="7596632" y="2992296"/>
+            <a:ext cx="3837377" cy="2876937"/>
           </a:xfrm>
           <a:prstGeom prst="rect">
             <a:avLst/>
@@ -9243,7 +9729,7 @@
                 <a:latin typeface="Arial" panose="020B0604020202020204" pitchFamily="34" charset="0"/>
                 <a:cs typeface="Arial" panose="020B0604020202020204" pitchFamily="34" charset="0"/>
               </a:rPr>
-              <a:t>Is Reward Axis and Difficulty Axis orthogonal?</a:t>
+              <a:t>Does Reward Axis after TO show “stretching”?</a:t>
             </a:r>
             <a:endParaRPr lang="en-US" sz="2800" dirty="0">
               <a:latin typeface="Arial" panose="020B0604020202020204" pitchFamily="34" charset="0"/>
@@ -9328,19 +9814,8 @@
                 <a:latin typeface="Arial" panose="020B0604020202020204" pitchFamily="34" charset="0"/>
                 <a:cs typeface="Arial" panose="020B0604020202020204" pitchFamily="34" charset="0"/>
               </a:rPr>
-              <a:t>(3)) after TO 150-350 </a:t>
-            </a:r>
-            <a:r>
-              <a:rPr lang="en-US" altLang="ja-JP" sz="2000" dirty="0" err="1">
-                <a:latin typeface="Arial" panose="020B0604020202020204" pitchFamily="34" charset="0"/>
-                <a:cs typeface="Arial" panose="020B0604020202020204" pitchFamily="34" charset="0"/>
-              </a:rPr>
-              <a:t>ms</a:t>
-            </a:r>
-            <a:endParaRPr lang="en-US" altLang="ja-JP" sz="2000" dirty="0">
-              <a:latin typeface="Arial" panose="020B0604020202020204" pitchFamily="34" charset="0"/>
-              <a:cs typeface="Arial" panose="020B0604020202020204" pitchFamily="34" charset="0"/>
-            </a:endParaRPr>
+              <a:t>(3)) after TO[+200 +400]</a:t>
+            </a:r>
           </a:p>
           <a:p>
             <a:pPr marL="457200" indent="-457200">
@@ -9842,17 +10317,441 @@
                 <a:latin typeface="Arial" panose="020B0604020202020204" pitchFamily="34" charset="0"/>
                 <a:cs typeface="Arial" panose="020B0604020202020204" pitchFamily="34" charset="0"/>
               </a:rPr>
-              <a:t>0408</a:t>
+              <a:t>0216</a:t>
+            </a:r>
+          </a:p>
+        </p:txBody>
+      </p:sp>
+      <p:pic>
+        <p:nvPicPr>
+          <p:cNvPr id="35" name="図 34">
+            <a:extLst>
+              <a:ext uri="{FF2B5EF4-FFF2-40B4-BE49-F238E27FC236}">
+                <a16:creationId xmlns:a16="http://schemas.microsoft.com/office/drawing/2014/main" id="{3C1FD339-7B31-F97B-ABA8-B2B728F944C5}"/>
+              </a:ext>
+            </a:extLst>
+          </p:cNvPr>
+          <p:cNvPicPr>
+            <a:picLocks noChangeAspect="1"/>
+          </p:cNvPicPr>
+          <p:nvPr/>
+        </p:nvPicPr>
+        <p:blipFill>
+          <a:blip r:embed="rId3">
+            <a:extLst>
+              <a:ext uri="{28A0092B-C50C-407E-A947-70E740481C1C}">
+                <a14:useLocalDpi xmlns:a14="http://schemas.microsoft.com/office/drawing/2010/main" val="0"/>
+              </a:ext>
+            </a:extLst>
+          </a:blip>
+          <a:srcRect/>
+          <a:stretch/>
+        </p:blipFill>
+        <p:spPr>
+          <a:xfrm>
+            <a:off x="5076538" y="2695990"/>
+            <a:ext cx="1514179" cy="3280185"/>
+          </a:xfrm>
+          <a:prstGeom prst="rect">
+            <a:avLst/>
+          </a:prstGeom>
+        </p:spPr>
+      </p:pic>
+      <p:pic>
+        <p:nvPicPr>
+          <p:cNvPr id="36" name="図 35">
+            <a:extLst>
+              <a:ext uri="{FF2B5EF4-FFF2-40B4-BE49-F238E27FC236}">
+                <a16:creationId xmlns:a16="http://schemas.microsoft.com/office/drawing/2014/main" id="{B333C618-B8EA-6CAD-5D63-8EBA44F8F585}"/>
+              </a:ext>
+            </a:extLst>
+          </p:cNvPr>
+          <p:cNvPicPr>
+            <a:picLocks noChangeAspect="1"/>
+          </p:cNvPicPr>
+          <p:nvPr/>
+        </p:nvPicPr>
+        <p:blipFill>
+          <a:blip r:embed="rId4">
+            <a:extLst>
+              <a:ext uri="{28A0092B-C50C-407E-A947-70E740481C1C}">
+                <a14:useLocalDpi xmlns:a14="http://schemas.microsoft.com/office/drawing/2010/main" val="0"/>
+              </a:ext>
+            </a:extLst>
+          </a:blip>
+          <a:srcRect/>
+          <a:stretch/>
+        </p:blipFill>
+        <p:spPr>
+          <a:xfrm>
+            <a:off x="3696772" y="2699800"/>
+            <a:ext cx="1514179" cy="3280185"/>
+          </a:xfrm>
+          <a:prstGeom prst="rect">
+            <a:avLst/>
+          </a:prstGeom>
+        </p:spPr>
+      </p:pic>
+      <p:pic>
+        <p:nvPicPr>
+          <p:cNvPr id="37" name="図 36">
+            <a:extLst>
+              <a:ext uri="{FF2B5EF4-FFF2-40B4-BE49-F238E27FC236}">
+                <a16:creationId xmlns:a16="http://schemas.microsoft.com/office/drawing/2014/main" id="{A31763D5-BB79-F7D5-29ED-A6EBB1F2ECCC}"/>
+              </a:ext>
+            </a:extLst>
+          </p:cNvPr>
+          <p:cNvPicPr>
+            <a:picLocks noChangeAspect="1"/>
+          </p:cNvPicPr>
+          <p:nvPr/>
+        </p:nvPicPr>
+        <p:blipFill>
+          <a:blip r:embed="rId5">
+            <a:extLst>
+              <a:ext uri="{28A0092B-C50C-407E-A947-70E740481C1C}">
+                <a14:useLocalDpi xmlns:a14="http://schemas.microsoft.com/office/drawing/2010/main" val="0"/>
+              </a:ext>
+            </a:extLst>
+          </a:blip>
+          <a:srcRect/>
+          <a:stretch/>
+        </p:blipFill>
+        <p:spPr>
+          <a:xfrm>
+            <a:off x="2283808" y="2702423"/>
+            <a:ext cx="1514179" cy="3280185"/>
+          </a:xfrm>
+          <a:prstGeom prst="rect">
+            <a:avLst/>
+          </a:prstGeom>
+        </p:spPr>
+      </p:pic>
+      <p:sp>
+        <p:nvSpPr>
+          <p:cNvPr id="38" name="テキスト ボックス 37">
+            <a:extLst>
+              <a:ext uri="{FF2B5EF4-FFF2-40B4-BE49-F238E27FC236}">
+                <a16:creationId xmlns:a16="http://schemas.microsoft.com/office/drawing/2014/main" id="{8CEBEAB8-21CE-5FCA-D76E-27AAEB5C4793}"/>
+              </a:ext>
+            </a:extLst>
+          </p:cNvPr>
+          <p:cNvSpPr txBox="1"/>
+          <p:nvPr/>
+        </p:nvSpPr>
+        <p:spPr>
+          <a:xfrm>
+            <a:off x="4152034" y="5989980"/>
+            <a:ext cx="706332" cy="307777"/>
+          </a:xfrm>
+          <a:prstGeom prst="rect">
+            <a:avLst/>
+          </a:prstGeom>
+          <a:noFill/>
+        </p:spPr>
+        <p:txBody>
+          <a:bodyPr wrap="square" rtlCol="0">
+            <a:spAutoFit/>
+          </a:bodyPr>
+          <a:lstStyle/>
+          <a:p>
+            <a:pPr algn="ctr"/>
+            <a:r>
+              <a:rPr kumimoji="1" lang="en-US" altLang="ja-JP" sz="1400" b="1" dirty="0">
+                <a:latin typeface="Arial" panose="020B0604020202020204" pitchFamily="34" charset="0"/>
+                <a:cs typeface="Arial" panose="020B0604020202020204" pitchFamily="34" charset="0"/>
+              </a:rPr>
+              <a:t>0405</a:t>
             </a:r>
           </a:p>
         </p:txBody>
       </p:sp>
       <p:sp>
         <p:nvSpPr>
-          <p:cNvPr id="6" name="コンテンツ プレースホルダー 2">
+          <p:cNvPr id="39" name="テキスト ボックス 38">
             <a:extLst>
               <a:ext uri="{FF2B5EF4-FFF2-40B4-BE49-F238E27FC236}">
-                <a16:creationId xmlns:a16="http://schemas.microsoft.com/office/drawing/2014/main" id="{27882978-16B5-E0EC-2F9C-C3BD57B8D565}"/>
+                <a16:creationId xmlns:a16="http://schemas.microsoft.com/office/drawing/2014/main" id="{D22E9565-EA77-6035-F5BF-057CFFD532DE}"/>
+              </a:ext>
+            </a:extLst>
+          </p:cNvPr>
+          <p:cNvSpPr txBox="1"/>
+          <p:nvPr/>
+        </p:nvSpPr>
+        <p:spPr>
+          <a:xfrm>
+            <a:off x="5481408" y="5989980"/>
+            <a:ext cx="706332" cy="307777"/>
+          </a:xfrm>
+          <a:prstGeom prst="rect">
+            <a:avLst/>
+          </a:prstGeom>
+          <a:noFill/>
+        </p:spPr>
+        <p:txBody>
+          <a:bodyPr wrap="square" rtlCol="0">
+            <a:spAutoFit/>
+          </a:bodyPr>
+          <a:lstStyle/>
+          <a:p>
+            <a:pPr algn="ctr"/>
+            <a:r>
+              <a:rPr kumimoji="1" lang="en-US" altLang="ja-JP" sz="1400" b="1" dirty="0">
+                <a:latin typeface="Arial" panose="020B0604020202020204" pitchFamily="34" charset="0"/>
+                <a:cs typeface="Arial" panose="020B0604020202020204" pitchFamily="34" charset="0"/>
+              </a:rPr>
+              <a:t>0411</a:t>
+            </a:r>
+          </a:p>
+        </p:txBody>
+      </p:sp>
+      <p:pic>
+        <p:nvPicPr>
+          <p:cNvPr id="8" name="図 7" descr="アイコン&#10;&#10;自動的に生成された説明">
+            <a:extLst>
+              <a:ext uri="{FF2B5EF4-FFF2-40B4-BE49-F238E27FC236}">
+                <a16:creationId xmlns:a16="http://schemas.microsoft.com/office/drawing/2014/main" id="{599E9DEC-FED0-36CF-90AA-D84B353C4D89}"/>
+              </a:ext>
+            </a:extLst>
+          </p:cNvPr>
+          <p:cNvPicPr>
+            <a:picLocks noChangeAspect="1"/>
+          </p:cNvPicPr>
+          <p:nvPr/>
+        </p:nvPicPr>
+        <p:blipFill>
+          <a:blip r:embed="rId6">
+            <a:extLst>
+              <a:ext uri="{28A0092B-C50C-407E-A947-70E740481C1C}">
+                <a14:useLocalDpi xmlns:a14="http://schemas.microsoft.com/office/drawing/2010/main" val="0"/>
+              </a:ext>
+            </a:extLst>
+          </a:blip>
+          <a:stretch>
+            <a:fillRect/>
+          </a:stretch>
+        </p:blipFill>
+        <p:spPr>
+          <a:xfrm>
+            <a:off x="200964" y="2831948"/>
+            <a:ext cx="1776409" cy="3381033"/>
+          </a:xfrm>
+          <a:prstGeom prst="rect">
+            <a:avLst/>
+          </a:prstGeom>
+        </p:spPr>
+      </p:pic>
+      <p:pic>
+        <p:nvPicPr>
+          <p:cNvPr id="9" name="図 8">
+            <a:extLst>
+              <a:ext uri="{FF2B5EF4-FFF2-40B4-BE49-F238E27FC236}">
+                <a16:creationId xmlns:a16="http://schemas.microsoft.com/office/drawing/2014/main" id="{E91FAD4C-3D6C-5699-7889-E89D34000263}"/>
+              </a:ext>
+            </a:extLst>
+          </p:cNvPr>
+          <p:cNvPicPr>
+            <a:picLocks noChangeAspect="1"/>
+          </p:cNvPicPr>
+          <p:nvPr/>
+        </p:nvPicPr>
+        <p:blipFill>
+          <a:blip r:embed="rId7">
+            <a:extLst>
+              <a:ext uri="{28A0092B-C50C-407E-A947-70E740481C1C}">
+                <a14:useLocalDpi xmlns:a14="http://schemas.microsoft.com/office/drawing/2010/main" val="0"/>
+              </a:ext>
+            </a:extLst>
+          </a:blip>
+          <a:srcRect/>
+          <a:stretch/>
+        </p:blipFill>
+        <p:spPr>
+          <a:xfrm>
+            <a:off x="7596632" y="2992296"/>
+            <a:ext cx="3837377" cy="2876936"/>
+          </a:xfrm>
+          <a:prstGeom prst="rect">
+            <a:avLst/>
+          </a:prstGeom>
+        </p:spPr>
+      </p:pic>
+    </p:spTree>
+    <p:extLst>
+      <p:ext uri="{BB962C8B-B14F-4D97-AF65-F5344CB8AC3E}">
+        <p14:creationId xmlns:p14="http://schemas.microsoft.com/office/powerpoint/2010/main" val="4150551213"/>
+      </p:ext>
+    </p:extLst>
+  </p:cSld>
+  <p:clrMapOvr>
+    <a:masterClrMapping/>
+  </p:clrMapOvr>
+</p:sld>
+</file>
+
+<file path=ppt/slides/slide8.xml><?xml version="1.0" encoding="utf-8"?>
+<p:sld xmlns:a="http://schemas.openxmlformats.org/drawingml/2006/main" xmlns:r="http://schemas.openxmlformats.org/officeDocument/2006/relationships" xmlns:p="http://schemas.openxmlformats.org/presentationml/2006/main" show="0">
+  <p:cSld>
+    <p:spTree>
+      <p:nvGrpSpPr>
+        <p:cNvPr id="1" name=""/>
+        <p:cNvGrpSpPr/>
+        <p:nvPr/>
+      </p:nvGrpSpPr>
+      <p:grpSpPr>
+        <a:xfrm>
+          <a:off x="0" y="0"/>
+          <a:ext cx="0" cy="0"/>
+          <a:chOff x="0" y="0"/>
+          <a:chExt cx="0" cy="0"/>
+        </a:xfrm>
+      </p:grpSpPr>
+      <p:sp>
+        <p:nvSpPr>
+          <p:cNvPr id="2" name="タイトル 1">
+            <a:extLst>
+              <a:ext uri="{FF2B5EF4-FFF2-40B4-BE49-F238E27FC236}">
+                <a16:creationId xmlns:a16="http://schemas.microsoft.com/office/drawing/2014/main" id="{27D14253-3A9D-C323-9B97-5D6BE60413FE}"/>
+              </a:ext>
+            </a:extLst>
+          </p:cNvPr>
+          <p:cNvSpPr>
+            <a:spLocks noGrp="1"/>
+          </p:cNvSpPr>
+          <p:nvPr>
+            <p:ph type="title"/>
+          </p:nvPr>
+        </p:nvSpPr>
+        <p:spPr>
+          <a:xfrm>
+            <a:off x="115410" y="106533"/>
+            <a:ext cx="11940466" cy="648069"/>
+          </a:xfrm>
+        </p:spPr>
+        <p:txBody>
+          <a:bodyPr>
+            <a:noAutofit/>
+          </a:bodyPr>
+          <a:lstStyle/>
+          <a:p>
+            <a:pPr algn="ctr"/>
+            <a:r>
+              <a:rPr lang="en-US" altLang="ja-JP" sz="2800" b="1" dirty="0">
+                <a:latin typeface="Arial" panose="020B0604020202020204" pitchFamily="34" charset="0"/>
+                <a:cs typeface="Arial" panose="020B0604020202020204" pitchFamily="34" charset="0"/>
+              </a:rPr>
+              <a:t>Is Reward Axis and Difficulty Axis orthogonal?</a:t>
+            </a:r>
+            <a:endParaRPr lang="en-US" sz="2800" dirty="0">
+              <a:latin typeface="Arial" panose="020B0604020202020204" pitchFamily="34" charset="0"/>
+              <a:cs typeface="Arial" panose="020B0604020202020204" pitchFamily="34" charset="0"/>
+            </a:endParaRPr>
+          </a:p>
+        </p:txBody>
+      </p:sp>
+      <p:sp>
+        <p:nvSpPr>
+          <p:cNvPr id="3" name="コンテンツ プレースホルダー 2">
+            <a:extLst>
+              <a:ext uri="{FF2B5EF4-FFF2-40B4-BE49-F238E27FC236}">
+                <a16:creationId xmlns:a16="http://schemas.microsoft.com/office/drawing/2014/main" id="{BDE1F3B7-0738-A471-C46D-DC17FEE61F64}"/>
+              </a:ext>
+            </a:extLst>
+          </p:cNvPr>
+          <p:cNvSpPr>
+            <a:spLocks noGrp="1"/>
+          </p:cNvSpPr>
+          <p:nvPr>
+            <p:ph idx="1"/>
+          </p:nvPr>
+        </p:nvSpPr>
+        <p:spPr>
+          <a:xfrm>
+            <a:off x="115410" y="878889"/>
+            <a:ext cx="11940466" cy="1722268"/>
+          </a:xfrm>
+        </p:spPr>
+        <p:txBody>
+          <a:bodyPr>
+            <a:normAutofit/>
+          </a:bodyPr>
+          <a:lstStyle/>
+          <a:p>
+            <a:pPr marL="0" indent="0">
+              <a:buNone/>
+            </a:pPr>
+            <a:r>
+              <a:rPr lang="en-US" altLang="ja-JP" sz="2000" b="1" dirty="0">
+                <a:latin typeface="Arial" panose="020B0604020202020204" pitchFamily="34" charset="0"/>
+                <a:cs typeface="Arial" panose="020B0604020202020204" pitchFamily="34" charset="0"/>
+              </a:rPr>
+              <a:t>Method</a:t>
+            </a:r>
+          </a:p>
+          <a:p>
+            <a:pPr marL="457200" indent="-457200">
+              <a:buAutoNum type="arabicPeriod"/>
+            </a:pPr>
+            <a:r>
+              <a:rPr lang="en-US" altLang="ja-JP" sz="2000" dirty="0">
+                <a:latin typeface="Arial" panose="020B0604020202020204" pitchFamily="34" charset="0"/>
+                <a:cs typeface="Arial" panose="020B0604020202020204" pitchFamily="34" charset="0"/>
+              </a:rPr>
+              <a:t>Get an average of firing rate in each reward condition (</a:t>
+            </a:r>
+            <a:r>
+              <a:rPr lang="en-US" altLang="ja-JP" sz="2000" dirty="0" err="1">
+                <a:latin typeface="Arial" panose="020B0604020202020204" pitchFamily="34" charset="0"/>
+                <a:cs typeface="Arial" panose="020B0604020202020204" pitchFamily="34" charset="0"/>
+              </a:rPr>
+              <a:t>nneuron</a:t>
+            </a:r>
+            <a:r>
+              <a:rPr lang="en-US" altLang="ja-JP" sz="2000" dirty="0">
+                <a:latin typeface="Arial" panose="020B0604020202020204" pitchFamily="34" charset="0"/>
+                <a:cs typeface="Arial" panose="020B0604020202020204" pitchFamily="34" charset="0"/>
+              </a:rPr>
+              <a:t> * </a:t>
+            </a:r>
+            <a:r>
+              <a:rPr lang="en-US" altLang="ja-JP" sz="2000" dirty="0" err="1">
+                <a:latin typeface="Arial" panose="020B0604020202020204" pitchFamily="34" charset="0"/>
+                <a:cs typeface="Arial" panose="020B0604020202020204" pitchFamily="34" charset="0"/>
+              </a:rPr>
+              <a:t>nreward</a:t>
+            </a:r>
+            <a:r>
+              <a:rPr lang="en-US" altLang="ja-JP" sz="2000" dirty="0">
+                <a:latin typeface="Arial" panose="020B0604020202020204" pitchFamily="34" charset="0"/>
+                <a:cs typeface="Arial" panose="020B0604020202020204" pitchFamily="34" charset="0"/>
+              </a:rPr>
+              <a:t>(3)) around GC [-200 +50]</a:t>
+            </a:r>
+          </a:p>
+          <a:p>
+            <a:pPr marL="457200" indent="-457200">
+              <a:buAutoNum type="arabicPeriod"/>
+            </a:pPr>
+            <a:r>
+              <a:rPr lang="en-US" altLang="ja-JP" sz="2000" dirty="0">
+                <a:latin typeface="Arial" panose="020B0604020202020204" pitchFamily="34" charset="0"/>
+                <a:cs typeface="Arial" panose="020B0604020202020204" pitchFamily="34" charset="0"/>
+              </a:rPr>
+              <a:t>Get reward Axis from them</a:t>
+            </a:r>
+            <a:endParaRPr lang="en-US" altLang="ja-JP" sz="2000" b="1" dirty="0">
+              <a:latin typeface="Arial" panose="020B0604020202020204" pitchFamily="34" charset="0"/>
+              <a:cs typeface="Arial" panose="020B0604020202020204" pitchFamily="34" charset="0"/>
+            </a:endParaRPr>
+          </a:p>
+        </p:txBody>
+      </p:sp>
+      <p:sp>
+        <p:nvSpPr>
+          <p:cNvPr id="4" name="コンテンツ プレースホルダー 2">
+            <a:extLst>
+              <a:ext uri="{FF2B5EF4-FFF2-40B4-BE49-F238E27FC236}">
+                <a16:creationId xmlns:a16="http://schemas.microsoft.com/office/drawing/2014/main" id="{3C1F8DFF-3BE9-522D-51E5-D48F5B432B59}"/>
               </a:ext>
             </a:extLst>
           </p:cNvPr>
@@ -9863,12 +10762,17 @@
         </p:nvSpPr>
         <p:spPr>
           <a:xfrm>
-            <a:off x="136127" y="6492931"/>
-            <a:ext cx="11940466" cy="365069"/>
+            <a:off x="115411" y="2087842"/>
+            <a:ext cx="2079149" cy="449063"/>
           </a:xfrm>
           <a:prstGeom prst="rect">
             <a:avLst/>
           </a:prstGeom>
+          <a:solidFill>
+            <a:schemeClr val="bg1">
+              <a:lumMod val="95000"/>
+            </a:schemeClr>
+          </a:solidFill>
         </p:spPr>
         <p:txBody>
           <a:bodyPr vert="horz" lIns="91440" tIns="45720" rIns="91440" bIns="45720" rtlCol="0" anchor="ctr">
@@ -10039,536 +10943,236 @@
             </a:lvl9pPr>
           </a:lstStyle>
           <a:p>
-            <a:pPr marL="0" indent="0">
+            <a:pPr marL="0" indent="0" algn="ctr">
               <a:buFont typeface="Arial" panose="020B0604020202020204" pitchFamily="34" charset="0"/>
               <a:buNone/>
             </a:pPr>
             <a:r>
-              <a:rPr lang="en-US" altLang="ja-JP" sz="1800" b="1" dirty="0">
+              <a:rPr lang="en-US" altLang="ja-JP" sz="2400" b="1" dirty="0">
                 <a:latin typeface="Arial" panose="020B0604020202020204" pitchFamily="34" charset="0"/>
                 <a:cs typeface="Arial" panose="020B0604020202020204" pitchFamily="34" charset="0"/>
               </a:rPr>
-              <a:t>Conclusion: The slope is bigger in Easy Condition</a:t>
-            </a:r>
-            <a:endParaRPr lang="en-US" sz="1800" b="1" dirty="0">
+              <a:t>We expect</a:t>
+            </a:r>
+            <a:endParaRPr lang="en-US" sz="2400" b="1" dirty="0">
               <a:latin typeface="Arial" panose="020B0604020202020204" pitchFamily="34" charset="0"/>
               <a:cs typeface="Arial" panose="020B0604020202020204" pitchFamily="34" charset="0"/>
             </a:endParaRPr>
           </a:p>
         </p:txBody>
       </p:sp>
-      <p:pic>
-        <p:nvPicPr>
-          <p:cNvPr id="17" name="図 16" descr="アイコン&#10;&#10;自動的に生成された説明">
+      <p:sp>
+        <p:nvSpPr>
+          <p:cNvPr id="5" name="コンテンツ プレースホルダー 2">
             <a:extLst>
               <a:ext uri="{FF2B5EF4-FFF2-40B4-BE49-F238E27FC236}">
-                <a16:creationId xmlns:a16="http://schemas.microsoft.com/office/drawing/2014/main" id="{965C7B8F-D04C-A84E-A1D2-C0ECD437E614}"/>
+                <a16:creationId xmlns:a16="http://schemas.microsoft.com/office/drawing/2014/main" id="{E2247332-FBD7-F890-418D-186D025A2163}"/>
               </a:ext>
             </a:extLst>
           </p:cNvPr>
-          <p:cNvPicPr>
-            <a:picLocks noChangeAspect="1"/>
-          </p:cNvPicPr>
+          <p:cNvSpPr txBox="1">
+            <a:spLocks/>
+          </p:cNvSpPr>
           <p:nvPr/>
-        </p:nvPicPr>
-        <p:blipFill>
-          <a:blip r:embed="rId3">
-            <a:extLst>
-              <a:ext uri="{28A0092B-C50C-407E-A947-70E740481C1C}">
-                <a14:useLocalDpi xmlns:a14="http://schemas.microsoft.com/office/drawing/2010/main" val="0"/>
-              </a:ext>
-            </a:extLst>
-          </a:blip>
-          <a:stretch>
-            <a:fillRect/>
-          </a:stretch>
-        </p:blipFill>
+        </p:nvSpPr>
         <p:spPr>
           <a:xfrm>
-            <a:off x="293319" y="2587872"/>
-            <a:ext cx="1678703" cy="3807298"/>
+            <a:off x="2377441" y="2087841"/>
+            <a:ext cx="9699152" cy="449063"/>
           </a:xfrm>
           <a:prstGeom prst="rect">
             <a:avLst/>
           </a:prstGeom>
-        </p:spPr>
-      </p:pic>
-      <p:pic>
-        <p:nvPicPr>
-          <p:cNvPr id="21" name="図 20">
-            <a:extLst>
-              <a:ext uri="{FF2B5EF4-FFF2-40B4-BE49-F238E27FC236}">
-                <a16:creationId xmlns:a16="http://schemas.microsoft.com/office/drawing/2014/main" id="{3FC23608-E447-4D40-6A53-BAAF4EF1A2B9}"/>
-              </a:ext>
-            </a:extLst>
-          </p:cNvPr>
-          <p:cNvPicPr>
-            <a:picLocks noChangeAspect="1"/>
-          </p:cNvPicPr>
-          <p:nvPr/>
-        </p:nvPicPr>
-        <p:blipFill>
-          <a:blip r:embed="rId4">
-            <a:extLst>
-              <a:ext uri="{28A0092B-C50C-407E-A947-70E740481C1C}">
-                <a14:useLocalDpi xmlns:a14="http://schemas.microsoft.com/office/drawing/2010/main" val="0"/>
-              </a:ext>
-            </a:extLst>
-          </a:blip>
-          <a:srcRect/>
-          <a:stretch/>
-        </p:blipFill>
-        <p:spPr>
-          <a:xfrm>
-            <a:off x="10675401" y="2698918"/>
-            <a:ext cx="1514180" cy="3287196"/>
-          </a:xfrm>
-          <a:prstGeom prst="rect">
-            <a:avLst/>
-          </a:prstGeom>
-        </p:spPr>
-      </p:pic>
-      <p:pic>
-        <p:nvPicPr>
-          <p:cNvPr id="27" name="図 26">
-            <a:extLst>
-              <a:ext uri="{FF2B5EF4-FFF2-40B4-BE49-F238E27FC236}">
-                <a16:creationId xmlns:a16="http://schemas.microsoft.com/office/drawing/2014/main" id="{759D420F-3ABB-F172-9396-EDA4146885DE}"/>
-              </a:ext>
-            </a:extLst>
-          </p:cNvPr>
-          <p:cNvPicPr>
-            <a:picLocks noChangeAspect="1"/>
-          </p:cNvPicPr>
-          <p:nvPr/>
-        </p:nvPicPr>
-        <p:blipFill>
-          <a:blip r:embed="rId5">
-            <a:extLst>
-              <a:ext uri="{28A0092B-C50C-407E-A947-70E740481C1C}">
-                <a14:useLocalDpi xmlns:a14="http://schemas.microsoft.com/office/drawing/2010/main" val="0"/>
-              </a:ext>
-            </a:extLst>
-          </a:blip>
-          <a:srcRect/>
-          <a:stretch/>
-        </p:blipFill>
-        <p:spPr>
-          <a:xfrm>
-            <a:off x="9283825" y="2691915"/>
-            <a:ext cx="1514180" cy="3287196"/>
-          </a:xfrm>
-          <a:prstGeom prst="rect">
-            <a:avLst/>
-          </a:prstGeom>
-        </p:spPr>
-      </p:pic>
-      <p:pic>
-        <p:nvPicPr>
-          <p:cNvPr id="29" name="図 28">
-            <a:extLst>
-              <a:ext uri="{FF2B5EF4-FFF2-40B4-BE49-F238E27FC236}">
-                <a16:creationId xmlns:a16="http://schemas.microsoft.com/office/drawing/2014/main" id="{CBD39825-3DEB-F7AF-A8AF-03C9A88A813E}"/>
-              </a:ext>
-            </a:extLst>
-          </p:cNvPr>
-          <p:cNvPicPr>
-            <a:picLocks noChangeAspect="1"/>
-          </p:cNvPicPr>
-          <p:nvPr/>
-        </p:nvPicPr>
-        <p:blipFill>
-          <a:blip r:embed="rId6">
-            <a:extLst>
-              <a:ext uri="{28A0092B-C50C-407E-A947-70E740481C1C}">
-                <a14:useLocalDpi xmlns:a14="http://schemas.microsoft.com/office/drawing/2010/main" val="0"/>
-              </a:ext>
-            </a:extLst>
-          </a:blip>
-          <a:srcRect/>
-          <a:stretch/>
-        </p:blipFill>
-        <p:spPr>
-          <a:xfrm>
-            <a:off x="7869268" y="2684865"/>
-            <a:ext cx="1514180" cy="3287196"/>
-          </a:xfrm>
-          <a:prstGeom prst="rect">
-            <a:avLst/>
-          </a:prstGeom>
-        </p:spPr>
-      </p:pic>
-      <p:pic>
-        <p:nvPicPr>
-          <p:cNvPr id="34" name="図 33">
-            <a:extLst>
-              <a:ext uri="{FF2B5EF4-FFF2-40B4-BE49-F238E27FC236}">
-                <a16:creationId xmlns:a16="http://schemas.microsoft.com/office/drawing/2014/main" id="{6C6C1085-6CDE-C95B-3127-ED91C091672C}"/>
-              </a:ext>
-            </a:extLst>
-          </p:cNvPr>
-          <p:cNvPicPr>
-            <a:picLocks noChangeAspect="1"/>
-          </p:cNvPicPr>
-          <p:nvPr/>
-        </p:nvPicPr>
-        <p:blipFill>
-          <a:blip r:embed="rId7">
-            <a:extLst>
-              <a:ext uri="{28A0092B-C50C-407E-A947-70E740481C1C}">
-                <a14:useLocalDpi xmlns:a14="http://schemas.microsoft.com/office/drawing/2010/main" val="0"/>
-              </a:ext>
-            </a:extLst>
-          </a:blip>
-          <a:srcRect/>
-          <a:stretch/>
-        </p:blipFill>
-        <p:spPr>
-          <a:xfrm>
-            <a:off x="6478618" y="2688675"/>
-            <a:ext cx="1514180" cy="3287196"/>
-          </a:xfrm>
-          <a:prstGeom prst="rect">
-            <a:avLst/>
-          </a:prstGeom>
-        </p:spPr>
-      </p:pic>
-      <p:pic>
-        <p:nvPicPr>
-          <p:cNvPr id="35" name="図 34">
-            <a:extLst>
-              <a:ext uri="{FF2B5EF4-FFF2-40B4-BE49-F238E27FC236}">
-                <a16:creationId xmlns:a16="http://schemas.microsoft.com/office/drawing/2014/main" id="{3C1FD339-7B31-F97B-ABA8-B2B728F944C5}"/>
-              </a:ext>
-            </a:extLst>
-          </p:cNvPr>
-          <p:cNvPicPr>
-            <a:picLocks noChangeAspect="1"/>
-          </p:cNvPicPr>
-          <p:nvPr/>
-        </p:nvPicPr>
-        <p:blipFill>
-          <a:blip r:embed="rId8">
-            <a:extLst>
-              <a:ext uri="{28A0092B-C50C-407E-A947-70E740481C1C}">
-                <a14:useLocalDpi xmlns:a14="http://schemas.microsoft.com/office/drawing/2010/main" val="0"/>
-              </a:ext>
-            </a:extLst>
-          </a:blip>
-          <a:srcRect/>
-          <a:stretch/>
-        </p:blipFill>
-        <p:spPr>
-          <a:xfrm>
-            <a:off x="5076538" y="2692485"/>
-            <a:ext cx="1514180" cy="3287196"/>
-          </a:xfrm>
-          <a:prstGeom prst="rect">
-            <a:avLst/>
-          </a:prstGeom>
-        </p:spPr>
-      </p:pic>
-      <p:pic>
-        <p:nvPicPr>
-          <p:cNvPr id="36" name="図 35">
-            <a:extLst>
-              <a:ext uri="{FF2B5EF4-FFF2-40B4-BE49-F238E27FC236}">
-                <a16:creationId xmlns:a16="http://schemas.microsoft.com/office/drawing/2014/main" id="{B333C618-B8EA-6CAD-5D63-8EBA44F8F585}"/>
-              </a:ext>
-            </a:extLst>
-          </p:cNvPr>
-          <p:cNvPicPr>
-            <a:picLocks noChangeAspect="1"/>
-          </p:cNvPicPr>
-          <p:nvPr/>
-        </p:nvPicPr>
-        <p:blipFill>
-          <a:blip r:embed="rId9">
-            <a:extLst>
-              <a:ext uri="{28A0092B-C50C-407E-A947-70E740481C1C}">
-                <a14:useLocalDpi xmlns:a14="http://schemas.microsoft.com/office/drawing/2010/main" val="0"/>
-              </a:ext>
-            </a:extLst>
-          </a:blip>
-          <a:srcRect/>
-          <a:stretch/>
-        </p:blipFill>
-        <p:spPr>
-          <a:xfrm>
-            <a:off x="3696772" y="2696295"/>
-            <a:ext cx="1514180" cy="3287196"/>
-          </a:xfrm>
-          <a:prstGeom prst="rect">
-            <a:avLst/>
-          </a:prstGeom>
-        </p:spPr>
-      </p:pic>
-      <p:pic>
-        <p:nvPicPr>
-          <p:cNvPr id="37" name="図 36">
-            <a:extLst>
-              <a:ext uri="{FF2B5EF4-FFF2-40B4-BE49-F238E27FC236}">
-                <a16:creationId xmlns:a16="http://schemas.microsoft.com/office/drawing/2014/main" id="{A31763D5-BB79-F7D5-29ED-A6EBB1F2ECCC}"/>
-              </a:ext>
-            </a:extLst>
-          </p:cNvPr>
-          <p:cNvPicPr>
-            <a:picLocks noChangeAspect="1"/>
-          </p:cNvPicPr>
-          <p:nvPr/>
-        </p:nvPicPr>
-        <p:blipFill>
-          <a:blip r:embed="rId10">
-            <a:extLst>
-              <a:ext uri="{28A0092B-C50C-407E-A947-70E740481C1C}">
-                <a14:useLocalDpi xmlns:a14="http://schemas.microsoft.com/office/drawing/2010/main" val="0"/>
-              </a:ext>
-            </a:extLst>
-          </a:blip>
-          <a:srcRect/>
-          <a:stretch/>
-        </p:blipFill>
-        <p:spPr>
-          <a:xfrm>
-            <a:off x="2283808" y="2698918"/>
-            <a:ext cx="1514180" cy="3287196"/>
-          </a:xfrm>
-          <a:prstGeom prst="rect">
-            <a:avLst/>
-          </a:prstGeom>
-        </p:spPr>
-      </p:pic>
-      <p:sp>
-        <p:nvSpPr>
-          <p:cNvPr id="38" name="テキスト ボックス 37">
-            <a:extLst>
-              <a:ext uri="{FF2B5EF4-FFF2-40B4-BE49-F238E27FC236}">
-                <a16:creationId xmlns:a16="http://schemas.microsoft.com/office/drawing/2014/main" id="{8CEBEAB8-21CE-5FCA-D76E-27AAEB5C4793}"/>
-              </a:ext>
-            </a:extLst>
-          </p:cNvPr>
-          <p:cNvSpPr txBox="1"/>
-          <p:nvPr/>
-        </p:nvSpPr>
-        <p:spPr>
-          <a:xfrm>
-            <a:off x="4152034" y="5989980"/>
-            <a:ext cx="706332" cy="307777"/>
-          </a:xfrm>
-          <a:prstGeom prst="rect">
-            <a:avLst/>
-          </a:prstGeom>
-          <a:noFill/>
+          <a:solidFill>
+            <a:schemeClr val="bg1">
+              <a:lumMod val="95000"/>
+            </a:schemeClr>
+          </a:solidFill>
         </p:spPr>
         <p:txBody>
-          <a:bodyPr wrap="square" rtlCol="0">
-            <a:spAutoFit/>
+          <a:bodyPr vert="horz" lIns="91440" tIns="45720" rIns="91440" bIns="45720" rtlCol="0" anchor="ctr">
+            <a:normAutofit/>
           </a:bodyPr>
-          <a:lstStyle/>
-          <a:p>
-            <a:pPr algn="ctr"/>
-            <a:r>
-              <a:rPr kumimoji="1" lang="en-US" altLang="ja-JP" sz="1400" b="1" dirty="0">
+          <a:lstStyle>
+            <a:lvl1pPr marL="228600" indent="-228600" algn="l" defTabSz="914400" rtl="0" eaLnBrk="1" latinLnBrk="0" hangingPunct="1">
+              <a:lnSpc>
+                <a:spcPct val="90000"/>
+              </a:lnSpc>
+              <a:spcBef>
+                <a:spcPts val="1000"/>
+              </a:spcBef>
+              <a:buFont typeface="Arial" panose="020B0604020202020204" pitchFamily="34" charset="0"/>
+              <a:buChar char="•"/>
+              <a:defRPr sz="2800" kern="1200">
+                <a:solidFill>
+                  <a:schemeClr val="tx1"/>
+                </a:solidFill>
+                <a:latin typeface="+mn-lt"/>
+                <a:ea typeface="+mn-ea"/>
+                <a:cs typeface="+mn-cs"/>
+              </a:defRPr>
+            </a:lvl1pPr>
+            <a:lvl2pPr marL="685800" indent="-228600" algn="l" defTabSz="914400" rtl="0" eaLnBrk="1" latinLnBrk="0" hangingPunct="1">
+              <a:lnSpc>
+                <a:spcPct val="90000"/>
+              </a:lnSpc>
+              <a:spcBef>
+                <a:spcPts val="500"/>
+              </a:spcBef>
+              <a:buFont typeface="Arial" panose="020B0604020202020204" pitchFamily="34" charset="0"/>
+              <a:buChar char="•"/>
+              <a:defRPr sz="2400" kern="1200">
+                <a:solidFill>
+                  <a:schemeClr val="tx1"/>
+                </a:solidFill>
+                <a:latin typeface="+mn-lt"/>
+                <a:ea typeface="+mn-ea"/>
+                <a:cs typeface="+mn-cs"/>
+              </a:defRPr>
+            </a:lvl2pPr>
+            <a:lvl3pPr marL="1143000" indent="-228600" algn="l" defTabSz="914400" rtl="0" eaLnBrk="1" latinLnBrk="0" hangingPunct="1">
+              <a:lnSpc>
+                <a:spcPct val="90000"/>
+              </a:lnSpc>
+              <a:spcBef>
+                <a:spcPts val="500"/>
+              </a:spcBef>
+              <a:buFont typeface="Arial" panose="020B0604020202020204" pitchFamily="34" charset="0"/>
+              <a:buChar char="•"/>
+              <a:defRPr sz="2000" kern="1200">
+                <a:solidFill>
+                  <a:schemeClr val="tx1"/>
+                </a:solidFill>
+                <a:latin typeface="+mn-lt"/>
+                <a:ea typeface="+mn-ea"/>
+                <a:cs typeface="+mn-cs"/>
+              </a:defRPr>
+            </a:lvl3pPr>
+            <a:lvl4pPr marL="1600200" indent="-228600" algn="l" defTabSz="914400" rtl="0" eaLnBrk="1" latinLnBrk="0" hangingPunct="1">
+              <a:lnSpc>
+                <a:spcPct val="90000"/>
+              </a:lnSpc>
+              <a:spcBef>
+                <a:spcPts val="500"/>
+              </a:spcBef>
+              <a:buFont typeface="Arial" panose="020B0604020202020204" pitchFamily="34" charset="0"/>
+              <a:buChar char="•"/>
+              <a:defRPr sz="1800" kern="1200">
+                <a:solidFill>
+                  <a:schemeClr val="tx1"/>
+                </a:solidFill>
+                <a:latin typeface="+mn-lt"/>
+                <a:ea typeface="+mn-ea"/>
+                <a:cs typeface="+mn-cs"/>
+              </a:defRPr>
+            </a:lvl4pPr>
+            <a:lvl5pPr marL="2057400" indent="-228600" algn="l" defTabSz="914400" rtl="0" eaLnBrk="1" latinLnBrk="0" hangingPunct="1">
+              <a:lnSpc>
+                <a:spcPct val="90000"/>
+              </a:lnSpc>
+              <a:spcBef>
+                <a:spcPts val="500"/>
+              </a:spcBef>
+              <a:buFont typeface="Arial" panose="020B0604020202020204" pitchFamily="34" charset="0"/>
+              <a:buChar char="•"/>
+              <a:defRPr sz="1800" kern="1200">
+                <a:solidFill>
+                  <a:schemeClr val="tx1"/>
+                </a:solidFill>
+                <a:latin typeface="+mn-lt"/>
+                <a:ea typeface="+mn-ea"/>
+                <a:cs typeface="+mn-cs"/>
+              </a:defRPr>
+            </a:lvl5pPr>
+            <a:lvl6pPr marL="2514600" indent="-228600" algn="l" defTabSz="914400" rtl="0" eaLnBrk="1" latinLnBrk="0" hangingPunct="1">
+              <a:lnSpc>
+                <a:spcPct val="90000"/>
+              </a:lnSpc>
+              <a:spcBef>
+                <a:spcPts val="500"/>
+              </a:spcBef>
+              <a:buFont typeface="Arial" panose="020B0604020202020204" pitchFamily="34" charset="0"/>
+              <a:buChar char="•"/>
+              <a:defRPr sz="1800" kern="1200">
+                <a:solidFill>
+                  <a:schemeClr val="tx1"/>
+                </a:solidFill>
+                <a:latin typeface="+mn-lt"/>
+                <a:ea typeface="+mn-ea"/>
+                <a:cs typeface="+mn-cs"/>
+              </a:defRPr>
+            </a:lvl6pPr>
+            <a:lvl7pPr marL="2971800" indent="-228600" algn="l" defTabSz="914400" rtl="0" eaLnBrk="1" latinLnBrk="0" hangingPunct="1">
+              <a:lnSpc>
+                <a:spcPct val="90000"/>
+              </a:lnSpc>
+              <a:spcBef>
+                <a:spcPts val="500"/>
+              </a:spcBef>
+              <a:buFont typeface="Arial" panose="020B0604020202020204" pitchFamily="34" charset="0"/>
+              <a:buChar char="•"/>
+              <a:defRPr sz="1800" kern="1200">
+                <a:solidFill>
+                  <a:schemeClr val="tx1"/>
+                </a:solidFill>
+                <a:latin typeface="+mn-lt"/>
+                <a:ea typeface="+mn-ea"/>
+                <a:cs typeface="+mn-cs"/>
+              </a:defRPr>
+            </a:lvl7pPr>
+            <a:lvl8pPr marL="3429000" indent="-228600" algn="l" defTabSz="914400" rtl="0" eaLnBrk="1" latinLnBrk="0" hangingPunct="1">
+              <a:lnSpc>
+                <a:spcPct val="90000"/>
+              </a:lnSpc>
+              <a:spcBef>
+                <a:spcPts val="500"/>
+              </a:spcBef>
+              <a:buFont typeface="Arial" panose="020B0604020202020204" pitchFamily="34" charset="0"/>
+              <a:buChar char="•"/>
+              <a:defRPr sz="1800" kern="1200">
+                <a:solidFill>
+                  <a:schemeClr val="tx1"/>
+                </a:solidFill>
+                <a:latin typeface="+mn-lt"/>
+                <a:ea typeface="+mn-ea"/>
+                <a:cs typeface="+mn-cs"/>
+              </a:defRPr>
+            </a:lvl8pPr>
+            <a:lvl9pPr marL="3886200" indent="-228600" algn="l" defTabSz="914400" rtl="0" eaLnBrk="1" latinLnBrk="0" hangingPunct="1">
+              <a:lnSpc>
+                <a:spcPct val="90000"/>
+              </a:lnSpc>
+              <a:spcBef>
+                <a:spcPts val="500"/>
+              </a:spcBef>
+              <a:buFont typeface="Arial" panose="020B0604020202020204" pitchFamily="34" charset="0"/>
+              <a:buChar char="•"/>
+              <a:defRPr sz="1800" kern="1200">
+                <a:solidFill>
+                  <a:schemeClr val="tx1"/>
+                </a:solidFill>
+                <a:latin typeface="+mn-lt"/>
+                <a:ea typeface="+mn-ea"/>
+                <a:cs typeface="+mn-cs"/>
+              </a:defRPr>
+            </a:lvl9pPr>
+          </a:lstStyle>
+          <a:p>
+            <a:pPr marL="0" indent="0" algn="ctr">
+              <a:buFont typeface="Arial" panose="020B0604020202020204" pitchFamily="34" charset="0"/>
+              <a:buNone/>
+            </a:pPr>
+            <a:r>
+              <a:rPr lang="en-US" altLang="ja-JP" sz="2400" b="1" dirty="0">
                 <a:latin typeface="Arial" panose="020B0604020202020204" pitchFamily="34" charset="0"/>
                 <a:cs typeface="Arial" panose="020B0604020202020204" pitchFamily="34" charset="0"/>
               </a:rPr>
-              <a:t>0412</a:t>
-            </a:r>
-          </a:p>
-        </p:txBody>
-      </p:sp>
-      <p:sp>
-        <p:nvSpPr>
-          <p:cNvPr id="39" name="テキスト ボックス 38">
-            <a:extLst>
-              <a:ext uri="{FF2B5EF4-FFF2-40B4-BE49-F238E27FC236}">
-                <a16:creationId xmlns:a16="http://schemas.microsoft.com/office/drawing/2014/main" id="{D22E9565-EA77-6035-F5BF-057CFFD532DE}"/>
-              </a:ext>
-            </a:extLst>
-          </p:cNvPr>
-          <p:cNvSpPr txBox="1"/>
-          <p:nvPr/>
-        </p:nvSpPr>
-        <p:spPr>
-          <a:xfrm>
-            <a:off x="5481408" y="5989980"/>
-            <a:ext cx="706332" cy="307777"/>
-          </a:xfrm>
-          <a:prstGeom prst="rect">
-            <a:avLst/>
-          </a:prstGeom>
-          <a:noFill/>
-        </p:spPr>
-        <p:txBody>
-          <a:bodyPr wrap="square" rtlCol="0">
-            <a:spAutoFit/>
-          </a:bodyPr>
-          <a:lstStyle/>
-          <a:p>
-            <a:pPr algn="ctr"/>
-            <a:r>
-              <a:rPr kumimoji="1" lang="en-US" altLang="ja-JP" sz="1400" b="1" dirty="0">
-                <a:latin typeface="Arial" panose="020B0604020202020204" pitchFamily="34" charset="0"/>
-                <a:cs typeface="Arial" panose="020B0604020202020204" pitchFamily="34" charset="0"/>
-              </a:rPr>
-              <a:t>0413</a:t>
-            </a:r>
-          </a:p>
-        </p:txBody>
-      </p:sp>
-      <p:sp>
-        <p:nvSpPr>
-          <p:cNvPr id="40" name="テキスト ボックス 39">
-            <a:extLst>
-              <a:ext uri="{FF2B5EF4-FFF2-40B4-BE49-F238E27FC236}">
-                <a16:creationId xmlns:a16="http://schemas.microsoft.com/office/drawing/2014/main" id="{2343F8EA-2C37-FB07-9865-AE817D76E673}"/>
-              </a:ext>
-            </a:extLst>
-          </p:cNvPr>
-          <p:cNvSpPr txBox="1"/>
-          <p:nvPr/>
-        </p:nvSpPr>
-        <p:spPr>
-          <a:xfrm>
-            <a:off x="6933340" y="5982385"/>
-            <a:ext cx="706332" cy="307777"/>
-          </a:xfrm>
-          <a:prstGeom prst="rect">
-            <a:avLst/>
-          </a:prstGeom>
-          <a:noFill/>
-        </p:spPr>
-        <p:txBody>
-          <a:bodyPr wrap="square" rtlCol="0">
-            <a:spAutoFit/>
-          </a:bodyPr>
-          <a:lstStyle/>
-          <a:p>
-            <a:pPr algn="ctr"/>
-            <a:r>
-              <a:rPr kumimoji="1" lang="en-US" altLang="ja-JP" sz="1400" b="1" dirty="0">
-                <a:latin typeface="Arial" panose="020B0604020202020204" pitchFamily="34" charset="0"/>
-                <a:cs typeface="Arial" panose="020B0604020202020204" pitchFamily="34" charset="0"/>
-              </a:rPr>
-              <a:t>0414</a:t>
-            </a:r>
-          </a:p>
-        </p:txBody>
-      </p:sp>
-      <p:sp>
-        <p:nvSpPr>
-          <p:cNvPr id="41" name="テキスト ボックス 40">
-            <a:extLst>
-              <a:ext uri="{FF2B5EF4-FFF2-40B4-BE49-F238E27FC236}">
-                <a16:creationId xmlns:a16="http://schemas.microsoft.com/office/drawing/2014/main" id="{BE9D519D-D275-5630-BC6F-311C23DB9B9F}"/>
-              </a:ext>
-            </a:extLst>
-          </p:cNvPr>
-          <p:cNvSpPr txBox="1"/>
-          <p:nvPr/>
-        </p:nvSpPr>
-        <p:spPr>
-          <a:xfrm>
-            <a:off x="8324296" y="5989980"/>
-            <a:ext cx="706332" cy="307777"/>
-          </a:xfrm>
-          <a:prstGeom prst="rect">
-            <a:avLst/>
-          </a:prstGeom>
-          <a:noFill/>
-        </p:spPr>
-        <p:txBody>
-          <a:bodyPr wrap="square" rtlCol="0">
-            <a:spAutoFit/>
-          </a:bodyPr>
-          <a:lstStyle/>
-          <a:p>
-            <a:pPr algn="ctr"/>
-            <a:r>
-              <a:rPr kumimoji="1" lang="en-US" altLang="ja-JP" sz="1400" b="1" dirty="0">
-                <a:latin typeface="Arial" panose="020B0604020202020204" pitchFamily="34" charset="0"/>
-                <a:cs typeface="Arial" panose="020B0604020202020204" pitchFamily="34" charset="0"/>
-              </a:rPr>
-              <a:t>0415</a:t>
-            </a:r>
-          </a:p>
-        </p:txBody>
-      </p:sp>
-      <p:sp>
-        <p:nvSpPr>
-          <p:cNvPr id="42" name="テキスト ボックス 41">
-            <a:extLst>
-              <a:ext uri="{FF2B5EF4-FFF2-40B4-BE49-F238E27FC236}">
-                <a16:creationId xmlns:a16="http://schemas.microsoft.com/office/drawing/2014/main" id="{BDD2E95D-25AA-1D7A-A013-08DB6C68F73C}"/>
-              </a:ext>
-            </a:extLst>
-          </p:cNvPr>
-          <p:cNvSpPr txBox="1"/>
-          <p:nvPr/>
-        </p:nvSpPr>
-        <p:spPr>
-          <a:xfrm>
-            <a:off x="9740264" y="5972061"/>
-            <a:ext cx="706332" cy="307777"/>
-          </a:xfrm>
-          <a:prstGeom prst="rect">
-            <a:avLst/>
-          </a:prstGeom>
-          <a:noFill/>
-        </p:spPr>
-        <p:txBody>
-          <a:bodyPr wrap="square" rtlCol="0">
-            <a:spAutoFit/>
-          </a:bodyPr>
-          <a:lstStyle/>
-          <a:p>
-            <a:pPr algn="ctr"/>
-            <a:r>
-              <a:rPr kumimoji="1" lang="en-US" altLang="ja-JP" sz="1400" b="1" dirty="0">
-                <a:latin typeface="Arial" panose="020B0604020202020204" pitchFamily="34" charset="0"/>
-                <a:cs typeface="Arial" panose="020B0604020202020204" pitchFamily="34" charset="0"/>
-              </a:rPr>
-              <a:t>0419</a:t>
-            </a:r>
-          </a:p>
-        </p:txBody>
-      </p:sp>
-      <p:sp>
-        <p:nvSpPr>
-          <p:cNvPr id="43" name="テキスト ボックス 42">
-            <a:extLst>
-              <a:ext uri="{FF2B5EF4-FFF2-40B4-BE49-F238E27FC236}">
-                <a16:creationId xmlns:a16="http://schemas.microsoft.com/office/drawing/2014/main" id="{82A79CF3-322D-D1C9-F271-7A90FA312279}"/>
-              </a:ext>
-            </a:extLst>
-          </p:cNvPr>
-          <p:cNvSpPr txBox="1"/>
-          <p:nvPr/>
-        </p:nvSpPr>
-        <p:spPr>
-          <a:xfrm>
-            <a:off x="11128292" y="5993117"/>
-            <a:ext cx="706332" cy="307777"/>
-          </a:xfrm>
-          <a:prstGeom prst="rect">
-            <a:avLst/>
-          </a:prstGeom>
-          <a:noFill/>
-        </p:spPr>
-        <p:txBody>
-          <a:bodyPr wrap="square" rtlCol="0">
-            <a:spAutoFit/>
-          </a:bodyPr>
-          <a:lstStyle/>
-          <a:p>
-            <a:pPr algn="ctr"/>
-            <a:r>
-              <a:rPr kumimoji="1" lang="en-US" altLang="ja-JP" sz="1400" b="1" dirty="0">
-                <a:latin typeface="Arial" panose="020B0604020202020204" pitchFamily="34" charset="0"/>
-                <a:cs typeface="Arial" panose="020B0604020202020204" pitchFamily="34" charset="0"/>
-              </a:rPr>
-              <a:t>0420</a:t>
-            </a:r>
+              <a:t>Result</a:t>
+            </a:r>
+            <a:endParaRPr lang="en-US" sz="2400" b="1" dirty="0">
+              <a:latin typeface="Arial" panose="020B0604020202020204" pitchFamily="34" charset="0"/>
+              <a:cs typeface="Arial" panose="020B0604020202020204" pitchFamily="34" charset="0"/>
+            </a:endParaRPr>
           </a:p>
         </p:txBody>
       </p:sp>

--- a/report/progressReport-202304~.pptx
+++ b/report/progressReport-202304~.pptx
@@ -5,17 +5,21 @@
     <p:sldMasterId id="2147483648" r:id="rId1"/>
   </p:sldMasterIdLst>
   <p:notesMasterIdLst>
-    <p:notesMasterId r:id="rId10"/>
+    <p:notesMasterId r:id="rId14"/>
   </p:notesMasterIdLst>
   <p:sldIdLst>
-    <p:sldId id="360" r:id="rId2"/>
-    <p:sldId id="452" r:id="rId3"/>
-    <p:sldId id="453" r:id="rId4"/>
-    <p:sldId id="451" r:id="rId5"/>
+    <p:sldId id="292" r:id="rId2"/>
+    <p:sldId id="360" r:id="rId3"/>
+    <p:sldId id="452" r:id="rId4"/>
+    <p:sldId id="458" r:id="rId5"/>
     <p:sldId id="455" r:id="rId6"/>
-    <p:sldId id="417" r:id="rId7"/>
-    <p:sldId id="457" r:id="rId8"/>
+    <p:sldId id="451" r:id="rId7"/>
+    <p:sldId id="417" r:id="rId8"/>
     <p:sldId id="456" r:id="rId9"/>
+    <p:sldId id="459" r:id="rId10"/>
+    <p:sldId id="461" r:id="rId11"/>
+    <p:sldId id="460" r:id="rId12"/>
+    <p:sldId id="457" r:id="rId13"/>
   </p:sldIdLst>
   <p:sldSz cx="12192000" cy="6858000"/>
   <p:notesSz cx="6858000" cy="9144000"/>
@@ -115,6 +119,26 @@
     </a:lvl9pPr>
   </p:defaultTextStyle>
   <p:extLst>
+    <p:ext uri="{521415D9-36F7-43E2-AB2F-B90AF26B5E84}">
+      <p14:sectionLst xmlns:p14="http://schemas.microsoft.com/office/powerpoint/2010/main">
+        <p14:section name="既定のセクション" id="{5AC044B5-CE88-4DFA-8B78-F7DC51FE9FC4}">
+          <p14:sldIdLst>
+            <p14:sldId id="292"/>
+            <p14:sldId id="360"/>
+            <p14:sldId id="452"/>
+            <p14:sldId id="458"/>
+            <p14:sldId id="455"/>
+            <p14:sldId id="451"/>
+            <p14:sldId id="417"/>
+            <p14:sldId id="456"/>
+            <p14:sldId id="459"/>
+            <p14:sldId id="461"/>
+            <p14:sldId id="460"/>
+            <p14:sldId id="457"/>
+          </p14:sldIdLst>
+        </p14:section>
+      </p14:sectionLst>
+    </p:ext>
     <p:ext uri="{EFAFB233-063F-42B5-8137-9DF3F51BA10A}">
       <p15:sldGuideLst xmlns:p15="http://schemas.microsoft.com/office/powerpoint/2012/main"/>
     </p:ext>
@@ -204,7 +228,7 @@
           <a:p>
             <a:fld id="{CC088048-E15D-462C-B883-0DB3B29D49B8}" type="datetimeFigureOut">
               <a:rPr lang="en-US" smtClean="0"/>
-              <a:t>4/25/2023</a:t>
+              <a:t>4/26/2023</a:t>
             </a:fld>
             <a:endParaRPr lang="en-US"/>
           </a:p>
@@ -569,7 +593,7 @@
           <a:p>
             <a:fld id="{48DE0F4A-E449-4070-9B19-39FF5E156D7E}" type="slidenum">
               <a:rPr lang="en-US" smtClean="0"/>
-              <a:t>4</a:t>
+              <a:t>6</a:t>
             </a:fld>
             <a:endParaRPr lang="en-US"/>
           </a:p>
@@ -653,7 +677,7 @@
           <a:p>
             <a:fld id="{39AC8A4A-8BDC-2247-9545-04B679C3B540}" type="slidenum">
               <a:rPr kumimoji="1" lang="ja-JP" altLang="en-US" smtClean="0"/>
-              <a:t>6</a:t>
+              <a:t>7</a:t>
             </a:fld>
             <a:endParaRPr kumimoji="1" lang="ja-JP" altLang="en-US"/>
           </a:p>
@@ -737,7 +761,7 @@
           <a:p>
             <a:fld id="{39AC8A4A-8BDC-2247-9545-04B679C3B540}" type="slidenum">
               <a:rPr kumimoji="1" lang="ja-JP" altLang="en-US" smtClean="0"/>
-              <a:t>7</a:t>
+              <a:t>8</a:t>
             </a:fld>
             <a:endParaRPr kumimoji="1" lang="ja-JP" altLang="en-US"/>
           </a:p>
@@ -746,7 +770,7 @@
     </p:spTree>
     <p:extLst>
       <p:ext uri="{BB962C8B-B14F-4D97-AF65-F5344CB8AC3E}">
-        <p14:creationId xmlns:p14="http://schemas.microsoft.com/office/powerpoint/2010/main" val="960797229"/>
+        <p14:creationId xmlns:p14="http://schemas.microsoft.com/office/powerpoint/2010/main" val="2756495635"/>
       </p:ext>
     </p:extLst>
   </p:cSld>
@@ -800,7 +824,7 @@
           <a:bodyPr/>
           <a:lstStyle/>
           <a:p>
-            <a:endParaRPr kumimoji="1" lang="ja-JP" altLang="en-US" dirty="0"/>
+            <a:endParaRPr lang="en-US" dirty="0"/>
           </a:p>
         </p:txBody>
       </p:sp>
@@ -819,18 +843,270 @@
           <a:bodyPr/>
           <a:lstStyle/>
           <a:p>
-            <a:fld id="{39AC8A4A-8BDC-2247-9545-04B679C3B540}" type="slidenum">
-              <a:rPr kumimoji="1" lang="ja-JP" altLang="en-US" smtClean="0"/>
-              <a:t>8</a:t>
+            <a:fld id="{48DE0F4A-E449-4070-9B19-39FF5E156D7E}" type="slidenum">
+              <a:rPr lang="en-US" smtClean="0"/>
+              <a:t>9</a:t>
             </a:fld>
-            <a:endParaRPr kumimoji="1" lang="ja-JP" altLang="en-US"/>
+            <a:endParaRPr lang="en-US"/>
           </a:p>
         </p:txBody>
       </p:sp>
     </p:spTree>
     <p:extLst>
       <p:ext uri="{BB962C8B-B14F-4D97-AF65-F5344CB8AC3E}">
-        <p14:creationId xmlns:p14="http://schemas.microsoft.com/office/powerpoint/2010/main" val="2756495635"/>
+        <p14:creationId xmlns:p14="http://schemas.microsoft.com/office/powerpoint/2010/main" val="3032560884"/>
+      </p:ext>
+    </p:extLst>
+  </p:cSld>
+  <p:clrMapOvr>
+    <a:masterClrMapping/>
+  </p:clrMapOvr>
+</p:notes>
+</file>
+
+<file path=ppt/notesSlides/notesSlide5.xml><?xml version="1.0" encoding="utf-8"?>
+<p:notes xmlns:a="http://schemas.openxmlformats.org/drawingml/2006/main" xmlns:r="http://schemas.openxmlformats.org/officeDocument/2006/relationships" xmlns:p="http://schemas.openxmlformats.org/presentationml/2006/main">
+  <p:cSld>
+    <p:spTree>
+      <p:nvGrpSpPr>
+        <p:cNvPr id="1" name=""/>
+        <p:cNvGrpSpPr/>
+        <p:nvPr/>
+      </p:nvGrpSpPr>
+      <p:grpSpPr>
+        <a:xfrm>
+          <a:off x="0" y="0"/>
+          <a:ext cx="0" cy="0"/>
+          <a:chOff x="0" y="0"/>
+          <a:chExt cx="0" cy="0"/>
+        </a:xfrm>
+      </p:grpSpPr>
+      <p:sp>
+        <p:nvSpPr>
+          <p:cNvPr id="2" name="スライド イメージ プレースホルダー 1"/>
+          <p:cNvSpPr>
+            <a:spLocks noGrp="1" noRot="1" noChangeAspect="1"/>
+          </p:cNvSpPr>
+          <p:nvPr>
+            <p:ph type="sldImg"/>
+          </p:nvPr>
+        </p:nvSpPr>
+        <p:spPr/>
+      </p:sp>
+      <p:sp>
+        <p:nvSpPr>
+          <p:cNvPr id="3" name="ノート プレースホルダー 2"/>
+          <p:cNvSpPr>
+            <a:spLocks noGrp="1"/>
+          </p:cNvSpPr>
+          <p:nvPr>
+            <p:ph type="body" idx="1"/>
+          </p:nvPr>
+        </p:nvSpPr>
+        <p:spPr/>
+        <p:txBody>
+          <a:bodyPr/>
+          <a:lstStyle/>
+          <a:p>
+            <a:endParaRPr kumimoji="1" lang="ja-JP" altLang="en-US" dirty="0"/>
+          </a:p>
+        </p:txBody>
+      </p:sp>
+      <p:sp>
+        <p:nvSpPr>
+          <p:cNvPr id="4" name="スライド番号プレースホルダー 3"/>
+          <p:cNvSpPr>
+            <a:spLocks noGrp="1"/>
+          </p:cNvSpPr>
+          <p:nvPr>
+            <p:ph type="sldNum" sz="quarter" idx="5"/>
+          </p:nvPr>
+        </p:nvSpPr>
+        <p:spPr/>
+        <p:txBody>
+          <a:bodyPr/>
+          <a:lstStyle/>
+          <a:p>
+            <a:fld id="{39AC8A4A-8BDC-2247-9545-04B679C3B540}" type="slidenum">
+              <a:rPr kumimoji="1" lang="ja-JP" altLang="en-US" smtClean="0"/>
+              <a:t>10</a:t>
+            </a:fld>
+            <a:endParaRPr kumimoji="1" lang="ja-JP" altLang="en-US"/>
+          </a:p>
+        </p:txBody>
+      </p:sp>
+    </p:spTree>
+    <p:extLst>
+      <p:ext uri="{BB962C8B-B14F-4D97-AF65-F5344CB8AC3E}">
+        <p14:creationId xmlns:p14="http://schemas.microsoft.com/office/powerpoint/2010/main" val="1864806540"/>
+      </p:ext>
+    </p:extLst>
+  </p:cSld>
+  <p:clrMapOvr>
+    <a:masterClrMapping/>
+  </p:clrMapOvr>
+</p:notes>
+</file>
+
+<file path=ppt/notesSlides/notesSlide6.xml><?xml version="1.0" encoding="utf-8"?>
+<p:notes xmlns:a="http://schemas.openxmlformats.org/drawingml/2006/main" xmlns:r="http://schemas.openxmlformats.org/officeDocument/2006/relationships" xmlns:p="http://schemas.openxmlformats.org/presentationml/2006/main">
+  <p:cSld>
+    <p:spTree>
+      <p:nvGrpSpPr>
+        <p:cNvPr id="1" name=""/>
+        <p:cNvGrpSpPr/>
+        <p:nvPr/>
+      </p:nvGrpSpPr>
+      <p:grpSpPr>
+        <a:xfrm>
+          <a:off x="0" y="0"/>
+          <a:ext cx="0" cy="0"/>
+          <a:chOff x="0" y="0"/>
+          <a:chExt cx="0" cy="0"/>
+        </a:xfrm>
+      </p:grpSpPr>
+      <p:sp>
+        <p:nvSpPr>
+          <p:cNvPr id="2" name="スライド イメージ プレースホルダー 1"/>
+          <p:cNvSpPr>
+            <a:spLocks noGrp="1" noRot="1" noChangeAspect="1"/>
+          </p:cNvSpPr>
+          <p:nvPr>
+            <p:ph type="sldImg"/>
+          </p:nvPr>
+        </p:nvSpPr>
+        <p:spPr/>
+      </p:sp>
+      <p:sp>
+        <p:nvSpPr>
+          <p:cNvPr id="3" name="ノート プレースホルダー 2"/>
+          <p:cNvSpPr>
+            <a:spLocks noGrp="1"/>
+          </p:cNvSpPr>
+          <p:nvPr>
+            <p:ph type="body" idx="1"/>
+          </p:nvPr>
+        </p:nvSpPr>
+        <p:spPr/>
+        <p:txBody>
+          <a:bodyPr/>
+          <a:lstStyle/>
+          <a:p>
+            <a:endParaRPr kumimoji="1" lang="ja-JP" altLang="en-US" dirty="0"/>
+          </a:p>
+        </p:txBody>
+      </p:sp>
+      <p:sp>
+        <p:nvSpPr>
+          <p:cNvPr id="4" name="スライド番号プレースホルダー 3"/>
+          <p:cNvSpPr>
+            <a:spLocks noGrp="1"/>
+          </p:cNvSpPr>
+          <p:nvPr>
+            <p:ph type="sldNum" sz="quarter" idx="5"/>
+          </p:nvPr>
+        </p:nvSpPr>
+        <p:spPr/>
+        <p:txBody>
+          <a:bodyPr/>
+          <a:lstStyle/>
+          <a:p>
+            <a:fld id="{39AC8A4A-8BDC-2247-9545-04B679C3B540}" type="slidenum">
+              <a:rPr kumimoji="1" lang="ja-JP" altLang="en-US" smtClean="0"/>
+              <a:t>11</a:t>
+            </a:fld>
+            <a:endParaRPr kumimoji="1" lang="ja-JP" altLang="en-US"/>
+          </a:p>
+        </p:txBody>
+      </p:sp>
+    </p:spTree>
+    <p:extLst>
+      <p:ext uri="{BB962C8B-B14F-4D97-AF65-F5344CB8AC3E}">
+        <p14:creationId xmlns:p14="http://schemas.microsoft.com/office/powerpoint/2010/main" val="4256546325"/>
+      </p:ext>
+    </p:extLst>
+  </p:cSld>
+  <p:clrMapOvr>
+    <a:masterClrMapping/>
+  </p:clrMapOvr>
+</p:notes>
+</file>
+
+<file path=ppt/notesSlides/notesSlide7.xml><?xml version="1.0" encoding="utf-8"?>
+<p:notes xmlns:a="http://schemas.openxmlformats.org/drawingml/2006/main" xmlns:r="http://schemas.openxmlformats.org/officeDocument/2006/relationships" xmlns:p="http://schemas.openxmlformats.org/presentationml/2006/main">
+  <p:cSld>
+    <p:spTree>
+      <p:nvGrpSpPr>
+        <p:cNvPr id="1" name=""/>
+        <p:cNvGrpSpPr/>
+        <p:nvPr/>
+      </p:nvGrpSpPr>
+      <p:grpSpPr>
+        <a:xfrm>
+          <a:off x="0" y="0"/>
+          <a:ext cx="0" cy="0"/>
+          <a:chOff x="0" y="0"/>
+          <a:chExt cx="0" cy="0"/>
+        </a:xfrm>
+      </p:grpSpPr>
+      <p:sp>
+        <p:nvSpPr>
+          <p:cNvPr id="2" name="スライド イメージ プレースホルダー 1"/>
+          <p:cNvSpPr>
+            <a:spLocks noGrp="1" noRot="1" noChangeAspect="1"/>
+          </p:cNvSpPr>
+          <p:nvPr>
+            <p:ph type="sldImg"/>
+          </p:nvPr>
+        </p:nvSpPr>
+        <p:spPr/>
+      </p:sp>
+      <p:sp>
+        <p:nvSpPr>
+          <p:cNvPr id="3" name="ノート プレースホルダー 2"/>
+          <p:cNvSpPr>
+            <a:spLocks noGrp="1"/>
+          </p:cNvSpPr>
+          <p:nvPr>
+            <p:ph type="body" idx="1"/>
+          </p:nvPr>
+        </p:nvSpPr>
+        <p:spPr/>
+        <p:txBody>
+          <a:bodyPr/>
+          <a:lstStyle/>
+          <a:p>
+            <a:endParaRPr kumimoji="1" lang="ja-JP" altLang="en-US" dirty="0"/>
+          </a:p>
+        </p:txBody>
+      </p:sp>
+      <p:sp>
+        <p:nvSpPr>
+          <p:cNvPr id="4" name="スライド番号プレースホルダー 3"/>
+          <p:cNvSpPr>
+            <a:spLocks noGrp="1"/>
+          </p:cNvSpPr>
+          <p:nvPr>
+            <p:ph type="sldNum" sz="quarter" idx="5"/>
+          </p:nvPr>
+        </p:nvSpPr>
+        <p:spPr/>
+        <p:txBody>
+          <a:bodyPr/>
+          <a:lstStyle/>
+          <a:p>
+            <a:fld id="{39AC8A4A-8BDC-2247-9545-04B679C3B540}" type="slidenum">
+              <a:rPr kumimoji="1" lang="ja-JP" altLang="en-US" smtClean="0"/>
+              <a:t>12</a:t>
+            </a:fld>
+            <a:endParaRPr kumimoji="1" lang="ja-JP" altLang="en-US"/>
+          </a:p>
+        </p:txBody>
+      </p:sp>
+    </p:spTree>
+    <p:extLst>
+      <p:ext uri="{BB962C8B-B14F-4D97-AF65-F5344CB8AC3E}">
+        <p14:creationId xmlns:p14="http://schemas.microsoft.com/office/powerpoint/2010/main" val="960797229"/>
       </p:ext>
     </p:extLst>
   </p:cSld>
@@ -989,7 +1265,7 @@
           <a:p>
             <a:fld id="{976F3043-1AC2-4C07-B4FE-8FCD0648D350}" type="datetimeFigureOut">
               <a:rPr lang="en-US" smtClean="0"/>
-              <a:t>4/25/2023</a:t>
+              <a:t>4/26/2023</a:t>
             </a:fld>
             <a:endParaRPr lang="en-US"/>
           </a:p>
@@ -1221,7 +1497,7 @@
           <a:p>
             <a:fld id="{976F3043-1AC2-4C07-B4FE-8FCD0648D350}" type="datetimeFigureOut">
               <a:rPr lang="en-US" smtClean="0"/>
-              <a:t>4/25/2023</a:t>
+              <a:t>4/26/2023</a:t>
             </a:fld>
             <a:endParaRPr lang="en-US"/>
           </a:p>
@@ -1463,7 +1739,7 @@
           <a:p>
             <a:fld id="{976F3043-1AC2-4C07-B4FE-8FCD0648D350}" type="datetimeFigureOut">
               <a:rPr lang="en-US" smtClean="0"/>
-              <a:t>4/25/2023</a:t>
+              <a:t>4/26/2023</a:t>
             </a:fld>
             <a:endParaRPr lang="en-US"/>
           </a:p>
@@ -1695,7 +1971,7 @@
           <a:p>
             <a:fld id="{976F3043-1AC2-4C07-B4FE-8FCD0648D350}" type="datetimeFigureOut">
               <a:rPr lang="en-US" smtClean="0"/>
-              <a:t>4/25/2023</a:t>
+              <a:t>4/26/2023</a:t>
             </a:fld>
             <a:endParaRPr lang="en-US"/>
           </a:p>
@@ -1971,7 +2247,7 @@
           <a:p>
             <a:fld id="{976F3043-1AC2-4C07-B4FE-8FCD0648D350}" type="datetimeFigureOut">
               <a:rPr lang="en-US" smtClean="0"/>
-              <a:t>4/25/2023</a:t>
+              <a:t>4/26/2023</a:t>
             </a:fld>
             <a:endParaRPr lang="en-US"/>
           </a:p>
@@ -2303,7 +2579,7 @@
           <a:p>
             <a:fld id="{976F3043-1AC2-4C07-B4FE-8FCD0648D350}" type="datetimeFigureOut">
               <a:rPr lang="en-US" smtClean="0"/>
-              <a:t>4/25/2023</a:t>
+              <a:t>4/26/2023</a:t>
             </a:fld>
             <a:endParaRPr lang="en-US"/>
           </a:p>
@@ -2782,7 +3058,7 @@
           <a:p>
             <a:fld id="{976F3043-1AC2-4C07-B4FE-8FCD0648D350}" type="datetimeFigureOut">
               <a:rPr lang="en-US" smtClean="0"/>
-              <a:t>4/25/2023</a:t>
+              <a:t>4/26/2023</a:t>
             </a:fld>
             <a:endParaRPr lang="en-US"/>
           </a:p>
@@ -2924,7 +3200,7 @@
           <a:p>
             <a:fld id="{976F3043-1AC2-4C07-B4FE-8FCD0648D350}" type="datetimeFigureOut">
               <a:rPr lang="en-US" smtClean="0"/>
-              <a:t>4/25/2023</a:t>
+              <a:t>4/26/2023</a:t>
             </a:fld>
             <a:endParaRPr lang="en-US"/>
           </a:p>
@@ -3037,7 +3313,7 @@
           <a:p>
             <a:fld id="{976F3043-1AC2-4C07-B4FE-8FCD0648D350}" type="datetimeFigureOut">
               <a:rPr lang="en-US" smtClean="0"/>
-              <a:t>4/25/2023</a:t>
+              <a:t>4/26/2023</a:t>
             </a:fld>
             <a:endParaRPr lang="en-US"/>
           </a:p>
@@ -3382,7 +3658,7 @@
           <a:p>
             <a:fld id="{976F3043-1AC2-4C07-B4FE-8FCD0648D350}" type="datetimeFigureOut">
               <a:rPr lang="en-US" smtClean="0"/>
-              <a:t>4/25/2023</a:t>
+              <a:t>4/26/2023</a:t>
             </a:fld>
             <a:endParaRPr lang="en-US"/>
           </a:p>
@@ -3671,7 +3947,7 @@
           <a:p>
             <a:fld id="{976F3043-1AC2-4C07-B4FE-8FCD0648D350}" type="datetimeFigureOut">
               <a:rPr lang="en-US" smtClean="0"/>
-              <a:t>4/25/2023</a:t>
+              <a:t>4/26/2023</a:t>
             </a:fld>
             <a:endParaRPr lang="en-US"/>
           </a:p>
@@ -3946,7 +4222,7 @@
           <a:p>
             <a:fld id="{976F3043-1AC2-4C07-B4FE-8FCD0648D350}" type="datetimeFigureOut">
               <a:rPr lang="en-US" smtClean="0"/>
-              <a:t>4/25/2023</a:t>
+              <a:t>4/26/2023</a:t>
             </a:fld>
             <a:endParaRPr lang="en-US"/>
           </a:p>
@@ -4368,6 +4644,90 @@
           <p:cNvPr id="2" name="タイトル 1">
             <a:extLst>
               <a:ext uri="{FF2B5EF4-FFF2-40B4-BE49-F238E27FC236}">
+                <a16:creationId xmlns:a16="http://schemas.microsoft.com/office/drawing/2014/main" id="{19CA7710-E2B1-C800-FDA8-9F4C0B9B4313}"/>
+              </a:ext>
+            </a:extLst>
+          </p:cNvPr>
+          <p:cNvSpPr>
+            <a:spLocks noGrp="1"/>
+          </p:cNvSpPr>
+          <p:nvPr>
+            <p:ph type="title"/>
+          </p:nvPr>
+        </p:nvSpPr>
+        <p:spPr/>
+        <p:txBody>
+          <a:bodyPr/>
+          <a:lstStyle/>
+          <a:p>
+            <a:r>
+              <a:rPr lang="en-US" altLang="ja-JP" b="1" dirty="0"/>
+              <a:t>20230426</a:t>
+            </a:r>
+            <a:endParaRPr lang="en-US" b="1" dirty="0"/>
+          </a:p>
+        </p:txBody>
+      </p:sp>
+      <p:sp>
+        <p:nvSpPr>
+          <p:cNvPr id="3" name="テキスト プレースホルダー 2">
+            <a:extLst>
+              <a:ext uri="{FF2B5EF4-FFF2-40B4-BE49-F238E27FC236}">
+                <a16:creationId xmlns:a16="http://schemas.microsoft.com/office/drawing/2014/main" id="{9EFE565A-52C1-0525-E984-324A0F2885F4}"/>
+              </a:ext>
+            </a:extLst>
+          </p:cNvPr>
+          <p:cNvSpPr>
+            <a:spLocks noGrp="1"/>
+          </p:cNvSpPr>
+          <p:nvPr>
+            <p:ph type="body" idx="1"/>
+          </p:nvPr>
+        </p:nvSpPr>
+        <p:spPr/>
+        <p:txBody>
+          <a:bodyPr/>
+          <a:lstStyle/>
+          <a:p>
+            <a:endParaRPr lang="en-US" dirty="0"/>
+          </a:p>
+        </p:txBody>
+      </p:sp>
+    </p:spTree>
+    <p:extLst>
+      <p:ext uri="{BB962C8B-B14F-4D97-AF65-F5344CB8AC3E}">
+        <p14:creationId xmlns:p14="http://schemas.microsoft.com/office/powerpoint/2010/main" val="1588142929"/>
+      </p:ext>
+    </p:extLst>
+  </p:cSld>
+  <p:clrMapOvr>
+    <a:masterClrMapping/>
+  </p:clrMapOvr>
+</p:sld>
+</file>
+
+<file path=ppt/slides/slide10.xml><?xml version="1.0" encoding="utf-8"?>
+<p:sld xmlns:a="http://schemas.openxmlformats.org/drawingml/2006/main" xmlns:r="http://schemas.openxmlformats.org/officeDocument/2006/relationships" xmlns:p="http://schemas.openxmlformats.org/presentationml/2006/main">
+  <p:cSld>
+    <p:spTree>
+      <p:nvGrpSpPr>
+        <p:cNvPr id="1" name=""/>
+        <p:cNvGrpSpPr/>
+        <p:nvPr/>
+      </p:nvGrpSpPr>
+      <p:grpSpPr>
+        <a:xfrm>
+          <a:off x="0" y="0"/>
+          <a:ext cx="0" cy="0"/>
+          <a:chOff x="0" y="0"/>
+          <a:chExt cx="0" cy="0"/>
+        </a:xfrm>
+      </p:grpSpPr>
+      <p:sp>
+        <p:nvSpPr>
+          <p:cNvPr id="2" name="タイトル 1">
+            <a:extLst>
+              <a:ext uri="{FF2B5EF4-FFF2-40B4-BE49-F238E27FC236}">
                 <a16:creationId xmlns:a16="http://schemas.microsoft.com/office/drawing/2014/main" id="{27D14253-3A9D-C323-9B97-5D6BE60413FE}"/>
               </a:ext>
             </a:extLst>
@@ -4387,17 +4747,22 @@
         </p:spPr>
         <p:txBody>
           <a:bodyPr>
-            <a:normAutofit fontScale="90000"/>
+            <a:noAutofit/>
           </a:bodyPr>
           <a:lstStyle/>
           <a:p>
-            <a:r>
-              <a:rPr lang="en-US" b="1" dirty="0">
+            <a:pPr algn="ctr"/>
+            <a:r>
+              <a:rPr lang="en-US" altLang="ja-JP" sz="2800" b="1" dirty="0">
                 <a:latin typeface="Arial" panose="020B0604020202020204" pitchFamily="34" charset="0"/>
                 <a:cs typeface="Arial" panose="020B0604020202020204" pitchFamily="34" charset="0"/>
               </a:rPr>
-              <a:t>Experiment</a:t>
-            </a:r>
+              <a:t>Does Reward Axis around GC show “stretching” in trivial task?</a:t>
+            </a:r>
+            <a:endParaRPr lang="en-US" sz="2800" dirty="0">
+              <a:latin typeface="Arial" panose="020B0604020202020204" pitchFamily="34" charset="0"/>
+              <a:cs typeface="Arial" panose="020B0604020202020204" pitchFamily="34" charset="0"/>
+            </a:endParaRPr>
           </a:p>
         </p:txBody>
       </p:sp>
@@ -4420,7 +4785,7 @@
         <p:spPr>
           <a:xfrm>
             <a:off x="115410" y="878889"/>
-            <a:ext cx="11940466" cy="5872578"/>
+            <a:ext cx="11940466" cy="1722268"/>
           </a:xfrm>
         </p:spPr>
         <p:txBody>
@@ -4429,276 +4794,2767 @@
           </a:bodyPr>
           <a:lstStyle/>
           <a:p>
-            <a:pPr marL="0" indent="0" fontAlgn="base">
-              <a:lnSpc>
-                <a:spcPct val="100000"/>
-              </a:lnSpc>
-              <a:spcBef>
-                <a:spcPts val="0"/>
-              </a:spcBef>
+            <a:pPr marL="0" indent="0">
               <a:buNone/>
             </a:pPr>
             <a:r>
-              <a:rPr lang="en-US" sz="2000" dirty="0">
-                <a:latin typeface="Arial" panose="020B0604020202020204" pitchFamily="34" charset="0"/>
-              </a:rPr>
-              <a:t>Interleaved Days</a:t>
-            </a:r>
-            <a:endParaRPr lang="en-US" sz="2000" i="0" dirty="0">
-              <a:effectLst/>
-              <a:latin typeface="Arial" panose="020B0604020202020204" pitchFamily="34" charset="0"/>
-            </a:endParaRPr>
-          </a:p>
-          <a:p>
-            <a:pPr fontAlgn="base">
-              <a:lnSpc>
-                <a:spcPct val="100000"/>
-              </a:lnSpc>
-              <a:spcBef>
-                <a:spcPts val="0"/>
-              </a:spcBef>
-              <a:buFont typeface="+mj-lt"/>
-              <a:buAutoNum type="arabicPeriod"/>
-            </a:pPr>
-            <a:r>
-              <a:rPr lang="en-US" sz="2000" i="0" dirty="0">
-                <a:effectLst/>
-                <a:latin typeface="Arial" panose="020B0604020202020204" pitchFamily="34" charset="0"/>
-              </a:rPr>
-              <a:t>Experiment date : 20230216~20220411 (4 days)</a:t>
-            </a:r>
-          </a:p>
-          <a:p>
-            <a:pPr fontAlgn="base">
-              <a:lnSpc>
-                <a:spcPct val="100000"/>
-              </a:lnSpc>
-              <a:spcBef>
-                <a:spcPts val="0"/>
-              </a:spcBef>
-              <a:buFont typeface="+mj-lt"/>
-              <a:buAutoNum type="arabicPeriod"/>
-            </a:pPr>
-            <a:r>
-              <a:rPr lang="en-US" sz="2000" i="0" dirty="0">
-                <a:effectLst/>
-                <a:latin typeface="Arial" panose="020B0604020202020204" pitchFamily="34" charset="0"/>
-              </a:rPr>
-              <a:t>Monkey : Satchel</a:t>
-            </a:r>
-          </a:p>
-          <a:p>
-            <a:pPr fontAlgn="base">
-              <a:lnSpc>
-                <a:spcPct val="100000"/>
-              </a:lnSpc>
-              <a:spcBef>
-                <a:spcPts val="0"/>
-              </a:spcBef>
-              <a:buFont typeface="+mj-lt"/>
-              <a:buAutoNum type="arabicPeriod"/>
-            </a:pPr>
-            <a:r>
-              <a:rPr lang="en-US" sz="2000" i="0" dirty="0">
-                <a:effectLst/>
-                <a:latin typeface="Arial" panose="020B0604020202020204" pitchFamily="34" charset="0"/>
-              </a:rPr>
-              <a:t>Task type : Focus task: color change detection + delayed reach task (16% are catch trials)</a:t>
-            </a:r>
-          </a:p>
-          <a:p>
-            <a:pPr fontAlgn="base">
-              <a:lnSpc>
-                <a:spcPct val="100000"/>
-              </a:lnSpc>
-              <a:spcBef>
-                <a:spcPts val="0"/>
-              </a:spcBef>
-              <a:buFont typeface="+mj-lt"/>
-              <a:buAutoNum type="arabicPeriod"/>
-            </a:pPr>
-            <a:r>
-              <a:rPr lang="en-US" sz="2000" i="0" dirty="0">
-                <a:effectLst/>
-                <a:latin typeface="Arial" panose="020B0604020202020204" pitchFamily="34" charset="0"/>
-              </a:rPr>
-              <a:t>Parameters</a:t>
-            </a:r>
-          </a:p>
-          <a:p>
-            <a:pPr lvl="1" fontAlgn="base">
-              <a:lnSpc>
-                <a:spcPct val="100000"/>
-              </a:lnSpc>
-              <a:spcBef>
-                <a:spcPts val="0"/>
-              </a:spcBef>
-              <a:buFont typeface="+mj-lt"/>
-              <a:buAutoNum type="arabicPeriod"/>
-            </a:pPr>
-            <a:r>
-              <a:rPr lang="en-US" sz="2000" i="0" dirty="0">
-                <a:effectLst/>
-                <a:latin typeface="Arial" panose="020B0604020202020204" pitchFamily="34" charset="0"/>
-              </a:rPr>
-              <a:t>Direction : 8 directions</a:t>
-            </a:r>
-          </a:p>
-          <a:p>
-            <a:pPr lvl="1" fontAlgn="base">
-              <a:lnSpc>
-                <a:spcPct val="100000"/>
-              </a:lnSpc>
-              <a:spcBef>
-                <a:spcPts val="0"/>
-              </a:spcBef>
-              <a:buFont typeface="+mj-lt"/>
-              <a:buAutoNum type="arabicPeriod"/>
-            </a:pPr>
-            <a:r>
-              <a:rPr lang="en-US" sz="2000" i="0" dirty="0">
-                <a:effectLst/>
-                <a:latin typeface="Arial" panose="020B0604020202020204" pitchFamily="34" charset="0"/>
-              </a:rPr>
-              <a:t>Reward : small (</a:t>
-            </a:r>
-            <a:r>
-              <a:rPr lang="en-US" sz="2000" i="0" dirty="0">
-                <a:solidFill>
-                  <a:srgbClr val="FF0000"/>
-                </a:solidFill>
-                <a:effectLst/>
-                <a:latin typeface="Arial" panose="020B0604020202020204" pitchFamily="34" charset="0"/>
-              </a:rPr>
-              <a:t>50ul</a:t>
-            </a:r>
-            <a:r>
-              <a:rPr lang="en-US" sz="2000" i="0" dirty="0">
-                <a:effectLst/>
-                <a:latin typeface="Arial" panose="020B0604020202020204" pitchFamily="34" charset="0"/>
-              </a:rPr>
-              <a:t>) medium (</a:t>
-            </a:r>
-            <a:r>
-              <a:rPr lang="en-US" sz="2000" dirty="0">
-                <a:latin typeface="Arial" panose="020B0604020202020204" pitchFamily="34" charset="0"/>
-              </a:rPr>
-              <a:t>15</a:t>
-            </a:r>
-            <a:r>
-              <a:rPr lang="en-US" sz="2000" i="0" dirty="0">
-                <a:effectLst/>
-                <a:latin typeface="Arial" panose="020B0604020202020204" pitchFamily="34" charset="0"/>
-              </a:rPr>
-              <a:t>0ul) large (400ul) rewards cued by shapes inside</a:t>
-            </a:r>
-          </a:p>
-          <a:p>
-            <a:pPr lvl="1" fontAlgn="base">
-              <a:lnSpc>
-                <a:spcPct val="100000"/>
-              </a:lnSpc>
-              <a:spcBef>
-                <a:spcPts val="0"/>
-              </a:spcBef>
-              <a:buFont typeface="+mj-lt"/>
-              <a:buAutoNum type="arabicPeriod"/>
-            </a:pPr>
-            <a:r>
-              <a:rPr lang="en-US" sz="2000" i="0" dirty="0">
-                <a:effectLst/>
-                <a:latin typeface="Arial" panose="020B0604020202020204" pitchFamily="34" charset="0"/>
-              </a:rPr>
-              <a:t>Target size : either tiny (25mm rad) or huge (38mm rad)</a:t>
-            </a:r>
-          </a:p>
-          <a:p>
-            <a:pPr lvl="1" fontAlgn="base">
-              <a:lnSpc>
-                <a:spcPct val="100000"/>
-              </a:lnSpc>
-              <a:spcBef>
-                <a:spcPts val="0"/>
-              </a:spcBef>
-              <a:buFont typeface="+mj-lt"/>
-              <a:buAutoNum type="arabicPeriod"/>
-            </a:pPr>
-            <a:r>
-              <a:rPr lang="en-US" sz="2000" dirty="0">
-                <a:solidFill>
-                  <a:srgbClr val="000000"/>
-                </a:solidFill>
+              <a:rPr lang="en-US" altLang="ja-JP" sz="2000" b="1" dirty="0">
                 <a:latin typeface="Arial" panose="020B0604020202020204" pitchFamily="34" charset="0"/>
                 <a:cs typeface="Arial" panose="020B0604020202020204" pitchFamily="34" charset="0"/>
               </a:rPr>
-              <a:t>Focus difficulty: </a:t>
-            </a:r>
-          </a:p>
-          <a:p>
-            <a:pPr fontAlgn="base">
-              <a:lnSpc>
-                <a:spcPct val="100000"/>
-              </a:lnSpc>
-              <a:spcBef>
-                <a:spcPts val="0"/>
-              </a:spcBef>
-              <a:buFont typeface="+mj-lt"/>
+              <a:t>Method</a:t>
+            </a:r>
+          </a:p>
+          <a:p>
+            <a:pPr marL="457200" indent="-457200">
               <a:buAutoNum type="arabicPeriod"/>
             </a:pPr>
             <a:r>
-              <a:rPr lang="en-US" sz="2000" dirty="0">
-                <a:solidFill>
-                  <a:srgbClr val="000000"/>
-                </a:solidFill>
+              <a:rPr lang="en-US" altLang="ja-JP" sz="2000" dirty="0">
                 <a:latin typeface="Arial" panose="020B0604020202020204" pitchFamily="34" charset="0"/>
                 <a:cs typeface="Arial" panose="020B0604020202020204" pitchFamily="34" charset="0"/>
               </a:rPr>
-              <a:t>Delay length: </a:t>
-            </a:r>
-            <a:r>
-              <a:rPr lang="en-US" sz="2000" dirty="0">
-                <a:solidFill>
-                  <a:srgbClr val="FF0000"/>
-                </a:solidFill>
+              <a:t>Get an average of firing rate in each reward condition (</a:t>
+            </a:r>
+            <a:r>
+              <a:rPr lang="en-US" altLang="ja-JP" sz="2000" dirty="0" err="1">
                 <a:latin typeface="Arial" panose="020B0604020202020204" pitchFamily="34" charset="0"/>
                 <a:cs typeface="Arial" panose="020B0604020202020204" pitchFamily="34" charset="0"/>
               </a:rPr>
-              <a:t>500~2000</a:t>
-            </a:r>
-            <a:r>
-              <a:rPr lang="en-US" sz="2000" dirty="0">
-                <a:solidFill>
-                  <a:srgbClr val="000000"/>
-                </a:solidFill>
+              <a:t>nneuron</a:t>
+            </a:r>
+            <a:r>
+              <a:rPr lang="en-US" altLang="ja-JP" sz="2000" dirty="0">
                 <a:latin typeface="Arial" panose="020B0604020202020204" pitchFamily="34" charset="0"/>
                 <a:cs typeface="Arial" panose="020B0604020202020204" pitchFamily="34" charset="0"/>
               </a:rPr>
-              <a:t> </a:t>
-            </a:r>
-            <a:r>
-              <a:rPr lang="en-US" sz="2000" dirty="0" err="1">
-                <a:solidFill>
-                  <a:srgbClr val="000000"/>
-                </a:solidFill>
+              <a:t> * </a:t>
+            </a:r>
+            <a:r>
+              <a:rPr lang="en-US" altLang="ja-JP" sz="2000" dirty="0" err="1">
                 <a:latin typeface="Arial" panose="020B0604020202020204" pitchFamily="34" charset="0"/>
                 <a:cs typeface="Arial" panose="020B0604020202020204" pitchFamily="34" charset="0"/>
               </a:rPr>
-              <a:t>ms</a:t>
-            </a:r>
-            <a:endParaRPr lang="en-US" sz="2000" dirty="0">
-              <a:solidFill>
-                <a:srgbClr val="000000"/>
-              </a:solidFill>
+              <a:t>nreward</a:t>
+            </a:r>
+            <a:r>
+              <a:rPr lang="en-US" altLang="ja-JP" sz="2000" dirty="0">
+                <a:latin typeface="Arial" panose="020B0604020202020204" pitchFamily="34" charset="0"/>
+                <a:cs typeface="Arial" panose="020B0604020202020204" pitchFamily="34" charset="0"/>
+              </a:rPr>
+              <a:t>(3)) around GC [-150 +50]</a:t>
+            </a:r>
+          </a:p>
+          <a:p>
+            <a:pPr marL="457200" indent="-457200">
+              <a:buAutoNum type="arabicPeriod"/>
+            </a:pPr>
+            <a:r>
+              <a:rPr lang="en-US" altLang="ja-JP" sz="2000" b="1" dirty="0">
+                <a:latin typeface="Arial" panose="020B0604020202020204" pitchFamily="34" charset="0"/>
+                <a:cs typeface="Arial" panose="020B0604020202020204" pitchFamily="34" charset="0"/>
+              </a:rPr>
+              <a:t>Use Focus difficulty is 3 or 4 ( there are 1,2,3,4 in focus level ( 1: hard, 4: easy)</a:t>
+            </a:r>
+          </a:p>
+          <a:p>
+            <a:pPr marL="457200" indent="-457200">
+              <a:buAutoNum type="arabicPeriod"/>
+            </a:pPr>
+            <a:endParaRPr lang="en-US" sz="2000" b="1" dirty="0">
               <a:latin typeface="Arial" panose="020B0604020202020204" pitchFamily="34" charset="0"/>
               <a:cs typeface="Arial" panose="020B0604020202020204" pitchFamily="34" charset="0"/>
             </a:endParaRPr>
           </a:p>
+          <a:p>
+            <a:pPr marL="457200" indent="-457200">
+              <a:buAutoNum type="arabicPeriod"/>
+            </a:pPr>
+            <a:endParaRPr lang="en-US" sz="2000" b="1" dirty="0">
+              <a:latin typeface="Arial" panose="020B0604020202020204" pitchFamily="34" charset="0"/>
+              <a:cs typeface="Arial" panose="020B0604020202020204" pitchFamily="34" charset="0"/>
+            </a:endParaRPr>
+          </a:p>
         </p:txBody>
       </p:sp>
+      <p:sp>
+        <p:nvSpPr>
+          <p:cNvPr id="4" name="コンテンツ プレースホルダー 2">
+            <a:extLst>
+              <a:ext uri="{FF2B5EF4-FFF2-40B4-BE49-F238E27FC236}">
+                <a16:creationId xmlns:a16="http://schemas.microsoft.com/office/drawing/2014/main" id="{3C1F8DFF-3BE9-522D-51E5-D48F5B432B59}"/>
+              </a:ext>
+            </a:extLst>
+          </p:cNvPr>
+          <p:cNvSpPr txBox="1">
+            <a:spLocks/>
+          </p:cNvSpPr>
+          <p:nvPr/>
+        </p:nvSpPr>
+        <p:spPr>
+          <a:xfrm>
+            <a:off x="115411" y="2087842"/>
+            <a:ext cx="2079149" cy="449063"/>
+          </a:xfrm>
+          <a:prstGeom prst="rect">
+            <a:avLst/>
+          </a:prstGeom>
+          <a:solidFill>
+            <a:schemeClr val="bg1">
+              <a:lumMod val="95000"/>
+            </a:schemeClr>
+          </a:solidFill>
+        </p:spPr>
+        <p:txBody>
+          <a:bodyPr vert="horz" lIns="91440" tIns="45720" rIns="91440" bIns="45720" rtlCol="0" anchor="ctr">
+            <a:normAutofit/>
+          </a:bodyPr>
+          <a:lstStyle>
+            <a:lvl1pPr marL="228600" indent="-228600" algn="l" defTabSz="914400" rtl="0" eaLnBrk="1" latinLnBrk="0" hangingPunct="1">
+              <a:lnSpc>
+                <a:spcPct val="90000"/>
+              </a:lnSpc>
+              <a:spcBef>
+                <a:spcPts val="1000"/>
+              </a:spcBef>
+              <a:buFont typeface="Arial" panose="020B0604020202020204" pitchFamily="34" charset="0"/>
+              <a:buChar char="•"/>
+              <a:defRPr sz="2800" kern="1200">
+                <a:solidFill>
+                  <a:schemeClr val="tx1"/>
+                </a:solidFill>
+                <a:latin typeface="+mn-lt"/>
+                <a:ea typeface="+mn-ea"/>
+                <a:cs typeface="+mn-cs"/>
+              </a:defRPr>
+            </a:lvl1pPr>
+            <a:lvl2pPr marL="685800" indent="-228600" algn="l" defTabSz="914400" rtl="0" eaLnBrk="1" latinLnBrk="0" hangingPunct="1">
+              <a:lnSpc>
+                <a:spcPct val="90000"/>
+              </a:lnSpc>
+              <a:spcBef>
+                <a:spcPts val="500"/>
+              </a:spcBef>
+              <a:buFont typeface="Arial" panose="020B0604020202020204" pitchFamily="34" charset="0"/>
+              <a:buChar char="•"/>
+              <a:defRPr sz="2400" kern="1200">
+                <a:solidFill>
+                  <a:schemeClr val="tx1"/>
+                </a:solidFill>
+                <a:latin typeface="+mn-lt"/>
+                <a:ea typeface="+mn-ea"/>
+                <a:cs typeface="+mn-cs"/>
+              </a:defRPr>
+            </a:lvl2pPr>
+            <a:lvl3pPr marL="1143000" indent="-228600" algn="l" defTabSz="914400" rtl="0" eaLnBrk="1" latinLnBrk="0" hangingPunct="1">
+              <a:lnSpc>
+                <a:spcPct val="90000"/>
+              </a:lnSpc>
+              <a:spcBef>
+                <a:spcPts val="500"/>
+              </a:spcBef>
+              <a:buFont typeface="Arial" panose="020B0604020202020204" pitchFamily="34" charset="0"/>
+              <a:buChar char="•"/>
+              <a:defRPr sz="2000" kern="1200">
+                <a:solidFill>
+                  <a:schemeClr val="tx1"/>
+                </a:solidFill>
+                <a:latin typeface="+mn-lt"/>
+                <a:ea typeface="+mn-ea"/>
+                <a:cs typeface="+mn-cs"/>
+              </a:defRPr>
+            </a:lvl3pPr>
+            <a:lvl4pPr marL="1600200" indent="-228600" algn="l" defTabSz="914400" rtl="0" eaLnBrk="1" latinLnBrk="0" hangingPunct="1">
+              <a:lnSpc>
+                <a:spcPct val="90000"/>
+              </a:lnSpc>
+              <a:spcBef>
+                <a:spcPts val="500"/>
+              </a:spcBef>
+              <a:buFont typeface="Arial" panose="020B0604020202020204" pitchFamily="34" charset="0"/>
+              <a:buChar char="•"/>
+              <a:defRPr sz="1800" kern="1200">
+                <a:solidFill>
+                  <a:schemeClr val="tx1"/>
+                </a:solidFill>
+                <a:latin typeface="+mn-lt"/>
+                <a:ea typeface="+mn-ea"/>
+                <a:cs typeface="+mn-cs"/>
+              </a:defRPr>
+            </a:lvl4pPr>
+            <a:lvl5pPr marL="2057400" indent="-228600" algn="l" defTabSz="914400" rtl="0" eaLnBrk="1" latinLnBrk="0" hangingPunct="1">
+              <a:lnSpc>
+                <a:spcPct val="90000"/>
+              </a:lnSpc>
+              <a:spcBef>
+                <a:spcPts val="500"/>
+              </a:spcBef>
+              <a:buFont typeface="Arial" panose="020B0604020202020204" pitchFamily="34" charset="0"/>
+              <a:buChar char="•"/>
+              <a:defRPr sz="1800" kern="1200">
+                <a:solidFill>
+                  <a:schemeClr val="tx1"/>
+                </a:solidFill>
+                <a:latin typeface="+mn-lt"/>
+                <a:ea typeface="+mn-ea"/>
+                <a:cs typeface="+mn-cs"/>
+              </a:defRPr>
+            </a:lvl5pPr>
+            <a:lvl6pPr marL="2514600" indent="-228600" algn="l" defTabSz="914400" rtl="0" eaLnBrk="1" latinLnBrk="0" hangingPunct="1">
+              <a:lnSpc>
+                <a:spcPct val="90000"/>
+              </a:lnSpc>
+              <a:spcBef>
+                <a:spcPts val="500"/>
+              </a:spcBef>
+              <a:buFont typeface="Arial" panose="020B0604020202020204" pitchFamily="34" charset="0"/>
+              <a:buChar char="•"/>
+              <a:defRPr sz="1800" kern="1200">
+                <a:solidFill>
+                  <a:schemeClr val="tx1"/>
+                </a:solidFill>
+                <a:latin typeface="+mn-lt"/>
+                <a:ea typeface="+mn-ea"/>
+                <a:cs typeface="+mn-cs"/>
+              </a:defRPr>
+            </a:lvl6pPr>
+            <a:lvl7pPr marL="2971800" indent="-228600" algn="l" defTabSz="914400" rtl="0" eaLnBrk="1" latinLnBrk="0" hangingPunct="1">
+              <a:lnSpc>
+                <a:spcPct val="90000"/>
+              </a:lnSpc>
+              <a:spcBef>
+                <a:spcPts val="500"/>
+              </a:spcBef>
+              <a:buFont typeface="Arial" panose="020B0604020202020204" pitchFamily="34" charset="0"/>
+              <a:buChar char="•"/>
+              <a:defRPr sz="1800" kern="1200">
+                <a:solidFill>
+                  <a:schemeClr val="tx1"/>
+                </a:solidFill>
+                <a:latin typeface="+mn-lt"/>
+                <a:ea typeface="+mn-ea"/>
+                <a:cs typeface="+mn-cs"/>
+              </a:defRPr>
+            </a:lvl7pPr>
+            <a:lvl8pPr marL="3429000" indent="-228600" algn="l" defTabSz="914400" rtl="0" eaLnBrk="1" latinLnBrk="0" hangingPunct="1">
+              <a:lnSpc>
+                <a:spcPct val="90000"/>
+              </a:lnSpc>
+              <a:spcBef>
+                <a:spcPts val="500"/>
+              </a:spcBef>
+              <a:buFont typeface="Arial" panose="020B0604020202020204" pitchFamily="34" charset="0"/>
+              <a:buChar char="•"/>
+              <a:defRPr sz="1800" kern="1200">
+                <a:solidFill>
+                  <a:schemeClr val="tx1"/>
+                </a:solidFill>
+                <a:latin typeface="+mn-lt"/>
+                <a:ea typeface="+mn-ea"/>
+                <a:cs typeface="+mn-cs"/>
+              </a:defRPr>
+            </a:lvl8pPr>
+            <a:lvl9pPr marL="3886200" indent="-228600" algn="l" defTabSz="914400" rtl="0" eaLnBrk="1" latinLnBrk="0" hangingPunct="1">
+              <a:lnSpc>
+                <a:spcPct val="90000"/>
+              </a:lnSpc>
+              <a:spcBef>
+                <a:spcPts val="500"/>
+              </a:spcBef>
+              <a:buFont typeface="Arial" panose="020B0604020202020204" pitchFamily="34" charset="0"/>
+              <a:buChar char="•"/>
+              <a:defRPr sz="1800" kern="1200">
+                <a:solidFill>
+                  <a:schemeClr val="tx1"/>
+                </a:solidFill>
+                <a:latin typeface="+mn-lt"/>
+                <a:ea typeface="+mn-ea"/>
+                <a:cs typeface="+mn-cs"/>
+              </a:defRPr>
+            </a:lvl9pPr>
+          </a:lstStyle>
+          <a:p>
+            <a:pPr marL="0" indent="0" algn="ctr">
+              <a:buFont typeface="Arial" panose="020B0604020202020204" pitchFamily="34" charset="0"/>
+              <a:buNone/>
+            </a:pPr>
+            <a:r>
+              <a:rPr lang="en-US" altLang="ja-JP" sz="2400" b="1" dirty="0">
+                <a:latin typeface="Arial" panose="020B0604020202020204" pitchFamily="34" charset="0"/>
+                <a:cs typeface="Arial" panose="020B0604020202020204" pitchFamily="34" charset="0"/>
+              </a:rPr>
+              <a:t>We expect</a:t>
+            </a:r>
+            <a:endParaRPr lang="en-US" sz="2400" b="1" dirty="0">
+              <a:latin typeface="Arial" panose="020B0604020202020204" pitchFamily="34" charset="0"/>
+              <a:cs typeface="Arial" panose="020B0604020202020204" pitchFamily="34" charset="0"/>
+            </a:endParaRPr>
+          </a:p>
+        </p:txBody>
+      </p:sp>
+      <p:sp>
+        <p:nvSpPr>
+          <p:cNvPr id="5" name="コンテンツ プレースホルダー 2">
+            <a:extLst>
+              <a:ext uri="{FF2B5EF4-FFF2-40B4-BE49-F238E27FC236}">
+                <a16:creationId xmlns:a16="http://schemas.microsoft.com/office/drawing/2014/main" id="{E2247332-FBD7-F890-418D-186D025A2163}"/>
+              </a:ext>
+            </a:extLst>
+          </p:cNvPr>
+          <p:cNvSpPr txBox="1">
+            <a:spLocks/>
+          </p:cNvSpPr>
+          <p:nvPr/>
+        </p:nvSpPr>
+        <p:spPr>
+          <a:xfrm>
+            <a:off x="2377441" y="2087841"/>
+            <a:ext cx="9699152" cy="449063"/>
+          </a:xfrm>
+          <a:prstGeom prst="rect">
+            <a:avLst/>
+          </a:prstGeom>
+          <a:solidFill>
+            <a:schemeClr val="bg1">
+              <a:lumMod val="95000"/>
+            </a:schemeClr>
+          </a:solidFill>
+        </p:spPr>
+        <p:txBody>
+          <a:bodyPr vert="horz" lIns="91440" tIns="45720" rIns="91440" bIns="45720" rtlCol="0" anchor="ctr">
+            <a:normAutofit/>
+          </a:bodyPr>
+          <a:lstStyle>
+            <a:lvl1pPr marL="228600" indent="-228600" algn="l" defTabSz="914400" rtl="0" eaLnBrk="1" latinLnBrk="0" hangingPunct="1">
+              <a:lnSpc>
+                <a:spcPct val="90000"/>
+              </a:lnSpc>
+              <a:spcBef>
+                <a:spcPts val="1000"/>
+              </a:spcBef>
+              <a:buFont typeface="Arial" panose="020B0604020202020204" pitchFamily="34" charset="0"/>
+              <a:buChar char="•"/>
+              <a:defRPr sz="2800" kern="1200">
+                <a:solidFill>
+                  <a:schemeClr val="tx1"/>
+                </a:solidFill>
+                <a:latin typeface="+mn-lt"/>
+                <a:ea typeface="+mn-ea"/>
+                <a:cs typeface="+mn-cs"/>
+              </a:defRPr>
+            </a:lvl1pPr>
+            <a:lvl2pPr marL="685800" indent="-228600" algn="l" defTabSz="914400" rtl="0" eaLnBrk="1" latinLnBrk="0" hangingPunct="1">
+              <a:lnSpc>
+                <a:spcPct val="90000"/>
+              </a:lnSpc>
+              <a:spcBef>
+                <a:spcPts val="500"/>
+              </a:spcBef>
+              <a:buFont typeface="Arial" panose="020B0604020202020204" pitchFamily="34" charset="0"/>
+              <a:buChar char="•"/>
+              <a:defRPr sz="2400" kern="1200">
+                <a:solidFill>
+                  <a:schemeClr val="tx1"/>
+                </a:solidFill>
+                <a:latin typeface="+mn-lt"/>
+                <a:ea typeface="+mn-ea"/>
+                <a:cs typeface="+mn-cs"/>
+              </a:defRPr>
+            </a:lvl2pPr>
+            <a:lvl3pPr marL="1143000" indent="-228600" algn="l" defTabSz="914400" rtl="0" eaLnBrk="1" latinLnBrk="0" hangingPunct="1">
+              <a:lnSpc>
+                <a:spcPct val="90000"/>
+              </a:lnSpc>
+              <a:spcBef>
+                <a:spcPts val="500"/>
+              </a:spcBef>
+              <a:buFont typeface="Arial" panose="020B0604020202020204" pitchFamily="34" charset="0"/>
+              <a:buChar char="•"/>
+              <a:defRPr sz="2000" kern="1200">
+                <a:solidFill>
+                  <a:schemeClr val="tx1"/>
+                </a:solidFill>
+                <a:latin typeface="+mn-lt"/>
+                <a:ea typeface="+mn-ea"/>
+                <a:cs typeface="+mn-cs"/>
+              </a:defRPr>
+            </a:lvl3pPr>
+            <a:lvl4pPr marL="1600200" indent="-228600" algn="l" defTabSz="914400" rtl="0" eaLnBrk="1" latinLnBrk="0" hangingPunct="1">
+              <a:lnSpc>
+                <a:spcPct val="90000"/>
+              </a:lnSpc>
+              <a:spcBef>
+                <a:spcPts val="500"/>
+              </a:spcBef>
+              <a:buFont typeface="Arial" panose="020B0604020202020204" pitchFamily="34" charset="0"/>
+              <a:buChar char="•"/>
+              <a:defRPr sz="1800" kern="1200">
+                <a:solidFill>
+                  <a:schemeClr val="tx1"/>
+                </a:solidFill>
+                <a:latin typeface="+mn-lt"/>
+                <a:ea typeface="+mn-ea"/>
+                <a:cs typeface="+mn-cs"/>
+              </a:defRPr>
+            </a:lvl4pPr>
+            <a:lvl5pPr marL="2057400" indent="-228600" algn="l" defTabSz="914400" rtl="0" eaLnBrk="1" latinLnBrk="0" hangingPunct="1">
+              <a:lnSpc>
+                <a:spcPct val="90000"/>
+              </a:lnSpc>
+              <a:spcBef>
+                <a:spcPts val="500"/>
+              </a:spcBef>
+              <a:buFont typeface="Arial" panose="020B0604020202020204" pitchFamily="34" charset="0"/>
+              <a:buChar char="•"/>
+              <a:defRPr sz="1800" kern="1200">
+                <a:solidFill>
+                  <a:schemeClr val="tx1"/>
+                </a:solidFill>
+                <a:latin typeface="+mn-lt"/>
+                <a:ea typeface="+mn-ea"/>
+                <a:cs typeface="+mn-cs"/>
+              </a:defRPr>
+            </a:lvl5pPr>
+            <a:lvl6pPr marL="2514600" indent="-228600" algn="l" defTabSz="914400" rtl="0" eaLnBrk="1" latinLnBrk="0" hangingPunct="1">
+              <a:lnSpc>
+                <a:spcPct val="90000"/>
+              </a:lnSpc>
+              <a:spcBef>
+                <a:spcPts val="500"/>
+              </a:spcBef>
+              <a:buFont typeface="Arial" panose="020B0604020202020204" pitchFamily="34" charset="0"/>
+              <a:buChar char="•"/>
+              <a:defRPr sz="1800" kern="1200">
+                <a:solidFill>
+                  <a:schemeClr val="tx1"/>
+                </a:solidFill>
+                <a:latin typeface="+mn-lt"/>
+                <a:ea typeface="+mn-ea"/>
+                <a:cs typeface="+mn-cs"/>
+              </a:defRPr>
+            </a:lvl6pPr>
+            <a:lvl7pPr marL="2971800" indent="-228600" algn="l" defTabSz="914400" rtl="0" eaLnBrk="1" latinLnBrk="0" hangingPunct="1">
+              <a:lnSpc>
+                <a:spcPct val="90000"/>
+              </a:lnSpc>
+              <a:spcBef>
+                <a:spcPts val="500"/>
+              </a:spcBef>
+              <a:buFont typeface="Arial" panose="020B0604020202020204" pitchFamily="34" charset="0"/>
+              <a:buChar char="•"/>
+              <a:defRPr sz="1800" kern="1200">
+                <a:solidFill>
+                  <a:schemeClr val="tx1"/>
+                </a:solidFill>
+                <a:latin typeface="+mn-lt"/>
+                <a:ea typeface="+mn-ea"/>
+                <a:cs typeface="+mn-cs"/>
+              </a:defRPr>
+            </a:lvl7pPr>
+            <a:lvl8pPr marL="3429000" indent="-228600" algn="l" defTabSz="914400" rtl="0" eaLnBrk="1" latinLnBrk="0" hangingPunct="1">
+              <a:lnSpc>
+                <a:spcPct val="90000"/>
+              </a:lnSpc>
+              <a:spcBef>
+                <a:spcPts val="500"/>
+              </a:spcBef>
+              <a:buFont typeface="Arial" panose="020B0604020202020204" pitchFamily="34" charset="0"/>
+              <a:buChar char="•"/>
+              <a:defRPr sz="1800" kern="1200">
+                <a:solidFill>
+                  <a:schemeClr val="tx1"/>
+                </a:solidFill>
+                <a:latin typeface="+mn-lt"/>
+                <a:ea typeface="+mn-ea"/>
+                <a:cs typeface="+mn-cs"/>
+              </a:defRPr>
+            </a:lvl8pPr>
+            <a:lvl9pPr marL="3886200" indent="-228600" algn="l" defTabSz="914400" rtl="0" eaLnBrk="1" latinLnBrk="0" hangingPunct="1">
+              <a:lnSpc>
+                <a:spcPct val="90000"/>
+              </a:lnSpc>
+              <a:spcBef>
+                <a:spcPts val="500"/>
+              </a:spcBef>
+              <a:buFont typeface="Arial" panose="020B0604020202020204" pitchFamily="34" charset="0"/>
+              <a:buChar char="•"/>
+              <a:defRPr sz="1800" kern="1200">
+                <a:solidFill>
+                  <a:schemeClr val="tx1"/>
+                </a:solidFill>
+                <a:latin typeface="+mn-lt"/>
+                <a:ea typeface="+mn-ea"/>
+                <a:cs typeface="+mn-cs"/>
+              </a:defRPr>
+            </a:lvl9pPr>
+          </a:lstStyle>
+          <a:p>
+            <a:pPr marL="0" indent="0" algn="ctr">
+              <a:buFont typeface="Arial" panose="020B0604020202020204" pitchFamily="34" charset="0"/>
+              <a:buNone/>
+            </a:pPr>
+            <a:r>
+              <a:rPr lang="en-US" altLang="ja-JP" sz="2400" b="1" dirty="0">
+                <a:latin typeface="Arial" panose="020B0604020202020204" pitchFamily="34" charset="0"/>
+                <a:cs typeface="Arial" panose="020B0604020202020204" pitchFamily="34" charset="0"/>
+              </a:rPr>
+              <a:t>Result</a:t>
+            </a:r>
+            <a:endParaRPr lang="en-US" sz="2400" b="1" dirty="0">
+              <a:latin typeface="Arial" panose="020B0604020202020204" pitchFamily="34" charset="0"/>
+              <a:cs typeface="Arial" panose="020B0604020202020204" pitchFamily="34" charset="0"/>
+            </a:endParaRPr>
+          </a:p>
+        </p:txBody>
+      </p:sp>
+      <p:sp>
+        <p:nvSpPr>
+          <p:cNvPr id="14" name="テキスト ボックス 13">
+            <a:extLst>
+              <a:ext uri="{FF2B5EF4-FFF2-40B4-BE49-F238E27FC236}">
+                <a16:creationId xmlns:a16="http://schemas.microsoft.com/office/drawing/2014/main" id="{E78CA14E-16E8-D8D9-A179-5EE0EEF12434}"/>
+              </a:ext>
+            </a:extLst>
+          </p:cNvPr>
+          <p:cNvSpPr txBox="1"/>
+          <p:nvPr/>
+        </p:nvSpPr>
+        <p:spPr>
+          <a:xfrm>
+            <a:off x="2738388" y="5986114"/>
+            <a:ext cx="706332" cy="307777"/>
+          </a:xfrm>
+          <a:prstGeom prst="rect">
+            <a:avLst/>
+          </a:prstGeom>
+          <a:noFill/>
+        </p:spPr>
+        <p:txBody>
+          <a:bodyPr wrap="square" rtlCol="0">
+            <a:spAutoFit/>
+          </a:bodyPr>
+          <a:lstStyle/>
+          <a:p>
+            <a:pPr algn="ctr"/>
+            <a:r>
+              <a:rPr kumimoji="1" lang="en-US" altLang="ja-JP" sz="1400" b="1" dirty="0">
+                <a:latin typeface="Arial" panose="020B0604020202020204" pitchFamily="34" charset="0"/>
+                <a:cs typeface="Arial" panose="020B0604020202020204" pitchFamily="34" charset="0"/>
+              </a:rPr>
+              <a:t>0216</a:t>
+            </a:r>
+          </a:p>
+        </p:txBody>
+      </p:sp>
+      <p:pic>
+        <p:nvPicPr>
+          <p:cNvPr id="35" name="図 34">
+            <a:extLst>
+              <a:ext uri="{FF2B5EF4-FFF2-40B4-BE49-F238E27FC236}">
+                <a16:creationId xmlns:a16="http://schemas.microsoft.com/office/drawing/2014/main" id="{3C1FD339-7B31-F97B-ABA8-B2B728F944C5}"/>
+              </a:ext>
+            </a:extLst>
+          </p:cNvPr>
+          <p:cNvPicPr>
+            <a:picLocks noChangeAspect="1"/>
+          </p:cNvPicPr>
+          <p:nvPr/>
+        </p:nvPicPr>
+        <p:blipFill>
+          <a:blip r:embed="rId3">
+            <a:extLst>
+              <a:ext uri="{28A0092B-C50C-407E-A947-70E740481C1C}">
+                <a14:useLocalDpi xmlns:a14="http://schemas.microsoft.com/office/drawing/2010/main" val="0"/>
+              </a:ext>
+            </a:extLst>
+          </a:blip>
+          <a:srcRect/>
+          <a:stretch/>
+        </p:blipFill>
+        <p:spPr>
+          <a:xfrm>
+            <a:off x="5076538" y="2695990"/>
+            <a:ext cx="1514179" cy="3280185"/>
+          </a:xfrm>
+          <a:prstGeom prst="rect">
+            <a:avLst/>
+          </a:prstGeom>
+        </p:spPr>
+      </p:pic>
+      <p:pic>
+        <p:nvPicPr>
+          <p:cNvPr id="36" name="図 35">
+            <a:extLst>
+              <a:ext uri="{FF2B5EF4-FFF2-40B4-BE49-F238E27FC236}">
+                <a16:creationId xmlns:a16="http://schemas.microsoft.com/office/drawing/2014/main" id="{B333C618-B8EA-6CAD-5D63-8EBA44F8F585}"/>
+              </a:ext>
+            </a:extLst>
+          </p:cNvPr>
+          <p:cNvPicPr>
+            <a:picLocks noChangeAspect="1"/>
+          </p:cNvPicPr>
+          <p:nvPr/>
+        </p:nvPicPr>
+        <p:blipFill>
+          <a:blip r:embed="rId4">
+            <a:extLst>
+              <a:ext uri="{28A0092B-C50C-407E-A947-70E740481C1C}">
+                <a14:useLocalDpi xmlns:a14="http://schemas.microsoft.com/office/drawing/2010/main" val="0"/>
+              </a:ext>
+            </a:extLst>
+          </a:blip>
+          <a:srcRect/>
+          <a:stretch/>
+        </p:blipFill>
+        <p:spPr>
+          <a:xfrm>
+            <a:off x="3696772" y="2699800"/>
+            <a:ext cx="1514179" cy="3280185"/>
+          </a:xfrm>
+          <a:prstGeom prst="rect">
+            <a:avLst/>
+          </a:prstGeom>
+        </p:spPr>
+      </p:pic>
+      <p:pic>
+        <p:nvPicPr>
+          <p:cNvPr id="37" name="図 36">
+            <a:extLst>
+              <a:ext uri="{FF2B5EF4-FFF2-40B4-BE49-F238E27FC236}">
+                <a16:creationId xmlns:a16="http://schemas.microsoft.com/office/drawing/2014/main" id="{A31763D5-BB79-F7D5-29ED-A6EBB1F2ECCC}"/>
+              </a:ext>
+            </a:extLst>
+          </p:cNvPr>
+          <p:cNvPicPr>
+            <a:picLocks noChangeAspect="1"/>
+          </p:cNvPicPr>
+          <p:nvPr/>
+        </p:nvPicPr>
+        <p:blipFill>
+          <a:blip r:embed="rId5">
+            <a:extLst>
+              <a:ext uri="{28A0092B-C50C-407E-A947-70E740481C1C}">
+                <a14:useLocalDpi xmlns:a14="http://schemas.microsoft.com/office/drawing/2010/main" val="0"/>
+              </a:ext>
+            </a:extLst>
+          </a:blip>
+          <a:srcRect/>
+          <a:stretch/>
+        </p:blipFill>
+        <p:spPr>
+          <a:xfrm>
+            <a:off x="2283808" y="2702423"/>
+            <a:ext cx="1514179" cy="3280185"/>
+          </a:xfrm>
+          <a:prstGeom prst="rect">
+            <a:avLst/>
+          </a:prstGeom>
+        </p:spPr>
+      </p:pic>
+      <p:sp>
+        <p:nvSpPr>
+          <p:cNvPr id="38" name="テキスト ボックス 37">
+            <a:extLst>
+              <a:ext uri="{FF2B5EF4-FFF2-40B4-BE49-F238E27FC236}">
+                <a16:creationId xmlns:a16="http://schemas.microsoft.com/office/drawing/2014/main" id="{8CEBEAB8-21CE-5FCA-D76E-27AAEB5C4793}"/>
+              </a:ext>
+            </a:extLst>
+          </p:cNvPr>
+          <p:cNvSpPr txBox="1"/>
+          <p:nvPr/>
+        </p:nvSpPr>
+        <p:spPr>
+          <a:xfrm>
+            <a:off x="4152034" y="5989980"/>
+            <a:ext cx="706332" cy="307777"/>
+          </a:xfrm>
+          <a:prstGeom prst="rect">
+            <a:avLst/>
+          </a:prstGeom>
+          <a:noFill/>
+        </p:spPr>
+        <p:txBody>
+          <a:bodyPr wrap="square" rtlCol="0">
+            <a:spAutoFit/>
+          </a:bodyPr>
+          <a:lstStyle/>
+          <a:p>
+            <a:pPr algn="ctr"/>
+            <a:r>
+              <a:rPr kumimoji="1" lang="en-US" altLang="ja-JP" sz="1400" b="1" dirty="0">
+                <a:latin typeface="Arial" panose="020B0604020202020204" pitchFamily="34" charset="0"/>
+                <a:cs typeface="Arial" panose="020B0604020202020204" pitchFamily="34" charset="0"/>
+              </a:rPr>
+              <a:t>0405</a:t>
+            </a:r>
+          </a:p>
+        </p:txBody>
+      </p:sp>
+      <p:sp>
+        <p:nvSpPr>
+          <p:cNvPr id="39" name="テキスト ボックス 38">
+            <a:extLst>
+              <a:ext uri="{FF2B5EF4-FFF2-40B4-BE49-F238E27FC236}">
+                <a16:creationId xmlns:a16="http://schemas.microsoft.com/office/drawing/2014/main" id="{D22E9565-EA77-6035-F5BF-057CFFD532DE}"/>
+              </a:ext>
+            </a:extLst>
+          </p:cNvPr>
+          <p:cNvSpPr txBox="1"/>
+          <p:nvPr/>
+        </p:nvSpPr>
+        <p:spPr>
+          <a:xfrm>
+            <a:off x="5481408" y="5989980"/>
+            <a:ext cx="706332" cy="307777"/>
+          </a:xfrm>
+          <a:prstGeom prst="rect">
+            <a:avLst/>
+          </a:prstGeom>
+          <a:noFill/>
+        </p:spPr>
+        <p:txBody>
+          <a:bodyPr wrap="square" rtlCol="0">
+            <a:spAutoFit/>
+          </a:bodyPr>
+          <a:lstStyle/>
+          <a:p>
+            <a:pPr algn="ctr"/>
+            <a:r>
+              <a:rPr kumimoji="1" lang="en-US" altLang="ja-JP" sz="1400" b="1" dirty="0">
+                <a:latin typeface="Arial" panose="020B0604020202020204" pitchFamily="34" charset="0"/>
+                <a:cs typeface="Arial" panose="020B0604020202020204" pitchFamily="34" charset="0"/>
+              </a:rPr>
+              <a:t>0414</a:t>
+            </a:r>
+          </a:p>
+        </p:txBody>
+      </p:sp>
+      <p:pic>
+        <p:nvPicPr>
+          <p:cNvPr id="8" name="図 7" descr="アイコン&#10;&#10;自動的に生成された説明">
+            <a:extLst>
+              <a:ext uri="{FF2B5EF4-FFF2-40B4-BE49-F238E27FC236}">
+                <a16:creationId xmlns:a16="http://schemas.microsoft.com/office/drawing/2014/main" id="{599E9DEC-FED0-36CF-90AA-D84B353C4D89}"/>
+              </a:ext>
+            </a:extLst>
+          </p:cNvPr>
+          <p:cNvPicPr>
+            <a:picLocks noChangeAspect="1"/>
+          </p:cNvPicPr>
+          <p:nvPr/>
+        </p:nvPicPr>
+        <p:blipFill>
+          <a:blip r:embed="rId6">
+            <a:extLst>
+              <a:ext uri="{28A0092B-C50C-407E-A947-70E740481C1C}">
+                <a14:useLocalDpi xmlns:a14="http://schemas.microsoft.com/office/drawing/2010/main" val="0"/>
+              </a:ext>
+            </a:extLst>
+          </a:blip>
+          <a:stretch>
+            <a:fillRect/>
+          </a:stretch>
+        </p:blipFill>
+        <p:spPr>
+          <a:xfrm>
+            <a:off x="200964" y="2831948"/>
+            <a:ext cx="1776409" cy="3381033"/>
+          </a:xfrm>
+          <a:prstGeom prst="rect">
+            <a:avLst/>
+          </a:prstGeom>
+        </p:spPr>
+      </p:pic>
+      <p:pic>
+        <p:nvPicPr>
+          <p:cNvPr id="9" name="図 8">
+            <a:extLst>
+              <a:ext uri="{FF2B5EF4-FFF2-40B4-BE49-F238E27FC236}">
+                <a16:creationId xmlns:a16="http://schemas.microsoft.com/office/drawing/2014/main" id="{E91FAD4C-3D6C-5699-7889-E89D34000263}"/>
+              </a:ext>
+            </a:extLst>
+          </p:cNvPr>
+          <p:cNvPicPr>
+            <a:picLocks noChangeAspect="1"/>
+          </p:cNvPicPr>
+          <p:nvPr/>
+        </p:nvPicPr>
+        <p:blipFill>
+          <a:blip r:embed="rId7">
+            <a:extLst>
+              <a:ext uri="{28A0092B-C50C-407E-A947-70E740481C1C}">
+                <a14:useLocalDpi xmlns:a14="http://schemas.microsoft.com/office/drawing/2010/main" val="0"/>
+              </a:ext>
+            </a:extLst>
+          </a:blip>
+          <a:srcRect/>
+          <a:stretch/>
+        </p:blipFill>
+        <p:spPr>
+          <a:xfrm>
+            <a:off x="7596632" y="2992296"/>
+            <a:ext cx="3837377" cy="2876936"/>
+          </a:xfrm>
+          <a:prstGeom prst="rect">
+            <a:avLst/>
+          </a:prstGeom>
+        </p:spPr>
+      </p:pic>
     </p:spTree>
     <p:extLst>
       <p:ext uri="{BB962C8B-B14F-4D97-AF65-F5344CB8AC3E}">
-        <p14:creationId xmlns:p14="http://schemas.microsoft.com/office/powerpoint/2010/main" val="3041125134"/>
+        <p14:creationId xmlns:p14="http://schemas.microsoft.com/office/powerpoint/2010/main" val="370582489"/>
+      </p:ext>
+    </p:extLst>
+  </p:cSld>
+  <p:clrMapOvr>
+    <a:masterClrMapping/>
+  </p:clrMapOvr>
+  <p:timing>
+    <p:tnLst>
+      <p:par>
+        <p:cTn id="1" dur="indefinite" restart="never" nodeType="tmRoot">
+          <p:childTnLst>
+            <p:seq concurrent="1" nextAc="seek">
+              <p:cTn id="2" dur="indefinite" nodeType="mainSeq">
+                <p:childTnLst>
+                  <p:par>
+                    <p:cTn id="3" fill="hold">
+                      <p:stCondLst>
+                        <p:cond delay="indefinite"/>
+                      </p:stCondLst>
+                      <p:childTnLst>
+                        <p:par>
+                          <p:cTn id="4" fill="hold">
+                            <p:stCondLst>
+                              <p:cond delay="0"/>
+                            </p:stCondLst>
+                            <p:childTnLst>
+                              <p:par>
+                                <p:cTn id="5" presetID="10" presetClass="entr" presetSubtype="0" fill="hold" grpId="0" nodeType="clickEffect">
+                                  <p:stCondLst>
+                                    <p:cond delay="0"/>
+                                  </p:stCondLst>
+                                  <p:childTnLst>
+                                    <p:set>
+                                      <p:cBhvr>
+                                        <p:cTn id="6" dur="1" fill="hold">
+                                          <p:stCondLst>
+                                            <p:cond delay="0"/>
+                                          </p:stCondLst>
+                                        </p:cTn>
+                                        <p:tgtEl>
+                                          <p:spTgt spid="14"/>
+                                        </p:tgtEl>
+                                        <p:attrNameLst>
+                                          <p:attrName>style.visibility</p:attrName>
+                                        </p:attrNameLst>
+                                      </p:cBhvr>
+                                      <p:to>
+                                        <p:strVal val="visible"/>
+                                      </p:to>
+                                    </p:set>
+                                    <p:animEffect transition="in" filter="fade">
+                                      <p:cBhvr>
+                                        <p:cTn id="7" dur="500"/>
+                                        <p:tgtEl>
+                                          <p:spTgt spid="14"/>
+                                        </p:tgtEl>
+                                      </p:cBhvr>
+                                    </p:animEffect>
+                                  </p:childTnLst>
+                                </p:cTn>
+                              </p:par>
+                              <p:par>
+                                <p:cTn id="8" presetID="10" presetClass="entr" presetSubtype="0" fill="hold" nodeType="withEffect">
+                                  <p:stCondLst>
+                                    <p:cond delay="0"/>
+                                  </p:stCondLst>
+                                  <p:childTnLst>
+                                    <p:set>
+                                      <p:cBhvr>
+                                        <p:cTn id="9" dur="1" fill="hold">
+                                          <p:stCondLst>
+                                            <p:cond delay="0"/>
+                                          </p:stCondLst>
+                                        </p:cTn>
+                                        <p:tgtEl>
+                                          <p:spTgt spid="35"/>
+                                        </p:tgtEl>
+                                        <p:attrNameLst>
+                                          <p:attrName>style.visibility</p:attrName>
+                                        </p:attrNameLst>
+                                      </p:cBhvr>
+                                      <p:to>
+                                        <p:strVal val="visible"/>
+                                      </p:to>
+                                    </p:set>
+                                    <p:animEffect transition="in" filter="fade">
+                                      <p:cBhvr>
+                                        <p:cTn id="10" dur="500"/>
+                                        <p:tgtEl>
+                                          <p:spTgt spid="35"/>
+                                        </p:tgtEl>
+                                      </p:cBhvr>
+                                    </p:animEffect>
+                                  </p:childTnLst>
+                                </p:cTn>
+                              </p:par>
+                              <p:par>
+                                <p:cTn id="11" presetID="10" presetClass="entr" presetSubtype="0" fill="hold" nodeType="withEffect">
+                                  <p:stCondLst>
+                                    <p:cond delay="0"/>
+                                  </p:stCondLst>
+                                  <p:childTnLst>
+                                    <p:set>
+                                      <p:cBhvr>
+                                        <p:cTn id="12" dur="1" fill="hold">
+                                          <p:stCondLst>
+                                            <p:cond delay="0"/>
+                                          </p:stCondLst>
+                                        </p:cTn>
+                                        <p:tgtEl>
+                                          <p:spTgt spid="36"/>
+                                        </p:tgtEl>
+                                        <p:attrNameLst>
+                                          <p:attrName>style.visibility</p:attrName>
+                                        </p:attrNameLst>
+                                      </p:cBhvr>
+                                      <p:to>
+                                        <p:strVal val="visible"/>
+                                      </p:to>
+                                    </p:set>
+                                    <p:animEffect transition="in" filter="fade">
+                                      <p:cBhvr>
+                                        <p:cTn id="13" dur="500"/>
+                                        <p:tgtEl>
+                                          <p:spTgt spid="36"/>
+                                        </p:tgtEl>
+                                      </p:cBhvr>
+                                    </p:animEffect>
+                                  </p:childTnLst>
+                                </p:cTn>
+                              </p:par>
+                              <p:par>
+                                <p:cTn id="14" presetID="10" presetClass="entr" presetSubtype="0" fill="hold" nodeType="withEffect">
+                                  <p:stCondLst>
+                                    <p:cond delay="0"/>
+                                  </p:stCondLst>
+                                  <p:childTnLst>
+                                    <p:set>
+                                      <p:cBhvr>
+                                        <p:cTn id="15" dur="1" fill="hold">
+                                          <p:stCondLst>
+                                            <p:cond delay="0"/>
+                                          </p:stCondLst>
+                                        </p:cTn>
+                                        <p:tgtEl>
+                                          <p:spTgt spid="37"/>
+                                        </p:tgtEl>
+                                        <p:attrNameLst>
+                                          <p:attrName>style.visibility</p:attrName>
+                                        </p:attrNameLst>
+                                      </p:cBhvr>
+                                      <p:to>
+                                        <p:strVal val="visible"/>
+                                      </p:to>
+                                    </p:set>
+                                    <p:animEffect transition="in" filter="fade">
+                                      <p:cBhvr>
+                                        <p:cTn id="16" dur="500"/>
+                                        <p:tgtEl>
+                                          <p:spTgt spid="37"/>
+                                        </p:tgtEl>
+                                      </p:cBhvr>
+                                    </p:animEffect>
+                                  </p:childTnLst>
+                                </p:cTn>
+                              </p:par>
+                              <p:par>
+                                <p:cTn id="17" presetID="10" presetClass="entr" presetSubtype="0" fill="hold" grpId="0" nodeType="withEffect">
+                                  <p:stCondLst>
+                                    <p:cond delay="0"/>
+                                  </p:stCondLst>
+                                  <p:childTnLst>
+                                    <p:set>
+                                      <p:cBhvr>
+                                        <p:cTn id="18" dur="1" fill="hold">
+                                          <p:stCondLst>
+                                            <p:cond delay="0"/>
+                                          </p:stCondLst>
+                                        </p:cTn>
+                                        <p:tgtEl>
+                                          <p:spTgt spid="38"/>
+                                        </p:tgtEl>
+                                        <p:attrNameLst>
+                                          <p:attrName>style.visibility</p:attrName>
+                                        </p:attrNameLst>
+                                      </p:cBhvr>
+                                      <p:to>
+                                        <p:strVal val="visible"/>
+                                      </p:to>
+                                    </p:set>
+                                    <p:animEffect transition="in" filter="fade">
+                                      <p:cBhvr>
+                                        <p:cTn id="19" dur="500"/>
+                                        <p:tgtEl>
+                                          <p:spTgt spid="38"/>
+                                        </p:tgtEl>
+                                      </p:cBhvr>
+                                    </p:animEffect>
+                                  </p:childTnLst>
+                                </p:cTn>
+                              </p:par>
+                              <p:par>
+                                <p:cTn id="20" presetID="10" presetClass="entr" presetSubtype="0" fill="hold" grpId="0" nodeType="withEffect">
+                                  <p:stCondLst>
+                                    <p:cond delay="0"/>
+                                  </p:stCondLst>
+                                  <p:childTnLst>
+                                    <p:set>
+                                      <p:cBhvr>
+                                        <p:cTn id="21" dur="1" fill="hold">
+                                          <p:stCondLst>
+                                            <p:cond delay="0"/>
+                                          </p:stCondLst>
+                                        </p:cTn>
+                                        <p:tgtEl>
+                                          <p:spTgt spid="39"/>
+                                        </p:tgtEl>
+                                        <p:attrNameLst>
+                                          <p:attrName>style.visibility</p:attrName>
+                                        </p:attrNameLst>
+                                      </p:cBhvr>
+                                      <p:to>
+                                        <p:strVal val="visible"/>
+                                      </p:to>
+                                    </p:set>
+                                    <p:animEffect transition="in" filter="fade">
+                                      <p:cBhvr>
+                                        <p:cTn id="22" dur="500"/>
+                                        <p:tgtEl>
+                                          <p:spTgt spid="39"/>
+                                        </p:tgtEl>
+                                      </p:cBhvr>
+                                    </p:animEffect>
+                                  </p:childTnLst>
+                                </p:cTn>
+                              </p:par>
+                            </p:childTnLst>
+                          </p:cTn>
+                        </p:par>
+                      </p:childTnLst>
+                    </p:cTn>
+                  </p:par>
+                  <p:par>
+                    <p:cTn id="23" fill="hold">
+                      <p:stCondLst>
+                        <p:cond delay="indefinite"/>
+                      </p:stCondLst>
+                      <p:childTnLst>
+                        <p:par>
+                          <p:cTn id="24" fill="hold">
+                            <p:stCondLst>
+                              <p:cond delay="0"/>
+                            </p:stCondLst>
+                            <p:childTnLst>
+                              <p:par>
+                                <p:cTn id="25" presetID="10" presetClass="entr" presetSubtype="0" fill="hold" nodeType="clickEffect">
+                                  <p:stCondLst>
+                                    <p:cond delay="0"/>
+                                  </p:stCondLst>
+                                  <p:childTnLst>
+                                    <p:set>
+                                      <p:cBhvr>
+                                        <p:cTn id="26" dur="1" fill="hold">
+                                          <p:stCondLst>
+                                            <p:cond delay="0"/>
+                                          </p:stCondLst>
+                                        </p:cTn>
+                                        <p:tgtEl>
+                                          <p:spTgt spid="9"/>
+                                        </p:tgtEl>
+                                        <p:attrNameLst>
+                                          <p:attrName>style.visibility</p:attrName>
+                                        </p:attrNameLst>
+                                      </p:cBhvr>
+                                      <p:to>
+                                        <p:strVal val="visible"/>
+                                      </p:to>
+                                    </p:set>
+                                    <p:animEffect transition="in" filter="fade">
+                                      <p:cBhvr>
+                                        <p:cTn id="27" dur="500"/>
+                                        <p:tgtEl>
+                                          <p:spTgt spid="9"/>
+                                        </p:tgtEl>
+                                      </p:cBhvr>
+                                    </p:animEffect>
+                                  </p:childTnLst>
+                                </p:cTn>
+                              </p:par>
+                            </p:childTnLst>
+                          </p:cTn>
+                        </p:par>
+                      </p:childTnLst>
+                    </p:cTn>
+                  </p:par>
+                </p:childTnLst>
+              </p:cTn>
+              <p:prevCondLst>
+                <p:cond evt="onPrev" delay="0">
+                  <p:tgtEl>
+                    <p:sldTgt/>
+                  </p:tgtEl>
+                </p:cond>
+              </p:prevCondLst>
+              <p:nextCondLst>
+                <p:cond evt="onNext" delay="0">
+                  <p:tgtEl>
+                    <p:sldTgt/>
+                  </p:tgtEl>
+                </p:cond>
+              </p:nextCondLst>
+            </p:seq>
+          </p:childTnLst>
+        </p:cTn>
+      </p:par>
+    </p:tnLst>
+    <p:bldLst>
+      <p:bldP spid="14" grpId="0"/>
+      <p:bldP spid="38" grpId="0"/>
+      <p:bldP spid="39" grpId="0"/>
+    </p:bldLst>
+  </p:timing>
+</p:sld>
+</file>
+
+<file path=ppt/slides/slide11.xml><?xml version="1.0" encoding="utf-8"?>
+<p:sld xmlns:a="http://schemas.openxmlformats.org/drawingml/2006/main" xmlns:r="http://schemas.openxmlformats.org/officeDocument/2006/relationships" xmlns:p="http://schemas.openxmlformats.org/presentationml/2006/main">
+  <p:cSld>
+    <p:spTree>
+      <p:nvGrpSpPr>
+        <p:cNvPr id="1" name=""/>
+        <p:cNvGrpSpPr/>
+        <p:nvPr/>
+      </p:nvGrpSpPr>
+      <p:grpSpPr>
+        <a:xfrm>
+          <a:off x="0" y="0"/>
+          <a:ext cx="0" cy="0"/>
+          <a:chOff x="0" y="0"/>
+          <a:chExt cx="0" cy="0"/>
+        </a:xfrm>
+      </p:grpSpPr>
+      <p:sp>
+        <p:nvSpPr>
+          <p:cNvPr id="2" name="タイトル 1">
+            <a:extLst>
+              <a:ext uri="{FF2B5EF4-FFF2-40B4-BE49-F238E27FC236}">
+                <a16:creationId xmlns:a16="http://schemas.microsoft.com/office/drawing/2014/main" id="{27D14253-3A9D-C323-9B97-5D6BE60413FE}"/>
+              </a:ext>
+            </a:extLst>
+          </p:cNvPr>
+          <p:cNvSpPr>
+            <a:spLocks noGrp="1"/>
+          </p:cNvSpPr>
+          <p:nvPr>
+            <p:ph type="title"/>
+          </p:nvPr>
+        </p:nvSpPr>
+        <p:spPr>
+          <a:xfrm>
+            <a:off x="115410" y="106533"/>
+            <a:ext cx="11940466" cy="648069"/>
+          </a:xfrm>
+        </p:spPr>
+        <p:txBody>
+          <a:bodyPr>
+            <a:noAutofit/>
+          </a:bodyPr>
+          <a:lstStyle/>
+          <a:p>
+            <a:pPr algn="ctr" fontAlgn="base">
+              <a:lnSpc>
+                <a:spcPct val="100000"/>
+              </a:lnSpc>
+              <a:spcBef>
+                <a:spcPts val="0"/>
+              </a:spcBef>
+            </a:pPr>
+            <a:r>
+              <a:rPr lang="en-US" sz="2800" b="1" dirty="0">
+                <a:latin typeface="Arial" panose="020B0604020202020204" pitchFamily="34" charset="0"/>
+              </a:rPr>
+              <a:t>Rocky showed stretching b/w M and L?</a:t>
+            </a:r>
+          </a:p>
+        </p:txBody>
+      </p:sp>
+      <p:sp>
+        <p:nvSpPr>
+          <p:cNvPr id="4" name="コンテンツ プレースホルダー 2">
+            <a:extLst>
+              <a:ext uri="{FF2B5EF4-FFF2-40B4-BE49-F238E27FC236}">
+                <a16:creationId xmlns:a16="http://schemas.microsoft.com/office/drawing/2014/main" id="{3C1F8DFF-3BE9-522D-51E5-D48F5B432B59}"/>
+              </a:ext>
+            </a:extLst>
+          </p:cNvPr>
+          <p:cNvSpPr txBox="1">
+            <a:spLocks/>
+          </p:cNvSpPr>
+          <p:nvPr/>
+        </p:nvSpPr>
+        <p:spPr>
+          <a:xfrm>
+            <a:off x="115411" y="1767802"/>
+            <a:ext cx="3706781" cy="449063"/>
+          </a:xfrm>
+          <a:prstGeom prst="rect">
+            <a:avLst/>
+          </a:prstGeom>
+          <a:solidFill>
+            <a:schemeClr val="bg1">
+              <a:lumMod val="95000"/>
+            </a:schemeClr>
+          </a:solidFill>
+        </p:spPr>
+        <p:txBody>
+          <a:bodyPr vert="horz" lIns="91440" tIns="45720" rIns="91440" bIns="45720" rtlCol="0" anchor="ctr">
+            <a:normAutofit/>
+          </a:bodyPr>
+          <a:lstStyle>
+            <a:lvl1pPr marL="228600" indent="-228600" algn="l" defTabSz="914400" rtl="0" eaLnBrk="1" latinLnBrk="0" hangingPunct="1">
+              <a:lnSpc>
+                <a:spcPct val="90000"/>
+              </a:lnSpc>
+              <a:spcBef>
+                <a:spcPts val="1000"/>
+              </a:spcBef>
+              <a:buFont typeface="Arial" panose="020B0604020202020204" pitchFamily="34" charset="0"/>
+              <a:buChar char="•"/>
+              <a:defRPr sz="2800" kern="1200">
+                <a:solidFill>
+                  <a:schemeClr val="tx1"/>
+                </a:solidFill>
+                <a:latin typeface="+mn-lt"/>
+                <a:ea typeface="+mn-ea"/>
+                <a:cs typeface="+mn-cs"/>
+              </a:defRPr>
+            </a:lvl1pPr>
+            <a:lvl2pPr marL="685800" indent="-228600" algn="l" defTabSz="914400" rtl="0" eaLnBrk="1" latinLnBrk="0" hangingPunct="1">
+              <a:lnSpc>
+                <a:spcPct val="90000"/>
+              </a:lnSpc>
+              <a:spcBef>
+                <a:spcPts val="500"/>
+              </a:spcBef>
+              <a:buFont typeface="Arial" panose="020B0604020202020204" pitchFamily="34" charset="0"/>
+              <a:buChar char="•"/>
+              <a:defRPr sz="2400" kern="1200">
+                <a:solidFill>
+                  <a:schemeClr val="tx1"/>
+                </a:solidFill>
+                <a:latin typeface="+mn-lt"/>
+                <a:ea typeface="+mn-ea"/>
+                <a:cs typeface="+mn-cs"/>
+              </a:defRPr>
+            </a:lvl2pPr>
+            <a:lvl3pPr marL="1143000" indent="-228600" algn="l" defTabSz="914400" rtl="0" eaLnBrk="1" latinLnBrk="0" hangingPunct="1">
+              <a:lnSpc>
+                <a:spcPct val="90000"/>
+              </a:lnSpc>
+              <a:spcBef>
+                <a:spcPts val="500"/>
+              </a:spcBef>
+              <a:buFont typeface="Arial" panose="020B0604020202020204" pitchFamily="34" charset="0"/>
+              <a:buChar char="•"/>
+              <a:defRPr sz="2000" kern="1200">
+                <a:solidFill>
+                  <a:schemeClr val="tx1"/>
+                </a:solidFill>
+                <a:latin typeface="+mn-lt"/>
+                <a:ea typeface="+mn-ea"/>
+                <a:cs typeface="+mn-cs"/>
+              </a:defRPr>
+            </a:lvl3pPr>
+            <a:lvl4pPr marL="1600200" indent="-228600" algn="l" defTabSz="914400" rtl="0" eaLnBrk="1" latinLnBrk="0" hangingPunct="1">
+              <a:lnSpc>
+                <a:spcPct val="90000"/>
+              </a:lnSpc>
+              <a:spcBef>
+                <a:spcPts val="500"/>
+              </a:spcBef>
+              <a:buFont typeface="Arial" panose="020B0604020202020204" pitchFamily="34" charset="0"/>
+              <a:buChar char="•"/>
+              <a:defRPr sz="1800" kern="1200">
+                <a:solidFill>
+                  <a:schemeClr val="tx1"/>
+                </a:solidFill>
+                <a:latin typeface="+mn-lt"/>
+                <a:ea typeface="+mn-ea"/>
+                <a:cs typeface="+mn-cs"/>
+              </a:defRPr>
+            </a:lvl4pPr>
+            <a:lvl5pPr marL="2057400" indent="-228600" algn="l" defTabSz="914400" rtl="0" eaLnBrk="1" latinLnBrk="0" hangingPunct="1">
+              <a:lnSpc>
+                <a:spcPct val="90000"/>
+              </a:lnSpc>
+              <a:spcBef>
+                <a:spcPts val="500"/>
+              </a:spcBef>
+              <a:buFont typeface="Arial" panose="020B0604020202020204" pitchFamily="34" charset="0"/>
+              <a:buChar char="•"/>
+              <a:defRPr sz="1800" kern="1200">
+                <a:solidFill>
+                  <a:schemeClr val="tx1"/>
+                </a:solidFill>
+                <a:latin typeface="+mn-lt"/>
+                <a:ea typeface="+mn-ea"/>
+                <a:cs typeface="+mn-cs"/>
+              </a:defRPr>
+            </a:lvl5pPr>
+            <a:lvl6pPr marL="2514600" indent="-228600" algn="l" defTabSz="914400" rtl="0" eaLnBrk="1" latinLnBrk="0" hangingPunct="1">
+              <a:lnSpc>
+                <a:spcPct val="90000"/>
+              </a:lnSpc>
+              <a:spcBef>
+                <a:spcPts val="500"/>
+              </a:spcBef>
+              <a:buFont typeface="Arial" panose="020B0604020202020204" pitchFamily="34" charset="0"/>
+              <a:buChar char="•"/>
+              <a:defRPr sz="1800" kern="1200">
+                <a:solidFill>
+                  <a:schemeClr val="tx1"/>
+                </a:solidFill>
+                <a:latin typeface="+mn-lt"/>
+                <a:ea typeface="+mn-ea"/>
+                <a:cs typeface="+mn-cs"/>
+              </a:defRPr>
+            </a:lvl6pPr>
+            <a:lvl7pPr marL="2971800" indent="-228600" algn="l" defTabSz="914400" rtl="0" eaLnBrk="1" latinLnBrk="0" hangingPunct="1">
+              <a:lnSpc>
+                <a:spcPct val="90000"/>
+              </a:lnSpc>
+              <a:spcBef>
+                <a:spcPts val="500"/>
+              </a:spcBef>
+              <a:buFont typeface="Arial" panose="020B0604020202020204" pitchFamily="34" charset="0"/>
+              <a:buChar char="•"/>
+              <a:defRPr sz="1800" kern="1200">
+                <a:solidFill>
+                  <a:schemeClr val="tx1"/>
+                </a:solidFill>
+                <a:latin typeface="+mn-lt"/>
+                <a:ea typeface="+mn-ea"/>
+                <a:cs typeface="+mn-cs"/>
+              </a:defRPr>
+            </a:lvl7pPr>
+            <a:lvl8pPr marL="3429000" indent="-228600" algn="l" defTabSz="914400" rtl="0" eaLnBrk="1" latinLnBrk="0" hangingPunct="1">
+              <a:lnSpc>
+                <a:spcPct val="90000"/>
+              </a:lnSpc>
+              <a:spcBef>
+                <a:spcPts val="500"/>
+              </a:spcBef>
+              <a:buFont typeface="Arial" panose="020B0604020202020204" pitchFamily="34" charset="0"/>
+              <a:buChar char="•"/>
+              <a:defRPr sz="1800" kern="1200">
+                <a:solidFill>
+                  <a:schemeClr val="tx1"/>
+                </a:solidFill>
+                <a:latin typeface="+mn-lt"/>
+                <a:ea typeface="+mn-ea"/>
+                <a:cs typeface="+mn-cs"/>
+              </a:defRPr>
+            </a:lvl8pPr>
+            <a:lvl9pPr marL="3886200" indent="-228600" algn="l" defTabSz="914400" rtl="0" eaLnBrk="1" latinLnBrk="0" hangingPunct="1">
+              <a:lnSpc>
+                <a:spcPct val="90000"/>
+              </a:lnSpc>
+              <a:spcBef>
+                <a:spcPts val="500"/>
+              </a:spcBef>
+              <a:buFont typeface="Arial" panose="020B0604020202020204" pitchFamily="34" charset="0"/>
+              <a:buChar char="•"/>
+              <a:defRPr sz="1800" kern="1200">
+                <a:solidFill>
+                  <a:schemeClr val="tx1"/>
+                </a:solidFill>
+                <a:latin typeface="+mn-lt"/>
+                <a:ea typeface="+mn-ea"/>
+                <a:cs typeface="+mn-cs"/>
+              </a:defRPr>
+            </a:lvl9pPr>
+          </a:lstStyle>
+          <a:p>
+            <a:pPr marL="0" indent="0" algn="ctr">
+              <a:buFont typeface="Arial" panose="020B0604020202020204" pitchFamily="34" charset="0"/>
+              <a:buNone/>
+            </a:pPr>
+            <a:r>
+              <a:rPr lang="en-US" sz="2400" b="1" dirty="0">
+                <a:latin typeface="Arial" panose="020B0604020202020204" pitchFamily="34" charset="0"/>
+                <a:cs typeface="Arial" panose="020B0604020202020204" pitchFamily="34" charset="0"/>
+              </a:rPr>
+              <a:t>Satchel’s data</a:t>
+            </a:r>
+          </a:p>
+        </p:txBody>
+      </p:sp>
+      <p:sp>
+        <p:nvSpPr>
+          <p:cNvPr id="5" name="コンテンツ プレースホルダー 2">
+            <a:extLst>
+              <a:ext uri="{FF2B5EF4-FFF2-40B4-BE49-F238E27FC236}">
+                <a16:creationId xmlns:a16="http://schemas.microsoft.com/office/drawing/2014/main" id="{E2247332-FBD7-F890-418D-186D025A2163}"/>
+              </a:ext>
+            </a:extLst>
+          </p:cNvPr>
+          <p:cNvSpPr txBox="1">
+            <a:spLocks/>
+          </p:cNvSpPr>
+          <p:nvPr/>
+        </p:nvSpPr>
+        <p:spPr>
+          <a:xfrm>
+            <a:off x="4177311" y="1767801"/>
+            <a:ext cx="7899282" cy="449063"/>
+          </a:xfrm>
+          <a:prstGeom prst="rect">
+            <a:avLst/>
+          </a:prstGeom>
+          <a:solidFill>
+            <a:schemeClr val="bg1">
+              <a:lumMod val="95000"/>
+            </a:schemeClr>
+          </a:solidFill>
+        </p:spPr>
+        <p:txBody>
+          <a:bodyPr vert="horz" lIns="91440" tIns="45720" rIns="91440" bIns="45720" rtlCol="0" anchor="ctr">
+            <a:normAutofit/>
+          </a:bodyPr>
+          <a:lstStyle>
+            <a:lvl1pPr marL="228600" indent="-228600" algn="l" defTabSz="914400" rtl="0" eaLnBrk="1" latinLnBrk="0" hangingPunct="1">
+              <a:lnSpc>
+                <a:spcPct val="90000"/>
+              </a:lnSpc>
+              <a:spcBef>
+                <a:spcPts val="1000"/>
+              </a:spcBef>
+              <a:buFont typeface="Arial" panose="020B0604020202020204" pitchFamily="34" charset="0"/>
+              <a:buChar char="•"/>
+              <a:defRPr sz="2800" kern="1200">
+                <a:solidFill>
+                  <a:schemeClr val="tx1"/>
+                </a:solidFill>
+                <a:latin typeface="+mn-lt"/>
+                <a:ea typeface="+mn-ea"/>
+                <a:cs typeface="+mn-cs"/>
+              </a:defRPr>
+            </a:lvl1pPr>
+            <a:lvl2pPr marL="685800" indent="-228600" algn="l" defTabSz="914400" rtl="0" eaLnBrk="1" latinLnBrk="0" hangingPunct="1">
+              <a:lnSpc>
+                <a:spcPct val="90000"/>
+              </a:lnSpc>
+              <a:spcBef>
+                <a:spcPts val="500"/>
+              </a:spcBef>
+              <a:buFont typeface="Arial" panose="020B0604020202020204" pitchFamily="34" charset="0"/>
+              <a:buChar char="•"/>
+              <a:defRPr sz="2400" kern="1200">
+                <a:solidFill>
+                  <a:schemeClr val="tx1"/>
+                </a:solidFill>
+                <a:latin typeface="+mn-lt"/>
+                <a:ea typeface="+mn-ea"/>
+                <a:cs typeface="+mn-cs"/>
+              </a:defRPr>
+            </a:lvl2pPr>
+            <a:lvl3pPr marL="1143000" indent="-228600" algn="l" defTabSz="914400" rtl="0" eaLnBrk="1" latinLnBrk="0" hangingPunct="1">
+              <a:lnSpc>
+                <a:spcPct val="90000"/>
+              </a:lnSpc>
+              <a:spcBef>
+                <a:spcPts val="500"/>
+              </a:spcBef>
+              <a:buFont typeface="Arial" panose="020B0604020202020204" pitchFamily="34" charset="0"/>
+              <a:buChar char="•"/>
+              <a:defRPr sz="2000" kern="1200">
+                <a:solidFill>
+                  <a:schemeClr val="tx1"/>
+                </a:solidFill>
+                <a:latin typeface="+mn-lt"/>
+                <a:ea typeface="+mn-ea"/>
+                <a:cs typeface="+mn-cs"/>
+              </a:defRPr>
+            </a:lvl3pPr>
+            <a:lvl4pPr marL="1600200" indent="-228600" algn="l" defTabSz="914400" rtl="0" eaLnBrk="1" latinLnBrk="0" hangingPunct="1">
+              <a:lnSpc>
+                <a:spcPct val="90000"/>
+              </a:lnSpc>
+              <a:spcBef>
+                <a:spcPts val="500"/>
+              </a:spcBef>
+              <a:buFont typeface="Arial" panose="020B0604020202020204" pitchFamily="34" charset="0"/>
+              <a:buChar char="•"/>
+              <a:defRPr sz="1800" kern="1200">
+                <a:solidFill>
+                  <a:schemeClr val="tx1"/>
+                </a:solidFill>
+                <a:latin typeface="+mn-lt"/>
+                <a:ea typeface="+mn-ea"/>
+                <a:cs typeface="+mn-cs"/>
+              </a:defRPr>
+            </a:lvl4pPr>
+            <a:lvl5pPr marL="2057400" indent="-228600" algn="l" defTabSz="914400" rtl="0" eaLnBrk="1" latinLnBrk="0" hangingPunct="1">
+              <a:lnSpc>
+                <a:spcPct val="90000"/>
+              </a:lnSpc>
+              <a:spcBef>
+                <a:spcPts val="500"/>
+              </a:spcBef>
+              <a:buFont typeface="Arial" panose="020B0604020202020204" pitchFamily="34" charset="0"/>
+              <a:buChar char="•"/>
+              <a:defRPr sz="1800" kern="1200">
+                <a:solidFill>
+                  <a:schemeClr val="tx1"/>
+                </a:solidFill>
+                <a:latin typeface="+mn-lt"/>
+                <a:ea typeface="+mn-ea"/>
+                <a:cs typeface="+mn-cs"/>
+              </a:defRPr>
+            </a:lvl5pPr>
+            <a:lvl6pPr marL="2514600" indent="-228600" algn="l" defTabSz="914400" rtl="0" eaLnBrk="1" latinLnBrk="0" hangingPunct="1">
+              <a:lnSpc>
+                <a:spcPct val="90000"/>
+              </a:lnSpc>
+              <a:spcBef>
+                <a:spcPts val="500"/>
+              </a:spcBef>
+              <a:buFont typeface="Arial" panose="020B0604020202020204" pitchFamily="34" charset="0"/>
+              <a:buChar char="•"/>
+              <a:defRPr sz="1800" kern="1200">
+                <a:solidFill>
+                  <a:schemeClr val="tx1"/>
+                </a:solidFill>
+                <a:latin typeface="+mn-lt"/>
+                <a:ea typeface="+mn-ea"/>
+                <a:cs typeface="+mn-cs"/>
+              </a:defRPr>
+            </a:lvl6pPr>
+            <a:lvl7pPr marL="2971800" indent="-228600" algn="l" defTabSz="914400" rtl="0" eaLnBrk="1" latinLnBrk="0" hangingPunct="1">
+              <a:lnSpc>
+                <a:spcPct val="90000"/>
+              </a:lnSpc>
+              <a:spcBef>
+                <a:spcPts val="500"/>
+              </a:spcBef>
+              <a:buFont typeface="Arial" panose="020B0604020202020204" pitchFamily="34" charset="0"/>
+              <a:buChar char="•"/>
+              <a:defRPr sz="1800" kern="1200">
+                <a:solidFill>
+                  <a:schemeClr val="tx1"/>
+                </a:solidFill>
+                <a:latin typeface="+mn-lt"/>
+                <a:ea typeface="+mn-ea"/>
+                <a:cs typeface="+mn-cs"/>
+              </a:defRPr>
+            </a:lvl7pPr>
+            <a:lvl8pPr marL="3429000" indent="-228600" algn="l" defTabSz="914400" rtl="0" eaLnBrk="1" latinLnBrk="0" hangingPunct="1">
+              <a:lnSpc>
+                <a:spcPct val="90000"/>
+              </a:lnSpc>
+              <a:spcBef>
+                <a:spcPts val="500"/>
+              </a:spcBef>
+              <a:buFont typeface="Arial" panose="020B0604020202020204" pitchFamily="34" charset="0"/>
+              <a:buChar char="•"/>
+              <a:defRPr sz="1800" kern="1200">
+                <a:solidFill>
+                  <a:schemeClr val="tx1"/>
+                </a:solidFill>
+                <a:latin typeface="+mn-lt"/>
+                <a:ea typeface="+mn-ea"/>
+                <a:cs typeface="+mn-cs"/>
+              </a:defRPr>
+            </a:lvl8pPr>
+            <a:lvl9pPr marL="3886200" indent="-228600" algn="l" defTabSz="914400" rtl="0" eaLnBrk="1" latinLnBrk="0" hangingPunct="1">
+              <a:lnSpc>
+                <a:spcPct val="90000"/>
+              </a:lnSpc>
+              <a:spcBef>
+                <a:spcPts val="500"/>
+              </a:spcBef>
+              <a:buFont typeface="Arial" panose="020B0604020202020204" pitchFamily="34" charset="0"/>
+              <a:buChar char="•"/>
+              <a:defRPr sz="1800" kern="1200">
+                <a:solidFill>
+                  <a:schemeClr val="tx1"/>
+                </a:solidFill>
+                <a:latin typeface="+mn-lt"/>
+                <a:ea typeface="+mn-ea"/>
+                <a:cs typeface="+mn-cs"/>
+              </a:defRPr>
+            </a:lvl9pPr>
+          </a:lstStyle>
+          <a:p>
+            <a:pPr marL="0" indent="0" algn="ctr">
+              <a:buFont typeface="Arial" panose="020B0604020202020204" pitchFamily="34" charset="0"/>
+              <a:buNone/>
+            </a:pPr>
+            <a:r>
+              <a:rPr lang="en-US" altLang="ja-JP" sz="2400" b="1" dirty="0">
+                <a:latin typeface="Arial" panose="020B0604020202020204" pitchFamily="34" charset="0"/>
+                <a:cs typeface="Arial" panose="020B0604020202020204" pitchFamily="34" charset="0"/>
+              </a:rPr>
+              <a:t>Rocky’s data (Large – Medium)</a:t>
+            </a:r>
+            <a:endParaRPr lang="en-US" sz="2400" b="1" dirty="0">
+              <a:latin typeface="Arial" panose="020B0604020202020204" pitchFamily="34" charset="0"/>
+              <a:cs typeface="Arial" panose="020B0604020202020204" pitchFamily="34" charset="0"/>
+            </a:endParaRPr>
+          </a:p>
+        </p:txBody>
+      </p:sp>
+      <p:pic>
+        <p:nvPicPr>
+          <p:cNvPr id="9" name="図 8">
+            <a:extLst>
+              <a:ext uri="{FF2B5EF4-FFF2-40B4-BE49-F238E27FC236}">
+                <a16:creationId xmlns:a16="http://schemas.microsoft.com/office/drawing/2014/main" id="{E91FAD4C-3D6C-5699-7889-E89D34000263}"/>
+              </a:ext>
+            </a:extLst>
+          </p:cNvPr>
+          <p:cNvPicPr>
+            <a:picLocks noChangeAspect="1"/>
+          </p:cNvPicPr>
+          <p:nvPr/>
+        </p:nvPicPr>
+        <p:blipFill>
+          <a:blip r:embed="rId3">
+            <a:extLst>
+              <a:ext uri="{28A0092B-C50C-407E-A947-70E740481C1C}">
+                <a14:useLocalDpi xmlns:a14="http://schemas.microsoft.com/office/drawing/2010/main" val="0"/>
+              </a:ext>
+            </a:extLst>
+          </a:blip>
+          <a:srcRect/>
+          <a:stretch/>
+        </p:blipFill>
+        <p:spPr>
+          <a:xfrm>
+            <a:off x="4177311" y="2672256"/>
+            <a:ext cx="3837377" cy="2876936"/>
+          </a:xfrm>
+          <a:prstGeom prst="rect">
+            <a:avLst/>
+          </a:prstGeom>
+        </p:spPr>
+      </p:pic>
+      <p:pic>
+        <p:nvPicPr>
+          <p:cNvPr id="6" name="図 5">
+            <a:extLst>
+              <a:ext uri="{FF2B5EF4-FFF2-40B4-BE49-F238E27FC236}">
+                <a16:creationId xmlns:a16="http://schemas.microsoft.com/office/drawing/2014/main" id="{68BEDC22-F5CF-CC0E-D245-973A2FF1178C}"/>
+              </a:ext>
+            </a:extLst>
+          </p:cNvPr>
+          <p:cNvPicPr>
+            <a:picLocks noChangeAspect="1"/>
+          </p:cNvPicPr>
+          <p:nvPr/>
+        </p:nvPicPr>
+        <p:blipFill>
+          <a:blip r:embed="rId4">
+            <a:extLst>
+              <a:ext uri="{28A0092B-C50C-407E-A947-70E740481C1C}">
+                <a14:useLocalDpi xmlns:a14="http://schemas.microsoft.com/office/drawing/2010/main" val="0"/>
+              </a:ext>
+            </a:extLst>
+          </a:blip>
+          <a:srcRect/>
+          <a:stretch/>
+        </p:blipFill>
+        <p:spPr>
+          <a:xfrm>
+            <a:off x="115410" y="2672255"/>
+            <a:ext cx="3837377" cy="2876937"/>
+          </a:xfrm>
+          <a:prstGeom prst="rect">
+            <a:avLst/>
+          </a:prstGeom>
+        </p:spPr>
+      </p:pic>
+      <p:pic>
+        <p:nvPicPr>
+          <p:cNvPr id="7" name="図 6">
+            <a:extLst>
+              <a:ext uri="{FF2B5EF4-FFF2-40B4-BE49-F238E27FC236}">
+                <a16:creationId xmlns:a16="http://schemas.microsoft.com/office/drawing/2014/main" id="{9167ACD4-A9FA-FCAF-37F8-E59C787AFEA0}"/>
+              </a:ext>
+            </a:extLst>
+          </p:cNvPr>
+          <p:cNvPicPr>
+            <a:picLocks noChangeAspect="1"/>
+          </p:cNvPicPr>
+          <p:nvPr/>
+        </p:nvPicPr>
+        <p:blipFill>
+          <a:blip r:embed="rId5">
+            <a:extLst>
+              <a:ext uri="{28A0092B-C50C-407E-A947-70E740481C1C}">
+                <a14:useLocalDpi xmlns:a14="http://schemas.microsoft.com/office/drawing/2010/main" val="0"/>
+              </a:ext>
+            </a:extLst>
+          </a:blip>
+          <a:srcRect/>
+          <a:stretch/>
+        </p:blipFill>
+        <p:spPr>
+          <a:xfrm>
+            <a:off x="8124471" y="2672256"/>
+            <a:ext cx="3837376" cy="2876936"/>
+          </a:xfrm>
+          <a:prstGeom prst="rect">
+            <a:avLst/>
+          </a:prstGeom>
+        </p:spPr>
+      </p:pic>
+    </p:spTree>
+    <p:extLst>
+      <p:ext uri="{BB962C8B-B14F-4D97-AF65-F5344CB8AC3E}">
+        <p14:creationId xmlns:p14="http://schemas.microsoft.com/office/powerpoint/2010/main" val="438866237"/>
+      </p:ext>
+    </p:extLst>
+  </p:cSld>
+  <p:clrMapOvr>
+    <a:masterClrMapping/>
+  </p:clrMapOvr>
+  <p:timing>
+    <p:tnLst>
+      <p:par>
+        <p:cTn id="1" dur="indefinite" restart="never" nodeType="tmRoot">
+          <p:childTnLst>
+            <p:seq concurrent="1" nextAc="seek">
+              <p:cTn id="2" dur="indefinite" nodeType="mainSeq">
+                <p:childTnLst>
+                  <p:par>
+                    <p:cTn id="3" fill="hold">
+                      <p:stCondLst>
+                        <p:cond delay="indefinite"/>
+                      </p:stCondLst>
+                      <p:childTnLst>
+                        <p:par>
+                          <p:cTn id="4" fill="hold">
+                            <p:stCondLst>
+                              <p:cond delay="0"/>
+                            </p:stCondLst>
+                            <p:childTnLst>
+                              <p:par>
+                                <p:cTn id="5" presetID="10" presetClass="entr" presetSubtype="0" fill="hold" nodeType="clickEffect">
+                                  <p:stCondLst>
+                                    <p:cond delay="0"/>
+                                  </p:stCondLst>
+                                  <p:childTnLst>
+                                    <p:set>
+                                      <p:cBhvr>
+                                        <p:cTn id="6" dur="1" fill="hold">
+                                          <p:stCondLst>
+                                            <p:cond delay="0"/>
+                                          </p:stCondLst>
+                                        </p:cTn>
+                                        <p:tgtEl>
+                                          <p:spTgt spid="9"/>
+                                        </p:tgtEl>
+                                        <p:attrNameLst>
+                                          <p:attrName>style.visibility</p:attrName>
+                                        </p:attrNameLst>
+                                      </p:cBhvr>
+                                      <p:to>
+                                        <p:strVal val="visible"/>
+                                      </p:to>
+                                    </p:set>
+                                    <p:animEffect transition="in" filter="fade">
+                                      <p:cBhvr>
+                                        <p:cTn id="7" dur="500"/>
+                                        <p:tgtEl>
+                                          <p:spTgt spid="9"/>
+                                        </p:tgtEl>
+                                      </p:cBhvr>
+                                    </p:animEffect>
+                                  </p:childTnLst>
+                                </p:cTn>
+                              </p:par>
+                              <p:par>
+                                <p:cTn id="8" presetID="10" presetClass="entr" presetSubtype="0" fill="hold" nodeType="withEffect">
+                                  <p:stCondLst>
+                                    <p:cond delay="0"/>
+                                  </p:stCondLst>
+                                  <p:childTnLst>
+                                    <p:set>
+                                      <p:cBhvr>
+                                        <p:cTn id="9" dur="1" fill="hold">
+                                          <p:stCondLst>
+                                            <p:cond delay="0"/>
+                                          </p:stCondLst>
+                                        </p:cTn>
+                                        <p:tgtEl>
+                                          <p:spTgt spid="7"/>
+                                        </p:tgtEl>
+                                        <p:attrNameLst>
+                                          <p:attrName>style.visibility</p:attrName>
+                                        </p:attrNameLst>
+                                      </p:cBhvr>
+                                      <p:to>
+                                        <p:strVal val="visible"/>
+                                      </p:to>
+                                    </p:set>
+                                    <p:animEffect transition="in" filter="fade">
+                                      <p:cBhvr>
+                                        <p:cTn id="10" dur="500"/>
+                                        <p:tgtEl>
+                                          <p:spTgt spid="7"/>
+                                        </p:tgtEl>
+                                      </p:cBhvr>
+                                    </p:animEffect>
+                                  </p:childTnLst>
+                                </p:cTn>
+                              </p:par>
+                            </p:childTnLst>
+                          </p:cTn>
+                        </p:par>
+                      </p:childTnLst>
+                    </p:cTn>
+                  </p:par>
+                </p:childTnLst>
+              </p:cTn>
+              <p:prevCondLst>
+                <p:cond evt="onPrev" delay="0">
+                  <p:tgtEl>
+                    <p:sldTgt/>
+                  </p:tgtEl>
+                </p:cond>
+              </p:prevCondLst>
+              <p:nextCondLst>
+                <p:cond evt="onNext" delay="0">
+                  <p:tgtEl>
+                    <p:sldTgt/>
+                  </p:tgtEl>
+                </p:cond>
+              </p:nextCondLst>
+            </p:seq>
+          </p:childTnLst>
+        </p:cTn>
+      </p:par>
+    </p:tnLst>
+  </p:timing>
+</p:sld>
+</file>
+
+<file path=ppt/slides/slide12.xml><?xml version="1.0" encoding="utf-8"?>
+<p:sld xmlns:a="http://schemas.openxmlformats.org/drawingml/2006/main" xmlns:r="http://schemas.openxmlformats.org/officeDocument/2006/relationships" xmlns:p="http://schemas.openxmlformats.org/presentationml/2006/main" show="0">
+  <p:cSld>
+    <p:spTree>
+      <p:nvGrpSpPr>
+        <p:cNvPr id="1" name=""/>
+        <p:cNvGrpSpPr/>
+        <p:nvPr/>
+      </p:nvGrpSpPr>
+      <p:grpSpPr>
+        <a:xfrm>
+          <a:off x="0" y="0"/>
+          <a:ext cx="0" cy="0"/>
+          <a:chOff x="0" y="0"/>
+          <a:chExt cx="0" cy="0"/>
+        </a:xfrm>
+      </p:grpSpPr>
+      <p:sp>
+        <p:nvSpPr>
+          <p:cNvPr id="2" name="タイトル 1">
+            <a:extLst>
+              <a:ext uri="{FF2B5EF4-FFF2-40B4-BE49-F238E27FC236}">
+                <a16:creationId xmlns:a16="http://schemas.microsoft.com/office/drawing/2014/main" id="{27D14253-3A9D-C323-9B97-5D6BE60413FE}"/>
+              </a:ext>
+            </a:extLst>
+          </p:cNvPr>
+          <p:cNvSpPr>
+            <a:spLocks noGrp="1"/>
+          </p:cNvSpPr>
+          <p:nvPr>
+            <p:ph type="title"/>
+          </p:nvPr>
+        </p:nvSpPr>
+        <p:spPr>
+          <a:xfrm>
+            <a:off x="115410" y="106533"/>
+            <a:ext cx="11940466" cy="648069"/>
+          </a:xfrm>
+        </p:spPr>
+        <p:txBody>
+          <a:bodyPr>
+            <a:noAutofit/>
+          </a:bodyPr>
+          <a:lstStyle/>
+          <a:p>
+            <a:pPr algn="ctr"/>
+            <a:r>
+              <a:rPr lang="en-US" altLang="ja-JP" sz="2800" b="1" dirty="0">
+                <a:latin typeface="Arial" panose="020B0604020202020204" pitchFamily="34" charset="0"/>
+                <a:cs typeface="Arial" panose="020B0604020202020204" pitchFamily="34" charset="0"/>
+              </a:rPr>
+              <a:t>Does Reward Axis after TO show “stretching”?</a:t>
+            </a:r>
+            <a:endParaRPr lang="en-US" sz="2800" dirty="0">
+              <a:latin typeface="Arial" panose="020B0604020202020204" pitchFamily="34" charset="0"/>
+              <a:cs typeface="Arial" panose="020B0604020202020204" pitchFamily="34" charset="0"/>
+            </a:endParaRPr>
+          </a:p>
+        </p:txBody>
+      </p:sp>
+      <p:sp>
+        <p:nvSpPr>
+          <p:cNvPr id="3" name="コンテンツ プレースホルダー 2">
+            <a:extLst>
+              <a:ext uri="{FF2B5EF4-FFF2-40B4-BE49-F238E27FC236}">
+                <a16:creationId xmlns:a16="http://schemas.microsoft.com/office/drawing/2014/main" id="{BDE1F3B7-0738-A471-C46D-DC17FEE61F64}"/>
+              </a:ext>
+            </a:extLst>
+          </p:cNvPr>
+          <p:cNvSpPr>
+            <a:spLocks noGrp="1"/>
+          </p:cNvSpPr>
+          <p:nvPr>
+            <p:ph idx="1"/>
+          </p:nvPr>
+        </p:nvSpPr>
+        <p:spPr>
+          <a:xfrm>
+            <a:off x="115410" y="878889"/>
+            <a:ext cx="11940466" cy="1722268"/>
+          </a:xfrm>
+        </p:spPr>
+        <p:txBody>
+          <a:bodyPr>
+            <a:normAutofit/>
+          </a:bodyPr>
+          <a:lstStyle/>
+          <a:p>
+            <a:pPr marL="0" indent="0">
+              <a:buNone/>
+            </a:pPr>
+            <a:r>
+              <a:rPr lang="en-US" altLang="ja-JP" sz="2000" b="1" dirty="0">
+                <a:latin typeface="Arial" panose="020B0604020202020204" pitchFamily="34" charset="0"/>
+                <a:cs typeface="Arial" panose="020B0604020202020204" pitchFamily="34" charset="0"/>
+              </a:rPr>
+              <a:t>Method</a:t>
+            </a:r>
+          </a:p>
+          <a:p>
+            <a:pPr marL="457200" indent="-457200">
+              <a:buAutoNum type="arabicPeriod"/>
+            </a:pPr>
+            <a:r>
+              <a:rPr lang="en-US" altLang="ja-JP" sz="2000" dirty="0">
+                <a:latin typeface="Arial" panose="020B0604020202020204" pitchFamily="34" charset="0"/>
+                <a:cs typeface="Arial" panose="020B0604020202020204" pitchFamily="34" charset="0"/>
+              </a:rPr>
+              <a:t>Get an average of firing rate in each reward condition (</a:t>
+            </a:r>
+            <a:r>
+              <a:rPr lang="en-US" altLang="ja-JP" sz="2000" dirty="0" err="1">
+                <a:latin typeface="Arial" panose="020B0604020202020204" pitchFamily="34" charset="0"/>
+                <a:cs typeface="Arial" panose="020B0604020202020204" pitchFamily="34" charset="0"/>
+              </a:rPr>
+              <a:t>nneuron</a:t>
+            </a:r>
+            <a:r>
+              <a:rPr lang="en-US" altLang="ja-JP" sz="2000" dirty="0">
+                <a:latin typeface="Arial" panose="020B0604020202020204" pitchFamily="34" charset="0"/>
+                <a:cs typeface="Arial" panose="020B0604020202020204" pitchFamily="34" charset="0"/>
+              </a:rPr>
+              <a:t> * </a:t>
+            </a:r>
+            <a:r>
+              <a:rPr lang="en-US" altLang="ja-JP" sz="2000" dirty="0" err="1">
+                <a:latin typeface="Arial" panose="020B0604020202020204" pitchFamily="34" charset="0"/>
+                <a:cs typeface="Arial" panose="020B0604020202020204" pitchFamily="34" charset="0"/>
+              </a:rPr>
+              <a:t>nreward</a:t>
+            </a:r>
+            <a:r>
+              <a:rPr lang="en-US" altLang="ja-JP" sz="2000" dirty="0">
+                <a:latin typeface="Arial" panose="020B0604020202020204" pitchFamily="34" charset="0"/>
+                <a:cs typeface="Arial" panose="020B0604020202020204" pitchFamily="34" charset="0"/>
+              </a:rPr>
+              <a:t>(3)) after TO[+200 +400]</a:t>
+            </a:r>
+          </a:p>
+          <a:p>
+            <a:pPr marL="457200" indent="-457200">
+              <a:buAutoNum type="arabicPeriod"/>
+            </a:pPr>
+            <a:r>
+              <a:rPr lang="en-US" altLang="ja-JP" sz="2000" dirty="0">
+                <a:latin typeface="Arial" panose="020B0604020202020204" pitchFamily="34" charset="0"/>
+                <a:cs typeface="Arial" panose="020B0604020202020204" pitchFamily="34" charset="0"/>
+              </a:rPr>
+              <a:t>Get reward Axis from them</a:t>
+            </a:r>
+            <a:endParaRPr lang="en-US" altLang="ja-JP" sz="2000" b="1" dirty="0">
+              <a:latin typeface="Arial" panose="020B0604020202020204" pitchFamily="34" charset="0"/>
+              <a:cs typeface="Arial" panose="020B0604020202020204" pitchFamily="34" charset="0"/>
+            </a:endParaRPr>
+          </a:p>
+          <a:p>
+            <a:pPr marL="457200" indent="-457200">
+              <a:buAutoNum type="arabicPeriod"/>
+            </a:pPr>
+            <a:endParaRPr lang="en-US" sz="2000" b="1" dirty="0">
+              <a:latin typeface="Arial" panose="020B0604020202020204" pitchFamily="34" charset="0"/>
+              <a:cs typeface="Arial" panose="020B0604020202020204" pitchFamily="34" charset="0"/>
+            </a:endParaRPr>
+          </a:p>
+          <a:p>
+            <a:pPr marL="457200" indent="-457200">
+              <a:buAutoNum type="arabicPeriod"/>
+            </a:pPr>
+            <a:endParaRPr lang="en-US" sz="2000" b="1" dirty="0">
+              <a:latin typeface="Arial" panose="020B0604020202020204" pitchFamily="34" charset="0"/>
+              <a:cs typeface="Arial" panose="020B0604020202020204" pitchFamily="34" charset="0"/>
+            </a:endParaRPr>
+          </a:p>
+        </p:txBody>
+      </p:sp>
+      <p:sp>
+        <p:nvSpPr>
+          <p:cNvPr id="4" name="コンテンツ プレースホルダー 2">
+            <a:extLst>
+              <a:ext uri="{FF2B5EF4-FFF2-40B4-BE49-F238E27FC236}">
+                <a16:creationId xmlns:a16="http://schemas.microsoft.com/office/drawing/2014/main" id="{3C1F8DFF-3BE9-522D-51E5-D48F5B432B59}"/>
+              </a:ext>
+            </a:extLst>
+          </p:cNvPr>
+          <p:cNvSpPr txBox="1">
+            <a:spLocks/>
+          </p:cNvSpPr>
+          <p:nvPr/>
+        </p:nvSpPr>
+        <p:spPr>
+          <a:xfrm>
+            <a:off x="115411" y="2087842"/>
+            <a:ext cx="2079149" cy="449063"/>
+          </a:xfrm>
+          <a:prstGeom prst="rect">
+            <a:avLst/>
+          </a:prstGeom>
+          <a:solidFill>
+            <a:schemeClr val="bg1">
+              <a:lumMod val="95000"/>
+            </a:schemeClr>
+          </a:solidFill>
+        </p:spPr>
+        <p:txBody>
+          <a:bodyPr vert="horz" lIns="91440" tIns="45720" rIns="91440" bIns="45720" rtlCol="0" anchor="ctr">
+            <a:normAutofit/>
+          </a:bodyPr>
+          <a:lstStyle>
+            <a:lvl1pPr marL="228600" indent="-228600" algn="l" defTabSz="914400" rtl="0" eaLnBrk="1" latinLnBrk="0" hangingPunct="1">
+              <a:lnSpc>
+                <a:spcPct val="90000"/>
+              </a:lnSpc>
+              <a:spcBef>
+                <a:spcPts val="1000"/>
+              </a:spcBef>
+              <a:buFont typeface="Arial" panose="020B0604020202020204" pitchFamily="34" charset="0"/>
+              <a:buChar char="•"/>
+              <a:defRPr sz="2800" kern="1200">
+                <a:solidFill>
+                  <a:schemeClr val="tx1"/>
+                </a:solidFill>
+                <a:latin typeface="+mn-lt"/>
+                <a:ea typeface="+mn-ea"/>
+                <a:cs typeface="+mn-cs"/>
+              </a:defRPr>
+            </a:lvl1pPr>
+            <a:lvl2pPr marL="685800" indent="-228600" algn="l" defTabSz="914400" rtl="0" eaLnBrk="1" latinLnBrk="0" hangingPunct="1">
+              <a:lnSpc>
+                <a:spcPct val="90000"/>
+              </a:lnSpc>
+              <a:spcBef>
+                <a:spcPts val="500"/>
+              </a:spcBef>
+              <a:buFont typeface="Arial" panose="020B0604020202020204" pitchFamily="34" charset="0"/>
+              <a:buChar char="•"/>
+              <a:defRPr sz="2400" kern="1200">
+                <a:solidFill>
+                  <a:schemeClr val="tx1"/>
+                </a:solidFill>
+                <a:latin typeface="+mn-lt"/>
+                <a:ea typeface="+mn-ea"/>
+                <a:cs typeface="+mn-cs"/>
+              </a:defRPr>
+            </a:lvl2pPr>
+            <a:lvl3pPr marL="1143000" indent="-228600" algn="l" defTabSz="914400" rtl="0" eaLnBrk="1" latinLnBrk="0" hangingPunct="1">
+              <a:lnSpc>
+                <a:spcPct val="90000"/>
+              </a:lnSpc>
+              <a:spcBef>
+                <a:spcPts val="500"/>
+              </a:spcBef>
+              <a:buFont typeface="Arial" panose="020B0604020202020204" pitchFamily="34" charset="0"/>
+              <a:buChar char="•"/>
+              <a:defRPr sz="2000" kern="1200">
+                <a:solidFill>
+                  <a:schemeClr val="tx1"/>
+                </a:solidFill>
+                <a:latin typeface="+mn-lt"/>
+                <a:ea typeface="+mn-ea"/>
+                <a:cs typeface="+mn-cs"/>
+              </a:defRPr>
+            </a:lvl3pPr>
+            <a:lvl4pPr marL="1600200" indent="-228600" algn="l" defTabSz="914400" rtl="0" eaLnBrk="1" latinLnBrk="0" hangingPunct="1">
+              <a:lnSpc>
+                <a:spcPct val="90000"/>
+              </a:lnSpc>
+              <a:spcBef>
+                <a:spcPts val="500"/>
+              </a:spcBef>
+              <a:buFont typeface="Arial" panose="020B0604020202020204" pitchFamily="34" charset="0"/>
+              <a:buChar char="•"/>
+              <a:defRPr sz="1800" kern="1200">
+                <a:solidFill>
+                  <a:schemeClr val="tx1"/>
+                </a:solidFill>
+                <a:latin typeface="+mn-lt"/>
+                <a:ea typeface="+mn-ea"/>
+                <a:cs typeface="+mn-cs"/>
+              </a:defRPr>
+            </a:lvl4pPr>
+            <a:lvl5pPr marL="2057400" indent="-228600" algn="l" defTabSz="914400" rtl="0" eaLnBrk="1" latinLnBrk="0" hangingPunct="1">
+              <a:lnSpc>
+                <a:spcPct val="90000"/>
+              </a:lnSpc>
+              <a:spcBef>
+                <a:spcPts val="500"/>
+              </a:spcBef>
+              <a:buFont typeface="Arial" panose="020B0604020202020204" pitchFamily="34" charset="0"/>
+              <a:buChar char="•"/>
+              <a:defRPr sz="1800" kern="1200">
+                <a:solidFill>
+                  <a:schemeClr val="tx1"/>
+                </a:solidFill>
+                <a:latin typeface="+mn-lt"/>
+                <a:ea typeface="+mn-ea"/>
+                <a:cs typeface="+mn-cs"/>
+              </a:defRPr>
+            </a:lvl5pPr>
+            <a:lvl6pPr marL="2514600" indent="-228600" algn="l" defTabSz="914400" rtl="0" eaLnBrk="1" latinLnBrk="0" hangingPunct="1">
+              <a:lnSpc>
+                <a:spcPct val="90000"/>
+              </a:lnSpc>
+              <a:spcBef>
+                <a:spcPts val="500"/>
+              </a:spcBef>
+              <a:buFont typeface="Arial" panose="020B0604020202020204" pitchFamily="34" charset="0"/>
+              <a:buChar char="•"/>
+              <a:defRPr sz="1800" kern="1200">
+                <a:solidFill>
+                  <a:schemeClr val="tx1"/>
+                </a:solidFill>
+                <a:latin typeface="+mn-lt"/>
+                <a:ea typeface="+mn-ea"/>
+                <a:cs typeface="+mn-cs"/>
+              </a:defRPr>
+            </a:lvl6pPr>
+            <a:lvl7pPr marL="2971800" indent="-228600" algn="l" defTabSz="914400" rtl="0" eaLnBrk="1" latinLnBrk="0" hangingPunct="1">
+              <a:lnSpc>
+                <a:spcPct val="90000"/>
+              </a:lnSpc>
+              <a:spcBef>
+                <a:spcPts val="500"/>
+              </a:spcBef>
+              <a:buFont typeface="Arial" panose="020B0604020202020204" pitchFamily="34" charset="0"/>
+              <a:buChar char="•"/>
+              <a:defRPr sz="1800" kern="1200">
+                <a:solidFill>
+                  <a:schemeClr val="tx1"/>
+                </a:solidFill>
+                <a:latin typeface="+mn-lt"/>
+                <a:ea typeface="+mn-ea"/>
+                <a:cs typeface="+mn-cs"/>
+              </a:defRPr>
+            </a:lvl7pPr>
+            <a:lvl8pPr marL="3429000" indent="-228600" algn="l" defTabSz="914400" rtl="0" eaLnBrk="1" latinLnBrk="0" hangingPunct="1">
+              <a:lnSpc>
+                <a:spcPct val="90000"/>
+              </a:lnSpc>
+              <a:spcBef>
+                <a:spcPts val="500"/>
+              </a:spcBef>
+              <a:buFont typeface="Arial" panose="020B0604020202020204" pitchFamily="34" charset="0"/>
+              <a:buChar char="•"/>
+              <a:defRPr sz="1800" kern="1200">
+                <a:solidFill>
+                  <a:schemeClr val="tx1"/>
+                </a:solidFill>
+                <a:latin typeface="+mn-lt"/>
+                <a:ea typeface="+mn-ea"/>
+                <a:cs typeface="+mn-cs"/>
+              </a:defRPr>
+            </a:lvl8pPr>
+            <a:lvl9pPr marL="3886200" indent="-228600" algn="l" defTabSz="914400" rtl="0" eaLnBrk="1" latinLnBrk="0" hangingPunct="1">
+              <a:lnSpc>
+                <a:spcPct val="90000"/>
+              </a:lnSpc>
+              <a:spcBef>
+                <a:spcPts val="500"/>
+              </a:spcBef>
+              <a:buFont typeface="Arial" panose="020B0604020202020204" pitchFamily="34" charset="0"/>
+              <a:buChar char="•"/>
+              <a:defRPr sz="1800" kern="1200">
+                <a:solidFill>
+                  <a:schemeClr val="tx1"/>
+                </a:solidFill>
+                <a:latin typeface="+mn-lt"/>
+                <a:ea typeface="+mn-ea"/>
+                <a:cs typeface="+mn-cs"/>
+              </a:defRPr>
+            </a:lvl9pPr>
+          </a:lstStyle>
+          <a:p>
+            <a:pPr marL="0" indent="0" algn="ctr">
+              <a:buFont typeface="Arial" panose="020B0604020202020204" pitchFamily="34" charset="0"/>
+              <a:buNone/>
+            </a:pPr>
+            <a:r>
+              <a:rPr lang="en-US" altLang="ja-JP" sz="2400" b="1" dirty="0">
+                <a:latin typeface="Arial" panose="020B0604020202020204" pitchFamily="34" charset="0"/>
+                <a:cs typeface="Arial" panose="020B0604020202020204" pitchFamily="34" charset="0"/>
+              </a:rPr>
+              <a:t>We expect</a:t>
+            </a:r>
+            <a:endParaRPr lang="en-US" sz="2400" b="1" dirty="0">
+              <a:latin typeface="Arial" panose="020B0604020202020204" pitchFamily="34" charset="0"/>
+              <a:cs typeface="Arial" panose="020B0604020202020204" pitchFamily="34" charset="0"/>
+            </a:endParaRPr>
+          </a:p>
+        </p:txBody>
+      </p:sp>
+      <p:sp>
+        <p:nvSpPr>
+          <p:cNvPr id="5" name="コンテンツ プレースホルダー 2">
+            <a:extLst>
+              <a:ext uri="{FF2B5EF4-FFF2-40B4-BE49-F238E27FC236}">
+                <a16:creationId xmlns:a16="http://schemas.microsoft.com/office/drawing/2014/main" id="{E2247332-FBD7-F890-418D-186D025A2163}"/>
+              </a:ext>
+            </a:extLst>
+          </p:cNvPr>
+          <p:cNvSpPr txBox="1">
+            <a:spLocks/>
+          </p:cNvSpPr>
+          <p:nvPr/>
+        </p:nvSpPr>
+        <p:spPr>
+          <a:xfrm>
+            <a:off x="2377441" y="2087841"/>
+            <a:ext cx="9699152" cy="449063"/>
+          </a:xfrm>
+          <a:prstGeom prst="rect">
+            <a:avLst/>
+          </a:prstGeom>
+          <a:solidFill>
+            <a:schemeClr val="bg1">
+              <a:lumMod val="95000"/>
+            </a:schemeClr>
+          </a:solidFill>
+        </p:spPr>
+        <p:txBody>
+          <a:bodyPr vert="horz" lIns="91440" tIns="45720" rIns="91440" bIns="45720" rtlCol="0" anchor="ctr">
+            <a:normAutofit/>
+          </a:bodyPr>
+          <a:lstStyle>
+            <a:lvl1pPr marL="228600" indent="-228600" algn="l" defTabSz="914400" rtl="0" eaLnBrk="1" latinLnBrk="0" hangingPunct="1">
+              <a:lnSpc>
+                <a:spcPct val="90000"/>
+              </a:lnSpc>
+              <a:spcBef>
+                <a:spcPts val="1000"/>
+              </a:spcBef>
+              <a:buFont typeface="Arial" panose="020B0604020202020204" pitchFamily="34" charset="0"/>
+              <a:buChar char="•"/>
+              <a:defRPr sz="2800" kern="1200">
+                <a:solidFill>
+                  <a:schemeClr val="tx1"/>
+                </a:solidFill>
+                <a:latin typeface="+mn-lt"/>
+                <a:ea typeface="+mn-ea"/>
+                <a:cs typeface="+mn-cs"/>
+              </a:defRPr>
+            </a:lvl1pPr>
+            <a:lvl2pPr marL="685800" indent="-228600" algn="l" defTabSz="914400" rtl="0" eaLnBrk="1" latinLnBrk="0" hangingPunct="1">
+              <a:lnSpc>
+                <a:spcPct val="90000"/>
+              </a:lnSpc>
+              <a:spcBef>
+                <a:spcPts val="500"/>
+              </a:spcBef>
+              <a:buFont typeface="Arial" panose="020B0604020202020204" pitchFamily="34" charset="0"/>
+              <a:buChar char="•"/>
+              <a:defRPr sz="2400" kern="1200">
+                <a:solidFill>
+                  <a:schemeClr val="tx1"/>
+                </a:solidFill>
+                <a:latin typeface="+mn-lt"/>
+                <a:ea typeface="+mn-ea"/>
+                <a:cs typeface="+mn-cs"/>
+              </a:defRPr>
+            </a:lvl2pPr>
+            <a:lvl3pPr marL="1143000" indent="-228600" algn="l" defTabSz="914400" rtl="0" eaLnBrk="1" latinLnBrk="0" hangingPunct="1">
+              <a:lnSpc>
+                <a:spcPct val="90000"/>
+              </a:lnSpc>
+              <a:spcBef>
+                <a:spcPts val="500"/>
+              </a:spcBef>
+              <a:buFont typeface="Arial" panose="020B0604020202020204" pitchFamily="34" charset="0"/>
+              <a:buChar char="•"/>
+              <a:defRPr sz="2000" kern="1200">
+                <a:solidFill>
+                  <a:schemeClr val="tx1"/>
+                </a:solidFill>
+                <a:latin typeface="+mn-lt"/>
+                <a:ea typeface="+mn-ea"/>
+                <a:cs typeface="+mn-cs"/>
+              </a:defRPr>
+            </a:lvl3pPr>
+            <a:lvl4pPr marL="1600200" indent="-228600" algn="l" defTabSz="914400" rtl="0" eaLnBrk="1" latinLnBrk="0" hangingPunct="1">
+              <a:lnSpc>
+                <a:spcPct val="90000"/>
+              </a:lnSpc>
+              <a:spcBef>
+                <a:spcPts val="500"/>
+              </a:spcBef>
+              <a:buFont typeface="Arial" panose="020B0604020202020204" pitchFamily="34" charset="0"/>
+              <a:buChar char="•"/>
+              <a:defRPr sz="1800" kern="1200">
+                <a:solidFill>
+                  <a:schemeClr val="tx1"/>
+                </a:solidFill>
+                <a:latin typeface="+mn-lt"/>
+                <a:ea typeface="+mn-ea"/>
+                <a:cs typeface="+mn-cs"/>
+              </a:defRPr>
+            </a:lvl4pPr>
+            <a:lvl5pPr marL="2057400" indent="-228600" algn="l" defTabSz="914400" rtl="0" eaLnBrk="1" latinLnBrk="0" hangingPunct="1">
+              <a:lnSpc>
+                <a:spcPct val="90000"/>
+              </a:lnSpc>
+              <a:spcBef>
+                <a:spcPts val="500"/>
+              </a:spcBef>
+              <a:buFont typeface="Arial" panose="020B0604020202020204" pitchFamily="34" charset="0"/>
+              <a:buChar char="•"/>
+              <a:defRPr sz="1800" kern="1200">
+                <a:solidFill>
+                  <a:schemeClr val="tx1"/>
+                </a:solidFill>
+                <a:latin typeface="+mn-lt"/>
+                <a:ea typeface="+mn-ea"/>
+                <a:cs typeface="+mn-cs"/>
+              </a:defRPr>
+            </a:lvl5pPr>
+            <a:lvl6pPr marL="2514600" indent="-228600" algn="l" defTabSz="914400" rtl="0" eaLnBrk="1" latinLnBrk="0" hangingPunct="1">
+              <a:lnSpc>
+                <a:spcPct val="90000"/>
+              </a:lnSpc>
+              <a:spcBef>
+                <a:spcPts val="500"/>
+              </a:spcBef>
+              <a:buFont typeface="Arial" panose="020B0604020202020204" pitchFamily="34" charset="0"/>
+              <a:buChar char="•"/>
+              <a:defRPr sz="1800" kern="1200">
+                <a:solidFill>
+                  <a:schemeClr val="tx1"/>
+                </a:solidFill>
+                <a:latin typeface="+mn-lt"/>
+                <a:ea typeface="+mn-ea"/>
+                <a:cs typeface="+mn-cs"/>
+              </a:defRPr>
+            </a:lvl6pPr>
+            <a:lvl7pPr marL="2971800" indent="-228600" algn="l" defTabSz="914400" rtl="0" eaLnBrk="1" latinLnBrk="0" hangingPunct="1">
+              <a:lnSpc>
+                <a:spcPct val="90000"/>
+              </a:lnSpc>
+              <a:spcBef>
+                <a:spcPts val="500"/>
+              </a:spcBef>
+              <a:buFont typeface="Arial" panose="020B0604020202020204" pitchFamily="34" charset="0"/>
+              <a:buChar char="•"/>
+              <a:defRPr sz="1800" kern="1200">
+                <a:solidFill>
+                  <a:schemeClr val="tx1"/>
+                </a:solidFill>
+                <a:latin typeface="+mn-lt"/>
+                <a:ea typeface="+mn-ea"/>
+                <a:cs typeface="+mn-cs"/>
+              </a:defRPr>
+            </a:lvl7pPr>
+            <a:lvl8pPr marL="3429000" indent="-228600" algn="l" defTabSz="914400" rtl="0" eaLnBrk="1" latinLnBrk="0" hangingPunct="1">
+              <a:lnSpc>
+                <a:spcPct val="90000"/>
+              </a:lnSpc>
+              <a:spcBef>
+                <a:spcPts val="500"/>
+              </a:spcBef>
+              <a:buFont typeface="Arial" panose="020B0604020202020204" pitchFamily="34" charset="0"/>
+              <a:buChar char="•"/>
+              <a:defRPr sz="1800" kern="1200">
+                <a:solidFill>
+                  <a:schemeClr val="tx1"/>
+                </a:solidFill>
+                <a:latin typeface="+mn-lt"/>
+                <a:ea typeface="+mn-ea"/>
+                <a:cs typeface="+mn-cs"/>
+              </a:defRPr>
+            </a:lvl8pPr>
+            <a:lvl9pPr marL="3886200" indent="-228600" algn="l" defTabSz="914400" rtl="0" eaLnBrk="1" latinLnBrk="0" hangingPunct="1">
+              <a:lnSpc>
+                <a:spcPct val="90000"/>
+              </a:lnSpc>
+              <a:spcBef>
+                <a:spcPts val="500"/>
+              </a:spcBef>
+              <a:buFont typeface="Arial" panose="020B0604020202020204" pitchFamily="34" charset="0"/>
+              <a:buChar char="•"/>
+              <a:defRPr sz="1800" kern="1200">
+                <a:solidFill>
+                  <a:schemeClr val="tx1"/>
+                </a:solidFill>
+                <a:latin typeface="+mn-lt"/>
+                <a:ea typeface="+mn-ea"/>
+                <a:cs typeface="+mn-cs"/>
+              </a:defRPr>
+            </a:lvl9pPr>
+          </a:lstStyle>
+          <a:p>
+            <a:pPr marL="0" indent="0" algn="ctr">
+              <a:buFont typeface="Arial" panose="020B0604020202020204" pitchFamily="34" charset="0"/>
+              <a:buNone/>
+            </a:pPr>
+            <a:r>
+              <a:rPr lang="en-US" altLang="ja-JP" sz="2400" b="1" dirty="0">
+                <a:latin typeface="Arial" panose="020B0604020202020204" pitchFamily="34" charset="0"/>
+                <a:cs typeface="Arial" panose="020B0604020202020204" pitchFamily="34" charset="0"/>
+              </a:rPr>
+              <a:t>Result</a:t>
+            </a:r>
+            <a:endParaRPr lang="en-US" sz="2400" b="1" dirty="0">
+              <a:latin typeface="Arial" panose="020B0604020202020204" pitchFamily="34" charset="0"/>
+              <a:cs typeface="Arial" panose="020B0604020202020204" pitchFamily="34" charset="0"/>
+            </a:endParaRPr>
+          </a:p>
+        </p:txBody>
+      </p:sp>
+      <p:sp>
+        <p:nvSpPr>
+          <p:cNvPr id="14" name="テキスト ボックス 13">
+            <a:extLst>
+              <a:ext uri="{FF2B5EF4-FFF2-40B4-BE49-F238E27FC236}">
+                <a16:creationId xmlns:a16="http://schemas.microsoft.com/office/drawing/2014/main" id="{E78CA14E-16E8-D8D9-A179-5EE0EEF12434}"/>
+              </a:ext>
+            </a:extLst>
+          </p:cNvPr>
+          <p:cNvSpPr txBox="1"/>
+          <p:nvPr/>
+        </p:nvSpPr>
+        <p:spPr>
+          <a:xfrm>
+            <a:off x="2738388" y="5986114"/>
+            <a:ext cx="706332" cy="307777"/>
+          </a:xfrm>
+          <a:prstGeom prst="rect">
+            <a:avLst/>
+          </a:prstGeom>
+          <a:noFill/>
+        </p:spPr>
+        <p:txBody>
+          <a:bodyPr wrap="square" rtlCol="0">
+            <a:spAutoFit/>
+          </a:bodyPr>
+          <a:lstStyle/>
+          <a:p>
+            <a:pPr algn="ctr"/>
+            <a:r>
+              <a:rPr kumimoji="1" lang="en-US" altLang="ja-JP" sz="1400" b="1" dirty="0">
+                <a:latin typeface="Arial" panose="020B0604020202020204" pitchFamily="34" charset="0"/>
+                <a:cs typeface="Arial" panose="020B0604020202020204" pitchFamily="34" charset="0"/>
+              </a:rPr>
+              <a:t>0216</a:t>
+            </a:r>
+          </a:p>
+        </p:txBody>
+      </p:sp>
+      <p:pic>
+        <p:nvPicPr>
+          <p:cNvPr id="35" name="図 34">
+            <a:extLst>
+              <a:ext uri="{FF2B5EF4-FFF2-40B4-BE49-F238E27FC236}">
+                <a16:creationId xmlns:a16="http://schemas.microsoft.com/office/drawing/2014/main" id="{3C1FD339-7B31-F97B-ABA8-B2B728F944C5}"/>
+              </a:ext>
+            </a:extLst>
+          </p:cNvPr>
+          <p:cNvPicPr>
+            <a:picLocks noChangeAspect="1"/>
+          </p:cNvPicPr>
+          <p:nvPr/>
+        </p:nvPicPr>
+        <p:blipFill>
+          <a:blip r:embed="rId3">
+            <a:extLst>
+              <a:ext uri="{28A0092B-C50C-407E-A947-70E740481C1C}">
+                <a14:useLocalDpi xmlns:a14="http://schemas.microsoft.com/office/drawing/2010/main" val="0"/>
+              </a:ext>
+            </a:extLst>
+          </a:blip>
+          <a:srcRect/>
+          <a:stretch/>
+        </p:blipFill>
+        <p:spPr>
+          <a:xfrm>
+            <a:off x="5076538" y="2695990"/>
+            <a:ext cx="1514179" cy="3280185"/>
+          </a:xfrm>
+          <a:prstGeom prst="rect">
+            <a:avLst/>
+          </a:prstGeom>
+        </p:spPr>
+      </p:pic>
+      <p:pic>
+        <p:nvPicPr>
+          <p:cNvPr id="36" name="図 35">
+            <a:extLst>
+              <a:ext uri="{FF2B5EF4-FFF2-40B4-BE49-F238E27FC236}">
+                <a16:creationId xmlns:a16="http://schemas.microsoft.com/office/drawing/2014/main" id="{B333C618-B8EA-6CAD-5D63-8EBA44F8F585}"/>
+              </a:ext>
+            </a:extLst>
+          </p:cNvPr>
+          <p:cNvPicPr>
+            <a:picLocks noChangeAspect="1"/>
+          </p:cNvPicPr>
+          <p:nvPr/>
+        </p:nvPicPr>
+        <p:blipFill>
+          <a:blip r:embed="rId4">
+            <a:extLst>
+              <a:ext uri="{28A0092B-C50C-407E-A947-70E740481C1C}">
+                <a14:useLocalDpi xmlns:a14="http://schemas.microsoft.com/office/drawing/2010/main" val="0"/>
+              </a:ext>
+            </a:extLst>
+          </a:blip>
+          <a:srcRect/>
+          <a:stretch/>
+        </p:blipFill>
+        <p:spPr>
+          <a:xfrm>
+            <a:off x="3696772" y="2699800"/>
+            <a:ext cx="1514179" cy="3280185"/>
+          </a:xfrm>
+          <a:prstGeom prst="rect">
+            <a:avLst/>
+          </a:prstGeom>
+        </p:spPr>
+      </p:pic>
+      <p:pic>
+        <p:nvPicPr>
+          <p:cNvPr id="37" name="図 36">
+            <a:extLst>
+              <a:ext uri="{FF2B5EF4-FFF2-40B4-BE49-F238E27FC236}">
+                <a16:creationId xmlns:a16="http://schemas.microsoft.com/office/drawing/2014/main" id="{A31763D5-BB79-F7D5-29ED-A6EBB1F2ECCC}"/>
+              </a:ext>
+            </a:extLst>
+          </p:cNvPr>
+          <p:cNvPicPr>
+            <a:picLocks noChangeAspect="1"/>
+          </p:cNvPicPr>
+          <p:nvPr/>
+        </p:nvPicPr>
+        <p:blipFill>
+          <a:blip r:embed="rId5">
+            <a:extLst>
+              <a:ext uri="{28A0092B-C50C-407E-A947-70E740481C1C}">
+                <a14:useLocalDpi xmlns:a14="http://schemas.microsoft.com/office/drawing/2010/main" val="0"/>
+              </a:ext>
+            </a:extLst>
+          </a:blip>
+          <a:srcRect/>
+          <a:stretch/>
+        </p:blipFill>
+        <p:spPr>
+          <a:xfrm>
+            <a:off x="2283808" y="2702423"/>
+            <a:ext cx="1514179" cy="3280185"/>
+          </a:xfrm>
+          <a:prstGeom prst="rect">
+            <a:avLst/>
+          </a:prstGeom>
+        </p:spPr>
+      </p:pic>
+      <p:sp>
+        <p:nvSpPr>
+          <p:cNvPr id="38" name="テキスト ボックス 37">
+            <a:extLst>
+              <a:ext uri="{FF2B5EF4-FFF2-40B4-BE49-F238E27FC236}">
+                <a16:creationId xmlns:a16="http://schemas.microsoft.com/office/drawing/2014/main" id="{8CEBEAB8-21CE-5FCA-D76E-27AAEB5C4793}"/>
+              </a:ext>
+            </a:extLst>
+          </p:cNvPr>
+          <p:cNvSpPr txBox="1"/>
+          <p:nvPr/>
+        </p:nvSpPr>
+        <p:spPr>
+          <a:xfrm>
+            <a:off x="4152034" y="5989980"/>
+            <a:ext cx="706332" cy="307777"/>
+          </a:xfrm>
+          <a:prstGeom prst="rect">
+            <a:avLst/>
+          </a:prstGeom>
+          <a:noFill/>
+        </p:spPr>
+        <p:txBody>
+          <a:bodyPr wrap="square" rtlCol="0">
+            <a:spAutoFit/>
+          </a:bodyPr>
+          <a:lstStyle/>
+          <a:p>
+            <a:pPr algn="ctr"/>
+            <a:r>
+              <a:rPr kumimoji="1" lang="en-US" altLang="ja-JP" sz="1400" b="1" dirty="0">
+                <a:latin typeface="Arial" panose="020B0604020202020204" pitchFamily="34" charset="0"/>
+                <a:cs typeface="Arial" panose="020B0604020202020204" pitchFamily="34" charset="0"/>
+              </a:rPr>
+              <a:t>0405</a:t>
+            </a:r>
+          </a:p>
+        </p:txBody>
+      </p:sp>
+      <p:sp>
+        <p:nvSpPr>
+          <p:cNvPr id="39" name="テキスト ボックス 38">
+            <a:extLst>
+              <a:ext uri="{FF2B5EF4-FFF2-40B4-BE49-F238E27FC236}">
+                <a16:creationId xmlns:a16="http://schemas.microsoft.com/office/drawing/2014/main" id="{D22E9565-EA77-6035-F5BF-057CFFD532DE}"/>
+              </a:ext>
+            </a:extLst>
+          </p:cNvPr>
+          <p:cNvSpPr txBox="1"/>
+          <p:nvPr/>
+        </p:nvSpPr>
+        <p:spPr>
+          <a:xfrm>
+            <a:off x="5481408" y="5989980"/>
+            <a:ext cx="706332" cy="307777"/>
+          </a:xfrm>
+          <a:prstGeom prst="rect">
+            <a:avLst/>
+          </a:prstGeom>
+          <a:noFill/>
+        </p:spPr>
+        <p:txBody>
+          <a:bodyPr wrap="square" rtlCol="0">
+            <a:spAutoFit/>
+          </a:bodyPr>
+          <a:lstStyle/>
+          <a:p>
+            <a:pPr algn="ctr"/>
+            <a:r>
+              <a:rPr kumimoji="1" lang="en-US" altLang="ja-JP" sz="1400" b="1" dirty="0">
+                <a:latin typeface="Arial" panose="020B0604020202020204" pitchFamily="34" charset="0"/>
+                <a:cs typeface="Arial" panose="020B0604020202020204" pitchFamily="34" charset="0"/>
+              </a:rPr>
+              <a:t>0414</a:t>
+            </a:r>
+          </a:p>
+        </p:txBody>
+      </p:sp>
+      <p:pic>
+        <p:nvPicPr>
+          <p:cNvPr id="8" name="図 7" descr="アイコン&#10;&#10;自動的に生成された説明">
+            <a:extLst>
+              <a:ext uri="{FF2B5EF4-FFF2-40B4-BE49-F238E27FC236}">
+                <a16:creationId xmlns:a16="http://schemas.microsoft.com/office/drawing/2014/main" id="{599E9DEC-FED0-36CF-90AA-D84B353C4D89}"/>
+              </a:ext>
+            </a:extLst>
+          </p:cNvPr>
+          <p:cNvPicPr>
+            <a:picLocks noChangeAspect="1"/>
+          </p:cNvPicPr>
+          <p:nvPr/>
+        </p:nvPicPr>
+        <p:blipFill>
+          <a:blip r:embed="rId6">
+            <a:extLst>
+              <a:ext uri="{28A0092B-C50C-407E-A947-70E740481C1C}">
+                <a14:useLocalDpi xmlns:a14="http://schemas.microsoft.com/office/drawing/2010/main" val="0"/>
+              </a:ext>
+            </a:extLst>
+          </a:blip>
+          <a:stretch>
+            <a:fillRect/>
+          </a:stretch>
+        </p:blipFill>
+        <p:spPr>
+          <a:xfrm>
+            <a:off x="200964" y="2831948"/>
+            <a:ext cx="1776409" cy="3381033"/>
+          </a:xfrm>
+          <a:prstGeom prst="rect">
+            <a:avLst/>
+          </a:prstGeom>
+        </p:spPr>
+      </p:pic>
+      <p:pic>
+        <p:nvPicPr>
+          <p:cNvPr id="9" name="図 8">
+            <a:extLst>
+              <a:ext uri="{FF2B5EF4-FFF2-40B4-BE49-F238E27FC236}">
+                <a16:creationId xmlns:a16="http://schemas.microsoft.com/office/drawing/2014/main" id="{E91FAD4C-3D6C-5699-7889-E89D34000263}"/>
+              </a:ext>
+            </a:extLst>
+          </p:cNvPr>
+          <p:cNvPicPr>
+            <a:picLocks noChangeAspect="1"/>
+          </p:cNvPicPr>
+          <p:nvPr/>
+        </p:nvPicPr>
+        <p:blipFill>
+          <a:blip r:embed="rId7">
+            <a:extLst>
+              <a:ext uri="{28A0092B-C50C-407E-A947-70E740481C1C}">
+                <a14:useLocalDpi xmlns:a14="http://schemas.microsoft.com/office/drawing/2010/main" val="0"/>
+              </a:ext>
+            </a:extLst>
+          </a:blip>
+          <a:srcRect/>
+          <a:stretch/>
+        </p:blipFill>
+        <p:spPr>
+          <a:xfrm>
+            <a:off x="7596632" y="2992296"/>
+            <a:ext cx="3837377" cy="2876936"/>
+          </a:xfrm>
+          <a:prstGeom prst="rect">
+            <a:avLst/>
+          </a:prstGeom>
+        </p:spPr>
+      </p:pic>
+    </p:spTree>
+    <p:extLst>
+      <p:ext uri="{BB962C8B-B14F-4D97-AF65-F5344CB8AC3E}">
+        <p14:creationId xmlns:p14="http://schemas.microsoft.com/office/powerpoint/2010/main" val="4150551213"/>
       </p:ext>
     </p:extLst>
   </p:cSld>
@@ -4758,7 +7614,7 @@
                 <a:latin typeface="Arial" panose="020B0604020202020204" pitchFamily="34" charset="0"/>
                 <a:cs typeface="Arial" panose="020B0604020202020204" pitchFamily="34" charset="0"/>
               </a:rPr>
-              <a:t>Motivation of the analysis</a:t>
+              <a:t>Experiment</a:t>
             </a:r>
           </a:p>
         </p:txBody>
@@ -4804,165 +7660,342 @@
               <a:rPr lang="en-US" sz="2000" dirty="0">
                 <a:latin typeface="Arial" panose="020B0604020202020204" pitchFamily="34" charset="0"/>
               </a:rPr>
-              <a:t>Does the task difficulty in focus task alter the M1 reward encoding in the same way we saw in Rocky’s data?</a:t>
-            </a:r>
-          </a:p>
-          <a:p>
-            <a:pPr marL="0" indent="0" fontAlgn="base">
-              <a:lnSpc>
-                <a:spcPct val="100000"/>
-              </a:lnSpc>
-              <a:spcBef>
-                <a:spcPts val="0"/>
-              </a:spcBef>
-              <a:buNone/>
-            </a:pPr>
-            <a:endParaRPr lang="en-US" sz="2000" dirty="0">
+              <a:t>Interleaved Days</a:t>
+            </a:r>
+            <a:endParaRPr lang="en-US" sz="2000" i="0" dirty="0">
+              <a:effectLst/>
               <a:latin typeface="Arial" panose="020B0604020202020204" pitchFamily="34" charset="0"/>
             </a:endParaRPr>
           </a:p>
           <a:p>
-            <a:pPr marL="0" indent="0" fontAlgn="base">
+            <a:pPr fontAlgn="base">
               <a:lnSpc>
                 <a:spcPct val="100000"/>
               </a:lnSpc>
               <a:spcBef>
                 <a:spcPts val="0"/>
               </a:spcBef>
-              <a:buNone/>
+              <a:buFont typeface="+mj-lt"/>
+              <a:buAutoNum type="arabicPeriod"/>
             </a:pPr>
+            <a:r>
+              <a:rPr lang="en-US" sz="2000" i="0" dirty="0">
+                <a:effectLst/>
+                <a:latin typeface="Arial" panose="020B0604020202020204" pitchFamily="34" charset="0"/>
+              </a:rPr>
+              <a:t>Experiment date : 20230216~20220414 (3 days)</a:t>
+            </a:r>
+          </a:p>
+          <a:p>
+            <a:pPr fontAlgn="base">
+              <a:lnSpc>
+                <a:spcPct val="100000"/>
+              </a:lnSpc>
+              <a:spcBef>
+                <a:spcPts val="0"/>
+              </a:spcBef>
+              <a:buFont typeface="+mj-lt"/>
+              <a:buAutoNum type="arabicPeriod"/>
+            </a:pPr>
+            <a:r>
+              <a:rPr lang="en-US" sz="2000" i="0" dirty="0">
+                <a:effectLst/>
+                <a:latin typeface="Arial" panose="020B0604020202020204" pitchFamily="34" charset="0"/>
+              </a:rPr>
+              <a:t>Monkey : Satchel</a:t>
+            </a:r>
+          </a:p>
+          <a:p>
+            <a:pPr fontAlgn="base">
+              <a:lnSpc>
+                <a:spcPct val="100000"/>
+              </a:lnSpc>
+              <a:spcBef>
+                <a:spcPts val="0"/>
+              </a:spcBef>
+              <a:buFont typeface="+mj-lt"/>
+              <a:buAutoNum type="arabicPeriod"/>
+            </a:pPr>
+            <a:r>
+              <a:rPr lang="en-US" sz="2000" i="0" dirty="0">
+                <a:effectLst/>
+                <a:latin typeface="Arial" panose="020B0604020202020204" pitchFamily="34" charset="0"/>
+              </a:rPr>
+              <a:t>Task type : Focus task: color change detection + delayed reach task (16% are catch trials)</a:t>
+            </a:r>
+          </a:p>
+          <a:p>
+            <a:pPr fontAlgn="base">
+              <a:lnSpc>
+                <a:spcPct val="100000"/>
+              </a:lnSpc>
+              <a:spcBef>
+                <a:spcPts val="0"/>
+              </a:spcBef>
+              <a:buFont typeface="+mj-lt"/>
+              <a:buAutoNum type="arabicPeriod"/>
+            </a:pPr>
+            <a:r>
+              <a:rPr lang="en-US" sz="2000" i="0" dirty="0">
+                <a:effectLst/>
+                <a:latin typeface="Arial" panose="020B0604020202020204" pitchFamily="34" charset="0"/>
+              </a:rPr>
+              <a:t>Parameters</a:t>
+            </a:r>
+          </a:p>
+          <a:p>
+            <a:pPr lvl="1" fontAlgn="base">
+              <a:lnSpc>
+                <a:spcPct val="100000"/>
+              </a:lnSpc>
+              <a:spcBef>
+                <a:spcPts val="0"/>
+              </a:spcBef>
+              <a:buFont typeface="+mj-lt"/>
+              <a:buAutoNum type="arabicPeriod"/>
+            </a:pPr>
+            <a:r>
+              <a:rPr lang="en-US" sz="2000" i="0" dirty="0">
+                <a:effectLst/>
+                <a:latin typeface="Arial" panose="020B0604020202020204" pitchFamily="34" charset="0"/>
+              </a:rPr>
+              <a:t>Direction : 8 directions</a:t>
+            </a:r>
+          </a:p>
+          <a:p>
+            <a:pPr lvl="1" fontAlgn="base">
+              <a:lnSpc>
+                <a:spcPct val="100000"/>
+              </a:lnSpc>
+              <a:spcBef>
+                <a:spcPts val="0"/>
+              </a:spcBef>
+              <a:buFont typeface="+mj-lt"/>
+              <a:buAutoNum type="arabicPeriod"/>
+            </a:pPr>
+            <a:r>
+              <a:rPr lang="en-US" sz="2000" i="0" dirty="0">
+                <a:effectLst/>
+                <a:latin typeface="Arial" panose="020B0604020202020204" pitchFamily="34" charset="0"/>
+              </a:rPr>
+              <a:t>Reward : small (</a:t>
+            </a:r>
+            <a:r>
+              <a:rPr lang="en-US" sz="2000" i="0" dirty="0">
+                <a:solidFill>
+                  <a:srgbClr val="FF0000"/>
+                </a:solidFill>
+                <a:effectLst/>
+                <a:latin typeface="Arial" panose="020B0604020202020204" pitchFamily="34" charset="0"/>
+              </a:rPr>
+              <a:t>50ul</a:t>
+            </a:r>
+            <a:r>
+              <a:rPr lang="en-US" sz="2000" i="0" dirty="0">
+                <a:effectLst/>
+                <a:latin typeface="Arial" panose="020B0604020202020204" pitchFamily="34" charset="0"/>
+              </a:rPr>
+              <a:t>) medium (</a:t>
+            </a:r>
             <a:r>
               <a:rPr lang="en-US" sz="2000" dirty="0">
                 <a:latin typeface="Arial" panose="020B0604020202020204" pitchFamily="34" charset="0"/>
               </a:rPr>
-              <a:t>The preliminary results</a:t>
-            </a:r>
-          </a:p>
-          <a:p>
-            <a:pPr marL="457200" indent="-457200" fontAlgn="base">
+              <a:t>15</a:t>
+            </a:r>
+            <a:r>
+              <a:rPr lang="en-US" sz="2000" i="0" dirty="0">
+                <a:effectLst/>
+                <a:latin typeface="Arial" panose="020B0604020202020204" pitchFamily="34" charset="0"/>
+              </a:rPr>
+              <a:t>0ul) large (400ul) rewards cued by shapes inside</a:t>
+            </a:r>
+          </a:p>
+          <a:p>
+            <a:pPr lvl="1" fontAlgn="base">
               <a:lnSpc>
                 <a:spcPct val="100000"/>
               </a:lnSpc>
               <a:spcBef>
                 <a:spcPts val="0"/>
               </a:spcBef>
+              <a:buFont typeface="+mj-lt"/>
+              <a:buAutoNum type="arabicPeriod"/>
+            </a:pPr>
+            <a:r>
+              <a:rPr lang="en-US" sz="2000" i="0" dirty="0">
+                <a:effectLst/>
+                <a:latin typeface="Arial" panose="020B0604020202020204" pitchFamily="34" charset="0"/>
+              </a:rPr>
+              <a:t>Target size : either tiny (25mm rad) or huge (38mm rad)</a:t>
+            </a:r>
+          </a:p>
+          <a:p>
+            <a:pPr lvl="1" fontAlgn="base">
+              <a:lnSpc>
+                <a:spcPct val="100000"/>
+              </a:lnSpc>
+              <a:spcBef>
+                <a:spcPts val="0"/>
+              </a:spcBef>
+              <a:buFont typeface="+mj-lt"/>
+              <a:buAutoNum type="arabicPeriod"/>
+            </a:pPr>
+            <a:r>
+              <a:rPr lang="en-US" sz="2000" dirty="0">
+                <a:solidFill>
+                  <a:srgbClr val="000000"/>
+                </a:solidFill>
+                <a:latin typeface="Arial" panose="020B0604020202020204" pitchFamily="34" charset="0"/>
+                <a:cs typeface="Arial" panose="020B0604020202020204" pitchFamily="34" charset="0"/>
+              </a:rPr>
+              <a:t>Focus difficulty: </a:t>
+            </a:r>
+          </a:p>
+          <a:p>
+            <a:pPr fontAlgn="base">
+              <a:lnSpc>
+                <a:spcPct val="100000"/>
+              </a:lnSpc>
+              <a:spcBef>
+                <a:spcPts val="0"/>
+              </a:spcBef>
+              <a:buFont typeface="+mj-lt"/>
+              <a:buAutoNum type="arabicPeriod"/>
+            </a:pPr>
+            <a:r>
+              <a:rPr lang="en-US" sz="2000" dirty="0">
+                <a:solidFill>
+                  <a:srgbClr val="000000"/>
+                </a:solidFill>
+                <a:latin typeface="Arial" panose="020B0604020202020204" pitchFamily="34" charset="0"/>
+                <a:cs typeface="Arial" panose="020B0604020202020204" pitchFamily="34" charset="0"/>
+              </a:rPr>
+              <a:t>Delay length: </a:t>
+            </a:r>
+            <a:r>
+              <a:rPr lang="en-US" sz="2000" dirty="0">
+                <a:solidFill>
+                  <a:srgbClr val="FF0000"/>
+                </a:solidFill>
+                <a:latin typeface="Arial" panose="020B0604020202020204" pitchFamily="34" charset="0"/>
+                <a:cs typeface="Arial" panose="020B0604020202020204" pitchFamily="34" charset="0"/>
+              </a:rPr>
+              <a:t>500~2000</a:t>
+            </a:r>
+            <a:r>
+              <a:rPr lang="en-US" sz="2000" dirty="0">
+                <a:solidFill>
+                  <a:srgbClr val="000000"/>
+                </a:solidFill>
+                <a:latin typeface="Arial" panose="020B0604020202020204" pitchFamily="34" charset="0"/>
+                <a:cs typeface="Arial" panose="020B0604020202020204" pitchFamily="34" charset="0"/>
+              </a:rPr>
+              <a:t> </a:t>
+            </a:r>
+            <a:r>
+              <a:rPr lang="en-US" sz="2000" dirty="0" err="1">
+                <a:solidFill>
+                  <a:srgbClr val="000000"/>
+                </a:solidFill>
+                <a:latin typeface="Arial" panose="020B0604020202020204" pitchFamily="34" charset="0"/>
+                <a:cs typeface="Arial" panose="020B0604020202020204" pitchFamily="34" charset="0"/>
+              </a:rPr>
+              <a:t>ms</a:t>
+            </a:r>
+            <a:endParaRPr lang="en-US" sz="2000" dirty="0">
+              <a:solidFill>
+                <a:srgbClr val="000000"/>
+              </a:solidFill>
+              <a:latin typeface="Arial" panose="020B0604020202020204" pitchFamily="34" charset="0"/>
+              <a:cs typeface="Arial" panose="020B0604020202020204" pitchFamily="34" charset="0"/>
+            </a:endParaRPr>
+          </a:p>
+          <a:p>
+            <a:pPr fontAlgn="base">
+              <a:lnSpc>
+                <a:spcPct val="100000"/>
+              </a:lnSpc>
+              <a:spcBef>
+                <a:spcPts val="0"/>
+              </a:spcBef>
+              <a:buFont typeface="+mj-lt"/>
               <a:buAutoNum type="arabicPeriod"/>
             </a:pPr>
             <a:r>
               <a:rPr lang="en-US" sz="2000" dirty="0">
                 <a:latin typeface="Arial" panose="020B0604020202020204" pitchFamily="34" charset="0"/>
               </a:rPr>
-              <a:t>Stretching</a:t>
-            </a:r>
-          </a:p>
-          <a:p>
-            <a:pPr marL="914400" lvl="1" indent="-457200" fontAlgn="base">
+              <a:t>Data size: 2000 trials per day.</a:t>
+            </a:r>
+          </a:p>
+          <a:p>
+            <a:pPr fontAlgn="base">
               <a:lnSpc>
                 <a:spcPct val="100000"/>
               </a:lnSpc>
               <a:spcBef>
                 <a:spcPts val="0"/>
               </a:spcBef>
-              <a:buAutoNum type="arabicPeriod"/>
-            </a:pPr>
-            <a:r>
-              <a:rPr lang="en-US" sz="1600" dirty="0">
-                <a:latin typeface="Arial" panose="020B0604020202020204" pitchFamily="34" charset="0"/>
-              </a:rPr>
-              <a:t>Would be happened if the success rates differ</a:t>
-            </a:r>
-          </a:p>
-          <a:p>
-            <a:pPr marL="457200" indent="-457200" fontAlgn="base">
-              <a:lnSpc>
-                <a:spcPct val="100000"/>
-              </a:lnSpc>
-              <a:spcBef>
-                <a:spcPts val="0"/>
-              </a:spcBef>
+              <a:buFont typeface="+mj-lt"/>
               <a:buAutoNum type="arabicPeriod"/>
             </a:pPr>
             <a:r>
               <a:rPr lang="en-US" sz="2000" dirty="0">
                 <a:latin typeface="Arial" panose="020B0604020202020204" pitchFamily="34" charset="0"/>
               </a:rPr>
-              <a:t>Intersection in the middle</a:t>
-            </a:r>
-          </a:p>
-          <a:p>
-            <a:pPr marL="914400" lvl="1" indent="-457200" fontAlgn="base">
+              <a:t>The data for my analysis: the trials which passed Go Cue and achieved to reach the target</a:t>
+            </a:r>
+            <a:endParaRPr lang="en-US" sz="1200" dirty="0">
+              <a:latin typeface="Arial" panose="020B0604020202020204" pitchFamily="34" charset="0"/>
+            </a:endParaRPr>
+          </a:p>
+          <a:p>
+            <a:pPr fontAlgn="base">
               <a:lnSpc>
                 <a:spcPct val="100000"/>
               </a:lnSpc>
               <a:spcBef>
                 <a:spcPts val="0"/>
               </a:spcBef>
+              <a:buFont typeface="+mj-lt"/>
               <a:buAutoNum type="arabicPeriod"/>
             </a:pPr>
             <a:r>
-              <a:rPr lang="en-US" sz="1600" dirty="0">
+              <a:rPr lang="en-US" sz="2000" dirty="0">
+                <a:solidFill>
+                  <a:srgbClr val="FF0000"/>
+                </a:solidFill>
                 <a:latin typeface="Arial" panose="020B0604020202020204" pitchFamily="34" charset="0"/>
               </a:rPr>
-              <a:t>Wouldn’t be happened since Small reward is not 0 mL</a:t>
-            </a:r>
-          </a:p>
-          <a:p>
-            <a:pPr marL="457200" indent="-457200" fontAlgn="base">
+              <a:t>How did Adi spike sort?</a:t>
+            </a:r>
+          </a:p>
+          <a:p>
+            <a:pPr fontAlgn="base">
               <a:lnSpc>
                 <a:spcPct val="100000"/>
               </a:lnSpc>
               <a:spcBef>
                 <a:spcPts val="0"/>
               </a:spcBef>
+              <a:buFont typeface="+mj-lt"/>
               <a:buAutoNum type="arabicPeriod"/>
             </a:pPr>
-            <a:r>
-              <a:rPr lang="en-US" sz="2000" dirty="0">
-                <a:latin typeface="Arial" panose="020B0604020202020204" pitchFamily="34" charset="0"/>
-              </a:rPr>
-              <a:t>Stretching in Tiny condition after target hold period</a:t>
-            </a:r>
-          </a:p>
-          <a:p>
-            <a:pPr marL="914400" lvl="1" indent="-457200" fontAlgn="base">
-              <a:lnSpc>
-                <a:spcPct val="100000"/>
-              </a:lnSpc>
-              <a:spcBef>
-                <a:spcPts val="0"/>
-              </a:spcBef>
-              <a:buAutoNum type="arabicPeriod"/>
-            </a:pPr>
-            <a:r>
-              <a:rPr lang="en-US" sz="1600" dirty="0">
-                <a:latin typeface="Arial" panose="020B0604020202020204" pitchFamily="34" charset="0"/>
-              </a:rPr>
-              <a:t>Would be happened</a:t>
-            </a:r>
-          </a:p>
-          <a:p>
-            <a:pPr marL="457200" indent="-457200" fontAlgn="base">
-              <a:lnSpc>
-                <a:spcPct val="100000"/>
-              </a:lnSpc>
-              <a:spcBef>
-                <a:spcPts val="0"/>
-              </a:spcBef>
-              <a:buAutoNum type="arabicPeriod"/>
-            </a:pPr>
-            <a:r>
-              <a:rPr lang="en-US" sz="2000" dirty="0">
-                <a:latin typeface="Arial" panose="020B0604020202020204" pitchFamily="34" charset="0"/>
-              </a:rPr>
-              <a:t>Reward Axis and Difficulty Axis was orthogonal</a:t>
-            </a:r>
+            <a:endParaRPr lang="en-US" sz="2000" dirty="0">
+              <a:solidFill>
+                <a:srgbClr val="000000"/>
+              </a:solidFill>
+              <a:latin typeface="Arial" panose="020B0604020202020204" pitchFamily="34" charset="0"/>
+              <a:cs typeface="Arial" panose="020B0604020202020204" pitchFamily="34" charset="0"/>
+            </a:endParaRPr>
           </a:p>
         </p:txBody>
       </p:sp>
     </p:spTree>
     <p:extLst>
       <p:ext uri="{BB962C8B-B14F-4D97-AF65-F5344CB8AC3E}">
-        <p14:creationId xmlns:p14="http://schemas.microsoft.com/office/powerpoint/2010/main" val="1645701861"/>
+        <p14:creationId xmlns:p14="http://schemas.microsoft.com/office/powerpoint/2010/main" val="3041125134"/>
       </p:ext>
     </p:extLst>
   </p:cSld>
@@ -5022,7 +8055,7 @@
                 <a:latin typeface="Arial" panose="020B0604020202020204" pitchFamily="34" charset="0"/>
                 <a:cs typeface="Arial" panose="020B0604020202020204" pitchFamily="34" charset="0"/>
               </a:rPr>
-              <a:t>Data change</a:t>
+              <a:t>Motivation of the analysis</a:t>
             </a:r>
           </a:p>
         </p:txBody>
@@ -5055,43 +8088,51 @@
           </a:bodyPr>
           <a:lstStyle/>
           <a:p>
-            <a:pPr marL="457200" indent="-457200" fontAlgn="base">
+            <a:pPr marL="0" indent="0" fontAlgn="base">
               <a:lnSpc>
                 <a:spcPct val="100000"/>
               </a:lnSpc>
               <a:spcBef>
                 <a:spcPts val="0"/>
               </a:spcBef>
-              <a:buAutoNum type="arabicPeriod"/>
+              <a:buNone/>
             </a:pPr>
-            <a:r>
-              <a:rPr lang="en-US" sz="2000" dirty="0" err="1">
-                <a:latin typeface="Arial" panose="020B0604020202020204" pitchFamily="34" charset="0"/>
-              </a:rPr>
-              <a:t>downsampled</a:t>
-            </a:r>
             <a:r>
               <a:rPr lang="en-US" sz="2000" dirty="0">
                 <a:latin typeface="Arial" panose="020B0604020202020204" pitchFamily="34" charset="0"/>
               </a:rPr>
-              <a:t> from 30 kHz to 1 kHz</a:t>
-            </a:r>
-          </a:p>
-          <a:p>
-            <a:pPr marL="457200" indent="-457200" fontAlgn="base">
+              <a:t>Does the task difficulty in focus task alter the M1 reward encoding in the same way we saw in Rocky’s data?</a:t>
+            </a:r>
+          </a:p>
+          <a:p>
+            <a:pPr marL="0" indent="0" fontAlgn="base">
               <a:lnSpc>
                 <a:spcPct val="100000"/>
               </a:lnSpc>
               <a:spcBef>
                 <a:spcPts val="0"/>
               </a:spcBef>
-              <a:buAutoNum type="arabicPeriod"/>
+              <a:buNone/>
+            </a:pPr>
+            <a:endParaRPr lang="en-US" sz="2000" dirty="0">
+              <a:latin typeface="Arial" panose="020B0604020202020204" pitchFamily="34" charset="0"/>
+            </a:endParaRPr>
+          </a:p>
+          <a:p>
+            <a:pPr marL="0" indent="0" fontAlgn="base">
+              <a:lnSpc>
+                <a:spcPct val="100000"/>
+              </a:lnSpc>
+              <a:spcBef>
+                <a:spcPts val="0"/>
+              </a:spcBef>
+              <a:buNone/>
             </a:pPr>
             <a:r>
               <a:rPr lang="en-US" sz="2000" dirty="0">
                 <a:latin typeface="Arial" panose="020B0604020202020204" pitchFamily="34" charset="0"/>
               </a:rPr>
-              <a:t>Remove noise spikes</a:t>
+              <a:t>The preliminary results about Reward Axis around GC in Rocky’s data</a:t>
             </a:r>
           </a:p>
           <a:p>
@@ -5108,7 +8149,81 @@
               <a:rPr lang="en-US" sz="2000" dirty="0">
                 <a:latin typeface="Arial" panose="020B0604020202020204" pitchFamily="34" charset="0"/>
               </a:rPr>
-              <a:t>How did Adi spike sort?</a:t>
+              <a:t>Stretching</a:t>
+            </a:r>
+          </a:p>
+          <a:p>
+            <a:pPr marL="914400" lvl="1" indent="-457200" fontAlgn="base">
+              <a:lnSpc>
+                <a:spcPct val="100000"/>
+              </a:lnSpc>
+              <a:spcBef>
+                <a:spcPts val="0"/>
+              </a:spcBef>
+              <a:buAutoNum type="arabicPeriod"/>
+            </a:pPr>
+            <a:r>
+              <a:rPr lang="en-US" sz="1600" b="1" dirty="0">
+                <a:solidFill>
+                  <a:srgbClr val="FF0000"/>
+                </a:solidFill>
+                <a:latin typeface="Arial" panose="020B0604020202020204" pitchFamily="34" charset="0"/>
+              </a:rPr>
+              <a:t>Would be happened if the success rates differ</a:t>
+            </a:r>
+          </a:p>
+          <a:p>
+            <a:pPr marL="457200" indent="-457200" fontAlgn="base">
+              <a:lnSpc>
+                <a:spcPct val="100000"/>
+              </a:lnSpc>
+              <a:spcBef>
+                <a:spcPts val="0"/>
+              </a:spcBef>
+              <a:buAutoNum type="arabicPeriod"/>
+            </a:pPr>
+            <a:r>
+              <a:rPr lang="en-US" sz="2000" dirty="0">
+                <a:latin typeface="Arial" panose="020B0604020202020204" pitchFamily="34" charset="0"/>
+              </a:rPr>
+              <a:t>Intersection in the middle</a:t>
+            </a:r>
+          </a:p>
+          <a:p>
+            <a:pPr marL="914400" lvl="1" indent="-457200" fontAlgn="base">
+              <a:lnSpc>
+                <a:spcPct val="100000"/>
+              </a:lnSpc>
+              <a:spcBef>
+                <a:spcPts val="0"/>
+              </a:spcBef>
+              <a:buAutoNum type="arabicPeriod"/>
+            </a:pPr>
+            <a:r>
+              <a:rPr lang="en-US" sz="1600" b="1" dirty="0">
+                <a:solidFill>
+                  <a:srgbClr val="FF0000"/>
+                </a:solidFill>
+                <a:latin typeface="Arial" panose="020B0604020202020204" pitchFamily="34" charset="0"/>
+              </a:rPr>
+              <a:t>Wouldn’t be happened since Small reward is not 0 mL</a:t>
+            </a:r>
+          </a:p>
+          <a:p>
+            <a:pPr marL="457200" indent="-457200" fontAlgn="base">
+              <a:lnSpc>
+                <a:spcPct val="100000"/>
+              </a:lnSpc>
+              <a:spcBef>
+                <a:spcPts val="0"/>
+              </a:spcBef>
+              <a:buAutoNum type="arabicPeriod"/>
+            </a:pPr>
+            <a:r>
+              <a:rPr lang="en-US" sz="2000" dirty="0">
+                <a:latin typeface="Arial" panose="020B0604020202020204" pitchFamily="34" charset="0"/>
+              </a:rPr>
+              <a:t>Reward Axis and Difficulty Axis was orthogonal</a:t>
             </a:r>
           </a:p>
           <a:p>
@@ -5130,7 +8245,7 @@
     </p:spTree>
     <p:extLst>
       <p:ext uri="{BB962C8B-B14F-4D97-AF65-F5344CB8AC3E}">
-        <p14:creationId xmlns:p14="http://schemas.microsoft.com/office/powerpoint/2010/main" val="3133019131"/>
+        <p14:creationId xmlns:p14="http://schemas.microsoft.com/office/powerpoint/2010/main" val="1645701861"/>
       </p:ext>
     </p:extLst>
   </p:cSld>
@@ -5141,6 +8256,627 @@
 </file>
 
 <file path=ppt/slides/slide4.xml><?xml version="1.0" encoding="utf-8"?>
+<p:sld xmlns:a="http://schemas.openxmlformats.org/drawingml/2006/main" xmlns:r="http://schemas.openxmlformats.org/officeDocument/2006/relationships" xmlns:p="http://schemas.openxmlformats.org/presentationml/2006/main">
+  <p:cSld>
+    <p:spTree>
+      <p:nvGrpSpPr>
+        <p:cNvPr id="1" name=""/>
+        <p:cNvGrpSpPr/>
+        <p:nvPr/>
+      </p:nvGrpSpPr>
+      <p:grpSpPr>
+        <a:xfrm>
+          <a:off x="0" y="0"/>
+          <a:ext cx="0" cy="0"/>
+          <a:chOff x="0" y="0"/>
+          <a:chExt cx="0" cy="0"/>
+        </a:xfrm>
+      </p:grpSpPr>
+      <p:pic>
+        <p:nvPicPr>
+          <p:cNvPr id="3" name="図 2">
+            <a:extLst>
+              <a:ext uri="{FF2B5EF4-FFF2-40B4-BE49-F238E27FC236}">
+                <a16:creationId xmlns:a16="http://schemas.microsoft.com/office/drawing/2014/main" id="{3A031A72-2872-98DF-9D50-78F3A5AA552C}"/>
+              </a:ext>
+            </a:extLst>
+          </p:cNvPr>
+          <p:cNvPicPr>
+            <a:picLocks noChangeAspect="1"/>
+          </p:cNvPicPr>
+          <p:nvPr/>
+        </p:nvPicPr>
+        <p:blipFill>
+          <a:blip r:embed="rId2"/>
+          <a:stretch>
+            <a:fillRect/>
+          </a:stretch>
+        </p:blipFill>
+        <p:spPr>
+          <a:xfrm>
+            <a:off x="191081" y="1566862"/>
+            <a:ext cx="11344275" cy="3724275"/>
+          </a:xfrm>
+          <a:prstGeom prst="rect">
+            <a:avLst/>
+          </a:prstGeom>
+        </p:spPr>
+      </p:pic>
+      <p:sp>
+        <p:nvSpPr>
+          <p:cNvPr id="4" name="タイトル 1">
+            <a:extLst>
+              <a:ext uri="{FF2B5EF4-FFF2-40B4-BE49-F238E27FC236}">
+                <a16:creationId xmlns:a16="http://schemas.microsoft.com/office/drawing/2014/main" id="{33CA18DF-BB06-2508-2B49-C244362E65A9}"/>
+              </a:ext>
+            </a:extLst>
+          </p:cNvPr>
+          <p:cNvSpPr txBox="1">
+            <a:spLocks/>
+          </p:cNvSpPr>
+          <p:nvPr/>
+        </p:nvSpPr>
+        <p:spPr>
+          <a:xfrm>
+            <a:off x="125766" y="199838"/>
+            <a:ext cx="11940466" cy="648069"/>
+          </a:xfrm>
+          <a:prstGeom prst="rect">
+            <a:avLst/>
+          </a:prstGeom>
+        </p:spPr>
+        <p:txBody>
+          <a:bodyPr>
+            <a:normAutofit fontScale="97500" lnSpcReduction="10000"/>
+          </a:bodyPr>
+          <a:lstStyle>
+            <a:lvl1pPr algn="l" defTabSz="914400" rtl="0" eaLnBrk="1" latinLnBrk="0" hangingPunct="1">
+              <a:lnSpc>
+                <a:spcPct val="90000"/>
+              </a:lnSpc>
+              <a:spcBef>
+                <a:spcPct val="0"/>
+              </a:spcBef>
+              <a:buNone/>
+              <a:defRPr sz="4400" kern="1200">
+                <a:solidFill>
+                  <a:schemeClr val="tx1"/>
+                </a:solidFill>
+                <a:latin typeface="+mj-lt"/>
+                <a:ea typeface="+mj-ea"/>
+                <a:cs typeface="+mj-cs"/>
+              </a:defRPr>
+            </a:lvl1pPr>
+          </a:lstStyle>
+          <a:p>
+            <a:r>
+              <a:rPr lang="en-US" b="1" dirty="0">
+                <a:latin typeface="Arial" panose="020B0604020202020204" pitchFamily="34" charset="0"/>
+                <a:cs typeface="Arial" panose="020B0604020202020204" pitchFamily="34" charset="0"/>
+              </a:rPr>
+              <a:t>Target size clearly affects success rate</a:t>
+            </a:r>
+          </a:p>
+        </p:txBody>
+      </p:sp>
+    </p:spTree>
+    <p:extLst>
+      <p:ext uri="{BB962C8B-B14F-4D97-AF65-F5344CB8AC3E}">
+        <p14:creationId xmlns:p14="http://schemas.microsoft.com/office/powerpoint/2010/main" val="1980083620"/>
+      </p:ext>
+    </p:extLst>
+  </p:cSld>
+  <p:clrMapOvr>
+    <a:masterClrMapping/>
+  </p:clrMapOvr>
+</p:sld>
+</file>
+
+<file path=ppt/slides/slide5.xml><?xml version="1.0" encoding="utf-8"?>
+<p:sld xmlns:a="http://schemas.openxmlformats.org/drawingml/2006/main" xmlns:r="http://schemas.openxmlformats.org/officeDocument/2006/relationships" xmlns:p="http://schemas.openxmlformats.org/presentationml/2006/main">
+  <p:cSld>
+    <p:spTree>
+      <p:nvGrpSpPr>
+        <p:cNvPr id="1" name=""/>
+        <p:cNvGrpSpPr/>
+        <p:nvPr/>
+      </p:nvGrpSpPr>
+      <p:grpSpPr>
+        <a:xfrm>
+          <a:off x="0" y="0"/>
+          <a:ext cx="0" cy="0"/>
+          <a:chOff x="0" y="0"/>
+          <a:chExt cx="0" cy="0"/>
+        </a:xfrm>
+      </p:grpSpPr>
+      <p:pic>
+        <p:nvPicPr>
+          <p:cNvPr id="19" name="図 18">
+            <a:extLst>
+              <a:ext uri="{FF2B5EF4-FFF2-40B4-BE49-F238E27FC236}">
+                <a16:creationId xmlns:a16="http://schemas.microsoft.com/office/drawing/2014/main" id="{6A1C6B49-3F41-8685-0A27-3C9665A99F46}"/>
+              </a:ext>
+            </a:extLst>
+          </p:cNvPr>
+          <p:cNvPicPr>
+            <a:picLocks noChangeAspect="1"/>
+          </p:cNvPicPr>
+          <p:nvPr/>
+        </p:nvPicPr>
+        <p:blipFill>
+          <a:blip r:embed="rId2">
+            <a:extLst>
+              <a:ext uri="{28A0092B-C50C-407E-A947-70E740481C1C}">
+                <a14:useLocalDpi xmlns:a14="http://schemas.microsoft.com/office/drawing/2010/main" val="0"/>
+              </a:ext>
+            </a:extLst>
+          </a:blip>
+          <a:srcRect/>
+          <a:stretch/>
+        </p:blipFill>
+        <p:spPr>
+          <a:xfrm>
+            <a:off x="230641" y="4107739"/>
+            <a:ext cx="2920374" cy="2189446"/>
+          </a:xfrm>
+          <a:prstGeom prst="rect">
+            <a:avLst/>
+          </a:prstGeom>
+        </p:spPr>
+      </p:pic>
+      <p:pic>
+        <p:nvPicPr>
+          <p:cNvPr id="18" name="図 17">
+            <a:extLst>
+              <a:ext uri="{FF2B5EF4-FFF2-40B4-BE49-F238E27FC236}">
+                <a16:creationId xmlns:a16="http://schemas.microsoft.com/office/drawing/2014/main" id="{A73C92AB-642F-0768-DFC1-FE02F1657F9F}"/>
+              </a:ext>
+            </a:extLst>
+          </p:cNvPr>
+          <p:cNvPicPr>
+            <a:picLocks noChangeAspect="1"/>
+          </p:cNvPicPr>
+          <p:nvPr/>
+        </p:nvPicPr>
+        <p:blipFill>
+          <a:blip r:embed="rId3">
+            <a:extLst>
+              <a:ext uri="{28A0092B-C50C-407E-A947-70E740481C1C}">
+                <a14:useLocalDpi xmlns:a14="http://schemas.microsoft.com/office/drawing/2010/main" val="0"/>
+              </a:ext>
+            </a:extLst>
+          </a:blip>
+          <a:srcRect/>
+          <a:stretch/>
+        </p:blipFill>
+        <p:spPr>
+          <a:xfrm>
+            <a:off x="243591" y="1169574"/>
+            <a:ext cx="2920374" cy="2189446"/>
+          </a:xfrm>
+          <a:prstGeom prst="rect">
+            <a:avLst/>
+          </a:prstGeom>
+        </p:spPr>
+      </p:pic>
+      <p:pic>
+        <p:nvPicPr>
+          <p:cNvPr id="17" name="図 16">
+            <a:extLst>
+              <a:ext uri="{FF2B5EF4-FFF2-40B4-BE49-F238E27FC236}">
+                <a16:creationId xmlns:a16="http://schemas.microsoft.com/office/drawing/2014/main" id="{89F92F0A-D1E6-BE21-C1E8-55D78EC61210}"/>
+              </a:ext>
+            </a:extLst>
+          </p:cNvPr>
+          <p:cNvPicPr>
+            <a:picLocks noChangeAspect="1"/>
+          </p:cNvPicPr>
+          <p:nvPr/>
+        </p:nvPicPr>
+        <p:blipFill>
+          <a:blip r:embed="rId4">
+            <a:extLst>
+              <a:ext uri="{28A0092B-C50C-407E-A947-70E740481C1C}">
+                <a14:useLocalDpi xmlns:a14="http://schemas.microsoft.com/office/drawing/2010/main" val="0"/>
+              </a:ext>
+            </a:extLst>
+          </a:blip>
+          <a:srcRect/>
+          <a:stretch/>
+        </p:blipFill>
+        <p:spPr>
+          <a:xfrm>
+            <a:off x="6218277" y="1177471"/>
+            <a:ext cx="2920374" cy="2189446"/>
+          </a:xfrm>
+          <a:prstGeom prst="rect">
+            <a:avLst/>
+          </a:prstGeom>
+        </p:spPr>
+      </p:pic>
+      <p:pic>
+        <p:nvPicPr>
+          <p:cNvPr id="16" name="図 15">
+            <a:extLst>
+              <a:ext uri="{FF2B5EF4-FFF2-40B4-BE49-F238E27FC236}">
+                <a16:creationId xmlns:a16="http://schemas.microsoft.com/office/drawing/2014/main" id="{CA71A3F8-5D75-3402-EA89-AD7CF8ED1C14}"/>
+              </a:ext>
+            </a:extLst>
+          </p:cNvPr>
+          <p:cNvPicPr>
+            <a:picLocks noChangeAspect="1"/>
+          </p:cNvPicPr>
+          <p:nvPr/>
+        </p:nvPicPr>
+        <p:blipFill>
+          <a:blip r:embed="rId5">
+            <a:extLst>
+              <a:ext uri="{28A0092B-C50C-407E-A947-70E740481C1C}">
+                <a14:useLocalDpi xmlns:a14="http://schemas.microsoft.com/office/drawing/2010/main" val="0"/>
+              </a:ext>
+            </a:extLst>
+          </a:blip>
+          <a:srcRect/>
+          <a:stretch/>
+        </p:blipFill>
+        <p:spPr>
+          <a:xfrm>
+            <a:off x="6262668" y="4169305"/>
+            <a:ext cx="2920374" cy="2189446"/>
+          </a:xfrm>
+          <a:prstGeom prst="rect">
+            <a:avLst/>
+          </a:prstGeom>
+        </p:spPr>
+      </p:pic>
+      <p:sp>
+        <p:nvSpPr>
+          <p:cNvPr id="2" name="タイトル 1">
+            <a:extLst>
+              <a:ext uri="{FF2B5EF4-FFF2-40B4-BE49-F238E27FC236}">
+                <a16:creationId xmlns:a16="http://schemas.microsoft.com/office/drawing/2014/main" id="{27D14253-3A9D-C323-9B97-5D6BE60413FE}"/>
+              </a:ext>
+            </a:extLst>
+          </p:cNvPr>
+          <p:cNvSpPr>
+            <a:spLocks noGrp="1"/>
+          </p:cNvSpPr>
+          <p:nvPr>
+            <p:ph type="title"/>
+          </p:nvPr>
+        </p:nvSpPr>
+        <p:spPr>
+          <a:xfrm>
+            <a:off x="115410" y="106533"/>
+            <a:ext cx="11940466" cy="648069"/>
+          </a:xfrm>
+        </p:spPr>
+        <p:txBody>
+          <a:bodyPr>
+            <a:normAutofit fontScale="90000"/>
+          </a:bodyPr>
+          <a:lstStyle/>
+          <a:p>
+            <a:r>
+              <a:rPr lang="en-US" b="1" dirty="0">
+                <a:latin typeface="Arial" panose="020B0604020202020204" pitchFamily="34" charset="0"/>
+                <a:cs typeface="Arial" panose="020B0604020202020204" pitchFamily="34" charset="0"/>
+              </a:rPr>
+              <a:t>some PSTHs (after TO and around GC) </a:t>
+            </a:r>
+          </a:p>
+        </p:txBody>
+      </p:sp>
+      <p:pic>
+        <p:nvPicPr>
+          <p:cNvPr id="5" name="図 4">
+            <a:extLst>
+              <a:ext uri="{FF2B5EF4-FFF2-40B4-BE49-F238E27FC236}">
+                <a16:creationId xmlns:a16="http://schemas.microsoft.com/office/drawing/2014/main" id="{C775A665-0663-B41B-029C-DB6E8DEDD993}"/>
+              </a:ext>
+            </a:extLst>
+          </p:cNvPr>
+          <p:cNvPicPr>
+            <a:picLocks noChangeAspect="1"/>
+          </p:cNvPicPr>
+          <p:nvPr/>
+        </p:nvPicPr>
+        <p:blipFill>
+          <a:blip r:embed="rId6">
+            <a:extLst>
+              <a:ext uri="{28A0092B-C50C-407E-A947-70E740481C1C}">
+                <a14:useLocalDpi xmlns:a14="http://schemas.microsoft.com/office/drawing/2010/main" val="0"/>
+              </a:ext>
+            </a:extLst>
+          </a:blip>
+          <a:srcRect/>
+          <a:stretch/>
+        </p:blipFill>
+        <p:spPr>
+          <a:xfrm>
+            <a:off x="3008958" y="1177471"/>
+            <a:ext cx="2920374" cy="2189446"/>
+          </a:xfrm>
+          <a:prstGeom prst="rect">
+            <a:avLst/>
+          </a:prstGeom>
+        </p:spPr>
+      </p:pic>
+      <p:pic>
+        <p:nvPicPr>
+          <p:cNvPr id="6" name="図 5">
+            <a:extLst>
+              <a:ext uri="{FF2B5EF4-FFF2-40B4-BE49-F238E27FC236}">
+                <a16:creationId xmlns:a16="http://schemas.microsoft.com/office/drawing/2014/main" id="{A58E8AB0-C2A4-BFE5-196C-C0F1B54911EE}"/>
+              </a:ext>
+            </a:extLst>
+          </p:cNvPr>
+          <p:cNvPicPr>
+            <a:picLocks noChangeAspect="1"/>
+          </p:cNvPicPr>
+          <p:nvPr/>
+        </p:nvPicPr>
+        <p:blipFill>
+          <a:blip r:embed="rId7">
+            <a:extLst>
+              <a:ext uri="{28A0092B-C50C-407E-A947-70E740481C1C}">
+                <a14:useLocalDpi xmlns:a14="http://schemas.microsoft.com/office/drawing/2010/main" val="0"/>
+              </a:ext>
+            </a:extLst>
+          </a:blip>
+          <a:srcRect/>
+          <a:stretch/>
+        </p:blipFill>
+        <p:spPr>
+          <a:xfrm>
+            <a:off x="8974766" y="1177471"/>
+            <a:ext cx="2920375" cy="2189446"/>
+          </a:xfrm>
+          <a:prstGeom prst="rect">
+            <a:avLst/>
+          </a:prstGeom>
+        </p:spPr>
+      </p:pic>
+      <p:pic>
+        <p:nvPicPr>
+          <p:cNvPr id="7" name="図 6">
+            <a:extLst>
+              <a:ext uri="{FF2B5EF4-FFF2-40B4-BE49-F238E27FC236}">
+                <a16:creationId xmlns:a16="http://schemas.microsoft.com/office/drawing/2014/main" id="{0FECC6A2-89DE-8153-9179-9688FC2B1E0F}"/>
+              </a:ext>
+            </a:extLst>
+          </p:cNvPr>
+          <p:cNvPicPr>
+            <a:picLocks noChangeAspect="1"/>
+          </p:cNvPicPr>
+          <p:nvPr/>
+        </p:nvPicPr>
+        <p:blipFill>
+          <a:blip r:embed="rId8">
+            <a:extLst>
+              <a:ext uri="{28A0092B-C50C-407E-A947-70E740481C1C}">
+                <a14:useLocalDpi xmlns:a14="http://schemas.microsoft.com/office/drawing/2010/main" val="0"/>
+              </a:ext>
+            </a:extLst>
+          </a:blip>
+          <a:srcRect/>
+          <a:stretch/>
+        </p:blipFill>
+        <p:spPr>
+          <a:xfrm>
+            <a:off x="2943486" y="4107160"/>
+            <a:ext cx="2920375" cy="2189446"/>
+          </a:xfrm>
+          <a:prstGeom prst="rect">
+            <a:avLst/>
+          </a:prstGeom>
+        </p:spPr>
+      </p:pic>
+      <p:pic>
+        <p:nvPicPr>
+          <p:cNvPr id="8" name="図 7">
+            <a:extLst>
+              <a:ext uri="{FF2B5EF4-FFF2-40B4-BE49-F238E27FC236}">
+                <a16:creationId xmlns:a16="http://schemas.microsoft.com/office/drawing/2014/main" id="{183AB63E-89E9-2FBF-44F3-395C736E5D7C}"/>
+              </a:ext>
+            </a:extLst>
+          </p:cNvPr>
+          <p:cNvPicPr>
+            <a:picLocks noChangeAspect="1"/>
+          </p:cNvPicPr>
+          <p:nvPr/>
+        </p:nvPicPr>
+        <p:blipFill>
+          <a:blip r:embed="rId9">
+            <a:extLst>
+              <a:ext uri="{28A0092B-C50C-407E-A947-70E740481C1C}">
+                <a14:useLocalDpi xmlns:a14="http://schemas.microsoft.com/office/drawing/2010/main" val="0"/>
+              </a:ext>
+            </a:extLst>
+          </a:blip>
+          <a:srcRect/>
+          <a:stretch/>
+        </p:blipFill>
+        <p:spPr>
+          <a:xfrm>
+            <a:off x="8869323" y="4028108"/>
+            <a:ext cx="3131262" cy="2347551"/>
+          </a:xfrm>
+          <a:prstGeom prst="rect">
+            <a:avLst/>
+          </a:prstGeom>
+        </p:spPr>
+      </p:pic>
+      <p:sp>
+        <p:nvSpPr>
+          <p:cNvPr id="9" name="テキスト ボックス 8">
+            <a:extLst>
+              <a:ext uri="{FF2B5EF4-FFF2-40B4-BE49-F238E27FC236}">
+                <a16:creationId xmlns:a16="http://schemas.microsoft.com/office/drawing/2014/main" id="{5DFD3D56-F89B-D1ED-6AF4-8BBCC4B6B1DD}"/>
+              </a:ext>
+            </a:extLst>
+          </p:cNvPr>
+          <p:cNvSpPr txBox="1"/>
+          <p:nvPr/>
+        </p:nvSpPr>
+        <p:spPr>
+          <a:xfrm>
+            <a:off x="1696883" y="808139"/>
+            <a:ext cx="2836506" cy="369332"/>
+          </a:xfrm>
+          <a:prstGeom prst="rect">
+            <a:avLst/>
+          </a:prstGeom>
+          <a:noFill/>
+        </p:spPr>
+        <p:txBody>
+          <a:bodyPr wrap="square" rtlCol="0">
+            <a:spAutoFit/>
+          </a:bodyPr>
+          <a:lstStyle/>
+          <a:p>
+            <a:pPr algn="ctr"/>
+            <a:r>
+              <a:rPr lang="en-US" dirty="0">
+                <a:latin typeface="Arial" panose="020B0604020202020204" pitchFamily="34" charset="0"/>
+                <a:cs typeface="Arial" panose="020B0604020202020204" pitchFamily="34" charset="0"/>
+              </a:rPr>
+              <a:t>0216-neuron #7</a:t>
+            </a:r>
+          </a:p>
+        </p:txBody>
+      </p:sp>
+      <p:sp>
+        <p:nvSpPr>
+          <p:cNvPr id="10" name="テキスト ボックス 9">
+            <a:extLst>
+              <a:ext uri="{FF2B5EF4-FFF2-40B4-BE49-F238E27FC236}">
+                <a16:creationId xmlns:a16="http://schemas.microsoft.com/office/drawing/2014/main" id="{78646B02-982D-9633-F42B-11E6CF8B6FB0}"/>
+              </a:ext>
+            </a:extLst>
+          </p:cNvPr>
+          <p:cNvSpPr txBox="1"/>
+          <p:nvPr/>
+        </p:nvSpPr>
+        <p:spPr>
+          <a:xfrm>
+            <a:off x="7556513" y="728376"/>
+            <a:ext cx="2836506" cy="369332"/>
+          </a:xfrm>
+          <a:prstGeom prst="rect">
+            <a:avLst/>
+          </a:prstGeom>
+          <a:noFill/>
+        </p:spPr>
+        <p:txBody>
+          <a:bodyPr wrap="square" rtlCol="0">
+            <a:spAutoFit/>
+          </a:bodyPr>
+          <a:lstStyle/>
+          <a:p>
+            <a:pPr algn="ctr"/>
+            <a:r>
+              <a:rPr lang="en-US" dirty="0">
+                <a:latin typeface="Arial" panose="020B0604020202020204" pitchFamily="34" charset="0"/>
+                <a:cs typeface="Arial" panose="020B0604020202020204" pitchFamily="34" charset="0"/>
+              </a:rPr>
+              <a:t>0216-neuron #52</a:t>
+            </a:r>
+          </a:p>
+        </p:txBody>
+      </p:sp>
+      <p:sp>
+        <p:nvSpPr>
+          <p:cNvPr id="11" name="テキスト ボックス 10">
+            <a:extLst>
+              <a:ext uri="{FF2B5EF4-FFF2-40B4-BE49-F238E27FC236}">
+                <a16:creationId xmlns:a16="http://schemas.microsoft.com/office/drawing/2014/main" id="{35A36050-F2C9-BCB4-6167-5C3718C0CA95}"/>
+              </a:ext>
+            </a:extLst>
+          </p:cNvPr>
+          <p:cNvSpPr txBox="1"/>
+          <p:nvPr/>
+        </p:nvSpPr>
+        <p:spPr>
+          <a:xfrm>
+            <a:off x="1883498" y="3517641"/>
+            <a:ext cx="2836506" cy="369332"/>
+          </a:xfrm>
+          <a:prstGeom prst="rect">
+            <a:avLst/>
+          </a:prstGeom>
+          <a:noFill/>
+        </p:spPr>
+        <p:txBody>
+          <a:bodyPr wrap="square" rtlCol="0">
+            <a:spAutoFit/>
+          </a:bodyPr>
+          <a:lstStyle/>
+          <a:p>
+            <a:pPr algn="ctr"/>
+            <a:r>
+              <a:rPr lang="en-US" dirty="0">
+                <a:latin typeface="Arial" panose="020B0604020202020204" pitchFamily="34" charset="0"/>
+                <a:cs typeface="Arial" panose="020B0604020202020204" pitchFamily="34" charset="0"/>
+              </a:rPr>
+              <a:t>0405-neuron #37</a:t>
+            </a:r>
+          </a:p>
+        </p:txBody>
+      </p:sp>
+      <p:sp>
+        <p:nvSpPr>
+          <p:cNvPr id="12" name="テキスト ボックス 11">
+            <a:extLst>
+              <a:ext uri="{FF2B5EF4-FFF2-40B4-BE49-F238E27FC236}">
+                <a16:creationId xmlns:a16="http://schemas.microsoft.com/office/drawing/2014/main" id="{08A91FB1-732A-AE25-A43C-1CBC428D7C69}"/>
+              </a:ext>
+            </a:extLst>
+          </p:cNvPr>
+          <p:cNvSpPr txBox="1"/>
+          <p:nvPr/>
+        </p:nvSpPr>
+        <p:spPr>
+          <a:xfrm>
+            <a:off x="7556513" y="3504361"/>
+            <a:ext cx="2836506" cy="369332"/>
+          </a:xfrm>
+          <a:prstGeom prst="rect">
+            <a:avLst/>
+          </a:prstGeom>
+          <a:noFill/>
+        </p:spPr>
+        <p:txBody>
+          <a:bodyPr wrap="square" rtlCol="0">
+            <a:spAutoFit/>
+          </a:bodyPr>
+          <a:lstStyle/>
+          <a:p>
+            <a:pPr algn="ctr"/>
+            <a:r>
+              <a:rPr lang="en-US" dirty="0">
+                <a:latin typeface="Arial" panose="020B0604020202020204" pitchFamily="34" charset="0"/>
+                <a:cs typeface="Arial" panose="020B0604020202020204" pitchFamily="34" charset="0"/>
+              </a:rPr>
+              <a:t>0414-neuron #33</a:t>
+            </a:r>
+          </a:p>
+        </p:txBody>
+      </p:sp>
+    </p:spTree>
+    <p:extLst>
+      <p:ext uri="{BB962C8B-B14F-4D97-AF65-F5344CB8AC3E}">
+        <p14:creationId xmlns:p14="http://schemas.microsoft.com/office/powerpoint/2010/main" val="3272059659"/>
+      </p:ext>
+    </p:extLst>
+  </p:cSld>
+  <p:clrMapOvr>
+    <a:masterClrMapping/>
+  </p:clrMapOvr>
+</p:sld>
+</file>
+
+<file path=ppt/slides/slide6.xml><?xml version="1.0" encoding="utf-8"?>
 <p:sld xmlns:a="http://schemas.openxmlformats.org/drawingml/2006/main" xmlns:r="http://schemas.openxmlformats.org/officeDocument/2006/relationships" xmlns:p="http://schemas.openxmlformats.org/presentationml/2006/main">
   <p:cSld>
     <p:spTree>
@@ -5211,7 +8947,7 @@
                 <a:latin typeface="Arial" panose="020B0604020202020204" pitchFamily="34" charset="0"/>
                 <a:cs typeface="Arial" panose="020B0604020202020204" pitchFamily="34" charset="0"/>
               </a:rPr>
-              <a:t>Do PSTH of the neurons show monotonic modulation by reward?</a:t>
+              <a:t>Are there enough neurons which is modulated by reward </a:t>
             </a:r>
             <a:endParaRPr kumimoji="1" lang="ja-JP" altLang="en-US" sz="2800" b="1" dirty="0">
               <a:solidFill>
@@ -5434,7 +9170,7 @@
                 <a:latin typeface="Arial" panose="020B0604020202020204" pitchFamily="34" charset="0"/>
                 <a:cs typeface="Arial" panose="020B0604020202020204" pitchFamily="34" charset="0"/>
               </a:rPr>
-              <a:t>Get PSTH in each reward condition around GC [-250 +50]</a:t>
+              <a:t>Get the average firing rate in each reward condition around GC [-250 +50]</a:t>
             </a:r>
           </a:p>
           <a:p>
@@ -5488,7 +9224,7 @@
         </p:nvSpPr>
         <p:spPr>
           <a:xfrm>
-            <a:off x="115410" y="2785911"/>
+            <a:off x="115410" y="2528455"/>
             <a:ext cx="2760955" cy="449063"/>
           </a:xfrm>
           <a:prstGeom prst="rect">
@@ -5703,7 +9439,7 @@
         </p:nvSpPr>
         <p:spPr>
           <a:xfrm>
-            <a:off x="3080551" y="2785910"/>
+            <a:off x="3080551" y="2528454"/>
             <a:ext cx="8996042" cy="449063"/>
           </a:xfrm>
           <a:prstGeom prst="rect">
@@ -5917,13 +9653,13 @@
           <p:nvPr>
             <p:extLst>
               <p:ext uri="{D42A27DB-BD31-4B8C-83A1-F6EECF244321}">
-                <p14:modId xmlns:p14="http://schemas.microsoft.com/office/powerpoint/2010/main" val="3736147232"/>
+                <p14:modId xmlns:p14="http://schemas.microsoft.com/office/powerpoint/2010/main" val="2554722628"/>
               </p:ext>
             </p:extLst>
           </p:nvPr>
         </p:nvGraphicFramePr>
         <p:xfrm>
-          <a:off x="115410" y="3604808"/>
+          <a:off x="115410" y="3107654"/>
           <a:ext cx="2760956" cy="2858136"/>
         </p:xfrm>
         <a:graphic>
@@ -5933,14 +9669,14 @@
                 <a:tableStyleId>{9D7B26C5-4107-4FEC-AEDC-1716B250A1EF}</a:tableStyleId>
               </a:tblPr>
               <a:tblGrid>
-                <a:gridCol w="1380478">
+                <a:gridCol w="1109708">
                   <a:extLst>
                     <a:ext uri="{9D8B030D-6E8A-4147-A177-3AD203B41FA5}">
                       <a16:colId xmlns:a16="http://schemas.microsoft.com/office/drawing/2014/main" val="4023456342"/>
                     </a:ext>
                   </a:extLst>
                 </a:gridCol>
-                <a:gridCol w="1380478">
+                <a:gridCol w="1651248">
                   <a:extLst>
                     <a:ext uri="{9D8B030D-6E8A-4147-A177-3AD203B41FA5}">
                       <a16:colId xmlns:a16="http://schemas.microsoft.com/office/drawing/2014/main" val="2642641032"/>
@@ -6130,7 +9866,7 @@
                       </a:pPr>
                       <a:r>
                         <a:rPr lang="en-US" dirty="0"/>
-                        <a:t>5%(5/96)</a:t>
+                        <a:t>6%(7/130)</a:t>
                       </a:r>
                     </a:p>
                   </a:txBody>
@@ -6255,7 +9991,7 @@
                       </a:pPr>
                       <a:r>
                         <a:rPr lang="en-US" dirty="0"/>
-                        <a:t>7%(7/96)</a:t>
+                        <a:t>26%(33/130)</a:t>
                       </a:r>
                     </a:p>
                   </a:txBody>
@@ -6396,7 +10132,7 @@
                       </a:pPr>
                       <a:r>
                         <a:rPr lang="en-US" dirty="0"/>
-                        <a:t>7%(7/96)</a:t>
+                        <a:t>6%(8/130)</a:t>
                       </a:r>
                     </a:p>
                   </a:txBody>
@@ -6537,7 +10273,7 @@
                       </a:pPr>
                       <a:r>
                         <a:rPr lang="en-US" dirty="0"/>
-                        <a:t>11%(11/96)</a:t>
+                        <a:t>28%(37/130)</a:t>
                       </a:r>
                     </a:p>
                   </a:txBody>
@@ -6646,7 +10382,7 @@
                       <a:pPr algn="ctr"/>
                       <a:r>
                         <a:rPr lang="en-US" dirty="0"/>
-                        <a:t>30%(30/96)</a:t>
+                        <a:t>66%(85/130)</a:t>
                       </a:r>
                     </a:p>
                   </a:txBody>
@@ -6714,13 +10450,13 @@
           <p:nvPr>
             <p:extLst>
               <p:ext uri="{D42A27DB-BD31-4B8C-83A1-F6EECF244321}">
-                <p14:modId xmlns:p14="http://schemas.microsoft.com/office/powerpoint/2010/main" val="3292027004"/>
+                <p14:modId xmlns:p14="http://schemas.microsoft.com/office/powerpoint/2010/main" val="2317319085"/>
               </p:ext>
             </p:extLst>
           </p:nvPr>
         </p:nvGraphicFramePr>
         <p:xfrm>
-          <a:off x="3116062" y="3604808"/>
+          <a:off x="3116062" y="3107654"/>
           <a:ext cx="8939816" cy="2858136"/>
         </p:xfrm>
         <a:graphic>
@@ -6918,7 +10654,7 @@
                       <a:pPr algn="ctr"/>
                       <a:r>
                         <a:rPr lang="en-US" dirty="0"/>
-                        <a:t>0411 (n=472)</a:t>
+                        <a:t>0414 (n=472)</a:t>
                       </a:r>
                     </a:p>
                   </a:txBody>
@@ -7084,6 +10820,11 @@
                       <a:headEnd type="none" w="med" len="med"/>
                       <a:tailEnd type="none" w="med" len="med"/>
                     </a:lnB>
+                    <a:solidFill>
+                      <a:srgbClr val="FF6600">
+                        <a:alpha val="65098"/>
+                      </a:srgbClr>
+                    </a:solidFill>
                   </a:tcPr>
                 </a:tc>
                 <a:tc>
@@ -7151,6 +10892,11 @@
                       <a:headEnd type="none" w="med" len="med"/>
                       <a:tailEnd type="none" w="med" len="med"/>
                     </a:lnB>
+                    <a:solidFill>
+                      <a:srgbClr val="FF6600">
+                        <a:alpha val="65098"/>
+                      </a:srgbClr>
+                    </a:solidFill>
                   </a:tcPr>
                 </a:tc>
                 <a:tc>
@@ -7218,6 +10964,11 @@
                       <a:headEnd type="none" w="med" len="med"/>
                       <a:tailEnd type="none" w="med" len="med"/>
                     </a:lnB>
+                    <a:solidFill>
+                      <a:srgbClr val="FF6600">
+                        <a:alpha val="65098"/>
+                      </a:srgbClr>
+                    </a:solidFill>
                   </a:tcPr>
                 </a:tc>
                 <a:extLst>
@@ -8250,360 +12001,12 @@
           </a:graphicData>
         </a:graphic>
       </p:graphicFrame>
-    </p:spTree>
-    <p:extLst>
-      <p:ext uri="{BB962C8B-B14F-4D97-AF65-F5344CB8AC3E}">
-        <p14:creationId xmlns:p14="http://schemas.microsoft.com/office/powerpoint/2010/main" val="1463267833"/>
-      </p:ext>
-    </p:extLst>
-  </p:cSld>
-  <p:clrMapOvr>
-    <a:masterClrMapping/>
-  </p:clrMapOvr>
-</p:sld>
-</file>
-
-<file path=ppt/slides/slide5.xml><?xml version="1.0" encoding="utf-8"?>
-<p:sld xmlns:a="http://schemas.openxmlformats.org/drawingml/2006/main" xmlns:r="http://schemas.openxmlformats.org/officeDocument/2006/relationships" xmlns:p="http://schemas.openxmlformats.org/presentationml/2006/main">
-  <p:cSld>
-    <p:spTree>
-      <p:nvGrpSpPr>
-        <p:cNvPr id="1" name=""/>
-        <p:cNvGrpSpPr/>
-        <p:nvPr/>
-      </p:nvGrpSpPr>
-      <p:grpSpPr>
-        <a:xfrm>
-          <a:off x="0" y="0"/>
-          <a:ext cx="0" cy="0"/>
-          <a:chOff x="0" y="0"/>
-          <a:chExt cx="0" cy="0"/>
-        </a:xfrm>
-      </p:grpSpPr>
-      <p:pic>
-        <p:nvPicPr>
-          <p:cNvPr id="19" name="図 18">
-            <a:extLst>
-              <a:ext uri="{FF2B5EF4-FFF2-40B4-BE49-F238E27FC236}">
-                <a16:creationId xmlns:a16="http://schemas.microsoft.com/office/drawing/2014/main" id="{6A1C6B49-3F41-8685-0A27-3C9665A99F46}"/>
-              </a:ext>
-            </a:extLst>
-          </p:cNvPr>
-          <p:cNvPicPr>
-            <a:picLocks noChangeAspect="1"/>
-          </p:cNvPicPr>
-          <p:nvPr/>
-        </p:nvPicPr>
-        <p:blipFill>
-          <a:blip r:embed="rId2">
-            <a:extLst>
-              <a:ext uri="{28A0092B-C50C-407E-A947-70E740481C1C}">
-                <a14:useLocalDpi xmlns:a14="http://schemas.microsoft.com/office/drawing/2010/main" val="0"/>
-              </a:ext>
-            </a:extLst>
-          </a:blip>
-          <a:srcRect/>
-          <a:stretch/>
-        </p:blipFill>
-        <p:spPr>
-          <a:xfrm>
-            <a:off x="257275" y="4107739"/>
-            <a:ext cx="2920375" cy="2189446"/>
-          </a:xfrm>
-          <a:prstGeom prst="rect">
-            <a:avLst/>
-          </a:prstGeom>
-        </p:spPr>
-      </p:pic>
-      <p:pic>
-        <p:nvPicPr>
-          <p:cNvPr id="18" name="図 17">
-            <a:extLst>
-              <a:ext uri="{FF2B5EF4-FFF2-40B4-BE49-F238E27FC236}">
-                <a16:creationId xmlns:a16="http://schemas.microsoft.com/office/drawing/2014/main" id="{A73C92AB-642F-0768-DFC1-FE02F1657F9F}"/>
-              </a:ext>
-            </a:extLst>
-          </p:cNvPr>
-          <p:cNvPicPr>
-            <a:picLocks noChangeAspect="1"/>
-          </p:cNvPicPr>
-          <p:nvPr/>
-        </p:nvPicPr>
-        <p:blipFill>
-          <a:blip r:embed="rId3">
-            <a:extLst>
-              <a:ext uri="{28A0092B-C50C-407E-A947-70E740481C1C}">
-                <a14:useLocalDpi xmlns:a14="http://schemas.microsoft.com/office/drawing/2010/main" val="0"/>
-              </a:ext>
-            </a:extLst>
-          </a:blip>
-          <a:srcRect/>
-          <a:stretch/>
-        </p:blipFill>
-        <p:spPr>
-          <a:xfrm>
-            <a:off x="296859" y="1169574"/>
-            <a:ext cx="2920375" cy="2189446"/>
-          </a:xfrm>
-          <a:prstGeom prst="rect">
-            <a:avLst/>
-          </a:prstGeom>
-        </p:spPr>
-      </p:pic>
-      <p:pic>
-        <p:nvPicPr>
-          <p:cNvPr id="17" name="図 16">
-            <a:extLst>
-              <a:ext uri="{FF2B5EF4-FFF2-40B4-BE49-F238E27FC236}">
-                <a16:creationId xmlns:a16="http://schemas.microsoft.com/office/drawing/2014/main" id="{89F92F0A-D1E6-BE21-C1E8-55D78EC61210}"/>
-              </a:ext>
-            </a:extLst>
-          </p:cNvPr>
-          <p:cNvPicPr>
-            <a:picLocks noChangeAspect="1"/>
-          </p:cNvPicPr>
-          <p:nvPr/>
-        </p:nvPicPr>
-        <p:blipFill>
-          <a:blip r:embed="rId4">
-            <a:extLst>
-              <a:ext uri="{28A0092B-C50C-407E-A947-70E740481C1C}">
-                <a14:useLocalDpi xmlns:a14="http://schemas.microsoft.com/office/drawing/2010/main" val="0"/>
-              </a:ext>
-            </a:extLst>
-          </a:blip>
-          <a:srcRect/>
-          <a:stretch/>
-        </p:blipFill>
-        <p:spPr>
-          <a:xfrm>
-            <a:off x="6262667" y="1177471"/>
-            <a:ext cx="2920375" cy="2189446"/>
-          </a:xfrm>
-          <a:prstGeom prst="rect">
-            <a:avLst/>
-          </a:prstGeom>
-        </p:spPr>
-      </p:pic>
-      <p:pic>
-        <p:nvPicPr>
-          <p:cNvPr id="16" name="図 15">
-            <a:extLst>
-              <a:ext uri="{FF2B5EF4-FFF2-40B4-BE49-F238E27FC236}">
-                <a16:creationId xmlns:a16="http://schemas.microsoft.com/office/drawing/2014/main" id="{CA71A3F8-5D75-3402-EA89-AD7CF8ED1C14}"/>
-              </a:ext>
-            </a:extLst>
-          </p:cNvPr>
-          <p:cNvPicPr>
-            <a:picLocks noChangeAspect="1"/>
-          </p:cNvPicPr>
-          <p:nvPr/>
-        </p:nvPicPr>
-        <p:blipFill>
-          <a:blip r:embed="rId5">
-            <a:extLst>
-              <a:ext uri="{28A0092B-C50C-407E-A947-70E740481C1C}">
-                <a14:useLocalDpi xmlns:a14="http://schemas.microsoft.com/office/drawing/2010/main" val="0"/>
-              </a:ext>
-            </a:extLst>
-          </a:blip>
-          <a:srcRect/>
-          <a:stretch/>
-        </p:blipFill>
-        <p:spPr>
-          <a:xfrm>
-            <a:off x="6262668" y="4169305"/>
-            <a:ext cx="2920375" cy="2189446"/>
-          </a:xfrm>
-          <a:prstGeom prst="rect">
-            <a:avLst/>
-          </a:prstGeom>
-        </p:spPr>
-      </p:pic>
       <p:sp>
         <p:nvSpPr>
-          <p:cNvPr id="2" name="タイトル 1">
+          <p:cNvPr id="6" name="テキスト ボックス 5">
             <a:extLst>
               <a:ext uri="{FF2B5EF4-FFF2-40B4-BE49-F238E27FC236}">
-                <a16:creationId xmlns:a16="http://schemas.microsoft.com/office/drawing/2014/main" id="{27D14253-3A9D-C323-9B97-5D6BE60413FE}"/>
-              </a:ext>
-            </a:extLst>
-          </p:cNvPr>
-          <p:cNvSpPr>
-            <a:spLocks noGrp="1"/>
-          </p:cNvSpPr>
-          <p:nvPr>
-            <p:ph type="title"/>
-          </p:nvPr>
-        </p:nvSpPr>
-        <p:spPr>
-          <a:xfrm>
-            <a:off x="115410" y="106533"/>
-            <a:ext cx="11940466" cy="648069"/>
-          </a:xfrm>
-        </p:spPr>
-        <p:txBody>
-          <a:bodyPr>
-            <a:normAutofit fontScale="90000"/>
-          </a:bodyPr>
-          <a:lstStyle/>
-          <a:p>
-            <a:r>
-              <a:rPr lang="en-US" b="1" dirty="0">
-                <a:latin typeface="Arial" panose="020B0604020202020204" pitchFamily="34" charset="0"/>
-                <a:cs typeface="Arial" panose="020B0604020202020204" pitchFamily="34" charset="0"/>
-              </a:rPr>
-              <a:t>some PSTHs (after TO and around GC) </a:t>
-            </a:r>
-          </a:p>
-        </p:txBody>
-      </p:sp>
-      <p:pic>
-        <p:nvPicPr>
-          <p:cNvPr id="5" name="図 4">
-            <a:extLst>
-              <a:ext uri="{FF2B5EF4-FFF2-40B4-BE49-F238E27FC236}">
-                <a16:creationId xmlns:a16="http://schemas.microsoft.com/office/drawing/2014/main" id="{C775A665-0663-B41B-029C-DB6E8DEDD993}"/>
-              </a:ext>
-            </a:extLst>
-          </p:cNvPr>
-          <p:cNvPicPr>
-            <a:picLocks noChangeAspect="1"/>
-          </p:cNvPicPr>
-          <p:nvPr/>
-        </p:nvPicPr>
-        <p:blipFill>
-          <a:blip r:embed="rId6">
-            <a:extLst>
-              <a:ext uri="{28A0092B-C50C-407E-A947-70E740481C1C}">
-                <a14:useLocalDpi xmlns:a14="http://schemas.microsoft.com/office/drawing/2010/main" val="0"/>
-              </a:ext>
-            </a:extLst>
-          </a:blip>
-          <a:srcRect/>
-          <a:stretch/>
-        </p:blipFill>
-        <p:spPr>
-          <a:xfrm>
-            <a:off x="3008958" y="1177471"/>
-            <a:ext cx="2920375" cy="2189446"/>
-          </a:xfrm>
-          <a:prstGeom prst="rect">
-            <a:avLst/>
-          </a:prstGeom>
-        </p:spPr>
-      </p:pic>
-      <p:pic>
-        <p:nvPicPr>
-          <p:cNvPr id="6" name="図 5">
-            <a:extLst>
-              <a:ext uri="{FF2B5EF4-FFF2-40B4-BE49-F238E27FC236}">
-                <a16:creationId xmlns:a16="http://schemas.microsoft.com/office/drawing/2014/main" id="{A58E8AB0-C2A4-BFE5-196C-C0F1B54911EE}"/>
-              </a:ext>
-            </a:extLst>
-          </p:cNvPr>
-          <p:cNvPicPr>
-            <a:picLocks noChangeAspect="1"/>
-          </p:cNvPicPr>
-          <p:nvPr/>
-        </p:nvPicPr>
-        <p:blipFill>
-          <a:blip r:embed="rId7">
-            <a:extLst>
-              <a:ext uri="{28A0092B-C50C-407E-A947-70E740481C1C}">
-                <a14:useLocalDpi xmlns:a14="http://schemas.microsoft.com/office/drawing/2010/main" val="0"/>
-              </a:ext>
-            </a:extLst>
-          </a:blip>
-          <a:srcRect/>
-          <a:stretch/>
-        </p:blipFill>
-        <p:spPr>
-          <a:xfrm>
-            <a:off x="8974766" y="1177471"/>
-            <a:ext cx="2920375" cy="2189447"/>
-          </a:xfrm>
-          <a:prstGeom prst="rect">
-            <a:avLst/>
-          </a:prstGeom>
-        </p:spPr>
-      </p:pic>
-      <p:pic>
-        <p:nvPicPr>
-          <p:cNvPr id="7" name="図 6">
-            <a:extLst>
-              <a:ext uri="{FF2B5EF4-FFF2-40B4-BE49-F238E27FC236}">
-                <a16:creationId xmlns:a16="http://schemas.microsoft.com/office/drawing/2014/main" id="{0FECC6A2-89DE-8153-9179-9688FC2B1E0F}"/>
-              </a:ext>
-            </a:extLst>
-          </p:cNvPr>
-          <p:cNvPicPr>
-            <a:picLocks noChangeAspect="1"/>
-          </p:cNvPicPr>
-          <p:nvPr/>
-        </p:nvPicPr>
-        <p:blipFill>
-          <a:blip r:embed="rId8">
-            <a:extLst>
-              <a:ext uri="{28A0092B-C50C-407E-A947-70E740481C1C}">
-                <a14:useLocalDpi xmlns:a14="http://schemas.microsoft.com/office/drawing/2010/main" val="0"/>
-              </a:ext>
-            </a:extLst>
-          </a:blip>
-          <a:srcRect/>
-          <a:stretch/>
-        </p:blipFill>
-        <p:spPr>
-          <a:xfrm>
-            <a:off x="2943486" y="4107160"/>
-            <a:ext cx="2920375" cy="2189447"/>
-          </a:xfrm>
-          <a:prstGeom prst="rect">
-            <a:avLst/>
-          </a:prstGeom>
-        </p:spPr>
-      </p:pic>
-      <p:pic>
-        <p:nvPicPr>
-          <p:cNvPr id="8" name="図 7">
-            <a:extLst>
-              <a:ext uri="{FF2B5EF4-FFF2-40B4-BE49-F238E27FC236}">
-                <a16:creationId xmlns:a16="http://schemas.microsoft.com/office/drawing/2014/main" id="{183AB63E-89E9-2FBF-44F3-395C736E5D7C}"/>
-              </a:ext>
-            </a:extLst>
-          </p:cNvPr>
-          <p:cNvPicPr>
-            <a:picLocks noChangeAspect="1"/>
-          </p:cNvPicPr>
-          <p:nvPr/>
-        </p:nvPicPr>
-        <p:blipFill>
-          <a:blip r:embed="rId9">
-            <a:extLst>
-              <a:ext uri="{28A0092B-C50C-407E-A947-70E740481C1C}">
-                <a14:useLocalDpi xmlns:a14="http://schemas.microsoft.com/office/drawing/2010/main" val="0"/>
-              </a:ext>
-            </a:extLst>
-          </a:blip>
-          <a:srcRect/>
-          <a:stretch/>
-        </p:blipFill>
-        <p:spPr>
-          <a:xfrm>
-            <a:off x="8869323" y="4028108"/>
-            <a:ext cx="3131262" cy="2347552"/>
-          </a:xfrm>
-          <a:prstGeom prst="rect">
-            <a:avLst/>
-          </a:prstGeom>
-        </p:spPr>
-      </p:pic>
-      <p:sp>
-        <p:nvSpPr>
-          <p:cNvPr id="9" name="テキスト ボックス 8">
-            <a:extLst>
-              <a:ext uri="{FF2B5EF4-FFF2-40B4-BE49-F238E27FC236}">
-                <a16:creationId xmlns:a16="http://schemas.microsoft.com/office/drawing/2014/main" id="{5DFD3D56-F89B-D1ED-6AF4-8BBCC4B6B1DD}"/>
+                <a16:creationId xmlns:a16="http://schemas.microsoft.com/office/drawing/2014/main" id="{CAB80ECB-1A0B-2ACC-3DE3-FDD31AA57CA1}"/>
               </a:ext>
             </a:extLst>
           </p:cNvPr>
@@ -8612,8 +12015,8 @@
         </p:nvSpPr>
         <p:spPr>
           <a:xfrm>
-            <a:off x="1696883" y="808139"/>
-            <a:ext cx="2836506" cy="369332"/>
+            <a:off x="115409" y="5991514"/>
+            <a:ext cx="2760956" cy="646331"/>
           </a:xfrm>
           <a:prstGeom prst="rect">
             <a:avLst/>
@@ -8628,21 +12031,25 @@
           <a:p>
             <a:pPr algn="ctr"/>
             <a:r>
-              <a:rPr lang="en-US" dirty="0">
-                <a:latin typeface="Arial" panose="020B0604020202020204" pitchFamily="34" charset="0"/>
-                <a:cs typeface="Arial" panose="020B0604020202020204" pitchFamily="34" charset="0"/>
-              </a:rPr>
-              <a:t>0216-neuron #7</a:t>
+              <a:rPr lang="en-US" b="1" dirty="0"/>
+              <a:t>Day2 in Rocky’s data</a:t>
+            </a:r>
+          </a:p>
+          <a:p>
+            <a:pPr algn="ctr"/>
+            <a:r>
+              <a:rPr lang="en-US" b="1" dirty="0"/>
+              <a:t>(1100 trials)</a:t>
             </a:r>
           </a:p>
         </p:txBody>
       </p:sp>
       <p:sp>
         <p:nvSpPr>
-          <p:cNvPr id="10" name="テキスト ボックス 9">
+          <p:cNvPr id="9" name="テキスト ボックス 8">
             <a:extLst>
               <a:ext uri="{FF2B5EF4-FFF2-40B4-BE49-F238E27FC236}">
-                <a16:creationId xmlns:a16="http://schemas.microsoft.com/office/drawing/2014/main" id="{78646B02-982D-9633-F42B-11E6CF8B6FB0}"/>
+                <a16:creationId xmlns:a16="http://schemas.microsoft.com/office/drawing/2014/main" id="{A0A09B8E-C0B1-849D-3348-ED96C396D663}"/>
               </a:ext>
             </a:extLst>
           </p:cNvPr>
@@ -8651,8 +12058,8 @@
         </p:nvSpPr>
         <p:spPr>
           <a:xfrm>
-            <a:off x="7556513" y="728376"/>
-            <a:ext cx="2836506" cy="369332"/>
+            <a:off x="4972973" y="5991514"/>
+            <a:ext cx="7103617" cy="646331"/>
           </a:xfrm>
           <a:prstGeom prst="rect">
             <a:avLst/>
@@ -8667,89 +12074,27 @@
           <a:p>
             <a:pPr algn="ctr"/>
             <a:r>
-              <a:rPr lang="en-US" dirty="0">
-                <a:latin typeface="Arial" panose="020B0604020202020204" pitchFamily="34" charset="0"/>
-                <a:cs typeface="Arial" panose="020B0604020202020204" pitchFamily="34" charset="0"/>
+              <a:rPr lang="en-US" b="1" dirty="0"/>
+              <a:t>Satchel’s data</a:t>
+            </a:r>
+          </a:p>
+          <a:p>
+            <a:pPr algn="ctr"/>
+            <a:r>
+              <a:rPr lang="en-US" b="1" dirty="0"/>
+              <a:t>(</a:t>
+            </a:r>
+            <a:r>
+              <a:rPr lang="en-US" b="1" dirty="0">
+                <a:solidFill>
+                  <a:srgbClr val="FF0000"/>
+                </a:solidFill>
               </a:rPr>
-              <a:t>0216-neuron #52</a:t>
-            </a:r>
-          </a:p>
-        </p:txBody>
-      </p:sp>
-      <p:sp>
-        <p:nvSpPr>
-          <p:cNvPr id="11" name="テキスト ボックス 10">
-            <a:extLst>
-              <a:ext uri="{FF2B5EF4-FFF2-40B4-BE49-F238E27FC236}">
-                <a16:creationId xmlns:a16="http://schemas.microsoft.com/office/drawing/2014/main" id="{35A36050-F2C9-BCB4-6167-5C3718C0CA95}"/>
-              </a:ext>
-            </a:extLst>
-          </p:cNvPr>
-          <p:cNvSpPr txBox="1"/>
-          <p:nvPr/>
-        </p:nvSpPr>
-        <p:spPr>
-          <a:xfrm>
-            <a:off x="1883498" y="3517641"/>
-            <a:ext cx="2836506" cy="369332"/>
-          </a:xfrm>
-          <a:prstGeom prst="rect">
-            <a:avLst/>
-          </a:prstGeom>
-          <a:noFill/>
-        </p:spPr>
-        <p:txBody>
-          <a:bodyPr wrap="square" rtlCol="0">
-            <a:spAutoFit/>
-          </a:bodyPr>
-          <a:lstStyle/>
-          <a:p>
-            <a:pPr algn="ctr"/>
-            <a:r>
-              <a:rPr lang="en-US" dirty="0">
-                <a:latin typeface="Arial" panose="020B0604020202020204" pitchFamily="34" charset="0"/>
-                <a:cs typeface="Arial" panose="020B0604020202020204" pitchFamily="34" charset="0"/>
-              </a:rPr>
-              <a:t>0405-neuron #37</a:t>
-            </a:r>
-          </a:p>
-        </p:txBody>
-      </p:sp>
-      <p:sp>
-        <p:nvSpPr>
-          <p:cNvPr id="12" name="テキスト ボックス 11">
-            <a:extLst>
-              <a:ext uri="{FF2B5EF4-FFF2-40B4-BE49-F238E27FC236}">
-                <a16:creationId xmlns:a16="http://schemas.microsoft.com/office/drawing/2014/main" id="{08A91FB1-732A-AE25-A43C-1CBC428D7C69}"/>
-              </a:ext>
-            </a:extLst>
-          </p:cNvPr>
-          <p:cNvSpPr txBox="1"/>
-          <p:nvPr/>
-        </p:nvSpPr>
-        <p:spPr>
-          <a:xfrm>
-            <a:off x="7556513" y="3504361"/>
-            <a:ext cx="2836506" cy="369332"/>
-          </a:xfrm>
-          <a:prstGeom prst="rect">
-            <a:avLst/>
-          </a:prstGeom>
-          <a:noFill/>
-        </p:spPr>
-        <p:txBody>
-          <a:bodyPr wrap="square" rtlCol="0">
-            <a:spAutoFit/>
-          </a:bodyPr>
-          <a:lstStyle/>
-          <a:p>
-            <a:pPr algn="ctr"/>
-            <a:r>
-              <a:rPr lang="en-US" dirty="0">
-                <a:latin typeface="Arial" panose="020B0604020202020204" pitchFamily="34" charset="0"/>
-                <a:cs typeface="Arial" panose="020B0604020202020204" pitchFamily="34" charset="0"/>
-              </a:rPr>
-              <a:t>0414-neuron #22</a:t>
+              <a:t>1500</a:t>
+            </a:r>
+            <a:r>
+              <a:rPr lang="en-US" b="1" dirty="0"/>
+              <a:t> trials)</a:t>
             </a:r>
           </a:p>
         </p:txBody>
@@ -8757,17 +12102,100 @@
     </p:spTree>
     <p:extLst>
       <p:ext uri="{BB962C8B-B14F-4D97-AF65-F5344CB8AC3E}">
-        <p14:creationId xmlns:p14="http://schemas.microsoft.com/office/powerpoint/2010/main" val="3272059659"/>
+        <p14:creationId xmlns:p14="http://schemas.microsoft.com/office/powerpoint/2010/main" val="1463267833"/>
       </p:ext>
     </p:extLst>
   </p:cSld>
   <p:clrMapOvr>
     <a:masterClrMapping/>
   </p:clrMapOvr>
+  <p:timing>
+    <p:tnLst>
+      <p:par>
+        <p:cTn id="1" dur="indefinite" restart="never" nodeType="tmRoot">
+          <p:childTnLst>
+            <p:seq concurrent="1" nextAc="seek">
+              <p:cTn id="2" dur="indefinite" nodeType="mainSeq">
+                <p:childTnLst>
+                  <p:par>
+                    <p:cTn id="3" fill="hold">
+                      <p:stCondLst>
+                        <p:cond delay="indefinite"/>
+                      </p:stCondLst>
+                      <p:childTnLst>
+                        <p:par>
+                          <p:cTn id="4" fill="hold">
+                            <p:stCondLst>
+                              <p:cond delay="0"/>
+                            </p:stCondLst>
+                            <p:childTnLst>
+                              <p:par>
+                                <p:cTn id="5" presetID="10" presetClass="entr" presetSubtype="0" fill="hold" nodeType="clickEffect">
+                                  <p:stCondLst>
+                                    <p:cond delay="0"/>
+                                  </p:stCondLst>
+                                  <p:childTnLst>
+                                    <p:set>
+                                      <p:cBhvr>
+                                        <p:cTn id="6" dur="1" fill="hold">
+                                          <p:stCondLst>
+                                            <p:cond delay="0"/>
+                                          </p:stCondLst>
+                                        </p:cTn>
+                                        <p:tgtEl>
+                                          <p:spTgt spid="22"/>
+                                        </p:tgtEl>
+                                        <p:attrNameLst>
+                                          <p:attrName>style.visibility</p:attrName>
+                                        </p:attrNameLst>
+                                      </p:cBhvr>
+                                      <p:to>
+                                        <p:strVal val="visible"/>
+                                      </p:to>
+                                    </p:set>
+                                    <p:animEffect transition="in" filter="fade">
+                                      <p:cBhvr>
+                                        <p:cTn id="7" dur="1000"/>
+                                        <p:tgtEl>
+                                          <p:spTgt spid="22"/>
+                                        </p:tgtEl>
+                                      </p:cBhvr>
+                                    </p:animEffect>
+                                  </p:childTnLst>
+                                </p:cTn>
+                              </p:par>
+                            </p:childTnLst>
+                          </p:cTn>
+                        </p:par>
+                      </p:childTnLst>
+                    </p:cTn>
+                  </p:par>
+                </p:childTnLst>
+              </p:cTn>
+              <p:prevCondLst>
+                <p:cond evt="onPrev" delay="0">
+                  <p:tgtEl>
+                    <p:sldTgt/>
+                  </p:tgtEl>
+                </p:cond>
+              </p:prevCondLst>
+              <p:nextCondLst>
+                <p:cond evt="onNext" delay="0">
+                  <p:tgtEl>
+                    <p:sldTgt/>
+                  </p:tgtEl>
+                </p:cond>
+              </p:nextCondLst>
+            </p:seq>
+          </p:childTnLst>
+        </p:cTn>
+      </p:par>
+    </p:tnLst>
+  </p:timing>
 </p:sld>
 </file>
 
-<file path=ppt/slides/slide6.xml><?xml version="1.0" encoding="utf-8"?>
+<file path=ppt/slides/slide7.xml><?xml version="1.0" encoding="utf-8"?>
 <p:sld xmlns:a="http://schemas.openxmlformats.org/drawingml/2006/main" xmlns:r="http://schemas.openxmlformats.org/officeDocument/2006/relationships" xmlns:p="http://schemas.openxmlformats.org/presentationml/2006/main">
   <p:cSld>
     <p:spTree>
@@ -8903,7 +12331,7 @@
                 <a:latin typeface="Arial" panose="020B0604020202020204" pitchFamily="34" charset="0"/>
                 <a:cs typeface="Arial" panose="020B0604020202020204" pitchFamily="34" charset="0"/>
               </a:rPr>
-              <a:t>(3)) around GC [-200 +50]</a:t>
+              <a:t>(3)) around GC [-150 +50]</a:t>
             </a:r>
           </a:p>
           <a:p>
@@ -9589,7 +13017,7 @@
                 <a:latin typeface="Arial" panose="020B0604020202020204" pitchFamily="34" charset="0"/>
                 <a:cs typeface="Arial" panose="020B0604020202020204" pitchFamily="34" charset="0"/>
               </a:rPr>
-              <a:t>0411</a:t>
+              <a:t>0414</a:t>
             </a:r>
           </a:p>
         </p:txBody>
@@ -9675,10 +13103,326 @@
   <p:clrMapOvr>
     <a:masterClrMapping/>
   </p:clrMapOvr>
+  <p:timing>
+    <p:tnLst>
+      <p:par>
+        <p:cTn id="1" dur="indefinite" restart="never" nodeType="tmRoot">
+          <p:childTnLst>
+            <p:seq concurrent="1" nextAc="seek">
+              <p:cTn id="2" dur="indefinite" nodeType="mainSeq">
+                <p:childTnLst>
+                  <p:par>
+                    <p:cTn id="3" fill="hold">
+                      <p:stCondLst>
+                        <p:cond delay="indefinite"/>
+                      </p:stCondLst>
+                      <p:childTnLst>
+                        <p:par>
+                          <p:cTn id="4" fill="hold">
+                            <p:stCondLst>
+                              <p:cond delay="0"/>
+                            </p:stCondLst>
+                            <p:childTnLst>
+                              <p:par>
+                                <p:cTn id="5" presetID="10" presetClass="entr" presetSubtype="0" fill="hold" grpId="0" nodeType="clickEffect">
+                                  <p:stCondLst>
+                                    <p:cond delay="0"/>
+                                  </p:stCondLst>
+                                  <p:childTnLst>
+                                    <p:set>
+                                      <p:cBhvr>
+                                        <p:cTn id="6" dur="1" fill="hold">
+                                          <p:stCondLst>
+                                            <p:cond delay="0"/>
+                                          </p:stCondLst>
+                                        </p:cTn>
+                                        <p:tgtEl>
+                                          <p:spTgt spid="14"/>
+                                        </p:tgtEl>
+                                        <p:attrNameLst>
+                                          <p:attrName>style.visibility</p:attrName>
+                                        </p:attrNameLst>
+                                      </p:cBhvr>
+                                      <p:to>
+                                        <p:strVal val="visible"/>
+                                      </p:to>
+                                    </p:set>
+                                    <p:animEffect transition="in" filter="fade">
+                                      <p:cBhvr>
+                                        <p:cTn id="7" dur="500"/>
+                                        <p:tgtEl>
+                                          <p:spTgt spid="14"/>
+                                        </p:tgtEl>
+                                      </p:cBhvr>
+                                    </p:animEffect>
+                                  </p:childTnLst>
+                                </p:cTn>
+                              </p:par>
+                              <p:par>
+                                <p:cTn id="8" presetID="10" presetClass="entr" presetSubtype="0" fill="hold" nodeType="withEffect">
+                                  <p:stCondLst>
+                                    <p:cond delay="0"/>
+                                  </p:stCondLst>
+                                  <p:childTnLst>
+                                    <p:set>
+                                      <p:cBhvr>
+                                        <p:cTn id="9" dur="1" fill="hold">
+                                          <p:stCondLst>
+                                            <p:cond delay="0"/>
+                                          </p:stCondLst>
+                                        </p:cTn>
+                                        <p:tgtEl>
+                                          <p:spTgt spid="35"/>
+                                        </p:tgtEl>
+                                        <p:attrNameLst>
+                                          <p:attrName>style.visibility</p:attrName>
+                                        </p:attrNameLst>
+                                      </p:cBhvr>
+                                      <p:to>
+                                        <p:strVal val="visible"/>
+                                      </p:to>
+                                    </p:set>
+                                    <p:animEffect transition="in" filter="fade">
+                                      <p:cBhvr>
+                                        <p:cTn id="10" dur="500"/>
+                                        <p:tgtEl>
+                                          <p:spTgt spid="35"/>
+                                        </p:tgtEl>
+                                      </p:cBhvr>
+                                    </p:animEffect>
+                                  </p:childTnLst>
+                                </p:cTn>
+                              </p:par>
+                              <p:par>
+                                <p:cTn id="11" presetID="10" presetClass="entr" presetSubtype="0" fill="hold" nodeType="withEffect">
+                                  <p:stCondLst>
+                                    <p:cond delay="0"/>
+                                  </p:stCondLst>
+                                  <p:childTnLst>
+                                    <p:set>
+                                      <p:cBhvr>
+                                        <p:cTn id="12" dur="1" fill="hold">
+                                          <p:stCondLst>
+                                            <p:cond delay="0"/>
+                                          </p:stCondLst>
+                                        </p:cTn>
+                                        <p:tgtEl>
+                                          <p:spTgt spid="36"/>
+                                        </p:tgtEl>
+                                        <p:attrNameLst>
+                                          <p:attrName>style.visibility</p:attrName>
+                                        </p:attrNameLst>
+                                      </p:cBhvr>
+                                      <p:to>
+                                        <p:strVal val="visible"/>
+                                      </p:to>
+                                    </p:set>
+                                    <p:animEffect transition="in" filter="fade">
+                                      <p:cBhvr>
+                                        <p:cTn id="13" dur="500"/>
+                                        <p:tgtEl>
+                                          <p:spTgt spid="36"/>
+                                        </p:tgtEl>
+                                      </p:cBhvr>
+                                    </p:animEffect>
+                                  </p:childTnLst>
+                                </p:cTn>
+                              </p:par>
+                              <p:par>
+                                <p:cTn id="14" presetID="10" presetClass="entr" presetSubtype="0" fill="hold" nodeType="withEffect">
+                                  <p:stCondLst>
+                                    <p:cond delay="0"/>
+                                  </p:stCondLst>
+                                  <p:childTnLst>
+                                    <p:set>
+                                      <p:cBhvr>
+                                        <p:cTn id="15" dur="1" fill="hold">
+                                          <p:stCondLst>
+                                            <p:cond delay="0"/>
+                                          </p:stCondLst>
+                                        </p:cTn>
+                                        <p:tgtEl>
+                                          <p:spTgt spid="37"/>
+                                        </p:tgtEl>
+                                        <p:attrNameLst>
+                                          <p:attrName>style.visibility</p:attrName>
+                                        </p:attrNameLst>
+                                      </p:cBhvr>
+                                      <p:to>
+                                        <p:strVal val="visible"/>
+                                      </p:to>
+                                    </p:set>
+                                    <p:animEffect transition="in" filter="fade">
+                                      <p:cBhvr>
+                                        <p:cTn id="16" dur="500"/>
+                                        <p:tgtEl>
+                                          <p:spTgt spid="37"/>
+                                        </p:tgtEl>
+                                      </p:cBhvr>
+                                    </p:animEffect>
+                                  </p:childTnLst>
+                                </p:cTn>
+                              </p:par>
+                              <p:par>
+                                <p:cTn id="17" presetID="10" presetClass="entr" presetSubtype="0" fill="hold" grpId="0" nodeType="withEffect">
+                                  <p:stCondLst>
+                                    <p:cond delay="0"/>
+                                  </p:stCondLst>
+                                  <p:childTnLst>
+                                    <p:set>
+                                      <p:cBhvr>
+                                        <p:cTn id="18" dur="1" fill="hold">
+                                          <p:stCondLst>
+                                            <p:cond delay="0"/>
+                                          </p:stCondLst>
+                                        </p:cTn>
+                                        <p:tgtEl>
+                                          <p:spTgt spid="38"/>
+                                        </p:tgtEl>
+                                        <p:attrNameLst>
+                                          <p:attrName>style.visibility</p:attrName>
+                                        </p:attrNameLst>
+                                      </p:cBhvr>
+                                      <p:to>
+                                        <p:strVal val="visible"/>
+                                      </p:to>
+                                    </p:set>
+                                    <p:animEffect transition="in" filter="fade">
+                                      <p:cBhvr>
+                                        <p:cTn id="19" dur="500"/>
+                                        <p:tgtEl>
+                                          <p:spTgt spid="38"/>
+                                        </p:tgtEl>
+                                      </p:cBhvr>
+                                    </p:animEffect>
+                                  </p:childTnLst>
+                                </p:cTn>
+                              </p:par>
+                              <p:par>
+                                <p:cTn id="20" presetID="10" presetClass="entr" presetSubtype="0" fill="hold" grpId="0" nodeType="withEffect">
+                                  <p:stCondLst>
+                                    <p:cond delay="0"/>
+                                  </p:stCondLst>
+                                  <p:childTnLst>
+                                    <p:set>
+                                      <p:cBhvr>
+                                        <p:cTn id="21" dur="1" fill="hold">
+                                          <p:stCondLst>
+                                            <p:cond delay="0"/>
+                                          </p:stCondLst>
+                                        </p:cTn>
+                                        <p:tgtEl>
+                                          <p:spTgt spid="39"/>
+                                        </p:tgtEl>
+                                        <p:attrNameLst>
+                                          <p:attrName>style.visibility</p:attrName>
+                                        </p:attrNameLst>
+                                      </p:cBhvr>
+                                      <p:to>
+                                        <p:strVal val="visible"/>
+                                      </p:to>
+                                    </p:set>
+                                    <p:animEffect transition="in" filter="fade">
+                                      <p:cBhvr>
+                                        <p:cTn id="22" dur="500"/>
+                                        <p:tgtEl>
+                                          <p:spTgt spid="39"/>
+                                        </p:tgtEl>
+                                      </p:cBhvr>
+                                    </p:animEffect>
+                                  </p:childTnLst>
+                                </p:cTn>
+                              </p:par>
+                            </p:childTnLst>
+                          </p:cTn>
+                        </p:par>
+                      </p:childTnLst>
+                    </p:cTn>
+                  </p:par>
+                  <p:par>
+                    <p:cTn id="23" fill="hold">
+                      <p:stCondLst>
+                        <p:cond delay="indefinite"/>
+                      </p:stCondLst>
+                      <p:childTnLst>
+                        <p:par>
+                          <p:cTn id="24" fill="hold">
+                            <p:stCondLst>
+                              <p:cond delay="0"/>
+                            </p:stCondLst>
+                            <p:childTnLst>
+                              <p:par>
+                                <p:cTn id="25" presetID="10" presetClass="entr" presetSubtype="0" fill="hold" nodeType="clickEffect">
+                                  <p:stCondLst>
+                                    <p:cond delay="0"/>
+                                  </p:stCondLst>
+                                  <p:childTnLst>
+                                    <p:set>
+                                      <p:cBhvr>
+                                        <p:cTn id="26" dur="1" fill="hold">
+                                          <p:stCondLst>
+                                            <p:cond delay="0"/>
+                                          </p:stCondLst>
+                                        </p:cTn>
+                                        <p:tgtEl>
+                                          <p:spTgt spid="9"/>
+                                        </p:tgtEl>
+                                        <p:attrNameLst>
+                                          <p:attrName>style.visibility</p:attrName>
+                                        </p:attrNameLst>
+                                      </p:cBhvr>
+                                      <p:to>
+                                        <p:strVal val="visible"/>
+                                      </p:to>
+                                    </p:set>
+                                    <p:animEffect transition="in" filter="fade">
+                                      <p:cBhvr>
+                                        <p:cTn id="27" dur="500"/>
+                                        <p:tgtEl>
+                                          <p:spTgt spid="9"/>
+                                        </p:tgtEl>
+                                      </p:cBhvr>
+                                    </p:animEffect>
+                                  </p:childTnLst>
+                                </p:cTn>
+                              </p:par>
+                            </p:childTnLst>
+                          </p:cTn>
+                        </p:par>
+                      </p:childTnLst>
+                    </p:cTn>
+                  </p:par>
+                </p:childTnLst>
+              </p:cTn>
+              <p:prevCondLst>
+                <p:cond evt="onPrev" delay="0">
+                  <p:tgtEl>
+                    <p:sldTgt/>
+                  </p:tgtEl>
+                </p:cond>
+              </p:prevCondLst>
+              <p:nextCondLst>
+                <p:cond evt="onNext" delay="0">
+                  <p:tgtEl>
+                    <p:sldTgt/>
+                  </p:tgtEl>
+                </p:cond>
+              </p:nextCondLst>
+            </p:seq>
+          </p:childTnLst>
+        </p:cTn>
+      </p:par>
+    </p:tnLst>
+    <p:bldLst>
+      <p:bldP spid="14" grpId="0"/>
+      <p:bldP spid="38" grpId="0"/>
+      <p:bldP spid="39" grpId="0"/>
+    </p:bldLst>
+  </p:timing>
 </p:sld>
 </file>
 
-<file path=ppt/slides/slide7.xml><?xml version="1.0" encoding="utf-8"?>
+<file path=ppt/slides/slide8.xml><?xml version="1.0" encoding="utf-8"?>
 <p:sld xmlns:a="http://schemas.openxmlformats.org/drawingml/2006/main" xmlns:r="http://schemas.openxmlformats.org/officeDocument/2006/relationships" xmlns:p="http://schemas.openxmlformats.org/presentationml/2006/main">
   <p:cSld>
     <p:spTree>
@@ -9729,7 +13473,7 @@
                 <a:latin typeface="Arial" panose="020B0604020202020204" pitchFamily="34" charset="0"/>
                 <a:cs typeface="Arial" panose="020B0604020202020204" pitchFamily="34" charset="0"/>
               </a:rPr>
-              <a:t>Does Reward Axis after TO show “stretching”?</a:t>
+              <a:t>Is Reward Axis and Difficulty Axis orthogonal?</a:t>
             </a:r>
             <a:endParaRPr lang="en-US" sz="2800" dirty="0">
               <a:latin typeface="Arial" panose="020B0604020202020204" pitchFamily="34" charset="0"/>
@@ -9814,7 +13558,7 @@
                 <a:latin typeface="Arial" panose="020B0604020202020204" pitchFamily="34" charset="0"/>
                 <a:cs typeface="Arial" panose="020B0604020202020204" pitchFamily="34" charset="0"/>
               </a:rPr>
-              <a:t>(3)) after TO[+200 +400]</a:t>
+              <a:t>(3)) around GC [-150 +50]</a:t>
             </a:r>
           </a:p>
           <a:p>
@@ -9829,24 +13573,6 @@
               <a:t>Get reward Axis from them</a:t>
             </a:r>
             <a:endParaRPr lang="en-US" altLang="ja-JP" sz="2000" b="1" dirty="0">
-              <a:latin typeface="Arial" panose="020B0604020202020204" pitchFamily="34" charset="0"/>
-              <a:cs typeface="Arial" panose="020B0604020202020204" pitchFamily="34" charset="0"/>
-            </a:endParaRPr>
-          </a:p>
-          <a:p>
-            <a:pPr marL="457200" indent="-457200">
-              <a:buAutoNum type="arabicPeriod"/>
-            </a:pPr>
-            <a:endParaRPr lang="en-US" sz="2000" b="1" dirty="0">
-              <a:latin typeface="Arial" panose="020B0604020202020204" pitchFamily="34" charset="0"/>
-              <a:cs typeface="Arial" panose="020B0604020202020204" pitchFamily="34" charset="0"/>
-            </a:endParaRPr>
-          </a:p>
-          <a:p>
-            <a:pPr marL="457200" indent="-457200">
-              <a:buAutoNum type="arabicPeriod"/>
-            </a:pPr>
-            <a:endParaRPr lang="en-US" sz="2000" b="1" dirty="0">
               <a:latin typeface="Arial" panose="020B0604020202020204" pitchFamily="34" charset="0"/>
               <a:cs typeface="Arial" panose="020B0604020202020204" pitchFamily="34" charset="0"/>
             </a:endParaRPr>
@@ -9870,7 +13596,7 @@
         <p:spPr>
           <a:xfrm>
             <a:off x="115411" y="2087842"/>
-            <a:ext cx="2079149" cy="449063"/>
+            <a:ext cx="2317071" cy="449063"/>
           </a:xfrm>
           <a:prstGeom prst="rect">
             <a:avLst/>
@@ -10084,8 +13810,8 @@
         </p:nvSpPr>
         <p:spPr>
           <a:xfrm>
-            <a:off x="2377441" y="2087841"/>
-            <a:ext cx="9699152" cy="449063"/>
+            <a:off x="2559017" y="2087841"/>
+            <a:ext cx="9517576" cy="449063"/>
           </a:xfrm>
           <a:prstGeom prst="rect">
             <a:avLst/>
@@ -10283,12 +14009,222 @@
           </a:p>
         </p:txBody>
       </p:sp>
+      <p:pic>
+        <p:nvPicPr>
+          <p:cNvPr id="6" name="図 5">
+            <a:extLst>
+              <a:ext uri="{FF2B5EF4-FFF2-40B4-BE49-F238E27FC236}">
+                <a16:creationId xmlns:a16="http://schemas.microsoft.com/office/drawing/2014/main" id="{593B869B-0920-8933-A724-ABA47FCE1109}"/>
+              </a:ext>
+            </a:extLst>
+          </p:cNvPr>
+          <p:cNvPicPr>
+            <a:picLocks noChangeAspect="1"/>
+          </p:cNvPicPr>
+          <p:nvPr/>
+        </p:nvPicPr>
+        <p:blipFill>
+          <a:blip r:embed="rId3">
+            <a:extLst>
+              <a:ext uri="{28A0092B-C50C-407E-A947-70E740481C1C}">
+                <a14:useLocalDpi xmlns:a14="http://schemas.microsoft.com/office/drawing/2010/main" val="0"/>
+              </a:ext>
+            </a:extLst>
+          </a:blip>
+          <a:srcRect/>
+          <a:stretch/>
+        </p:blipFill>
+        <p:spPr>
+          <a:xfrm>
+            <a:off x="2559017" y="2702423"/>
+            <a:ext cx="1514180" cy="3280185"/>
+          </a:xfrm>
+          <a:prstGeom prst="rect">
+            <a:avLst/>
+          </a:prstGeom>
+        </p:spPr>
+      </p:pic>
+      <p:pic>
+        <p:nvPicPr>
+          <p:cNvPr id="7" name="図 6">
+            <a:extLst>
+              <a:ext uri="{FF2B5EF4-FFF2-40B4-BE49-F238E27FC236}">
+                <a16:creationId xmlns:a16="http://schemas.microsoft.com/office/drawing/2014/main" id="{AB2F9B29-106D-2B68-7CD9-CFC04F568488}"/>
+              </a:ext>
+            </a:extLst>
+          </p:cNvPr>
+          <p:cNvPicPr>
+            <a:picLocks noChangeAspect="1"/>
+          </p:cNvPicPr>
+          <p:nvPr/>
+        </p:nvPicPr>
+        <p:blipFill>
+          <a:blip r:embed="rId4">
+            <a:extLst>
+              <a:ext uri="{28A0092B-C50C-407E-A947-70E740481C1C}">
+                <a14:useLocalDpi xmlns:a14="http://schemas.microsoft.com/office/drawing/2010/main" val="0"/>
+              </a:ext>
+            </a:extLst>
+          </a:blip>
+          <a:srcRect/>
+          <a:stretch/>
+        </p:blipFill>
+        <p:spPr>
+          <a:xfrm>
+            <a:off x="4073197" y="2698924"/>
+            <a:ext cx="1514179" cy="3280185"/>
+          </a:xfrm>
+          <a:prstGeom prst="rect">
+            <a:avLst/>
+          </a:prstGeom>
+        </p:spPr>
+      </p:pic>
+      <p:pic>
+        <p:nvPicPr>
+          <p:cNvPr id="8" name="図 7">
+            <a:extLst>
+              <a:ext uri="{FF2B5EF4-FFF2-40B4-BE49-F238E27FC236}">
+                <a16:creationId xmlns:a16="http://schemas.microsoft.com/office/drawing/2014/main" id="{8717830C-11B7-02A9-5E17-6B25CC5B119C}"/>
+              </a:ext>
+            </a:extLst>
+          </p:cNvPr>
+          <p:cNvPicPr>
+            <a:picLocks noChangeAspect="1"/>
+          </p:cNvPicPr>
+          <p:nvPr/>
+        </p:nvPicPr>
+        <p:blipFill>
+          <a:blip r:embed="rId5">
+            <a:extLst>
+              <a:ext uri="{28A0092B-C50C-407E-A947-70E740481C1C}">
+                <a14:useLocalDpi xmlns:a14="http://schemas.microsoft.com/office/drawing/2010/main" val="0"/>
+              </a:ext>
+            </a:extLst>
+          </a:blip>
+          <a:srcRect/>
+          <a:stretch/>
+        </p:blipFill>
+        <p:spPr>
+          <a:xfrm>
+            <a:off x="5868787" y="2698926"/>
+            <a:ext cx="1514179" cy="3280185"/>
+          </a:xfrm>
+          <a:prstGeom prst="rect">
+            <a:avLst/>
+          </a:prstGeom>
+        </p:spPr>
+      </p:pic>
+      <p:pic>
+        <p:nvPicPr>
+          <p:cNvPr id="9" name="図 8">
+            <a:extLst>
+              <a:ext uri="{FF2B5EF4-FFF2-40B4-BE49-F238E27FC236}">
+                <a16:creationId xmlns:a16="http://schemas.microsoft.com/office/drawing/2014/main" id="{3FFD7BC9-D45B-3051-74E4-CB59A9DDBDA1}"/>
+              </a:ext>
+            </a:extLst>
+          </p:cNvPr>
+          <p:cNvPicPr>
+            <a:picLocks noChangeAspect="1"/>
+          </p:cNvPicPr>
+          <p:nvPr/>
+        </p:nvPicPr>
+        <p:blipFill>
+          <a:blip r:embed="rId6">
+            <a:extLst>
+              <a:ext uri="{28A0092B-C50C-407E-A947-70E740481C1C}">
+                <a14:useLocalDpi xmlns:a14="http://schemas.microsoft.com/office/drawing/2010/main" val="0"/>
+              </a:ext>
+            </a:extLst>
+          </a:blip>
+          <a:srcRect/>
+          <a:stretch/>
+        </p:blipFill>
+        <p:spPr>
+          <a:xfrm>
+            <a:off x="7382967" y="2698925"/>
+            <a:ext cx="1514179" cy="3280185"/>
+          </a:xfrm>
+          <a:prstGeom prst="rect">
+            <a:avLst/>
+          </a:prstGeom>
+        </p:spPr>
+      </p:pic>
+      <p:pic>
+        <p:nvPicPr>
+          <p:cNvPr id="10" name="図 9">
+            <a:extLst>
+              <a:ext uri="{FF2B5EF4-FFF2-40B4-BE49-F238E27FC236}">
+                <a16:creationId xmlns:a16="http://schemas.microsoft.com/office/drawing/2014/main" id="{789F6288-5B80-9C73-DBE8-1909E871F3A6}"/>
+              </a:ext>
+            </a:extLst>
+          </p:cNvPr>
+          <p:cNvPicPr>
+            <a:picLocks noChangeAspect="1"/>
+          </p:cNvPicPr>
+          <p:nvPr/>
+        </p:nvPicPr>
+        <p:blipFill>
+          <a:blip r:embed="rId7">
+            <a:extLst>
+              <a:ext uri="{28A0092B-C50C-407E-A947-70E740481C1C}">
+                <a14:useLocalDpi xmlns:a14="http://schemas.microsoft.com/office/drawing/2010/main" val="0"/>
+              </a:ext>
+            </a:extLst>
+          </a:blip>
+          <a:srcRect/>
+          <a:stretch/>
+        </p:blipFill>
+        <p:spPr>
+          <a:xfrm>
+            <a:off x="9151104" y="2698925"/>
+            <a:ext cx="1514179" cy="3280185"/>
+          </a:xfrm>
+          <a:prstGeom prst="rect">
+            <a:avLst/>
+          </a:prstGeom>
+        </p:spPr>
+      </p:pic>
+      <p:pic>
+        <p:nvPicPr>
+          <p:cNvPr id="11" name="図 10">
+            <a:extLst>
+              <a:ext uri="{FF2B5EF4-FFF2-40B4-BE49-F238E27FC236}">
+                <a16:creationId xmlns:a16="http://schemas.microsoft.com/office/drawing/2014/main" id="{E174DCFF-5E5F-4C51-E3CC-A4CF40B8F6A5}"/>
+              </a:ext>
+            </a:extLst>
+          </p:cNvPr>
+          <p:cNvPicPr>
+            <a:picLocks noChangeAspect="1"/>
+          </p:cNvPicPr>
+          <p:nvPr/>
+        </p:nvPicPr>
+        <p:blipFill>
+          <a:blip r:embed="rId8">
+            <a:extLst>
+              <a:ext uri="{28A0092B-C50C-407E-A947-70E740481C1C}">
+                <a14:useLocalDpi xmlns:a14="http://schemas.microsoft.com/office/drawing/2010/main" val="0"/>
+              </a:ext>
+            </a:extLst>
+          </a:blip>
+          <a:srcRect/>
+          <a:stretch/>
+        </p:blipFill>
+        <p:spPr>
+          <a:xfrm>
+            <a:off x="10665284" y="2698924"/>
+            <a:ext cx="1514179" cy="3280185"/>
+          </a:xfrm>
+          <a:prstGeom prst="rect">
+            <a:avLst/>
+          </a:prstGeom>
+        </p:spPr>
+      </p:pic>
       <p:sp>
         <p:nvSpPr>
-          <p:cNvPr id="14" name="テキスト ボックス 13">
+          <p:cNvPr id="12" name="テキスト ボックス 11">
             <a:extLst>
               <a:ext uri="{FF2B5EF4-FFF2-40B4-BE49-F238E27FC236}">
-                <a16:creationId xmlns:a16="http://schemas.microsoft.com/office/drawing/2014/main" id="{E78CA14E-16E8-D8D9-A179-5EE0EEF12434}"/>
+                <a16:creationId xmlns:a16="http://schemas.microsoft.com/office/drawing/2014/main" id="{33057860-BD21-1430-BF54-6FA839BCC651}"/>
               </a:ext>
             </a:extLst>
           </p:cNvPr>
@@ -10297,8 +14233,8 @@
         </p:nvSpPr>
         <p:spPr>
           <a:xfrm>
-            <a:off x="2738388" y="5986114"/>
-            <a:ext cx="706332" cy="307777"/>
+            <a:off x="3098308" y="5832218"/>
+            <a:ext cx="2257712" cy="307777"/>
           </a:xfrm>
           <a:prstGeom prst="rect">
             <a:avLst/>
@@ -10317,122 +14253,17 @@
                 <a:latin typeface="Arial" panose="020B0604020202020204" pitchFamily="34" charset="0"/>
                 <a:cs typeface="Arial" panose="020B0604020202020204" pitchFamily="34" charset="0"/>
               </a:rPr>
-              <a:t>0216</a:t>
+              <a:t>66.3°</a:t>
             </a:r>
           </a:p>
         </p:txBody>
       </p:sp>
-      <p:pic>
-        <p:nvPicPr>
-          <p:cNvPr id="35" name="図 34">
-            <a:extLst>
-              <a:ext uri="{FF2B5EF4-FFF2-40B4-BE49-F238E27FC236}">
-                <a16:creationId xmlns:a16="http://schemas.microsoft.com/office/drawing/2014/main" id="{3C1FD339-7B31-F97B-ABA8-B2B728F944C5}"/>
-              </a:ext>
-            </a:extLst>
-          </p:cNvPr>
-          <p:cNvPicPr>
-            <a:picLocks noChangeAspect="1"/>
-          </p:cNvPicPr>
-          <p:nvPr/>
-        </p:nvPicPr>
-        <p:blipFill>
-          <a:blip r:embed="rId3">
-            <a:extLst>
-              <a:ext uri="{28A0092B-C50C-407E-A947-70E740481C1C}">
-                <a14:useLocalDpi xmlns:a14="http://schemas.microsoft.com/office/drawing/2010/main" val="0"/>
-              </a:ext>
-            </a:extLst>
-          </a:blip>
-          <a:srcRect/>
-          <a:stretch/>
-        </p:blipFill>
-        <p:spPr>
-          <a:xfrm>
-            <a:off x="5076538" y="2695990"/>
-            <a:ext cx="1514179" cy="3280185"/>
-          </a:xfrm>
-          <a:prstGeom prst="rect">
-            <a:avLst/>
-          </a:prstGeom>
-        </p:spPr>
-      </p:pic>
-      <p:pic>
-        <p:nvPicPr>
-          <p:cNvPr id="36" name="図 35">
-            <a:extLst>
-              <a:ext uri="{FF2B5EF4-FFF2-40B4-BE49-F238E27FC236}">
-                <a16:creationId xmlns:a16="http://schemas.microsoft.com/office/drawing/2014/main" id="{B333C618-B8EA-6CAD-5D63-8EBA44F8F585}"/>
-              </a:ext>
-            </a:extLst>
-          </p:cNvPr>
-          <p:cNvPicPr>
-            <a:picLocks noChangeAspect="1"/>
-          </p:cNvPicPr>
-          <p:nvPr/>
-        </p:nvPicPr>
-        <p:blipFill>
-          <a:blip r:embed="rId4">
-            <a:extLst>
-              <a:ext uri="{28A0092B-C50C-407E-A947-70E740481C1C}">
-                <a14:useLocalDpi xmlns:a14="http://schemas.microsoft.com/office/drawing/2010/main" val="0"/>
-              </a:ext>
-            </a:extLst>
-          </a:blip>
-          <a:srcRect/>
-          <a:stretch/>
-        </p:blipFill>
-        <p:spPr>
-          <a:xfrm>
-            <a:off x="3696772" y="2699800"/>
-            <a:ext cx="1514179" cy="3280185"/>
-          </a:xfrm>
-          <a:prstGeom prst="rect">
-            <a:avLst/>
-          </a:prstGeom>
-        </p:spPr>
-      </p:pic>
-      <p:pic>
-        <p:nvPicPr>
-          <p:cNvPr id="37" name="図 36">
-            <a:extLst>
-              <a:ext uri="{FF2B5EF4-FFF2-40B4-BE49-F238E27FC236}">
-                <a16:creationId xmlns:a16="http://schemas.microsoft.com/office/drawing/2014/main" id="{A31763D5-BB79-F7D5-29ED-A6EBB1F2ECCC}"/>
-              </a:ext>
-            </a:extLst>
-          </p:cNvPr>
-          <p:cNvPicPr>
-            <a:picLocks noChangeAspect="1"/>
-          </p:cNvPicPr>
-          <p:nvPr/>
-        </p:nvPicPr>
-        <p:blipFill>
-          <a:blip r:embed="rId5">
-            <a:extLst>
-              <a:ext uri="{28A0092B-C50C-407E-A947-70E740481C1C}">
-                <a14:useLocalDpi xmlns:a14="http://schemas.microsoft.com/office/drawing/2010/main" val="0"/>
-              </a:ext>
-            </a:extLst>
-          </a:blip>
-          <a:srcRect/>
-          <a:stretch/>
-        </p:blipFill>
-        <p:spPr>
-          <a:xfrm>
-            <a:off x="2283808" y="2702423"/>
-            <a:ext cx="1514179" cy="3280185"/>
-          </a:xfrm>
-          <a:prstGeom prst="rect">
-            <a:avLst/>
-          </a:prstGeom>
-        </p:spPr>
-      </p:pic>
       <p:sp>
         <p:nvSpPr>
-          <p:cNvPr id="38" name="テキスト ボックス 37">
+          <p:cNvPr id="13" name="テキスト ボックス 12">
             <a:extLst>
               <a:ext uri="{FF2B5EF4-FFF2-40B4-BE49-F238E27FC236}">
-                <a16:creationId xmlns:a16="http://schemas.microsoft.com/office/drawing/2014/main" id="{8CEBEAB8-21CE-5FCA-D76E-27AAEB5C4793}"/>
+                <a16:creationId xmlns:a16="http://schemas.microsoft.com/office/drawing/2014/main" id="{2D0D72F0-04E3-41B5-467F-01AD7257E6CC}"/>
               </a:ext>
             </a:extLst>
           </p:cNvPr>
@@ -10441,8 +14272,8 @@
         </p:nvSpPr>
         <p:spPr>
           <a:xfrm>
-            <a:off x="4152034" y="5989980"/>
-            <a:ext cx="706332" cy="307777"/>
+            <a:off x="6425012" y="5832218"/>
+            <a:ext cx="2257712" cy="307777"/>
           </a:xfrm>
           <a:prstGeom prst="rect">
             <a:avLst/>
@@ -10461,17 +14292,17 @@
                 <a:latin typeface="Arial" panose="020B0604020202020204" pitchFamily="34" charset="0"/>
                 <a:cs typeface="Arial" panose="020B0604020202020204" pitchFamily="34" charset="0"/>
               </a:rPr>
-              <a:t>0405</a:t>
+              <a:t>61.0°</a:t>
             </a:r>
           </a:p>
         </p:txBody>
       </p:sp>
       <p:sp>
         <p:nvSpPr>
-          <p:cNvPr id="39" name="テキスト ボックス 38">
+          <p:cNvPr id="14" name="テキスト ボックス 13">
             <a:extLst>
               <a:ext uri="{FF2B5EF4-FFF2-40B4-BE49-F238E27FC236}">
-                <a16:creationId xmlns:a16="http://schemas.microsoft.com/office/drawing/2014/main" id="{D22E9565-EA77-6035-F5BF-057CFFD532DE}"/>
+                <a16:creationId xmlns:a16="http://schemas.microsoft.com/office/drawing/2014/main" id="{C0F09E5F-B118-17B6-8F0A-B9849D3D6FD7}"/>
               </a:ext>
             </a:extLst>
           </p:cNvPr>
@@ -10480,8 +14311,8 @@
         </p:nvSpPr>
         <p:spPr>
           <a:xfrm>
-            <a:off x="5481408" y="5989980"/>
-            <a:ext cx="706332" cy="307777"/>
+            <a:off x="9695304" y="5832218"/>
+            <a:ext cx="2257712" cy="307777"/>
           </a:xfrm>
           <a:prstGeom prst="rect">
             <a:avLst/>
@@ -10500,17 +14331,17 @@
                 <a:latin typeface="Arial" panose="020B0604020202020204" pitchFamily="34" charset="0"/>
                 <a:cs typeface="Arial" panose="020B0604020202020204" pitchFamily="34" charset="0"/>
               </a:rPr>
-              <a:t>0411</a:t>
+              <a:t>90.3°</a:t>
             </a:r>
           </a:p>
         </p:txBody>
       </p:sp>
       <p:pic>
         <p:nvPicPr>
-          <p:cNvPr id="8" name="図 7" descr="アイコン&#10;&#10;自動的に生成された説明">
+          <p:cNvPr id="16" name="図 15">
             <a:extLst>
               <a:ext uri="{FF2B5EF4-FFF2-40B4-BE49-F238E27FC236}">
-                <a16:creationId xmlns:a16="http://schemas.microsoft.com/office/drawing/2014/main" id="{599E9DEC-FED0-36CF-90AA-D84B353C4D89}"/>
+                <a16:creationId xmlns:a16="http://schemas.microsoft.com/office/drawing/2014/main" id="{4681523C-BBF9-5126-77C2-0C6F7F6B26E4}"/>
               </a:ext>
             </a:extLst>
           </p:cNvPr>
@@ -10520,33 +14351,75 @@
           <p:nvPr/>
         </p:nvPicPr>
         <p:blipFill>
-          <a:blip r:embed="rId6">
+          <a:blip r:embed="rId9">
             <a:extLst>
               <a:ext uri="{28A0092B-C50C-407E-A947-70E740481C1C}">
                 <a14:useLocalDpi xmlns:a14="http://schemas.microsoft.com/office/drawing/2010/main" val="0"/>
               </a:ext>
             </a:extLst>
           </a:blip>
-          <a:stretch>
-            <a:fillRect/>
-          </a:stretch>
+          <a:srcRect/>
+          <a:stretch/>
         </p:blipFill>
         <p:spPr>
           <a:xfrm>
-            <a:off x="200964" y="2831948"/>
-            <a:ext cx="1776409" cy="3381033"/>
+            <a:off x="1205016" y="3047128"/>
+            <a:ext cx="1193823" cy="2586192"/>
           </a:xfrm>
           <a:prstGeom prst="rect">
             <a:avLst/>
           </a:prstGeom>
         </p:spPr>
       </p:pic>
+      <p:sp>
+        <p:nvSpPr>
+          <p:cNvPr id="17" name="テキスト ボックス 16">
+            <a:extLst>
+              <a:ext uri="{FF2B5EF4-FFF2-40B4-BE49-F238E27FC236}">
+                <a16:creationId xmlns:a16="http://schemas.microsoft.com/office/drawing/2014/main" id="{1E19F80C-1F8A-865D-4307-F6CD5747B356}"/>
+              </a:ext>
+            </a:extLst>
+          </p:cNvPr>
+          <p:cNvSpPr txBox="1"/>
+          <p:nvPr/>
+        </p:nvSpPr>
+        <p:spPr>
+          <a:xfrm>
+            <a:off x="263372" y="5617558"/>
+            <a:ext cx="1910667" cy="261610"/>
+          </a:xfrm>
+          <a:prstGeom prst="rect">
+            <a:avLst/>
+          </a:prstGeom>
+          <a:noFill/>
+        </p:spPr>
+        <p:txBody>
+          <a:bodyPr wrap="square" rtlCol="0">
+            <a:spAutoFit/>
+          </a:bodyPr>
+          <a:lstStyle/>
+          <a:p>
+            <a:pPr algn="ctr"/>
+            <a:r>
+              <a:rPr kumimoji="1" lang="en-US" altLang="ja-JP" sz="1100" b="1" dirty="0">
+                <a:latin typeface="Arial" panose="020B0604020202020204" pitchFamily="34" charset="0"/>
+                <a:cs typeface="Arial" panose="020B0604020202020204" pitchFamily="34" charset="0"/>
+              </a:rPr>
+              <a:t>Rocky data Day1 – 95.9 °</a:t>
+            </a:r>
+            <a:endParaRPr kumimoji="1" lang="ja-JP" altLang="en-US" sz="1100" b="1" dirty="0">
+              <a:latin typeface="Arial" panose="020B0604020202020204" pitchFamily="34" charset="0"/>
+              <a:cs typeface="Arial" panose="020B0604020202020204" pitchFamily="34" charset="0"/>
+            </a:endParaRPr>
+          </a:p>
+        </p:txBody>
+      </p:sp>
       <p:pic>
         <p:nvPicPr>
-          <p:cNvPr id="9" name="図 8">
+          <p:cNvPr id="15" name="図 14">
             <a:extLst>
               <a:ext uri="{FF2B5EF4-FFF2-40B4-BE49-F238E27FC236}">
-                <a16:creationId xmlns:a16="http://schemas.microsoft.com/office/drawing/2014/main" id="{E91FAD4C-3D6C-5699-7889-E89D34000263}"/>
+                <a16:creationId xmlns:a16="http://schemas.microsoft.com/office/drawing/2014/main" id="{54EA8663-1916-F875-96AE-E042F040933E}"/>
               </a:ext>
             </a:extLst>
           </p:cNvPr>
@@ -10556,7 +14429,7 @@
           <p:nvPr/>
         </p:nvPicPr>
         <p:blipFill>
-          <a:blip r:embed="rId7">
+          <a:blip r:embed="rId10">
             <a:extLst>
               <a:ext uri="{28A0092B-C50C-407E-A947-70E740481C1C}">
                 <a14:useLocalDpi xmlns:a14="http://schemas.microsoft.com/office/drawing/2010/main" val="0"/>
@@ -10568,8 +14441,8 @@
         </p:blipFill>
         <p:spPr>
           <a:xfrm>
-            <a:off x="7596632" y="2992296"/>
-            <a:ext cx="3837377" cy="2876936"/>
+            <a:off x="115410" y="3047128"/>
+            <a:ext cx="1193823" cy="2586192"/>
           </a:xfrm>
           <a:prstGeom prst="rect">
             <a:avLst/>
@@ -10579,18 +14452,404 @@
     </p:spTree>
     <p:extLst>
       <p:ext uri="{BB962C8B-B14F-4D97-AF65-F5344CB8AC3E}">
-        <p14:creationId xmlns:p14="http://schemas.microsoft.com/office/powerpoint/2010/main" val="4150551213"/>
+        <p14:creationId xmlns:p14="http://schemas.microsoft.com/office/powerpoint/2010/main" val="4032427205"/>
       </p:ext>
     </p:extLst>
   </p:cSld>
   <p:clrMapOvr>
     <a:masterClrMapping/>
   </p:clrMapOvr>
+  <p:timing>
+    <p:tnLst>
+      <p:par>
+        <p:cTn id="1" dur="indefinite" restart="never" nodeType="tmRoot">
+          <p:childTnLst>
+            <p:seq concurrent="1" nextAc="seek">
+              <p:cTn id="2" dur="indefinite" nodeType="mainSeq">
+                <p:childTnLst>
+                  <p:par>
+                    <p:cTn id="3" fill="hold">
+                      <p:stCondLst>
+                        <p:cond delay="indefinite"/>
+                      </p:stCondLst>
+                      <p:childTnLst>
+                        <p:par>
+                          <p:cTn id="4" fill="hold">
+                            <p:stCondLst>
+                              <p:cond delay="0"/>
+                            </p:stCondLst>
+                            <p:childTnLst>
+                              <p:par>
+                                <p:cTn id="5" presetID="10" presetClass="entr" presetSubtype="0" fill="hold" nodeType="clickEffect">
+                                  <p:stCondLst>
+                                    <p:cond delay="0"/>
+                                  </p:stCondLst>
+                                  <p:childTnLst>
+                                    <p:set>
+                                      <p:cBhvr>
+                                        <p:cTn id="6" dur="1" fill="hold">
+                                          <p:stCondLst>
+                                            <p:cond delay="0"/>
+                                          </p:stCondLst>
+                                        </p:cTn>
+                                        <p:tgtEl>
+                                          <p:spTgt spid="6"/>
+                                        </p:tgtEl>
+                                        <p:attrNameLst>
+                                          <p:attrName>style.visibility</p:attrName>
+                                        </p:attrNameLst>
+                                      </p:cBhvr>
+                                      <p:to>
+                                        <p:strVal val="visible"/>
+                                      </p:to>
+                                    </p:set>
+                                    <p:animEffect transition="in" filter="fade">
+                                      <p:cBhvr>
+                                        <p:cTn id="7" dur="500"/>
+                                        <p:tgtEl>
+                                          <p:spTgt spid="6"/>
+                                        </p:tgtEl>
+                                      </p:cBhvr>
+                                    </p:animEffect>
+                                  </p:childTnLst>
+                                </p:cTn>
+                              </p:par>
+                              <p:par>
+                                <p:cTn id="8" presetID="10" presetClass="entr" presetSubtype="0" fill="hold" nodeType="withEffect">
+                                  <p:stCondLst>
+                                    <p:cond delay="0"/>
+                                  </p:stCondLst>
+                                  <p:childTnLst>
+                                    <p:set>
+                                      <p:cBhvr>
+                                        <p:cTn id="9" dur="1" fill="hold">
+                                          <p:stCondLst>
+                                            <p:cond delay="0"/>
+                                          </p:stCondLst>
+                                        </p:cTn>
+                                        <p:tgtEl>
+                                          <p:spTgt spid="8"/>
+                                        </p:tgtEl>
+                                        <p:attrNameLst>
+                                          <p:attrName>style.visibility</p:attrName>
+                                        </p:attrNameLst>
+                                      </p:cBhvr>
+                                      <p:to>
+                                        <p:strVal val="visible"/>
+                                      </p:to>
+                                    </p:set>
+                                    <p:animEffect transition="in" filter="fade">
+                                      <p:cBhvr>
+                                        <p:cTn id="10" dur="500"/>
+                                        <p:tgtEl>
+                                          <p:spTgt spid="8"/>
+                                        </p:tgtEl>
+                                      </p:cBhvr>
+                                    </p:animEffect>
+                                  </p:childTnLst>
+                                </p:cTn>
+                              </p:par>
+                              <p:par>
+                                <p:cTn id="11" presetID="10" presetClass="entr" presetSubtype="0" fill="hold" nodeType="withEffect">
+                                  <p:stCondLst>
+                                    <p:cond delay="0"/>
+                                  </p:stCondLst>
+                                  <p:childTnLst>
+                                    <p:set>
+                                      <p:cBhvr>
+                                        <p:cTn id="12" dur="1" fill="hold">
+                                          <p:stCondLst>
+                                            <p:cond delay="0"/>
+                                          </p:stCondLst>
+                                        </p:cTn>
+                                        <p:tgtEl>
+                                          <p:spTgt spid="10"/>
+                                        </p:tgtEl>
+                                        <p:attrNameLst>
+                                          <p:attrName>style.visibility</p:attrName>
+                                        </p:attrNameLst>
+                                      </p:cBhvr>
+                                      <p:to>
+                                        <p:strVal val="visible"/>
+                                      </p:to>
+                                    </p:set>
+                                    <p:animEffect transition="in" filter="fade">
+                                      <p:cBhvr>
+                                        <p:cTn id="13" dur="500"/>
+                                        <p:tgtEl>
+                                          <p:spTgt spid="10"/>
+                                        </p:tgtEl>
+                                      </p:cBhvr>
+                                    </p:animEffect>
+                                  </p:childTnLst>
+                                </p:cTn>
+                              </p:par>
+                            </p:childTnLst>
+                          </p:cTn>
+                        </p:par>
+                      </p:childTnLst>
+                    </p:cTn>
+                  </p:par>
+                  <p:par>
+                    <p:cTn id="14" fill="hold">
+                      <p:stCondLst>
+                        <p:cond delay="indefinite"/>
+                      </p:stCondLst>
+                      <p:childTnLst>
+                        <p:par>
+                          <p:cTn id="15" fill="hold">
+                            <p:stCondLst>
+                              <p:cond delay="0"/>
+                            </p:stCondLst>
+                            <p:childTnLst>
+                              <p:par>
+                                <p:cTn id="16" presetID="10" presetClass="entr" presetSubtype="0" fill="hold" nodeType="clickEffect">
+                                  <p:stCondLst>
+                                    <p:cond delay="0"/>
+                                  </p:stCondLst>
+                                  <p:childTnLst>
+                                    <p:set>
+                                      <p:cBhvr>
+                                        <p:cTn id="17" dur="1" fill="hold">
+                                          <p:stCondLst>
+                                            <p:cond delay="0"/>
+                                          </p:stCondLst>
+                                        </p:cTn>
+                                        <p:tgtEl>
+                                          <p:spTgt spid="7"/>
+                                        </p:tgtEl>
+                                        <p:attrNameLst>
+                                          <p:attrName>style.visibility</p:attrName>
+                                        </p:attrNameLst>
+                                      </p:cBhvr>
+                                      <p:to>
+                                        <p:strVal val="visible"/>
+                                      </p:to>
+                                    </p:set>
+                                    <p:animEffect transition="in" filter="fade">
+                                      <p:cBhvr>
+                                        <p:cTn id="18" dur="500"/>
+                                        <p:tgtEl>
+                                          <p:spTgt spid="7"/>
+                                        </p:tgtEl>
+                                      </p:cBhvr>
+                                    </p:animEffect>
+                                  </p:childTnLst>
+                                </p:cTn>
+                              </p:par>
+                              <p:par>
+                                <p:cTn id="19" presetID="10" presetClass="entr" presetSubtype="0" fill="hold" nodeType="withEffect">
+                                  <p:stCondLst>
+                                    <p:cond delay="0"/>
+                                  </p:stCondLst>
+                                  <p:childTnLst>
+                                    <p:set>
+                                      <p:cBhvr>
+                                        <p:cTn id="20" dur="1" fill="hold">
+                                          <p:stCondLst>
+                                            <p:cond delay="0"/>
+                                          </p:stCondLst>
+                                        </p:cTn>
+                                        <p:tgtEl>
+                                          <p:spTgt spid="9"/>
+                                        </p:tgtEl>
+                                        <p:attrNameLst>
+                                          <p:attrName>style.visibility</p:attrName>
+                                        </p:attrNameLst>
+                                      </p:cBhvr>
+                                      <p:to>
+                                        <p:strVal val="visible"/>
+                                      </p:to>
+                                    </p:set>
+                                    <p:animEffect transition="in" filter="fade">
+                                      <p:cBhvr>
+                                        <p:cTn id="21" dur="500"/>
+                                        <p:tgtEl>
+                                          <p:spTgt spid="9"/>
+                                        </p:tgtEl>
+                                      </p:cBhvr>
+                                    </p:animEffect>
+                                  </p:childTnLst>
+                                </p:cTn>
+                              </p:par>
+                              <p:par>
+                                <p:cTn id="22" presetID="10" presetClass="entr" presetSubtype="0" fill="hold" nodeType="withEffect">
+                                  <p:stCondLst>
+                                    <p:cond delay="0"/>
+                                  </p:stCondLst>
+                                  <p:childTnLst>
+                                    <p:set>
+                                      <p:cBhvr>
+                                        <p:cTn id="23" dur="1" fill="hold">
+                                          <p:stCondLst>
+                                            <p:cond delay="0"/>
+                                          </p:stCondLst>
+                                        </p:cTn>
+                                        <p:tgtEl>
+                                          <p:spTgt spid="11"/>
+                                        </p:tgtEl>
+                                        <p:attrNameLst>
+                                          <p:attrName>style.visibility</p:attrName>
+                                        </p:attrNameLst>
+                                      </p:cBhvr>
+                                      <p:to>
+                                        <p:strVal val="visible"/>
+                                      </p:to>
+                                    </p:set>
+                                    <p:animEffect transition="in" filter="fade">
+                                      <p:cBhvr>
+                                        <p:cTn id="24" dur="500"/>
+                                        <p:tgtEl>
+                                          <p:spTgt spid="11"/>
+                                        </p:tgtEl>
+                                      </p:cBhvr>
+                                    </p:animEffect>
+                                  </p:childTnLst>
+                                </p:cTn>
+                              </p:par>
+                              <p:par>
+                                <p:cTn id="25" presetID="10" presetClass="entr" presetSubtype="0" fill="hold" grpId="0" nodeType="withEffect">
+                                  <p:stCondLst>
+                                    <p:cond delay="0"/>
+                                  </p:stCondLst>
+                                  <p:childTnLst>
+                                    <p:set>
+                                      <p:cBhvr>
+                                        <p:cTn id="26" dur="1" fill="hold">
+                                          <p:stCondLst>
+                                            <p:cond delay="0"/>
+                                          </p:stCondLst>
+                                        </p:cTn>
+                                        <p:tgtEl>
+                                          <p:spTgt spid="12"/>
+                                        </p:tgtEl>
+                                        <p:attrNameLst>
+                                          <p:attrName>style.visibility</p:attrName>
+                                        </p:attrNameLst>
+                                      </p:cBhvr>
+                                      <p:to>
+                                        <p:strVal val="visible"/>
+                                      </p:to>
+                                    </p:set>
+                                    <p:animEffect transition="in" filter="fade">
+                                      <p:cBhvr>
+                                        <p:cTn id="27" dur="500"/>
+                                        <p:tgtEl>
+                                          <p:spTgt spid="12"/>
+                                        </p:tgtEl>
+                                      </p:cBhvr>
+                                    </p:animEffect>
+                                  </p:childTnLst>
+                                </p:cTn>
+                              </p:par>
+                              <p:par>
+                                <p:cTn id="28" presetID="10" presetClass="entr" presetSubtype="0" fill="hold" grpId="0" nodeType="withEffect">
+                                  <p:stCondLst>
+                                    <p:cond delay="0"/>
+                                  </p:stCondLst>
+                                  <p:childTnLst>
+                                    <p:set>
+                                      <p:cBhvr>
+                                        <p:cTn id="29" dur="1" fill="hold">
+                                          <p:stCondLst>
+                                            <p:cond delay="0"/>
+                                          </p:stCondLst>
+                                        </p:cTn>
+                                        <p:tgtEl>
+                                          <p:spTgt spid="13"/>
+                                        </p:tgtEl>
+                                        <p:attrNameLst>
+                                          <p:attrName>style.visibility</p:attrName>
+                                        </p:attrNameLst>
+                                      </p:cBhvr>
+                                      <p:to>
+                                        <p:strVal val="visible"/>
+                                      </p:to>
+                                    </p:set>
+                                    <p:animEffect transition="in" filter="fade">
+                                      <p:cBhvr>
+                                        <p:cTn id="30" dur="500"/>
+                                        <p:tgtEl>
+                                          <p:spTgt spid="13"/>
+                                        </p:tgtEl>
+                                      </p:cBhvr>
+                                    </p:animEffect>
+                                  </p:childTnLst>
+                                </p:cTn>
+                              </p:par>
+                              <p:par>
+                                <p:cTn id="31" presetID="10" presetClass="entr" presetSubtype="0" fill="hold" grpId="0" nodeType="withEffect">
+                                  <p:stCondLst>
+                                    <p:cond delay="0"/>
+                                  </p:stCondLst>
+                                  <p:childTnLst>
+                                    <p:set>
+                                      <p:cBhvr>
+                                        <p:cTn id="32" dur="1" fill="hold">
+                                          <p:stCondLst>
+                                            <p:cond delay="0"/>
+                                          </p:stCondLst>
+                                        </p:cTn>
+                                        <p:tgtEl>
+                                          <p:spTgt spid="14"/>
+                                        </p:tgtEl>
+                                        <p:attrNameLst>
+                                          <p:attrName>style.visibility</p:attrName>
+                                        </p:attrNameLst>
+                                      </p:cBhvr>
+                                      <p:to>
+                                        <p:strVal val="visible"/>
+                                      </p:to>
+                                    </p:set>
+                                    <p:animEffect transition="in" filter="fade">
+                                      <p:cBhvr>
+                                        <p:cTn id="33" dur="500"/>
+                                        <p:tgtEl>
+                                          <p:spTgt spid="14"/>
+                                        </p:tgtEl>
+                                      </p:cBhvr>
+                                    </p:animEffect>
+                                  </p:childTnLst>
+                                </p:cTn>
+                              </p:par>
+                            </p:childTnLst>
+                          </p:cTn>
+                        </p:par>
+                      </p:childTnLst>
+                    </p:cTn>
+                  </p:par>
+                </p:childTnLst>
+              </p:cTn>
+              <p:prevCondLst>
+                <p:cond evt="onPrev" delay="0">
+                  <p:tgtEl>
+                    <p:sldTgt/>
+                  </p:tgtEl>
+                </p:cond>
+              </p:prevCondLst>
+              <p:nextCondLst>
+                <p:cond evt="onNext" delay="0">
+                  <p:tgtEl>
+                    <p:sldTgt/>
+                  </p:tgtEl>
+                </p:cond>
+              </p:nextCondLst>
+            </p:seq>
+          </p:childTnLst>
+        </p:cTn>
+      </p:par>
+    </p:tnLst>
+    <p:bldLst>
+      <p:bldP spid="12" grpId="0"/>
+      <p:bldP spid="13" grpId="0"/>
+      <p:bldP spid="14" grpId="0"/>
+    </p:bldLst>
+  </p:timing>
 </p:sld>
 </file>
 
-<file path=ppt/slides/slide8.xml><?xml version="1.0" encoding="utf-8"?>
-<p:sld xmlns:a="http://schemas.openxmlformats.org/drawingml/2006/main" xmlns:r="http://schemas.openxmlformats.org/officeDocument/2006/relationships" xmlns:p="http://schemas.openxmlformats.org/presentationml/2006/main" show="0">
+<file path=ppt/slides/slide9.xml><?xml version="1.0" encoding="utf-8"?>
+<p:sld xmlns:a="http://schemas.openxmlformats.org/drawingml/2006/main" xmlns:r="http://schemas.openxmlformats.org/officeDocument/2006/relationships" xmlns:p="http://schemas.openxmlformats.org/presentationml/2006/main">
   <p:cSld>
     <p:spTree>
       <p:nvGrpSpPr>
@@ -10608,150 +14867,10 @@
       </p:grpSpPr>
       <p:sp>
         <p:nvSpPr>
-          <p:cNvPr id="2" name="タイトル 1">
+          <p:cNvPr id="4" name="タイトル 1">
             <a:extLst>
               <a:ext uri="{FF2B5EF4-FFF2-40B4-BE49-F238E27FC236}">
-                <a16:creationId xmlns:a16="http://schemas.microsoft.com/office/drawing/2014/main" id="{27D14253-3A9D-C323-9B97-5D6BE60413FE}"/>
-              </a:ext>
-            </a:extLst>
-          </p:cNvPr>
-          <p:cNvSpPr>
-            <a:spLocks noGrp="1"/>
-          </p:cNvSpPr>
-          <p:nvPr>
-            <p:ph type="title"/>
-          </p:nvPr>
-        </p:nvSpPr>
-        <p:spPr>
-          <a:xfrm>
-            <a:off x="115410" y="106533"/>
-            <a:ext cx="11940466" cy="648069"/>
-          </a:xfrm>
-        </p:spPr>
-        <p:txBody>
-          <a:bodyPr>
-            <a:noAutofit/>
-          </a:bodyPr>
-          <a:lstStyle/>
-          <a:p>
-            <a:pPr algn="ctr"/>
-            <a:r>
-              <a:rPr lang="en-US" altLang="ja-JP" sz="2800" b="1" dirty="0">
-                <a:latin typeface="Arial" panose="020B0604020202020204" pitchFamily="34" charset="0"/>
-                <a:cs typeface="Arial" panose="020B0604020202020204" pitchFamily="34" charset="0"/>
-              </a:rPr>
-              <a:t>Is Reward Axis and Difficulty Axis orthogonal?</a:t>
-            </a:r>
-            <a:endParaRPr lang="en-US" sz="2800" dirty="0">
-              <a:latin typeface="Arial" panose="020B0604020202020204" pitchFamily="34" charset="0"/>
-              <a:cs typeface="Arial" panose="020B0604020202020204" pitchFamily="34" charset="0"/>
-            </a:endParaRPr>
-          </a:p>
-        </p:txBody>
-      </p:sp>
-      <p:sp>
-        <p:nvSpPr>
-          <p:cNvPr id="3" name="コンテンツ プレースホルダー 2">
-            <a:extLst>
-              <a:ext uri="{FF2B5EF4-FFF2-40B4-BE49-F238E27FC236}">
-                <a16:creationId xmlns:a16="http://schemas.microsoft.com/office/drawing/2014/main" id="{BDE1F3B7-0738-A471-C46D-DC17FEE61F64}"/>
-              </a:ext>
-            </a:extLst>
-          </p:cNvPr>
-          <p:cNvSpPr>
-            <a:spLocks noGrp="1"/>
-          </p:cNvSpPr>
-          <p:nvPr>
-            <p:ph idx="1"/>
-          </p:nvPr>
-        </p:nvSpPr>
-        <p:spPr>
-          <a:xfrm>
-            <a:off x="115410" y="878889"/>
-            <a:ext cx="11940466" cy="1722268"/>
-          </a:xfrm>
-        </p:spPr>
-        <p:txBody>
-          <a:bodyPr>
-            <a:normAutofit/>
-          </a:bodyPr>
-          <a:lstStyle/>
-          <a:p>
-            <a:pPr marL="0" indent="0">
-              <a:buNone/>
-            </a:pPr>
-            <a:r>
-              <a:rPr lang="en-US" altLang="ja-JP" sz="2000" b="1" dirty="0">
-                <a:latin typeface="Arial" panose="020B0604020202020204" pitchFamily="34" charset="0"/>
-                <a:cs typeface="Arial" panose="020B0604020202020204" pitchFamily="34" charset="0"/>
-              </a:rPr>
-              <a:t>Method</a:t>
-            </a:r>
-          </a:p>
-          <a:p>
-            <a:pPr marL="457200" indent="-457200">
-              <a:buAutoNum type="arabicPeriod"/>
-            </a:pPr>
-            <a:r>
-              <a:rPr lang="en-US" altLang="ja-JP" sz="2000" dirty="0">
-                <a:latin typeface="Arial" panose="020B0604020202020204" pitchFamily="34" charset="0"/>
-                <a:cs typeface="Arial" panose="020B0604020202020204" pitchFamily="34" charset="0"/>
-              </a:rPr>
-              <a:t>Get an average of firing rate in each reward condition (</a:t>
-            </a:r>
-            <a:r>
-              <a:rPr lang="en-US" altLang="ja-JP" sz="2000" dirty="0" err="1">
-                <a:latin typeface="Arial" panose="020B0604020202020204" pitchFamily="34" charset="0"/>
-                <a:cs typeface="Arial" panose="020B0604020202020204" pitchFamily="34" charset="0"/>
-              </a:rPr>
-              <a:t>nneuron</a:t>
-            </a:r>
-            <a:r>
-              <a:rPr lang="en-US" altLang="ja-JP" sz="2000" dirty="0">
-                <a:latin typeface="Arial" panose="020B0604020202020204" pitchFamily="34" charset="0"/>
-                <a:cs typeface="Arial" panose="020B0604020202020204" pitchFamily="34" charset="0"/>
-              </a:rPr>
-              <a:t> * </a:t>
-            </a:r>
-            <a:r>
-              <a:rPr lang="en-US" altLang="ja-JP" sz="2000" dirty="0" err="1">
-                <a:latin typeface="Arial" panose="020B0604020202020204" pitchFamily="34" charset="0"/>
-                <a:cs typeface="Arial" panose="020B0604020202020204" pitchFamily="34" charset="0"/>
-              </a:rPr>
-              <a:t>nreward</a:t>
-            </a:r>
-            <a:r>
-              <a:rPr lang="en-US" altLang="ja-JP" sz="2000" dirty="0">
-                <a:latin typeface="Arial" panose="020B0604020202020204" pitchFamily="34" charset="0"/>
-                <a:cs typeface="Arial" panose="020B0604020202020204" pitchFamily="34" charset="0"/>
-              </a:rPr>
-              <a:t>(3)) around GC [-200 +50]</a:t>
-            </a:r>
-          </a:p>
-          <a:p>
-            <a:pPr marL="457200" indent="-457200">
-              <a:buAutoNum type="arabicPeriod"/>
-            </a:pPr>
-            <a:r>
-              <a:rPr lang="en-US" altLang="ja-JP" sz="2000" dirty="0">
-                <a:latin typeface="Arial" panose="020B0604020202020204" pitchFamily="34" charset="0"/>
-                <a:cs typeface="Arial" panose="020B0604020202020204" pitchFamily="34" charset="0"/>
-              </a:rPr>
-              <a:t>Get reward Axis from them</a:t>
-            </a:r>
-            <a:endParaRPr lang="en-US" altLang="ja-JP" sz="2000" b="1" dirty="0">
-              <a:latin typeface="Arial" panose="020B0604020202020204" pitchFamily="34" charset="0"/>
-              <a:cs typeface="Arial" panose="020B0604020202020204" pitchFamily="34" charset="0"/>
-            </a:endParaRPr>
-          </a:p>
-        </p:txBody>
-      </p:sp>
-      <p:sp>
-        <p:nvSpPr>
-          <p:cNvPr id="4" name="コンテンツ プレースホルダー 2">
-            <a:extLst>
-              <a:ext uri="{FF2B5EF4-FFF2-40B4-BE49-F238E27FC236}">
-                <a16:creationId xmlns:a16="http://schemas.microsoft.com/office/drawing/2014/main" id="{3C1F8DFF-3BE9-522D-51E5-D48F5B432B59}"/>
+                <a16:creationId xmlns:a16="http://schemas.microsoft.com/office/drawing/2014/main" id="{33CA18DF-BB06-2508-2B49-C244362E65A9}"/>
               </a:ext>
             </a:extLst>
           </p:cNvPr>
@@ -10762,20 +14881,72 @@
         </p:nvSpPr>
         <p:spPr>
           <a:xfrm>
-            <a:off x="115411" y="2087842"/>
-            <a:ext cx="2079149" cy="449063"/>
+            <a:off x="125766" y="199838"/>
+            <a:ext cx="11940466" cy="648069"/>
           </a:xfrm>
           <a:prstGeom prst="rect">
             <a:avLst/>
           </a:prstGeom>
-          <a:solidFill>
-            <a:schemeClr val="bg1">
-              <a:lumMod val="95000"/>
-            </a:schemeClr>
-          </a:solidFill>
         </p:spPr>
         <p:txBody>
-          <a:bodyPr vert="horz" lIns="91440" tIns="45720" rIns="91440" bIns="45720" rtlCol="0" anchor="ctr">
+          <a:bodyPr>
+            <a:normAutofit fontScale="97500" lnSpcReduction="10000"/>
+          </a:bodyPr>
+          <a:lstStyle>
+            <a:lvl1pPr algn="l" defTabSz="914400" rtl="0" eaLnBrk="1" latinLnBrk="0" hangingPunct="1">
+              <a:lnSpc>
+                <a:spcPct val="90000"/>
+              </a:lnSpc>
+              <a:spcBef>
+                <a:spcPct val="0"/>
+              </a:spcBef>
+              <a:buNone/>
+              <a:defRPr sz="4400" kern="1200">
+                <a:solidFill>
+                  <a:schemeClr val="tx1"/>
+                </a:solidFill>
+                <a:latin typeface="+mj-lt"/>
+                <a:ea typeface="+mj-ea"/>
+                <a:cs typeface="+mj-cs"/>
+              </a:defRPr>
+            </a:lvl1pPr>
+          </a:lstStyle>
+          <a:p>
+            <a:r>
+              <a:rPr lang="en-US" b="1" dirty="0">
+                <a:latin typeface="Arial" panose="020B0604020202020204" pitchFamily="34" charset="0"/>
+                <a:cs typeface="Arial" panose="020B0604020202020204" pitchFamily="34" charset="0"/>
+              </a:rPr>
+              <a:t>Summary</a:t>
+            </a:r>
+          </a:p>
+        </p:txBody>
+      </p:sp>
+      <p:sp>
+        <p:nvSpPr>
+          <p:cNvPr id="5" name="コンテンツ プレースホルダー 2">
+            <a:extLst>
+              <a:ext uri="{FF2B5EF4-FFF2-40B4-BE49-F238E27FC236}">
+                <a16:creationId xmlns:a16="http://schemas.microsoft.com/office/drawing/2014/main" id="{BC2D697F-ABC0-3401-EDE9-33AED999AC06}"/>
+              </a:ext>
+            </a:extLst>
+          </p:cNvPr>
+          <p:cNvSpPr txBox="1">
+            <a:spLocks/>
+          </p:cNvSpPr>
+          <p:nvPr/>
+        </p:nvSpPr>
+        <p:spPr>
+          <a:xfrm>
+            <a:off x="115410" y="878889"/>
+            <a:ext cx="11940466" cy="5872578"/>
+          </a:xfrm>
+          <a:prstGeom prst="rect">
+            <a:avLst/>
+          </a:prstGeom>
+        </p:spPr>
+        <p:txBody>
+          <a:bodyPr>
             <a:normAutofit/>
           </a:bodyPr>
           <a:lstStyle>
@@ -10943,235 +15114,227 @@
             </a:lvl9pPr>
           </a:lstStyle>
           <a:p>
-            <a:pPr marL="0" indent="0" algn="ctr">
+            <a:pPr marL="457200" indent="-457200" fontAlgn="base">
+              <a:lnSpc>
+                <a:spcPct val="100000"/>
+              </a:lnSpc>
+              <a:spcBef>
+                <a:spcPts val="0"/>
+              </a:spcBef>
               <a:buFont typeface="Arial" panose="020B0604020202020204" pitchFamily="34" charset="0"/>
+              <a:buAutoNum type="arabicPeriod"/>
+            </a:pPr>
+            <a:r>
+              <a:rPr lang="en-US" sz="2400" dirty="0">
+                <a:latin typeface="Arial" panose="020B0604020202020204" pitchFamily="34" charset="0"/>
+              </a:rPr>
+              <a:t>Stretching</a:t>
+            </a:r>
+          </a:p>
+          <a:p>
+            <a:pPr marL="914400" lvl="1" indent="-457200" fontAlgn="base">
+              <a:lnSpc>
+                <a:spcPct val="100000"/>
+              </a:lnSpc>
+              <a:spcBef>
+                <a:spcPts val="0"/>
+              </a:spcBef>
+              <a:buFont typeface="Arial" panose="020B0604020202020204" pitchFamily="34" charset="0"/>
+              <a:buAutoNum type="arabicPeriod"/>
+            </a:pPr>
+            <a:r>
+              <a:rPr lang="en-US" dirty="0">
+                <a:latin typeface="Arial" panose="020B0604020202020204" pitchFamily="34" charset="0"/>
+              </a:rPr>
+              <a:t>Couldn’t see</a:t>
+            </a:r>
+          </a:p>
+          <a:p>
+            <a:pPr marL="457200" indent="-457200" fontAlgn="base">
+              <a:lnSpc>
+                <a:spcPct val="100000"/>
+              </a:lnSpc>
+              <a:spcBef>
+                <a:spcPts val="0"/>
+              </a:spcBef>
+              <a:buFont typeface="Arial" panose="020B0604020202020204" pitchFamily="34" charset="0"/>
+              <a:buAutoNum type="arabicPeriod"/>
+            </a:pPr>
+            <a:r>
+              <a:rPr lang="en-US" sz="2400" dirty="0">
+                <a:latin typeface="Arial" panose="020B0604020202020204" pitchFamily="34" charset="0"/>
+              </a:rPr>
+              <a:t>Reward Axis and Difficulty Axis was orthogonal</a:t>
+            </a:r>
+          </a:p>
+          <a:p>
+            <a:pPr marL="914400" lvl="1" indent="-457200" fontAlgn="base">
+              <a:lnSpc>
+                <a:spcPct val="100000"/>
+              </a:lnSpc>
+              <a:spcBef>
+                <a:spcPts val="0"/>
+              </a:spcBef>
+              <a:buFont typeface="Arial" panose="020B0604020202020204" pitchFamily="34" charset="0"/>
+              <a:buAutoNum type="arabicPeriod"/>
+            </a:pPr>
+            <a:r>
+              <a:rPr lang="en-US" dirty="0">
+                <a:latin typeface="Arial" panose="020B0604020202020204" pitchFamily="34" charset="0"/>
+              </a:rPr>
+              <a:t>Couldn’t see</a:t>
+            </a:r>
+          </a:p>
+          <a:p>
+            <a:pPr marL="0" indent="0" fontAlgn="base">
+              <a:lnSpc>
+                <a:spcPct val="100000"/>
+              </a:lnSpc>
+              <a:spcBef>
+                <a:spcPts val="0"/>
+              </a:spcBef>
               <a:buNone/>
             </a:pPr>
-            <a:r>
-              <a:rPr lang="en-US" altLang="ja-JP" sz="2400" b="1" dirty="0">
-                <a:latin typeface="Arial" panose="020B0604020202020204" pitchFamily="34" charset="0"/>
-                <a:cs typeface="Arial" panose="020B0604020202020204" pitchFamily="34" charset="0"/>
-              </a:rPr>
-              <a:t>We expect</a:t>
-            </a:r>
-            <a:endParaRPr lang="en-US" sz="2400" b="1" dirty="0">
+            <a:endParaRPr lang="en-US" dirty="0">
               <a:latin typeface="Arial" panose="020B0604020202020204" pitchFamily="34" charset="0"/>
-              <a:cs typeface="Arial" panose="020B0604020202020204" pitchFamily="34" charset="0"/>
             </a:endParaRPr>
           </a:p>
-        </p:txBody>
-      </p:sp>
-      <p:sp>
-        <p:nvSpPr>
-          <p:cNvPr id="5" name="コンテンツ プレースホルダー 2">
-            <a:extLst>
-              <a:ext uri="{FF2B5EF4-FFF2-40B4-BE49-F238E27FC236}">
-                <a16:creationId xmlns:a16="http://schemas.microsoft.com/office/drawing/2014/main" id="{E2247332-FBD7-F890-418D-186D025A2163}"/>
-              </a:ext>
-            </a:extLst>
-          </p:cNvPr>
-          <p:cNvSpPr txBox="1">
-            <a:spLocks/>
-          </p:cNvSpPr>
-          <p:nvPr/>
-        </p:nvSpPr>
-        <p:spPr>
-          <a:xfrm>
-            <a:off x="2377441" y="2087841"/>
-            <a:ext cx="9699152" cy="449063"/>
-          </a:xfrm>
-          <a:prstGeom prst="rect">
-            <a:avLst/>
-          </a:prstGeom>
-          <a:solidFill>
-            <a:schemeClr val="bg1">
-              <a:lumMod val="95000"/>
-            </a:schemeClr>
-          </a:solidFill>
-        </p:spPr>
-        <p:txBody>
-          <a:bodyPr vert="horz" lIns="91440" tIns="45720" rIns="91440" bIns="45720" rtlCol="0" anchor="ctr">
-            <a:normAutofit/>
-          </a:bodyPr>
-          <a:lstStyle>
-            <a:lvl1pPr marL="228600" indent="-228600" algn="l" defTabSz="914400" rtl="0" eaLnBrk="1" latinLnBrk="0" hangingPunct="1">
-              <a:lnSpc>
-                <a:spcPct val="90000"/>
-              </a:lnSpc>
-              <a:spcBef>
-                <a:spcPts val="1000"/>
-              </a:spcBef>
-              <a:buFont typeface="Arial" panose="020B0604020202020204" pitchFamily="34" charset="0"/>
-              <a:buChar char="•"/>
-              <a:defRPr sz="2800" kern="1200">
-                <a:solidFill>
-                  <a:schemeClr val="tx1"/>
-                </a:solidFill>
-                <a:latin typeface="+mn-lt"/>
-                <a:ea typeface="+mn-ea"/>
-                <a:cs typeface="+mn-cs"/>
-              </a:defRPr>
-            </a:lvl1pPr>
-            <a:lvl2pPr marL="685800" indent="-228600" algn="l" defTabSz="914400" rtl="0" eaLnBrk="1" latinLnBrk="0" hangingPunct="1">
-              <a:lnSpc>
-                <a:spcPct val="90000"/>
-              </a:lnSpc>
-              <a:spcBef>
-                <a:spcPts val="500"/>
-              </a:spcBef>
-              <a:buFont typeface="Arial" panose="020B0604020202020204" pitchFamily="34" charset="0"/>
-              <a:buChar char="•"/>
-              <a:defRPr sz="2400" kern="1200">
-                <a:solidFill>
-                  <a:schemeClr val="tx1"/>
-                </a:solidFill>
-                <a:latin typeface="+mn-lt"/>
-                <a:ea typeface="+mn-ea"/>
-                <a:cs typeface="+mn-cs"/>
-              </a:defRPr>
-            </a:lvl2pPr>
-            <a:lvl3pPr marL="1143000" indent="-228600" algn="l" defTabSz="914400" rtl="0" eaLnBrk="1" latinLnBrk="0" hangingPunct="1">
-              <a:lnSpc>
-                <a:spcPct val="90000"/>
-              </a:lnSpc>
-              <a:spcBef>
-                <a:spcPts val="500"/>
-              </a:spcBef>
-              <a:buFont typeface="Arial" panose="020B0604020202020204" pitchFamily="34" charset="0"/>
-              <a:buChar char="•"/>
-              <a:defRPr sz="2000" kern="1200">
-                <a:solidFill>
-                  <a:schemeClr val="tx1"/>
-                </a:solidFill>
-                <a:latin typeface="+mn-lt"/>
-                <a:ea typeface="+mn-ea"/>
-                <a:cs typeface="+mn-cs"/>
-              </a:defRPr>
-            </a:lvl3pPr>
-            <a:lvl4pPr marL="1600200" indent="-228600" algn="l" defTabSz="914400" rtl="0" eaLnBrk="1" latinLnBrk="0" hangingPunct="1">
-              <a:lnSpc>
-                <a:spcPct val="90000"/>
-              </a:lnSpc>
-              <a:spcBef>
-                <a:spcPts val="500"/>
-              </a:spcBef>
-              <a:buFont typeface="Arial" panose="020B0604020202020204" pitchFamily="34" charset="0"/>
-              <a:buChar char="•"/>
-              <a:defRPr sz="1800" kern="1200">
-                <a:solidFill>
-                  <a:schemeClr val="tx1"/>
-                </a:solidFill>
-                <a:latin typeface="+mn-lt"/>
-                <a:ea typeface="+mn-ea"/>
-                <a:cs typeface="+mn-cs"/>
-              </a:defRPr>
-            </a:lvl4pPr>
-            <a:lvl5pPr marL="2057400" indent="-228600" algn="l" defTabSz="914400" rtl="0" eaLnBrk="1" latinLnBrk="0" hangingPunct="1">
-              <a:lnSpc>
-                <a:spcPct val="90000"/>
-              </a:lnSpc>
-              <a:spcBef>
-                <a:spcPts val="500"/>
-              </a:spcBef>
-              <a:buFont typeface="Arial" panose="020B0604020202020204" pitchFamily="34" charset="0"/>
-              <a:buChar char="•"/>
-              <a:defRPr sz="1800" kern="1200">
-                <a:solidFill>
-                  <a:schemeClr val="tx1"/>
-                </a:solidFill>
-                <a:latin typeface="+mn-lt"/>
-                <a:ea typeface="+mn-ea"/>
-                <a:cs typeface="+mn-cs"/>
-              </a:defRPr>
-            </a:lvl5pPr>
-            <a:lvl6pPr marL="2514600" indent="-228600" algn="l" defTabSz="914400" rtl="0" eaLnBrk="1" latinLnBrk="0" hangingPunct="1">
-              <a:lnSpc>
-                <a:spcPct val="90000"/>
-              </a:lnSpc>
-              <a:spcBef>
-                <a:spcPts val="500"/>
-              </a:spcBef>
-              <a:buFont typeface="Arial" panose="020B0604020202020204" pitchFamily="34" charset="0"/>
-              <a:buChar char="•"/>
-              <a:defRPr sz="1800" kern="1200">
-                <a:solidFill>
-                  <a:schemeClr val="tx1"/>
-                </a:solidFill>
-                <a:latin typeface="+mn-lt"/>
-                <a:ea typeface="+mn-ea"/>
-                <a:cs typeface="+mn-cs"/>
-              </a:defRPr>
-            </a:lvl6pPr>
-            <a:lvl7pPr marL="2971800" indent="-228600" algn="l" defTabSz="914400" rtl="0" eaLnBrk="1" latinLnBrk="0" hangingPunct="1">
-              <a:lnSpc>
-                <a:spcPct val="90000"/>
-              </a:lnSpc>
-              <a:spcBef>
-                <a:spcPts val="500"/>
-              </a:spcBef>
-              <a:buFont typeface="Arial" panose="020B0604020202020204" pitchFamily="34" charset="0"/>
-              <a:buChar char="•"/>
-              <a:defRPr sz="1800" kern="1200">
-                <a:solidFill>
-                  <a:schemeClr val="tx1"/>
-                </a:solidFill>
-                <a:latin typeface="+mn-lt"/>
-                <a:ea typeface="+mn-ea"/>
-                <a:cs typeface="+mn-cs"/>
-              </a:defRPr>
-            </a:lvl7pPr>
-            <a:lvl8pPr marL="3429000" indent="-228600" algn="l" defTabSz="914400" rtl="0" eaLnBrk="1" latinLnBrk="0" hangingPunct="1">
-              <a:lnSpc>
-                <a:spcPct val="90000"/>
-              </a:lnSpc>
-              <a:spcBef>
-                <a:spcPts val="500"/>
-              </a:spcBef>
-              <a:buFont typeface="Arial" panose="020B0604020202020204" pitchFamily="34" charset="0"/>
-              <a:buChar char="•"/>
-              <a:defRPr sz="1800" kern="1200">
-                <a:solidFill>
-                  <a:schemeClr val="tx1"/>
-                </a:solidFill>
-                <a:latin typeface="+mn-lt"/>
-                <a:ea typeface="+mn-ea"/>
-                <a:cs typeface="+mn-cs"/>
-              </a:defRPr>
-            </a:lvl8pPr>
-            <a:lvl9pPr marL="3886200" indent="-228600" algn="l" defTabSz="914400" rtl="0" eaLnBrk="1" latinLnBrk="0" hangingPunct="1">
-              <a:lnSpc>
-                <a:spcPct val="90000"/>
-              </a:lnSpc>
-              <a:spcBef>
-                <a:spcPts val="500"/>
-              </a:spcBef>
-              <a:buFont typeface="Arial" panose="020B0604020202020204" pitchFamily="34" charset="0"/>
-              <a:buChar char="•"/>
-              <a:defRPr sz="1800" kern="1200">
-                <a:solidFill>
-                  <a:schemeClr val="tx1"/>
-                </a:solidFill>
-                <a:latin typeface="+mn-lt"/>
-                <a:ea typeface="+mn-ea"/>
-                <a:cs typeface="+mn-cs"/>
-              </a:defRPr>
-            </a:lvl9pPr>
-          </a:lstStyle>
-          <a:p>
-            <a:pPr marL="0" indent="0" algn="ctr">
-              <a:buFont typeface="Arial" panose="020B0604020202020204" pitchFamily="34" charset="0"/>
+          <a:p>
+            <a:pPr marL="0" indent="0" fontAlgn="base">
+              <a:lnSpc>
+                <a:spcPct val="100000"/>
+              </a:lnSpc>
+              <a:spcBef>
+                <a:spcPts val="0"/>
+              </a:spcBef>
               <a:buNone/>
             </a:pPr>
             <a:r>
-              <a:rPr lang="en-US" altLang="ja-JP" sz="2400" b="1" dirty="0">
+              <a:rPr lang="en-US" dirty="0">
                 <a:latin typeface="Arial" panose="020B0604020202020204" pitchFamily="34" charset="0"/>
-                <a:cs typeface="Arial" panose="020B0604020202020204" pitchFamily="34" charset="0"/>
               </a:rPr>
-              <a:t>Result</a:t>
-            </a:r>
-            <a:endParaRPr lang="en-US" sz="2400" b="1" dirty="0">
+              <a:t>What causes the difference?</a:t>
+            </a:r>
+          </a:p>
+          <a:p>
+            <a:pPr marL="514350" indent="-514350" fontAlgn="base">
+              <a:lnSpc>
+                <a:spcPct val="100000"/>
+              </a:lnSpc>
+              <a:spcBef>
+                <a:spcPts val="0"/>
+              </a:spcBef>
+              <a:buAutoNum type="arabicPeriod"/>
+            </a:pPr>
+            <a:r>
+              <a:rPr lang="en-US" dirty="0">
+                <a:latin typeface="Arial" panose="020B0604020202020204" pitchFamily="34" charset="0"/>
+              </a:rPr>
+              <a:t>Focus difficulty affects? =&gt; How about in Trivial trials?</a:t>
+            </a:r>
+          </a:p>
+          <a:p>
+            <a:pPr marL="514350" indent="-514350" fontAlgn="base">
+              <a:lnSpc>
+                <a:spcPct val="100000"/>
+              </a:lnSpc>
+              <a:spcBef>
+                <a:spcPts val="0"/>
+              </a:spcBef>
+              <a:buAutoNum type="arabicPeriod"/>
+            </a:pPr>
+            <a:r>
+              <a:rPr lang="en-US" dirty="0">
+                <a:latin typeface="Arial" panose="020B0604020202020204" pitchFamily="34" charset="0"/>
+              </a:rPr>
+              <a:t>Was Small(0mL) special? =&gt; Rocky showed stretching b/w M and L?</a:t>
+            </a:r>
+          </a:p>
+          <a:p>
+            <a:pPr marL="514350" indent="-514350" fontAlgn="base">
+              <a:lnSpc>
+                <a:spcPct val="100000"/>
+              </a:lnSpc>
+              <a:spcBef>
+                <a:spcPts val="0"/>
+              </a:spcBef>
+              <a:buAutoNum type="arabicPeriod"/>
+            </a:pPr>
+            <a:endParaRPr lang="en-US" dirty="0">
               <a:latin typeface="Arial" panose="020B0604020202020204" pitchFamily="34" charset="0"/>
-              <a:cs typeface="Arial" panose="020B0604020202020204" pitchFamily="34" charset="0"/>
+            </a:endParaRPr>
+          </a:p>
+          <a:p>
+            <a:pPr marL="0" indent="0" fontAlgn="base">
+              <a:lnSpc>
+                <a:spcPct val="100000"/>
+              </a:lnSpc>
+              <a:spcBef>
+                <a:spcPts val="0"/>
+              </a:spcBef>
+              <a:buNone/>
+            </a:pPr>
+            <a:r>
+              <a:rPr lang="en-US" dirty="0">
+                <a:latin typeface="Arial" panose="020B0604020202020204" pitchFamily="34" charset="0"/>
+              </a:rPr>
+              <a:t>Future work: Reconstruct the hypothesis</a:t>
+            </a:r>
+          </a:p>
+          <a:p>
+            <a:pPr marL="0" indent="0" fontAlgn="base">
+              <a:lnSpc>
+                <a:spcPct val="100000"/>
+              </a:lnSpc>
+              <a:spcBef>
+                <a:spcPts val="0"/>
+              </a:spcBef>
+              <a:buNone/>
+            </a:pPr>
+            <a:endParaRPr lang="en-US" dirty="0">
+              <a:latin typeface="Arial" panose="020B0604020202020204" pitchFamily="34" charset="0"/>
+            </a:endParaRPr>
+          </a:p>
+          <a:p>
+            <a:pPr marL="0" indent="0" fontAlgn="base">
+              <a:lnSpc>
+                <a:spcPct val="100000"/>
+              </a:lnSpc>
+              <a:spcBef>
+                <a:spcPts val="0"/>
+              </a:spcBef>
+              <a:buNone/>
+            </a:pPr>
+            <a:endParaRPr lang="en-US" dirty="0">
+              <a:latin typeface="Arial" panose="020B0604020202020204" pitchFamily="34" charset="0"/>
+            </a:endParaRPr>
+          </a:p>
+          <a:p>
+            <a:pPr marL="0" indent="0" fontAlgn="base">
+              <a:lnSpc>
+                <a:spcPct val="100000"/>
+              </a:lnSpc>
+              <a:spcBef>
+                <a:spcPts val="0"/>
+              </a:spcBef>
+              <a:buNone/>
+            </a:pPr>
+            <a:endParaRPr lang="en-US" dirty="0">
+              <a:latin typeface="Arial" panose="020B0604020202020204" pitchFamily="34" charset="0"/>
+            </a:endParaRPr>
+          </a:p>
+          <a:p>
+            <a:pPr marL="0" indent="0" fontAlgn="base">
+              <a:lnSpc>
+                <a:spcPct val="100000"/>
+              </a:lnSpc>
+              <a:spcBef>
+                <a:spcPts val="0"/>
+              </a:spcBef>
+              <a:buNone/>
+            </a:pPr>
+            <a:endParaRPr lang="en-US" dirty="0">
+              <a:latin typeface="Arial" panose="020B0604020202020204" pitchFamily="34" charset="0"/>
             </a:endParaRPr>
           </a:p>
         </p:txBody>
@@ -11179,13 +15342,226 @@
     </p:spTree>
     <p:extLst>
       <p:ext uri="{BB962C8B-B14F-4D97-AF65-F5344CB8AC3E}">
-        <p14:creationId xmlns:p14="http://schemas.microsoft.com/office/powerpoint/2010/main" val="4032427205"/>
+        <p14:creationId xmlns:p14="http://schemas.microsoft.com/office/powerpoint/2010/main" val="4124484599"/>
       </p:ext>
     </p:extLst>
   </p:cSld>
   <p:clrMapOvr>
     <a:masterClrMapping/>
   </p:clrMapOvr>
+  <p:timing>
+    <p:tnLst>
+      <p:par>
+        <p:cTn id="1" dur="indefinite" restart="never" nodeType="tmRoot">
+          <p:childTnLst>
+            <p:seq concurrent="1" nextAc="seek">
+              <p:cTn id="2" dur="indefinite" nodeType="mainSeq">
+                <p:childTnLst>
+                  <p:par>
+                    <p:cTn id="3" fill="hold">
+                      <p:stCondLst>
+                        <p:cond delay="indefinite"/>
+                      </p:stCondLst>
+                      <p:childTnLst>
+                        <p:par>
+                          <p:cTn id="4" fill="hold">
+                            <p:stCondLst>
+                              <p:cond delay="0"/>
+                            </p:stCondLst>
+                            <p:childTnLst>
+                              <p:par>
+                                <p:cTn id="5" presetID="10" presetClass="entr" presetSubtype="0" fill="hold" nodeType="clickEffect">
+                                  <p:stCondLst>
+                                    <p:cond delay="0"/>
+                                  </p:stCondLst>
+                                  <p:childTnLst>
+                                    <p:set>
+                                      <p:cBhvr>
+                                        <p:cTn id="6" dur="1" fill="hold">
+                                          <p:stCondLst>
+                                            <p:cond delay="0"/>
+                                          </p:stCondLst>
+                                        </p:cTn>
+                                        <p:tgtEl>
+                                          <p:spTgt spid="5">
+                                            <p:txEl>
+                                              <p:pRg st="6" end="6"/>
+                                            </p:txEl>
+                                          </p:spTgt>
+                                        </p:tgtEl>
+                                        <p:attrNameLst>
+                                          <p:attrName>style.visibility</p:attrName>
+                                        </p:attrNameLst>
+                                      </p:cBhvr>
+                                      <p:to>
+                                        <p:strVal val="visible"/>
+                                      </p:to>
+                                    </p:set>
+                                    <p:animEffect transition="in" filter="fade">
+                                      <p:cBhvr>
+                                        <p:cTn id="7" dur="500"/>
+                                        <p:tgtEl>
+                                          <p:spTgt spid="5">
+                                            <p:txEl>
+                                              <p:pRg st="6" end="6"/>
+                                            </p:txEl>
+                                          </p:spTgt>
+                                        </p:tgtEl>
+                                      </p:cBhvr>
+                                    </p:animEffect>
+                                  </p:childTnLst>
+                                </p:cTn>
+                              </p:par>
+                            </p:childTnLst>
+                          </p:cTn>
+                        </p:par>
+                      </p:childTnLst>
+                    </p:cTn>
+                  </p:par>
+                  <p:par>
+                    <p:cTn id="8" fill="hold">
+                      <p:stCondLst>
+                        <p:cond delay="indefinite"/>
+                      </p:stCondLst>
+                      <p:childTnLst>
+                        <p:par>
+                          <p:cTn id="9" fill="hold">
+                            <p:stCondLst>
+                              <p:cond delay="0"/>
+                            </p:stCondLst>
+                            <p:childTnLst>
+                              <p:par>
+                                <p:cTn id="10" presetID="10" presetClass="entr" presetSubtype="0" fill="hold" nodeType="clickEffect">
+                                  <p:stCondLst>
+                                    <p:cond delay="0"/>
+                                  </p:stCondLst>
+                                  <p:childTnLst>
+                                    <p:set>
+                                      <p:cBhvr>
+                                        <p:cTn id="11" dur="1" fill="hold">
+                                          <p:stCondLst>
+                                            <p:cond delay="0"/>
+                                          </p:stCondLst>
+                                        </p:cTn>
+                                        <p:tgtEl>
+                                          <p:spTgt spid="5">
+                                            <p:txEl>
+                                              <p:pRg st="7" end="7"/>
+                                            </p:txEl>
+                                          </p:spTgt>
+                                        </p:tgtEl>
+                                        <p:attrNameLst>
+                                          <p:attrName>style.visibility</p:attrName>
+                                        </p:attrNameLst>
+                                      </p:cBhvr>
+                                      <p:to>
+                                        <p:strVal val="visible"/>
+                                      </p:to>
+                                    </p:set>
+                                    <p:animEffect transition="in" filter="fade">
+                                      <p:cBhvr>
+                                        <p:cTn id="12" dur="500"/>
+                                        <p:tgtEl>
+                                          <p:spTgt spid="5">
+                                            <p:txEl>
+                                              <p:pRg st="7" end="7"/>
+                                            </p:txEl>
+                                          </p:spTgt>
+                                        </p:tgtEl>
+                                      </p:cBhvr>
+                                    </p:animEffect>
+                                  </p:childTnLst>
+                                </p:cTn>
+                              </p:par>
+                            </p:childTnLst>
+                          </p:cTn>
+                        </p:par>
+                      </p:childTnLst>
+                    </p:cTn>
+                  </p:par>
+                  <p:par>
+                    <p:cTn id="13" fill="hold">
+                      <p:stCondLst>
+                        <p:cond delay="indefinite"/>
+                      </p:stCondLst>
+                      <p:childTnLst>
+                        <p:par>
+                          <p:cTn id="14" fill="hold">
+                            <p:stCondLst>
+                              <p:cond delay="0"/>
+                            </p:stCondLst>
+                            <p:childTnLst>
+                              <p:par>
+                                <p:cTn id="15" presetID="10" presetClass="entr" presetSubtype="0" fill="hold" nodeType="clickEffect">
+                                  <p:stCondLst>
+                                    <p:cond delay="0"/>
+                                  </p:stCondLst>
+                                  <p:childTnLst>
+                                    <p:set>
+                                      <p:cBhvr>
+                                        <p:cTn id="16" dur="1" fill="hold">
+                                          <p:stCondLst>
+                                            <p:cond delay="0"/>
+                                          </p:stCondLst>
+                                        </p:cTn>
+                                        <p:tgtEl>
+                                          <p:spTgt spid="5">
+                                            <p:txEl>
+                                              <p:pRg st="9" end="9"/>
+                                            </p:txEl>
+                                          </p:spTgt>
+                                        </p:tgtEl>
+                                        <p:attrNameLst>
+                                          <p:attrName>style.visibility</p:attrName>
+                                        </p:attrNameLst>
+                                      </p:cBhvr>
+                                      <p:to>
+                                        <p:strVal val="visible"/>
+                                      </p:to>
+                                    </p:set>
+                                    <p:animEffect transition="in" filter="fade">
+                                      <p:cBhvr>
+                                        <p:cTn id="17" dur="500"/>
+                                        <p:tgtEl>
+                                          <p:spTgt spid="5">
+                                            <p:txEl>
+                                              <p:pRg st="9" end="9"/>
+                                            </p:txEl>
+                                          </p:spTgt>
+                                        </p:tgtEl>
+                                      </p:cBhvr>
+                                    </p:animEffect>
+                                  </p:childTnLst>
+                                </p:cTn>
+                              </p:par>
+                            </p:childTnLst>
+                          </p:cTn>
+                        </p:par>
+                      </p:childTnLst>
+                    </p:cTn>
+                  </p:par>
+                </p:childTnLst>
+              </p:cTn>
+              <p:prevCondLst>
+                <p:cond evt="onPrev" delay="0">
+                  <p:tgtEl>
+                    <p:sldTgt/>
+                  </p:tgtEl>
+                </p:cond>
+              </p:prevCondLst>
+              <p:nextCondLst>
+                <p:cond evt="onNext" delay="0">
+                  <p:tgtEl>
+                    <p:sldTgt/>
+                  </p:tgtEl>
+                </p:cond>
+              </p:nextCondLst>
+            </p:seq>
+          </p:childTnLst>
+        </p:cTn>
+      </p:par>
+    </p:tnLst>
+  </p:timing>
 </p:sld>
 </file>
 

--- a/report/progressReport-202304~.pptx
+++ b/report/progressReport-202304~.pptx
@@ -5,21 +5,23 @@
     <p:sldMasterId id="2147483648" r:id="rId1"/>
   </p:sldMasterIdLst>
   <p:notesMasterIdLst>
-    <p:notesMasterId r:id="rId14"/>
+    <p:notesMasterId r:id="rId16"/>
   </p:notesMasterIdLst>
   <p:sldIdLst>
     <p:sldId id="292" r:id="rId2"/>
-    <p:sldId id="360" r:id="rId3"/>
-    <p:sldId id="452" r:id="rId4"/>
-    <p:sldId id="458" r:id="rId5"/>
-    <p:sldId id="455" r:id="rId6"/>
-    <p:sldId id="451" r:id="rId7"/>
-    <p:sldId id="417" r:id="rId8"/>
-    <p:sldId id="456" r:id="rId9"/>
-    <p:sldId id="459" r:id="rId10"/>
-    <p:sldId id="461" r:id="rId11"/>
-    <p:sldId id="460" r:id="rId12"/>
-    <p:sldId id="457" r:id="rId13"/>
+    <p:sldId id="463" r:id="rId3"/>
+    <p:sldId id="462" r:id="rId4"/>
+    <p:sldId id="360" r:id="rId5"/>
+    <p:sldId id="452" r:id="rId6"/>
+    <p:sldId id="458" r:id="rId7"/>
+    <p:sldId id="455" r:id="rId8"/>
+    <p:sldId id="451" r:id="rId9"/>
+    <p:sldId id="417" r:id="rId10"/>
+    <p:sldId id="456" r:id="rId11"/>
+    <p:sldId id="459" r:id="rId12"/>
+    <p:sldId id="461" r:id="rId13"/>
+    <p:sldId id="460" r:id="rId14"/>
+    <p:sldId id="457" r:id="rId15"/>
   </p:sldIdLst>
   <p:sldSz cx="12192000" cy="6858000"/>
   <p:notesSz cx="6858000" cy="9144000"/>
@@ -124,6 +126,8 @@
         <p14:section name="既定のセクション" id="{5AC044B5-CE88-4DFA-8B78-F7DC51FE9FC4}">
           <p14:sldIdLst>
             <p14:sldId id="292"/>
+            <p14:sldId id="463"/>
+            <p14:sldId id="462"/>
             <p14:sldId id="360"/>
             <p14:sldId id="452"/>
             <p14:sldId id="458"/>
@@ -228,7 +232,7 @@
           <a:p>
             <a:fld id="{CC088048-E15D-462C-B883-0DB3B29D49B8}" type="datetimeFigureOut">
               <a:rPr lang="en-US" smtClean="0"/>
-              <a:t>4/26/2023</a:t>
+              <a:t>8/10/2023</a:t>
             </a:fld>
             <a:endParaRPr lang="en-US"/>
           </a:p>
@@ -572,7 +576,7 @@
           <a:bodyPr/>
           <a:lstStyle/>
           <a:p>
-            <a:endParaRPr lang="en-US" dirty="0"/>
+            <a:endParaRPr kumimoji="1" lang="ja-JP" altLang="en-US" dirty="0"/>
           </a:p>
         </p:txBody>
       </p:sp>
@@ -591,18 +595,18 @@
           <a:bodyPr/>
           <a:lstStyle/>
           <a:p>
-            <a:fld id="{48DE0F4A-E449-4070-9B19-39FF5E156D7E}" type="slidenum">
-              <a:rPr lang="en-US" smtClean="0"/>
-              <a:t>6</a:t>
+            <a:fld id="{39AC8A4A-8BDC-2247-9545-04B679C3B540}" type="slidenum">
+              <a:rPr kumimoji="1" lang="ja-JP" altLang="en-US" smtClean="0"/>
+              <a:t>2</a:t>
             </a:fld>
-            <a:endParaRPr lang="en-US"/>
+            <a:endParaRPr kumimoji="1" lang="ja-JP" altLang="en-US"/>
           </a:p>
         </p:txBody>
       </p:sp>
     </p:spTree>
     <p:extLst>
       <p:ext uri="{BB962C8B-B14F-4D97-AF65-F5344CB8AC3E}">
-        <p14:creationId xmlns:p14="http://schemas.microsoft.com/office/powerpoint/2010/main" val="1023061541"/>
+        <p14:creationId xmlns:p14="http://schemas.microsoft.com/office/powerpoint/2010/main" val="2966699531"/>
       </p:ext>
     </p:extLst>
   </p:cSld>
@@ -656,7 +660,7 @@
           <a:bodyPr/>
           <a:lstStyle/>
           <a:p>
-            <a:endParaRPr kumimoji="1" lang="ja-JP" altLang="en-US" dirty="0"/>
+            <a:endParaRPr lang="en-US" dirty="0"/>
           </a:p>
         </p:txBody>
       </p:sp>
@@ -675,18 +679,18 @@
           <a:bodyPr/>
           <a:lstStyle/>
           <a:p>
-            <a:fld id="{39AC8A4A-8BDC-2247-9545-04B679C3B540}" type="slidenum">
-              <a:rPr kumimoji="1" lang="ja-JP" altLang="en-US" smtClean="0"/>
-              <a:t>7</a:t>
+            <a:fld id="{48DE0F4A-E449-4070-9B19-39FF5E156D7E}" type="slidenum">
+              <a:rPr lang="en-US" smtClean="0"/>
+              <a:t>8</a:t>
             </a:fld>
-            <a:endParaRPr kumimoji="1" lang="ja-JP" altLang="en-US"/>
+            <a:endParaRPr lang="en-US"/>
           </a:p>
         </p:txBody>
       </p:sp>
     </p:spTree>
     <p:extLst>
       <p:ext uri="{BB962C8B-B14F-4D97-AF65-F5344CB8AC3E}">
-        <p14:creationId xmlns:p14="http://schemas.microsoft.com/office/powerpoint/2010/main" val="171666879"/>
+        <p14:creationId xmlns:p14="http://schemas.microsoft.com/office/powerpoint/2010/main" val="1023061541"/>
       </p:ext>
     </p:extLst>
   </p:cSld>
@@ -761,7 +765,7 @@
           <a:p>
             <a:fld id="{39AC8A4A-8BDC-2247-9545-04B679C3B540}" type="slidenum">
               <a:rPr kumimoji="1" lang="ja-JP" altLang="en-US" smtClean="0"/>
-              <a:t>8</a:t>
+              <a:t>9</a:t>
             </a:fld>
             <a:endParaRPr kumimoji="1" lang="ja-JP" altLang="en-US"/>
           </a:p>
@@ -770,7 +774,7 @@
     </p:spTree>
     <p:extLst>
       <p:ext uri="{BB962C8B-B14F-4D97-AF65-F5344CB8AC3E}">
-        <p14:creationId xmlns:p14="http://schemas.microsoft.com/office/powerpoint/2010/main" val="2756495635"/>
+        <p14:creationId xmlns:p14="http://schemas.microsoft.com/office/powerpoint/2010/main" val="171666879"/>
       </p:ext>
     </p:extLst>
   </p:cSld>
@@ -824,7 +828,7 @@
           <a:bodyPr/>
           <a:lstStyle/>
           <a:p>
-            <a:endParaRPr lang="en-US" dirty="0"/>
+            <a:endParaRPr kumimoji="1" lang="ja-JP" altLang="en-US" dirty="0"/>
           </a:p>
         </p:txBody>
       </p:sp>
@@ -843,18 +847,18 @@
           <a:bodyPr/>
           <a:lstStyle/>
           <a:p>
-            <a:fld id="{48DE0F4A-E449-4070-9B19-39FF5E156D7E}" type="slidenum">
-              <a:rPr lang="en-US" smtClean="0"/>
-              <a:t>9</a:t>
+            <a:fld id="{39AC8A4A-8BDC-2247-9545-04B679C3B540}" type="slidenum">
+              <a:rPr kumimoji="1" lang="ja-JP" altLang="en-US" smtClean="0"/>
+              <a:t>10</a:t>
             </a:fld>
-            <a:endParaRPr lang="en-US"/>
+            <a:endParaRPr kumimoji="1" lang="ja-JP" altLang="en-US"/>
           </a:p>
         </p:txBody>
       </p:sp>
     </p:spTree>
     <p:extLst>
       <p:ext uri="{BB962C8B-B14F-4D97-AF65-F5344CB8AC3E}">
-        <p14:creationId xmlns:p14="http://schemas.microsoft.com/office/powerpoint/2010/main" val="3032560884"/>
+        <p14:creationId xmlns:p14="http://schemas.microsoft.com/office/powerpoint/2010/main" val="2756495635"/>
       </p:ext>
     </p:extLst>
   </p:cSld>
@@ -908,7 +912,7 @@
           <a:bodyPr/>
           <a:lstStyle/>
           <a:p>
-            <a:endParaRPr kumimoji="1" lang="ja-JP" altLang="en-US" dirty="0"/>
+            <a:endParaRPr lang="en-US" dirty="0"/>
           </a:p>
         </p:txBody>
       </p:sp>
@@ -927,18 +931,18 @@
           <a:bodyPr/>
           <a:lstStyle/>
           <a:p>
-            <a:fld id="{39AC8A4A-8BDC-2247-9545-04B679C3B540}" type="slidenum">
-              <a:rPr kumimoji="1" lang="ja-JP" altLang="en-US" smtClean="0"/>
-              <a:t>10</a:t>
+            <a:fld id="{48DE0F4A-E449-4070-9B19-39FF5E156D7E}" type="slidenum">
+              <a:rPr lang="en-US" smtClean="0"/>
+              <a:t>11</a:t>
             </a:fld>
-            <a:endParaRPr kumimoji="1" lang="ja-JP" altLang="en-US"/>
+            <a:endParaRPr lang="en-US"/>
           </a:p>
         </p:txBody>
       </p:sp>
     </p:spTree>
     <p:extLst>
       <p:ext uri="{BB962C8B-B14F-4D97-AF65-F5344CB8AC3E}">
-        <p14:creationId xmlns:p14="http://schemas.microsoft.com/office/powerpoint/2010/main" val="1864806540"/>
+        <p14:creationId xmlns:p14="http://schemas.microsoft.com/office/powerpoint/2010/main" val="3032560884"/>
       </p:ext>
     </p:extLst>
   </p:cSld>
@@ -1013,7 +1017,7 @@
           <a:p>
             <a:fld id="{39AC8A4A-8BDC-2247-9545-04B679C3B540}" type="slidenum">
               <a:rPr kumimoji="1" lang="ja-JP" altLang="en-US" smtClean="0"/>
-              <a:t>11</a:t>
+              <a:t>12</a:t>
             </a:fld>
             <a:endParaRPr kumimoji="1" lang="ja-JP" altLang="en-US"/>
           </a:p>
@@ -1022,7 +1026,7 @@
     </p:spTree>
     <p:extLst>
       <p:ext uri="{BB962C8B-B14F-4D97-AF65-F5344CB8AC3E}">
-        <p14:creationId xmlns:p14="http://schemas.microsoft.com/office/powerpoint/2010/main" val="4256546325"/>
+        <p14:creationId xmlns:p14="http://schemas.microsoft.com/office/powerpoint/2010/main" val="1864806540"/>
       </p:ext>
     </p:extLst>
   </p:cSld>
@@ -1097,7 +1101,91 @@
           <a:p>
             <a:fld id="{39AC8A4A-8BDC-2247-9545-04B679C3B540}" type="slidenum">
               <a:rPr kumimoji="1" lang="ja-JP" altLang="en-US" smtClean="0"/>
-              <a:t>12</a:t>
+              <a:t>13</a:t>
+            </a:fld>
+            <a:endParaRPr kumimoji="1" lang="ja-JP" altLang="en-US"/>
+          </a:p>
+        </p:txBody>
+      </p:sp>
+    </p:spTree>
+    <p:extLst>
+      <p:ext uri="{BB962C8B-B14F-4D97-AF65-F5344CB8AC3E}">
+        <p14:creationId xmlns:p14="http://schemas.microsoft.com/office/powerpoint/2010/main" val="4256546325"/>
+      </p:ext>
+    </p:extLst>
+  </p:cSld>
+  <p:clrMapOvr>
+    <a:masterClrMapping/>
+  </p:clrMapOvr>
+</p:notes>
+</file>
+
+<file path=ppt/notesSlides/notesSlide8.xml><?xml version="1.0" encoding="utf-8"?>
+<p:notes xmlns:a="http://schemas.openxmlformats.org/drawingml/2006/main" xmlns:r="http://schemas.openxmlformats.org/officeDocument/2006/relationships" xmlns:p="http://schemas.openxmlformats.org/presentationml/2006/main">
+  <p:cSld>
+    <p:spTree>
+      <p:nvGrpSpPr>
+        <p:cNvPr id="1" name=""/>
+        <p:cNvGrpSpPr/>
+        <p:nvPr/>
+      </p:nvGrpSpPr>
+      <p:grpSpPr>
+        <a:xfrm>
+          <a:off x="0" y="0"/>
+          <a:ext cx="0" cy="0"/>
+          <a:chOff x="0" y="0"/>
+          <a:chExt cx="0" cy="0"/>
+        </a:xfrm>
+      </p:grpSpPr>
+      <p:sp>
+        <p:nvSpPr>
+          <p:cNvPr id="2" name="スライド イメージ プレースホルダー 1"/>
+          <p:cNvSpPr>
+            <a:spLocks noGrp="1" noRot="1" noChangeAspect="1"/>
+          </p:cNvSpPr>
+          <p:nvPr>
+            <p:ph type="sldImg"/>
+          </p:nvPr>
+        </p:nvSpPr>
+        <p:spPr/>
+      </p:sp>
+      <p:sp>
+        <p:nvSpPr>
+          <p:cNvPr id="3" name="ノート プレースホルダー 2"/>
+          <p:cNvSpPr>
+            <a:spLocks noGrp="1"/>
+          </p:cNvSpPr>
+          <p:nvPr>
+            <p:ph type="body" idx="1"/>
+          </p:nvPr>
+        </p:nvSpPr>
+        <p:spPr/>
+        <p:txBody>
+          <a:bodyPr/>
+          <a:lstStyle/>
+          <a:p>
+            <a:endParaRPr kumimoji="1" lang="ja-JP" altLang="en-US" dirty="0"/>
+          </a:p>
+        </p:txBody>
+      </p:sp>
+      <p:sp>
+        <p:nvSpPr>
+          <p:cNvPr id="4" name="スライド番号プレースホルダー 3"/>
+          <p:cNvSpPr>
+            <a:spLocks noGrp="1"/>
+          </p:cNvSpPr>
+          <p:nvPr>
+            <p:ph type="sldNum" sz="quarter" idx="5"/>
+          </p:nvPr>
+        </p:nvSpPr>
+        <p:spPr/>
+        <p:txBody>
+          <a:bodyPr/>
+          <a:lstStyle/>
+          <a:p>
+            <a:fld id="{39AC8A4A-8BDC-2247-9545-04B679C3B540}" type="slidenum">
+              <a:rPr kumimoji="1" lang="ja-JP" altLang="en-US" smtClean="0"/>
+              <a:t>14</a:t>
             </a:fld>
             <a:endParaRPr kumimoji="1" lang="ja-JP" altLang="en-US"/>
           </a:p>
@@ -1265,7 +1353,7 @@
           <a:p>
             <a:fld id="{976F3043-1AC2-4C07-B4FE-8FCD0648D350}" type="datetimeFigureOut">
               <a:rPr lang="en-US" smtClean="0"/>
-              <a:t>4/26/2023</a:t>
+              <a:t>8/10/2023</a:t>
             </a:fld>
             <a:endParaRPr lang="en-US"/>
           </a:p>
@@ -1497,7 +1585,7 @@
           <a:p>
             <a:fld id="{976F3043-1AC2-4C07-B4FE-8FCD0648D350}" type="datetimeFigureOut">
               <a:rPr lang="en-US" smtClean="0"/>
-              <a:t>4/26/2023</a:t>
+              <a:t>8/10/2023</a:t>
             </a:fld>
             <a:endParaRPr lang="en-US"/>
           </a:p>
@@ -1739,7 +1827,7 @@
           <a:p>
             <a:fld id="{976F3043-1AC2-4C07-B4FE-8FCD0648D350}" type="datetimeFigureOut">
               <a:rPr lang="en-US" smtClean="0"/>
-              <a:t>4/26/2023</a:t>
+              <a:t>8/10/2023</a:t>
             </a:fld>
             <a:endParaRPr lang="en-US"/>
           </a:p>
@@ -1971,7 +2059,7 @@
           <a:p>
             <a:fld id="{976F3043-1AC2-4C07-B4FE-8FCD0648D350}" type="datetimeFigureOut">
               <a:rPr lang="en-US" smtClean="0"/>
-              <a:t>4/26/2023</a:t>
+              <a:t>8/10/2023</a:t>
             </a:fld>
             <a:endParaRPr lang="en-US"/>
           </a:p>
@@ -2247,7 +2335,7 @@
           <a:p>
             <a:fld id="{976F3043-1AC2-4C07-B4FE-8FCD0648D350}" type="datetimeFigureOut">
               <a:rPr lang="en-US" smtClean="0"/>
-              <a:t>4/26/2023</a:t>
+              <a:t>8/10/2023</a:t>
             </a:fld>
             <a:endParaRPr lang="en-US"/>
           </a:p>
@@ -2579,7 +2667,7 @@
           <a:p>
             <a:fld id="{976F3043-1AC2-4C07-B4FE-8FCD0648D350}" type="datetimeFigureOut">
               <a:rPr lang="en-US" smtClean="0"/>
-              <a:t>4/26/2023</a:t>
+              <a:t>8/10/2023</a:t>
             </a:fld>
             <a:endParaRPr lang="en-US"/>
           </a:p>
@@ -3058,7 +3146,7 @@
           <a:p>
             <a:fld id="{976F3043-1AC2-4C07-B4FE-8FCD0648D350}" type="datetimeFigureOut">
               <a:rPr lang="en-US" smtClean="0"/>
-              <a:t>4/26/2023</a:t>
+              <a:t>8/10/2023</a:t>
             </a:fld>
             <a:endParaRPr lang="en-US"/>
           </a:p>
@@ -3200,7 +3288,7 @@
           <a:p>
             <a:fld id="{976F3043-1AC2-4C07-B4FE-8FCD0648D350}" type="datetimeFigureOut">
               <a:rPr lang="en-US" smtClean="0"/>
-              <a:t>4/26/2023</a:t>
+              <a:t>8/10/2023</a:t>
             </a:fld>
             <a:endParaRPr lang="en-US"/>
           </a:p>
@@ -3313,7 +3401,7 @@
           <a:p>
             <a:fld id="{976F3043-1AC2-4C07-B4FE-8FCD0648D350}" type="datetimeFigureOut">
               <a:rPr lang="en-US" smtClean="0"/>
-              <a:t>4/26/2023</a:t>
+              <a:t>8/10/2023</a:t>
             </a:fld>
             <a:endParaRPr lang="en-US"/>
           </a:p>
@@ -3658,7 +3746,7 @@
           <a:p>
             <a:fld id="{976F3043-1AC2-4C07-B4FE-8FCD0648D350}" type="datetimeFigureOut">
               <a:rPr lang="en-US" smtClean="0"/>
-              <a:t>4/26/2023</a:t>
+              <a:t>8/10/2023</a:t>
             </a:fld>
             <a:endParaRPr lang="en-US"/>
           </a:p>
@@ -3947,7 +4035,7 @@
           <a:p>
             <a:fld id="{976F3043-1AC2-4C07-B4FE-8FCD0648D350}" type="datetimeFigureOut">
               <a:rPr lang="en-US" smtClean="0"/>
-              <a:t>4/26/2023</a:t>
+              <a:t>8/10/2023</a:t>
             </a:fld>
             <a:endParaRPr lang="en-US"/>
           </a:p>
@@ -4222,7 +4310,7 @@
           <a:p>
             <a:fld id="{976F3043-1AC2-4C07-B4FE-8FCD0648D350}" type="datetimeFigureOut">
               <a:rPr lang="en-US" smtClean="0"/>
-              <a:t>4/26/2023</a:t>
+              <a:t>8/10/2023</a:t>
             </a:fld>
             <a:endParaRPr lang="en-US"/>
           </a:p>
@@ -4662,7 +4750,7 @@
           <a:p>
             <a:r>
               <a:rPr lang="en-US" altLang="ja-JP" b="1" dirty="0"/>
-              <a:t>20230426</a:t>
+              <a:t>20230705</a:t>
             </a:r>
             <a:endParaRPr lang="en-US" b="1" dirty="0"/>
           </a:p>
@@ -4707,6 +4795,2149 @@
 </file>
 
 <file path=ppt/slides/slide10.xml><?xml version="1.0" encoding="utf-8"?>
+<p:sld xmlns:a="http://schemas.openxmlformats.org/drawingml/2006/main" xmlns:r="http://schemas.openxmlformats.org/officeDocument/2006/relationships" xmlns:p="http://schemas.openxmlformats.org/presentationml/2006/main">
+  <p:cSld>
+    <p:spTree>
+      <p:nvGrpSpPr>
+        <p:cNvPr id="1" name=""/>
+        <p:cNvGrpSpPr/>
+        <p:nvPr/>
+      </p:nvGrpSpPr>
+      <p:grpSpPr>
+        <a:xfrm>
+          <a:off x="0" y="0"/>
+          <a:ext cx="0" cy="0"/>
+          <a:chOff x="0" y="0"/>
+          <a:chExt cx="0" cy="0"/>
+        </a:xfrm>
+      </p:grpSpPr>
+      <p:sp>
+        <p:nvSpPr>
+          <p:cNvPr id="2" name="タイトル 1">
+            <a:extLst>
+              <a:ext uri="{FF2B5EF4-FFF2-40B4-BE49-F238E27FC236}">
+                <a16:creationId xmlns:a16="http://schemas.microsoft.com/office/drawing/2014/main" id="{27D14253-3A9D-C323-9B97-5D6BE60413FE}"/>
+              </a:ext>
+            </a:extLst>
+          </p:cNvPr>
+          <p:cNvSpPr>
+            <a:spLocks noGrp="1"/>
+          </p:cNvSpPr>
+          <p:nvPr>
+            <p:ph type="title"/>
+          </p:nvPr>
+        </p:nvSpPr>
+        <p:spPr>
+          <a:xfrm>
+            <a:off x="115410" y="106533"/>
+            <a:ext cx="11940466" cy="648069"/>
+          </a:xfrm>
+        </p:spPr>
+        <p:txBody>
+          <a:bodyPr>
+            <a:noAutofit/>
+          </a:bodyPr>
+          <a:lstStyle/>
+          <a:p>
+            <a:pPr algn="ctr"/>
+            <a:r>
+              <a:rPr lang="en-US" altLang="ja-JP" sz="2800" b="1" dirty="0">
+                <a:latin typeface="Arial" panose="020B0604020202020204" pitchFamily="34" charset="0"/>
+                <a:cs typeface="Arial" panose="020B0604020202020204" pitchFamily="34" charset="0"/>
+              </a:rPr>
+              <a:t>Is Reward Axis and Difficulty Axis orthogonal?</a:t>
+            </a:r>
+            <a:endParaRPr lang="en-US" sz="2800" dirty="0">
+              <a:latin typeface="Arial" panose="020B0604020202020204" pitchFamily="34" charset="0"/>
+              <a:cs typeface="Arial" panose="020B0604020202020204" pitchFamily="34" charset="0"/>
+            </a:endParaRPr>
+          </a:p>
+        </p:txBody>
+      </p:sp>
+      <p:sp>
+        <p:nvSpPr>
+          <p:cNvPr id="3" name="コンテンツ プレースホルダー 2">
+            <a:extLst>
+              <a:ext uri="{FF2B5EF4-FFF2-40B4-BE49-F238E27FC236}">
+                <a16:creationId xmlns:a16="http://schemas.microsoft.com/office/drawing/2014/main" id="{BDE1F3B7-0738-A471-C46D-DC17FEE61F64}"/>
+              </a:ext>
+            </a:extLst>
+          </p:cNvPr>
+          <p:cNvSpPr>
+            <a:spLocks noGrp="1"/>
+          </p:cNvSpPr>
+          <p:nvPr>
+            <p:ph idx="1"/>
+          </p:nvPr>
+        </p:nvSpPr>
+        <p:spPr>
+          <a:xfrm>
+            <a:off x="115410" y="878889"/>
+            <a:ext cx="11940466" cy="1722268"/>
+          </a:xfrm>
+        </p:spPr>
+        <p:txBody>
+          <a:bodyPr>
+            <a:normAutofit/>
+          </a:bodyPr>
+          <a:lstStyle/>
+          <a:p>
+            <a:pPr marL="0" indent="0">
+              <a:buNone/>
+            </a:pPr>
+            <a:r>
+              <a:rPr lang="en-US" altLang="ja-JP" sz="2000" b="1" dirty="0">
+                <a:latin typeface="Arial" panose="020B0604020202020204" pitchFamily="34" charset="0"/>
+                <a:cs typeface="Arial" panose="020B0604020202020204" pitchFamily="34" charset="0"/>
+              </a:rPr>
+              <a:t>Method</a:t>
+            </a:r>
+          </a:p>
+          <a:p>
+            <a:pPr marL="457200" indent="-457200">
+              <a:buAutoNum type="arabicPeriod"/>
+            </a:pPr>
+            <a:r>
+              <a:rPr lang="en-US" altLang="ja-JP" sz="2000" dirty="0">
+                <a:latin typeface="Arial" panose="020B0604020202020204" pitchFamily="34" charset="0"/>
+                <a:cs typeface="Arial" panose="020B0604020202020204" pitchFamily="34" charset="0"/>
+              </a:rPr>
+              <a:t>Get an average of firing rate in each reward condition (</a:t>
+            </a:r>
+            <a:r>
+              <a:rPr lang="en-US" altLang="ja-JP" sz="2000" dirty="0" err="1">
+                <a:latin typeface="Arial" panose="020B0604020202020204" pitchFamily="34" charset="0"/>
+                <a:cs typeface="Arial" panose="020B0604020202020204" pitchFamily="34" charset="0"/>
+              </a:rPr>
+              <a:t>nneuron</a:t>
+            </a:r>
+            <a:r>
+              <a:rPr lang="en-US" altLang="ja-JP" sz="2000" dirty="0">
+                <a:latin typeface="Arial" panose="020B0604020202020204" pitchFamily="34" charset="0"/>
+                <a:cs typeface="Arial" panose="020B0604020202020204" pitchFamily="34" charset="0"/>
+              </a:rPr>
+              <a:t> * </a:t>
+            </a:r>
+            <a:r>
+              <a:rPr lang="en-US" altLang="ja-JP" sz="2000" dirty="0" err="1">
+                <a:latin typeface="Arial" panose="020B0604020202020204" pitchFamily="34" charset="0"/>
+                <a:cs typeface="Arial" panose="020B0604020202020204" pitchFamily="34" charset="0"/>
+              </a:rPr>
+              <a:t>nreward</a:t>
+            </a:r>
+            <a:r>
+              <a:rPr lang="en-US" altLang="ja-JP" sz="2000" dirty="0">
+                <a:latin typeface="Arial" panose="020B0604020202020204" pitchFamily="34" charset="0"/>
+                <a:cs typeface="Arial" panose="020B0604020202020204" pitchFamily="34" charset="0"/>
+              </a:rPr>
+              <a:t>(3)) around GC [-150 +50]</a:t>
+            </a:r>
+          </a:p>
+          <a:p>
+            <a:pPr marL="457200" indent="-457200">
+              <a:buAutoNum type="arabicPeriod"/>
+            </a:pPr>
+            <a:r>
+              <a:rPr lang="en-US" altLang="ja-JP" sz="2000" dirty="0">
+                <a:latin typeface="Arial" panose="020B0604020202020204" pitchFamily="34" charset="0"/>
+                <a:cs typeface="Arial" panose="020B0604020202020204" pitchFamily="34" charset="0"/>
+              </a:rPr>
+              <a:t>Get reward Axis from them</a:t>
+            </a:r>
+            <a:endParaRPr lang="en-US" altLang="ja-JP" sz="2000" b="1" dirty="0">
+              <a:latin typeface="Arial" panose="020B0604020202020204" pitchFamily="34" charset="0"/>
+              <a:cs typeface="Arial" panose="020B0604020202020204" pitchFamily="34" charset="0"/>
+            </a:endParaRPr>
+          </a:p>
+        </p:txBody>
+      </p:sp>
+      <p:sp>
+        <p:nvSpPr>
+          <p:cNvPr id="4" name="コンテンツ プレースホルダー 2">
+            <a:extLst>
+              <a:ext uri="{FF2B5EF4-FFF2-40B4-BE49-F238E27FC236}">
+                <a16:creationId xmlns:a16="http://schemas.microsoft.com/office/drawing/2014/main" id="{3C1F8DFF-3BE9-522D-51E5-D48F5B432B59}"/>
+              </a:ext>
+            </a:extLst>
+          </p:cNvPr>
+          <p:cNvSpPr txBox="1">
+            <a:spLocks/>
+          </p:cNvSpPr>
+          <p:nvPr/>
+        </p:nvSpPr>
+        <p:spPr>
+          <a:xfrm>
+            <a:off x="115411" y="2087842"/>
+            <a:ext cx="2317071" cy="449063"/>
+          </a:xfrm>
+          <a:prstGeom prst="rect">
+            <a:avLst/>
+          </a:prstGeom>
+          <a:solidFill>
+            <a:schemeClr val="bg1">
+              <a:lumMod val="95000"/>
+            </a:schemeClr>
+          </a:solidFill>
+        </p:spPr>
+        <p:txBody>
+          <a:bodyPr vert="horz" lIns="91440" tIns="45720" rIns="91440" bIns="45720" rtlCol="0" anchor="ctr">
+            <a:normAutofit/>
+          </a:bodyPr>
+          <a:lstStyle>
+            <a:lvl1pPr marL="228600" indent="-228600" algn="l" defTabSz="914400" rtl="0" eaLnBrk="1" latinLnBrk="0" hangingPunct="1">
+              <a:lnSpc>
+                <a:spcPct val="90000"/>
+              </a:lnSpc>
+              <a:spcBef>
+                <a:spcPts val="1000"/>
+              </a:spcBef>
+              <a:buFont typeface="Arial" panose="020B0604020202020204" pitchFamily="34" charset="0"/>
+              <a:buChar char="•"/>
+              <a:defRPr sz="2800" kern="1200">
+                <a:solidFill>
+                  <a:schemeClr val="tx1"/>
+                </a:solidFill>
+                <a:latin typeface="+mn-lt"/>
+                <a:ea typeface="+mn-ea"/>
+                <a:cs typeface="+mn-cs"/>
+              </a:defRPr>
+            </a:lvl1pPr>
+            <a:lvl2pPr marL="685800" indent="-228600" algn="l" defTabSz="914400" rtl="0" eaLnBrk="1" latinLnBrk="0" hangingPunct="1">
+              <a:lnSpc>
+                <a:spcPct val="90000"/>
+              </a:lnSpc>
+              <a:spcBef>
+                <a:spcPts val="500"/>
+              </a:spcBef>
+              <a:buFont typeface="Arial" panose="020B0604020202020204" pitchFamily="34" charset="0"/>
+              <a:buChar char="•"/>
+              <a:defRPr sz="2400" kern="1200">
+                <a:solidFill>
+                  <a:schemeClr val="tx1"/>
+                </a:solidFill>
+                <a:latin typeface="+mn-lt"/>
+                <a:ea typeface="+mn-ea"/>
+                <a:cs typeface="+mn-cs"/>
+              </a:defRPr>
+            </a:lvl2pPr>
+            <a:lvl3pPr marL="1143000" indent="-228600" algn="l" defTabSz="914400" rtl="0" eaLnBrk="1" latinLnBrk="0" hangingPunct="1">
+              <a:lnSpc>
+                <a:spcPct val="90000"/>
+              </a:lnSpc>
+              <a:spcBef>
+                <a:spcPts val="500"/>
+              </a:spcBef>
+              <a:buFont typeface="Arial" panose="020B0604020202020204" pitchFamily="34" charset="0"/>
+              <a:buChar char="•"/>
+              <a:defRPr sz="2000" kern="1200">
+                <a:solidFill>
+                  <a:schemeClr val="tx1"/>
+                </a:solidFill>
+                <a:latin typeface="+mn-lt"/>
+                <a:ea typeface="+mn-ea"/>
+                <a:cs typeface="+mn-cs"/>
+              </a:defRPr>
+            </a:lvl3pPr>
+            <a:lvl4pPr marL="1600200" indent="-228600" algn="l" defTabSz="914400" rtl="0" eaLnBrk="1" latinLnBrk="0" hangingPunct="1">
+              <a:lnSpc>
+                <a:spcPct val="90000"/>
+              </a:lnSpc>
+              <a:spcBef>
+                <a:spcPts val="500"/>
+              </a:spcBef>
+              <a:buFont typeface="Arial" panose="020B0604020202020204" pitchFamily="34" charset="0"/>
+              <a:buChar char="•"/>
+              <a:defRPr sz="1800" kern="1200">
+                <a:solidFill>
+                  <a:schemeClr val="tx1"/>
+                </a:solidFill>
+                <a:latin typeface="+mn-lt"/>
+                <a:ea typeface="+mn-ea"/>
+                <a:cs typeface="+mn-cs"/>
+              </a:defRPr>
+            </a:lvl4pPr>
+            <a:lvl5pPr marL="2057400" indent="-228600" algn="l" defTabSz="914400" rtl="0" eaLnBrk="1" latinLnBrk="0" hangingPunct="1">
+              <a:lnSpc>
+                <a:spcPct val="90000"/>
+              </a:lnSpc>
+              <a:spcBef>
+                <a:spcPts val="500"/>
+              </a:spcBef>
+              <a:buFont typeface="Arial" panose="020B0604020202020204" pitchFamily="34" charset="0"/>
+              <a:buChar char="•"/>
+              <a:defRPr sz="1800" kern="1200">
+                <a:solidFill>
+                  <a:schemeClr val="tx1"/>
+                </a:solidFill>
+                <a:latin typeface="+mn-lt"/>
+                <a:ea typeface="+mn-ea"/>
+                <a:cs typeface="+mn-cs"/>
+              </a:defRPr>
+            </a:lvl5pPr>
+            <a:lvl6pPr marL="2514600" indent="-228600" algn="l" defTabSz="914400" rtl="0" eaLnBrk="1" latinLnBrk="0" hangingPunct="1">
+              <a:lnSpc>
+                <a:spcPct val="90000"/>
+              </a:lnSpc>
+              <a:spcBef>
+                <a:spcPts val="500"/>
+              </a:spcBef>
+              <a:buFont typeface="Arial" panose="020B0604020202020204" pitchFamily="34" charset="0"/>
+              <a:buChar char="•"/>
+              <a:defRPr sz="1800" kern="1200">
+                <a:solidFill>
+                  <a:schemeClr val="tx1"/>
+                </a:solidFill>
+                <a:latin typeface="+mn-lt"/>
+                <a:ea typeface="+mn-ea"/>
+                <a:cs typeface="+mn-cs"/>
+              </a:defRPr>
+            </a:lvl6pPr>
+            <a:lvl7pPr marL="2971800" indent="-228600" algn="l" defTabSz="914400" rtl="0" eaLnBrk="1" latinLnBrk="0" hangingPunct="1">
+              <a:lnSpc>
+                <a:spcPct val="90000"/>
+              </a:lnSpc>
+              <a:spcBef>
+                <a:spcPts val="500"/>
+              </a:spcBef>
+              <a:buFont typeface="Arial" panose="020B0604020202020204" pitchFamily="34" charset="0"/>
+              <a:buChar char="•"/>
+              <a:defRPr sz="1800" kern="1200">
+                <a:solidFill>
+                  <a:schemeClr val="tx1"/>
+                </a:solidFill>
+                <a:latin typeface="+mn-lt"/>
+                <a:ea typeface="+mn-ea"/>
+                <a:cs typeface="+mn-cs"/>
+              </a:defRPr>
+            </a:lvl7pPr>
+            <a:lvl8pPr marL="3429000" indent="-228600" algn="l" defTabSz="914400" rtl="0" eaLnBrk="1" latinLnBrk="0" hangingPunct="1">
+              <a:lnSpc>
+                <a:spcPct val="90000"/>
+              </a:lnSpc>
+              <a:spcBef>
+                <a:spcPts val="500"/>
+              </a:spcBef>
+              <a:buFont typeface="Arial" panose="020B0604020202020204" pitchFamily="34" charset="0"/>
+              <a:buChar char="•"/>
+              <a:defRPr sz="1800" kern="1200">
+                <a:solidFill>
+                  <a:schemeClr val="tx1"/>
+                </a:solidFill>
+                <a:latin typeface="+mn-lt"/>
+                <a:ea typeface="+mn-ea"/>
+                <a:cs typeface="+mn-cs"/>
+              </a:defRPr>
+            </a:lvl8pPr>
+            <a:lvl9pPr marL="3886200" indent="-228600" algn="l" defTabSz="914400" rtl="0" eaLnBrk="1" latinLnBrk="0" hangingPunct="1">
+              <a:lnSpc>
+                <a:spcPct val="90000"/>
+              </a:lnSpc>
+              <a:spcBef>
+                <a:spcPts val="500"/>
+              </a:spcBef>
+              <a:buFont typeface="Arial" panose="020B0604020202020204" pitchFamily="34" charset="0"/>
+              <a:buChar char="•"/>
+              <a:defRPr sz="1800" kern="1200">
+                <a:solidFill>
+                  <a:schemeClr val="tx1"/>
+                </a:solidFill>
+                <a:latin typeface="+mn-lt"/>
+                <a:ea typeface="+mn-ea"/>
+                <a:cs typeface="+mn-cs"/>
+              </a:defRPr>
+            </a:lvl9pPr>
+          </a:lstStyle>
+          <a:p>
+            <a:pPr marL="0" indent="0" algn="ctr">
+              <a:buFont typeface="Arial" panose="020B0604020202020204" pitchFamily="34" charset="0"/>
+              <a:buNone/>
+            </a:pPr>
+            <a:r>
+              <a:rPr lang="en-US" altLang="ja-JP" sz="2400" b="1" dirty="0">
+                <a:latin typeface="Arial" panose="020B0604020202020204" pitchFamily="34" charset="0"/>
+                <a:cs typeface="Arial" panose="020B0604020202020204" pitchFamily="34" charset="0"/>
+              </a:rPr>
+              <a:t>We expect</a:t>
+            </a:r>
+            <a:endParaRPr lang="en-US" sz="2400" b="1" dirty="0">
+              <a:latin typeface="Arial" panose="020B0604020202020204" pitchFamily="34" charset="0"/>
+              <a:cs typeface="Arial" panose="020B0604020202020204" pitchFamily="34" charset="0"/>
+            </a:endParaRPr>
+          </a:p>
+        </p:txBody>
+      </p:sp>
+      <p:sp>
+        <p:nvSpPr>
+          <p:cNvPr id="5" name="コンテンツ プレースホルダー 2">
+            <a:extLst>
+              <a:ext uri="{FF2B5EF4-FFF2-40B4-BE49-F238E27FC236}">
+                <a16:creationId xmlns:a16="http://schemas.microsoft.com/office/drawing/2014/main" id="{E2247332-FBD7-F890-418D-186D025A2163}"/>
+              </a:ext>
+            </a:extLst>
+          </p:cNvPr>
+          <p:cNvSpPr txBox="1">
+            <a:spLocks/>
+          </p:cNvSpPr>
+          <p:nvPr/>
+        </p:nvSpPr>
+        <p:spPr>
+          <a:xfrm>
+            <a:off x="2559017" y="2087841"/>
+            <a:ext cx="9517576" cy="449063"/>
+          </a:xfrm>
+          <a:prstGeom prst="rect">
+            <a:avLst/>
+          </a:prstGeom>
+          <a:solidFill>
+            <a:schemeClr val="bg1">
+              <a:lumMod val="95000"/>
+            </a:schemeClr>
+          </a:solidFill>
+        </p:spPr>
+        <p:txBody>
+          <a:bodyPr vert="horz" lIns="91440" tIns="45720" rIns="91440" bIns="45720" rtlCol="0" anchor="ctr">
+            <a:normAutofit/>
+          </a:bodyPr>
+          <a:lstStyle>
+            <a:lvl1pPr marL="228600" indent="-228600" algn="l" defTabSz="914400" rtl="0" eaLnBrk="1" latinLnBrk="0" hangingPunct="1">
+              <a:lnSpc>
+                <a:spcPct val="90000"/>
+              </a:lnSpc>
+              <a:spcBef>
+                <a:spcPts val="1000"/>
+              </a:spcBef>
+              <a:buFont typeface="Arial" panose="020B0604020202020204" pitchFamily="34" charset="0"/>
+              <a:buChar char="•"/>
+              <a:defRPr sz="2800" kern="1200">
+                <a:solidFill>
+                  <a:schemeClr val="tx1"/>
+                </a:solidFill>
+                <a:latin typeface="+mn-lt"/>
+                <a:ea typeface="+mn-ea"/>
+                <a:cs typeface="+mn-cs"/>
+              </a:defRPr>
+            </a:lvl1pPr>
+            <a:lvl2pPr marL="685800" indent="-228600" algn="l" defTabSz="914400" rtl="0" eaLnBrk="1" latinLnBrk="0" hangingPunct="1">
+              <a:lnSpc>
+                <a:spcPct val="90000"/>
+              </a:lnSpc>
+              <a:spcBef>
+                <a:spcPts val="500"/>
+              </a:spcBef>
+              <a:buFont typeface="Arial" panose="020B0604020202020204" pitchFamily="34" charset="0"/>
+              <a:buChar char="•"/>
+              <a:defRPr sz="2400" kern="1200">
+                <a:solidFill>
+                  <a:schemeClr val="tx1"/>
+                </a:solidFill>
+                <a:latin typeface="+mn-lt"/>
+                <a:ea typeface="+mn-ea"/>
+                <a:cs typeface="+mn-cs"/>
+              </a:defRPr>
+            </a:lvl2pPr>
+            <a:lvl3pPr marL="1143000" indent="-228600" algn="l" defTabSz="914400" rtl="0" eaLnBrk="1" latinLnBrk="0" hangingPunct="1">
+              <a:lnSpc>
+                <a:spcPct val="90000"/>
+              </a:lnSpc>
+              <a:spcBef>
+                <a:spcPts val="500"/>
+              </a:spcBef>
+              <a:buFont typeface="Arial" panose="020B0604020202020204" pitchFamily="34" charset="0"/>
+              <a:buChar char="•"/>
+              <a:defRPr sz="2000" kern="1200">
+                <a:solidFill>
+                  <a:schemeClr val="tx1"/>
+                </a:solidFill>
+                <a:latin typeface="+mn-lt"/>
+                <a:ea typeface="+mn-ea"/>
+                <a:cs typeface="+mn-cs"/>
+              </a:defRPr>
+            </a:lvl3pPr>
+            <a:lvl4pPr marL="1600200" indent="-228600" algn="l" defTabSz="914400" rtl="0" eaLnBrk="1" latinLnBrk="0" hangingPunct="1">
+              <a:lnSpc>
+                <a:spcPct val="90000"/>
+              </a:lnSpc>
+              <a:spcBef>
+                <a:spcPts val="500"/>
+              </a:spcBef>
+              <a:buFont typeface="Arial" panose="020B0604020202020204" pitchFamily="34" charset="0"/>
+              <a:buChar char="•"/>
+              <a:defRPr sz="1800" kern="1200">
+                <a:solidFill>
+                  <a:schemeClr val="tx1"/>
+                </a:solidFill>
+                <a:latin typeface="+mn-lt"/>
+                <a:ea typeface="+mn-ea"/>
+                <a:cs typeface="+mn-cs"/>
+              </a:defRPr>
+            </a:lvl4pPr>
+            <a:lvl5pPr marL="2057400" indent="-228600" algn="l" defTabSz="914400" rtl="0" eaLnBrk="1" latinLnBrk="0" hangingPunct="1">
+              <a:lnSpc>
+                <a:spcPct val="90000"/>
+              </a:lnSpc>
+              <a:spcBef>
+                <a:spcPts val="500"/>
+              </a:spcBef>
+              <a:buFont typeface="Arial" panose="020B0604020202020204" pitchFamily="34" charset="0"/>
+              <a:buChar char="•"/>
+              <a:defRPr sz="1800" kern="1200">
+                <a:solidFill>
+                  <a:schemeClr val="tx1"/>
+                </a:solidFill>
+                <a:latin typeface="+mn-lt"/>
+                <a:ea typeface="+mn-ea"/>
+                <a:cs typeface="+mn-cs"/>
+              </a:defRPr>
+            </a:lvl5pPr>
+            <a:lvl6pPr marL="2514600" indent="-228600" algn="l" defTabSz="914400" rtl="0" eaLnBrk="1" latinLnBrk="0" hangingPunct="1">
+              <a:lnSpc>
+                <a:spcPct val="90000"/>
+              </a:lnSpc>
+              <a:spcBef>
+                <a:spcPts val="500"/>
+              </a:spcBef>
+              <a:buFont typeface="Arial" panose="020B0604020202020204" pitchFamily="34" charset="0"/>
+              <a:buChar char="•"/>
+              <a:defRPr sz="1800" kern="1200">
+                <a:solidFill>
+                  <a:schemeClr val="tx1"/>
+                </a:solidFill>
+                <a:latin typeface="+mn-lt"/>
+                <a:ea typeface="+mn-ea"/>
+                <a:cs typeface="+mn-cs"/>
+              </a:defRPr>
+            </a:lvl6pPr>
+            <a:lvl7pPr marL="2971800" indent="-228600" algn="l" defTabSz="914400" rtl="0" eaLnBrk="1" latinLnBrk="0" hangingPunct="1">
+              <a:lnSpc>
+                <a:spcPct val="90000"/>
+              </a:lnSpc>
+              <a:spcBef>
+                <a:spcPts val="500"/>
+              </a:spcBef>
+              <a:buFont typeface="Arial" panose="020B0604020202020204" pitchFamily="34" charset="0"/>
+              <a:buChar char="•"/>
+              <a:defRPr sz="1800" kern="1200">
+                <a:solidFill>
+                  <a:schemeClr val="tx1"/>
+                </a:solidFill>
+                <a:latin typeface="+mn-lt"/>
+                <a:ea typeface="+mn-ea"/>
+                <a:cs typeface="+mn-cs"/>
+              </a:defRPr>
+            </a:lvl7pPr>
+            <a:lvl8pPr marL="3429000" indent="-228600" algn="l" defTabSz="914400" rtl="0" eaLnBrk="1" latinLnBrk="0" hangingPunct="1">
+              <a:lnSpc>
+                <a:spcPct val="90000"/>
+              </a:lnSpc>
+              <a:spcBef>
+                <a:spcPts val="500"/>
+              </a:spcBef>
+              <a:buFont typeface="Arial" panose="020B0604020202020204" pitchFamily="34" charset="0"/>
+              <a:buChar char="•"/>
+              <a:defRPr sz="1800" kern="1200">
+                <a:solidFill>
+                  <a:schemeClr val="tx1"/>
+                </a:solidFill>
+                <a:latin typeface="+mn-lt"/>
+                <a:ea typeface="+mn-ea"/>
+                <a:cs typeface="+mn-cs"/>
+              </a:defRPr>
+            </a:lvl8pPr>
+            <a:lvl9pPr marL="3886200" indent="-228600" algn="l" defTabSz="914400" rtl="0" eaLnBrk="1" latinLnBrk="0" hangingPunct="1">
+              <a:lnSpc>
+                <a:spcPct val="90000"/>
+              </a:lnSpc>
+              <a:spcBef>
+                <a:spcPts val="500"/>
+              </a:spcBef>
+              <a:buFont typeface="Arial" panose="020B0604020202020204" pitchFamily="34" charset="0"/>
+              <a:buChar char="•"/>
+              <a:defRPr sz="1800" kern="1200">
+                <a:solidFill>
+                  <a:schemeClr val="tx1"/>
+                </a:solidFill>
+                <a:latin typeface="+mn-lt"/>
+                <a:ea typeface="+mn-ea"/>
+                <a:cs typeface="+mn-cs"/>
+              </a:defRPr>
+            </a:lvl9pPr>
+          </a:lstStyle>
+          <a:p>
+            <a:pPr marL="0" indent="0" algn="ctr">
+              <a:buFont typeface="Arial" panose="020B0604020202020204" pitchFamily="34" charset="0"/>
+              <a:buNone/>
+            </a:pPr>
+            <a:r>
+              <a:rPr lang="en-US" altLang="ja-JP" sz="2400" b="1" dirty="0">
+                <a:latin typeface="Arial" panose="020B0604020202020204" pitchFamily="34" charset="0"/>
+                <a:cs typeface="Arial" panose="020B0604020202020204" pitchFamily="34" charset="0"/>
+              </a:rPr>
+              <a:t>Result</a:t>
+            </a:r>
+            <a:endParaRPr lang="en-US" sz="2400" b="1" dirty="0">
+              <a:latin typeface="Arial" panose="020B0604020202020204" pitchFamily="34" charset="0"/>
+              <a:cs typeface="Arial" panose="020B0604020202020204" pitchFamily="34" charset="0"/>
+            </a:endParaRPr>
+          </a:p>
+        </p:txBody>
+      </p:sp>
+      <p:pic>
+        <p:nvPicPr>
+          <p:cNvPr id="6" name="図 5">
+            <a:extLst>
+              <a:ext uri="{FF2B5EF4-FFF2-40B4-BE49-F238E27FC236}">
+                <a16:creationId xmlns:a16="http://schemas.microsoft.com/office/drawing/2014/main" id="{593B869B-0920-8933-A724-ABA47FCE1109}"/>
+              </a:ext>
+            </a:extLst>
+          </p:cNvPr>
+          <p:cNvPicPr>
+            <a:picLocks noChangeAspect="1"/>
+          </p:cNvPicPr>
+          <p:nvPr/>
+        </p:nvPicPr>
+        <p:blipFill>
+          <a:blip r:embed="rId3">
+            <a:extLst>
+              <a:ext uri="{28A0092B-C50C-407E-A947-70E740481C1C}">
+                <a14:useLocalDpi xmlns:a14="http://schemas.microsoft.com/office/drawing/2010/main" val="0"/>
+              </a:ext>
+            </a:extLst>
+          </a:blip>
+          <a:srcRect/>
+          <a:stretch/>
+        </p:blipFill>
+        <p:spPr>
+          <a:xfrm>
+            <a:off x="2559017" y="2702423"/>
+            <a:ext cx="1514180" cy="3280185"/>
+          </a:xfrm>
+          <a:prstGeom prst="rect">
+            <a:avLst/>
+          </a:prstGeom>
+        </p:spPr>
+      </p:pic>
+      <p:pic>
+        <p:nvPicPr>
+          <p:cNvPr id="7" name="図 6">
+            <a:extLst>
+              <a:ext uri="{FF2B5EF4-FFF2-40B4-BE49-F238E27FC236}">
+                <a16:creationId xmlns:a16="http://schemas.microsoft.com/office/drawing/2014/main" id="{AB2F9B29-106D-2B68-7CD9-CFC04F568488}"/>
+              </a:ext>
+            </a:extLst>
+          </p:cNvPr>
+          <p:cNvPicPr>
+            <a:picLocks noChangeAspect="1"/>
+          </p:cNvPicPr>
+          <p:nvPr/>
+        </p:nvPicPr>
+        <p:blipFill>
+          <a:blip r:embed="rId4">
+            <a:extLst>
+              <a:ext uri="{28A0092B-C50C-407E-A947-70E740481C1C}">
+                <a14:useLocalDpi xmlns:a14="http://schemas.microsoft.com/office/drawing/2010/main" val="0"/>
+              </a:ext>
+            </a:extLst>
+          </a:blip>
+          <a:srcRect/>
+          <a:stretch/>
+        </p:blipFill>
+        <p:spPr>
+          <a:xfrm>
+            <a:off x="4073197" y="2698924"/>
+            <a:ext cx="1514179" cy="3280185"/>
+          </a:xfrm>
+          <a:prstGeom prst="rect">
+            <a:avLst/>
+          </a:prstGeom>
+        </p:spPr>
+      </p:pic>
+      <p:pic>
+        <p:nvPicPr>
+          <p:cNvPr id="8" name="図 7">
+            <a:extLst>
+              <a:ext uri="{FF2B5EF4-FFF2-40B4-BE49-F238E27FC236}">
+                <a16:creationId xmlns:a16="http://schemas.microsoft.com/office/drawing/2014/main" id="{8717830C-11B7-02A9-5E17-6B25CC5B119C}"/>
+              </a:ext>
+            </a:extLst>
+          </p:cNvPr>
+          <p:cNvPicPr>
+            <a:picLocks noChangeAspect="1"/>
+          </p:cNvPicPr>
+          <p:nvPr/>
+        </p:nvPicPr>
+        <p:blipFill>
+          <a:blip r:embed="rId5">
+            <a:extLst>
+              <a:ext uri="{28A0092B-C50C-407E-A947-70E740481C1C}">
+                <a14:useLocalDpi xmlns:a14="http://schemas.microsoft.com/office/drawing/2010/main" val="0"/>
+              </a:ext>
+            </a:extLst>
+          </a:blip>
+          <a:srcRect/>
+          <a:stretch/>
+        </p:blipFill>
+        <p:spPr>
+          <a:xfrm>
+            <a:off x="5868787" y="2698926"/>
+            <a:ext cx="1514179" cy="3280185"/>
+          </a:xfrm>
+          <a:prstGeom prst="rect">
+            <a:avLst/>
+          </a:prstGeom>
+        </p:spPr>
+      </p:pic>
+      <p:pic>
+        <p:nvPicPr>
+          <p:cNvPr id="9" name="図 8">
+            <a:extLst>
+              <a:ext uri="{FF2B5EF4-FFF2-40B4-BE49-F238E27FC236}">
+                <a16:creationId xmlns:a16="http://schemas.microsoft.com/office/drawing/2014/main" id="{3FFD7BC9-D45B-3051-74E4-CB59A9DDBDA1}"/>
+              </a:ext>
+            </a:extLst>
+          </p:cNvPr>
+          <p:cNvPicPr>
+            <a:picLocks noChangeAspect="1"/>
+          </p:cNvPicPr>
+          <p:nvPr/>
+        </p:nvPicPr>
+        <p:blipFill>
+          <a:blip r:embed="rId6">
+            <a:extLst>
+              <a:ext uri="{28A0092B-C50C-407E-A947-70E740481C1C}">
+                <a14:useLocalDpi xmlns:a14="http://schemas.microsoft.com/office/drawing/2010/main" val="0"/>
+              </a:ext>
+            </a:extLst>
+          </a:blip>
+          <a:srcRect/>
+          <a:stretch/>
+        </p:blipFill>
+        <p:spPr>
+          <a:xfrm>
+            <a:off x="7382967" y="2698925"/>
+            <a:ext cx="1514179" cy="3280185"/>
+          </a:xfrm>
+          <a:prstGeom prst="rect">
+            <a:avLst/>
+          </a:prstGeom>
+        </p:spPr>
+      </p:pic>
+      <p:pic>
+        <p:nvPicPr>
+          <p:cNvPr id="10" name="図 9">
+            <a:extLst>
+              <a:ext uri="{FF2B5EF4-FFF2-40B4-BE49-F238E27FC236}">
+                <a16:creationId xmlns:a16="http://schemas.microsoft.com/office/drawing/2014/main" id="{789F6288-5B80-9C73-DBE8-1909E871F3A6}"/>
+              </a:ext>
+            </a:extLst>
+          </p:cNvPr>
+          <p:cNvPicPr>
+            <a:picLocks noChangeAspect="1"/>
+          </p:cNvPicPr>
+          <p:nvPr/>
+        </p:nvPicPr>
+        <p:blipFill>
+          <a:blip r:embed="rId7">
+            <a:extLst>
+              <a:ext uri="{28A0092B-C50C-407E-A947-70E740481C1C}">
+                <a14:useLocalDpi xmlns:a14="http://schemas.microsoft.com/office/drawing/2010/main" val="0"/>
+              </a:ext>
+            </a:extLst>
+          </a:blip>
+          <a:srcRect/>
+          <a:stretch/>
+        </p:blipFill>
+        <p:spPr>
+          <a:xfrm>
+            <a:off x="9151104" y="2698925"/>
+            <a:ext cx="1514179" cy="3280185"/>
+          </a:xfrm>
+          <a:prstGeom prst="rect">
+            <a:avLst/>
+          </a:prstGeom>
+        </p:spPr>
+      </p:pic>
+      <p:pic>
+        <p:nvPicPr>
+          <p:cNvPr id="11" name="図 10">
+            <a:extLst>
+              <a:ext uri="{FF2B5EF4-FFF2-40B4-BE49-F238E27FC236}">
+                <a16:creationId xmlns:a16="http://schemas.microsoft.com/office/drawing/2014/main" id="{E174DCFF-5E5F-4C51-E3CC-A4CF40B8F6A5}"/>
+              </a:ext>
+            </a:extLst>
+          </p:cNvPr>
+          <p:cNvPicPr>
+            <a:picLocks noChangeAspect="1"/>
+          </p:cNvPicPr>
+          <p:nvPr/>
+        </p:nvPicPr>
+        <p:blipFill>
+          <a:blip r:embed="rId8">
+            <a:extLst>
+              <a:ext uri="{28A0092B-C50C-407E-A947-70E740481C1C}">
+                <a14:useLocalDpi xmlns:a14="http://schemas.microsoft.com/office/drawing/2010/main" val="0"/>
+              </a:ext>
+            </a:extLst>
+          </a:blip>
+          <a:srcRect/>
+          <a:stretch/>
+        </p:blipFill>
+        <p:spPr>
+          <a:xfrm>
+            <a:off x="10665284" y="2698924"/>
+            <a:ext cx="1514179" cy="3280185"/>
+          </a:xfrm>
+          <a:prstGeom prst="rect">
+            <a:avLst/>
+          </a:prstGeom>
+        </p:spPr>
+      </p:pic>
+      <p:sp>
+        <p:nvSpPr>
+          <p:cNvPr id="12" name="テキスト ボックス 11">
+            <a:extLst>
+              <a:ext uri="{FF2B5EF4-FFF2-40B4-BE49-F238E27FC236}">
+                <a16:creationId xmlns:a16="http://schemas.microsoft.com/office/drawing/2014/main" id="{33057860-BD21-1430-BF54-6FA839BCC651}"/>
+              </a:ext>
+            </a:extLst>
+          </p:cNvPr>
+          <p:cNvSpPr txBox="1"/>
+          <p:nvPr/>
+        </p:nvSpPr>
+        <p:spPr>
+          <a:xfrm>
+            <a:off x="3098308" y="5832218"/>
+            <a:ext cx="2257712" cy="307777"/>
+          </a:xfrm>
+          <a:prstGeom prst="rect">
+            <a:avLst/>
+          </a:prstGeom>
+          <a:noFill/>
+        </p:spPr>
+        <p:txBody>
+          <a:bodyPr wrap="square" rtlCol="0">
+            <a:spAutoFit/>
+          </a:bodyPr>
+          <a:lstStyle/>
+          <a:p>
+            <a:pPr algn="ctr"/>
+            <a:r>
+              <a:rPr kumimoji="1" lang="en-US" altLang="ja-JP" sz="1400" b="1" dirty="0">
+                <a:latin typeface="Arial" panose="020B0604020202020204" pitchFamily="34" charset="0"/>
+                <a:cs typeface="Arial" panose="020B0604020202020204" pitchFamily="34" charset="0"/>
+              </a:rPr>
+              <a:t>66.3°</a:t>
+            </a:r>
+          </a:p>
+        </p:txBody>
+      </p:sp>
+      <p:sp>
+        <p:nvSpPr>
+          <p:cNvPr id="13" name="テキスト ボックス 12">
+            <a:extLst>
+              <a:ext uri="{FF2B5EF4-FFF2-40B4-BE49-F238E27FC236}">
+                <a16:creationId xmlns:a16="http://schemas.microsoft.com/office/drawing/2014/main" id="{2D0D72F0-04E3-41B5-467F-01AD7257E6CC}"/>
+              </a:ext>
+            </a:extLst>
+          </p:cNvPr>
+          <p:cNvSpPr txBox="1"/>
+          <p:nvPr/>
+        </p:nvSpPr>
+        <p:spPr>
+          <a:xfrm>
+            <a:off x="6425012" y="5832218"/>
+            <a:ext cx="2257712" cy="307777"/>
+          </a:xfrm>
+          <a:prstGeom prst="rect">
+            <a:avLst/>
+          </a:prstGeom>
+          <a:noFill/>
+        </p:spPr>
+        <p:txBody>
+          <a:bodyPr wrap="square" rtlCol="0">
+            <a:spAutoFit/>
+          </a:bodyPr>
+          <a:lstStyle/>
+          <a:p>
+            <a:pPr algn="ctr"/>
+            <a:r>
+              <a:rPr kumimoji="1" lang="en-US" altLang="ja-JP" sz="1400" b="1" dirty="0">
+                <a:latin typeface="Arial" panose="020B0604020202020204" pitchFamily="34" charset="0"/>
+                <a:cs typeface="Arial" panose="020B0604020202020204" pitchFamily="34" charset="0"/>
+              </a:rPr>
+              <a:t>61.0°</a:t>
+            </a:r>
+          </a:p>
+        </p:txBody>
+      </p:sp>
+      <p:sp>
+        <p:nvSpPr>
+          <p:cNvPr id="14" name="テキスト ボックス 13">
+            <a:extLst>
+              <a:ext uri="{FF2B5EF4-FFF2-40B4-BE49-F238E27FC236}">
+                <a16:creationId xmlns:a16="http://schemas.microsoft.com/office/drawing/2014/main" id="{C0F09E5F-B118-17B6-8F0A-B9849D3D6FD7}"/>
+              </a:ext>
+            </a:extLst>
+          </p:cNvPr>
+          <p:cNvSpPr txBox="1"/>
+          <p:nvPr/>
+        </p:nvSpPr>
+        <p:spPr>
+          <a:xfrm>
+            <a:off x="9695304" y="5832218"/>
+            <a:ext cx="2257712" cy="307777"/>
+          </a:xfrm>
+          <a:prstGeom prst="rect">
+            <a:avLst/>
+          </a:prstGeom>
+          <a:noFill/>
+        </p:spPr>
+        <p:txBody>
+          <a:bodyPr wrap="square" rtlCol="0">
+            <a:spAutoFit/>
+          </a:bodyPr>
+          <a:lstStyle/>
+          <a:p>
+            <a:pPr algn="ctr"/>
+            <a:r>
+              <a:rPr kumimoji="1" lang="en-US" altLang="ja-JP" sz="1400" b="1" dirty="0">
+                <a:latin typeface="Arial" panose="020B0604020202020204" pitchFamily="34" charset="0"/>
+                <a:cs typeface="Arial" panose="020B0604020202020204" pitchFamily="34" charset="0"/>
+              </a:rPr>
+              <a:t>90.3°</a:t>
+            </a:r>
+          </a:p>
+        </p:txBody>
+      </p:sp>
+      <p:pic>
+        <p:nvPicPr>
+          <p:cNvPr id="16" name="図 15">
+            <a:extLst>
+              <a:ext uri="{FF2B5EF4-FFF2-40B4-BE49-F238E27FC236}">
+                <a16:creationId xmlns:a16="http://schemas.microsoft.com/office/drawing/2014/main" id="{4681523C-BBF9-5126-77C2-0C6F7F6B26E4}"/>
+              </a:ext>
+            </a:extLst>
+          </p:cNvPr>
+          <p:cNvPicPr>
+            <a:picLocks noChangeAspect="1"/>
+          </p:cNvPicPr>
+          <p:nvPr/>
+        </p:nvPicPr>
+        <p:blipFill>
+          <a:blip r:embed="rId9">
+            <a:extLst>
+              <a:ext uri="{28A0092B-C50C-407E-A947-70E740481C1C}">
+                <a14:useLocalDpi xmlns:a14="http://schemas.microsoft.com/office/drawing/2010/main" val="0"/>
+              </a:ext>
+            </a:extLst>
+          </a:blip>
+          <a:srcRect/>
+          <a:stretch/>
+        </p:blipFill>
+        <p:spPr>
+          <a:xfrm>
+            <a:off x="1205016" y="3047128"/>
+            <a:ext cx="1193823" cy="2586192"/>
+          </a:xfrm>
+          <a:prstGeom prst="rect">
+            <a:avLst/>
+          </a:prstGeom>
+        </p:spPr>
+      </p:pic>
+      <p:sp>
+        <p:nvSpPr>
+          <p:cNvPr id="17" name="テキスト ボックス 16">
+            <a:extLst>
+              <a:ext uri="{FF2B5EF4-FFF2-40B4-BE49-F238E27FC236}">
+                <a16:creationId xmlns:a16="http://schemas.microsoft.com/office/drawing/2014/main" id="{1E19F80C-1F8A-865D-4307-F6CD5747B356}"/>
+              </a:ext>
+            </a:extLst>
+          </p:cNvPr>
+          <p:cNvSpPr txBox="1"/>
+          <p:nvPr/>
+        </p:nvSpPr>
+        <p:spPr>
+          <a:xfrm>
+            <a:off x="263372" y="5617558"/>
+            <a:ext cx="1910667" cy="261610"/>
+          </a:xfrm>
+          <a:prstGeom prst="rect">
+            <a:avLst/>
+          </a:prstGeom>
+          <a:noFill/>
+        </p:spPr>
+        <p:txBody>
+          <a:bodyPr wrap="square" rtlCol="0">
+            <a:spAutoFit/>
+          </a:bodyPr>
+          <a:lstStyle/>
+          <a:p>
+            <a:pPr algn="ctr"/>
+            <a:r>
+              <a:rPr kumimoji="1" lang="en-US" altLang="ja-JP" sz="1100" b="1" dirty="0">
+                <a:latin typeface="Arial" panose="020B0604020202020204" pitchFamily="34" charset="0"/>
+                <a:cs typeface="Arial" panose="020B0604020202020204" pitchFamily="34" charset="0"/>
+              </a:rPr>
+              <a:t>Rocky data Day1 – 95.9 °</a:t>
+            </a:r>
+            <a:endParaRPr kumimoji="1" lang="ja-JP" altLang="en-US" sz="1100" b="1" dirty="0">
+              <a:latin typeface="Arial" panose="020B0604020202020204" pitchFamily="34" charset="0"/>
+              <a:cs typeface="Arial" panose="020B0604020202020204" pitchFamily="34" charset="0"/>
+            </a:endParaRPr>
+          </a:p>
+        </p:txBody>
+      </p:sp>
+      <p:pic>
+        <p:nvPicPr>
+          <p:cNvPr id="15" name="図 14">
+            <a:extLst>
+              <a:ext uri="{FF2B5EF4-FFF2-40B4-BE49-F238E27FC236}">
+                <a16:creationId xmlns:a16="http://schemas.microsoft.com/office/drawing/2014/main" id="{54EA8663-1916-F875-96AE-E042F040933E}"/>
+              </a:ext>
+            </a:extLst>
+          </p:cNvPr>
+          <p:cNvPicPr>
+            <a:picLocks noChangeAspect="1"/>
+          </p:cNvPicPr>
+          <p:nvPr/>
+        </p:nvPicPr>
+        <p:blipFill>
+          <a:blip r:embed="rId10">
+            <a:extLst>
+              <a:ext uri="{28A0092B-C50C-407E-A947-70E740481C1C}">
+                <a14:useLocalDpi xmlns:a14="http://schemas.microsoft.com/office/drawing/2010/main" val="0"/>
+              </a:ext>
+            </a:extLst>
+          </a:blip>
+          <a:srcRect/>
+          <a:stretch/>
+        </p:blipFill>
+        <p:spPr>
+          <a:xfrm>
+            <a:off x="115410" y="3047128"/>
+            <a:ext cx="1193823" cy="2586192"/>
+          </a:xfrm>
+          <a:prstGeom prst="rect">
+            <a:avLst/>
+          </a:prstGeom>
+        </p:spPr>
+      </p:pic>
+    </p:spTree>
+    <p:extLst>
+      <p:ext uri="{BB962C8B-B14F-4D97-AF65-F5344CB8AC3E}">
+        <p14:creationId xmlns:p14="http://schemas.microsoft.com/office/powerpoint/2010/main" val="4032427205"/>
+      </p:ext>
+    </p:extLst>
+  </p:cSld>
+  <p:clrMapOvr>
+    <a:masterClrMapping/>
+  </p:clrMapOvr>
+  <p:timing>
+    <p:tnLst>
+      <p:par>
+        <p:cTn id="1" dur="indefinite" restart="never" nodeType="tmRoot">
+          <p:childTnLst>
+            <p:seq concurrent="1" nextAc="seek">
+              <p:cTn id="2" dur="indefinite" nodeType="mainSeq">
+                <p:childTnLst>
+                  <p:par>
+                    <p:cTn id="3" fill="hold">
+                      <p:stCondLst>
+                        <p:cond delay="indefinite"/>
+                      </p:stCondLst>
+                      <p:childTnLst>
+                        <p:par>
+                          <p:cTn id="4" fill="hold">
+                            <p:stCondLst>
+                              <p:cond delay="0"/>
+                            </p:stCondLst>
+                            <p:childTnLst>
+                              <p:par>
+                                <p:cTn id="5" presetID="10" presetClass="entr" presetSubtype="0" fill="hold" nodeType="clickEffect">
+                                  <p:stCondLst>
+                                    <p:cond delay="0"/>
+                                  </p:stCondLst>
+                                  <p:childTnLst>
+                                    <p:set>
+                                      <p:cBhvr>
+                                        <p:cTn id="6" dur="1" fill="hold">
+                                          <p:stCondLst>
+                                            <p:cond delay="0"/>
+                                          </p:stCondLst>
+                                        </p:cTn>
+                                        <p:tgtEl>
+                                          <p:spTgt spid="6"/>
+                                        </p:tgtEl>
+                                        <p:attrNameLst>
+                                          <p:attrName>style.visibility</p:attrName>
+                                        </p:attrNameLst>
+                                      </p:cBhvr>
+                                      <p:to>
+                                        <p:strVal val="visible"/>
+                                      </p:to>
+                                    </p:set>
+                                    <p:animEffect transition="in" filter="fade">
+                                      <p:cBhvr>
+                                        <p:cTn id="7" dur="500"/>
+                                        <p:tgtEl>
+                                          <p:spTgt spid="6"/>
+                                        </p:tgtEl>
+                                      </p:cBhvr>
+                                    </p:animEffect>
+                                  </p:childTnLst>
+                                </p:cTn>
+                              </p:par>
+                              <p:par>
+                                <p:cTn id="8" presetID="10" presetClass="entr" presetSubtype="0" fill="hold" nodeType="withEffect">
+                                  <p:stCondLst>
+                                    <p:cond delay="0"/>
+                                  </p:stCondLst>
+                                  <p:childTnLst>
+                                    <p:set>
+                                      <p:cBhvr>
+                                        <p:cTn id="9" dur="1" fill="hold">
+                                          <p:stCondLst>
+                                            <p:cond delay="0"/>
+                                          </p:stCondLst>
+                                        </p:cTn>
+                                        <p:tgtEl>
+                                          <p:spTgt spid="8"/>
+                                        </p:tgtEl>
+                                        <p:attrNameLst>
+                                          <p:attrName>style.visibility</p:attrName>
+                                        </p:attrNameLst>
+                                      </p:cBhvr>
+                                      <p:to>
+                                        <p:strVal val="visible"/>
+                                      </p:to>
+                                    </p:set>
+                                    <p:animEffect transition="in" filter="fade">
+                                      <p:cBhvr>
+                                        <p:cTn id="10" dur="500"/>
+                                        <p:tgtEl>
+                                          <p:spTgt spid="8"/>
+                                        </p:tgtEl>
+                                      </p:cBhvr>
+                                    </p:animEffect>
+                                  </p:childTnLst>
+                                </p:cTn>
+                              </p:par>
+                              <p:par>
+                                <p:cTn id="11" presetID="10" presetClass="entr" presetSubtype="0" fill="hold" nodeType="withEffect">
+                                  <p:stCondLst>
+                                    <p:cond delay="0"/>
+                                  </p:stCondLst>
+                                  <p:childTnLst>
+                                    <p:set>
+                                      <p:cBhvr>
+                                        <p:cTn id="12" dur="1" fill="hold">
+                                          <p:stCondLst>
+                                            <p:cond delay="0"/>
+                                          </p:stCondLst>
+                                        </p:cTn>
+                                        <p:tgtEl>
+                                          <p:spTgt spid="10"/>
+                                        </p:tgtEl>
+                                        <p:attrNameLst>
+                                          <p:attrName>style.visibility</p:attrName>
+                                        </p:attrNameLst>
+                                      </p:cBhvr>
+                                      <p:to>
+                                        <p:strVal val="visible"/>
+                                      </p:to>
+                                    </p:set>
+                                    <p:animEffect transition="in" filter="fade">
+                                      <p:cBhvr>
+                                        <p:cTn id="13" dur="500"/>
+                                        <p:tgtEl>
+                                          <p:spTgt spid="10"/>
+                                        </p:tgtEl>
+                                      </p:cBhvr>
+                                    </p:animEffect>
+                                  </p:childTnLst>
+                                </p:cTn>
+                              </p:par>
+                            </p:childTnLst>
+                          </p:cTn>
+                        </p:par>
+                      </p:childTnLst>
+                    </p:cTn>
+                  </p:par>
+                  <p:par>
+                    <p:cTn id="14" fill="hold">
+                      <p:stCondLst>
+                        <p:cond delay="indefinite"/>
+                      </p:stCondLst>
+                      <p:childTnLst>
+                        <p:par>
+                          <p:cTn id="15" fill="hold">
+                            <p:stCondLst>
+                              <p:cond delay="0"/>
+                            </p:stCondLst>
+                            <p:childTnLst>
+                              <p:par>
+                                <p:cTn id="16" presetID="10" presetClass="entr" presetSubtype="0" fill="hold" nodeType="clickEffect">
+                                  <p:stCondLst>
+                                    <p:cond delay="0"/>
+                                  </p:stCondLst>
+                                  <p:childTnLst>
+                                    <p:set>
+                                      <p:cBhvr>
+                                        <p:cTn id="17" dur="1" fill="hold">
+                                          <p:stCondLst>
+                                            <p:cond delay="0"/>
+                                          </p:stCondLst>
+                                        </p:cTn>
+                                        <p:tgtEl>
+                                          <p:spTgt spid="7"/>
+                                        </p:tgtEl>
+                                        <p:attrNameLst>
+                                          <p:attrName>style.visibility</p:attrName>
+                                        </p:attrNameLst>
+                                      </p:cBhvr>
+                                      <p:to>
+                                        <p:strVal val="visible"/>
+                                      </p:to>
+                                    </p:set>
+                                    <p:animEffect transition="in" filter="fade">
+                                      <p:cBhvr>
+                                        <p:cTn id="18" dur="500"/>
+                                        <p:tgtEl>
+                                          <p:spTgt spid="7"/>
+                                        </p:tgtEl>
+                                      </p:cBhvr>
+                                    </p:animEffect>
+                                  </p:childTnLst>
+                                </p:cTn>
+                              </p:par>
+                              <p:par>
+                                <p:cTn id="19" presetID="10" presetClass="entr" presetSubtype="0" fill="hold" nodeType="withEffect">
+                                  <p:stCondLst>
+                                    <p:cond delay="0"/>
+                                  </p:stCondLst>
+                                  <p:childTnLst>
+                                    <p:set>
+                                      <p:cBhvr>
+                                        <p:cTn id="20" dur="1" fill="hold">
+                                          <p:stCondLst>
+                                            <p:cond delay="0"/>
+                                          </p:stCondLst>
+                                        </p:cTn>
+                                        <p:tgtEl>
+                                          <p:spTgt spid="9"/>
+                                        </p:tgtEl>
+                                        <p:attrNameLst>
+                                          <p:attrName>style.visibility</p:attrName>
+                                        </p:attrNameLst>
+                                      </p:cBhvr>
+                                      <p:to>
+                                        <p:strVal val="visible"/>
+                                      </p:to>
+                                    </p:set>
+                                    <p:animEffect transition="in" filter="fade">
+                                      <p:cBhvr>
+                                        <p:cTn id="21" dur="500"/>
+                                        <p:tgtEl>
+                                          <p:spTgt spid="9"/>
+                                        </p:tgtEl>
+                                      </p:cBhvr>
+                                    </p:animEffect>
+                                  </p:childTnLst>
+                                </p:cTn>
+                              </p:par>
+                              <p:par>
+                                <p:cTn id="22" presetID="10" presetClass="entr" presetSubtype="0" fill="hold" nodeType="withEffect">
+                                  <p:stCondLst>
+                                    <p:cond delay="0"/>
+                                  </p:stCondLst>
+                                  <p:childTnLst>
+                                    <p:set>
+                                      <p:cBhvr>
+                                        <p:cTn id="23" dur="1" fill="hold">
+                                          <p:stCondLst>
+                                            <p:cond delay="0"/>
+                                          </p:stCondLst>
+                                        </p:cTn>
+                                        <p:tgtEl>
+                                          <p:spTgt spid="11"/>
+                                        </p:tgtEl>
+                                        <p:attrNameLst>
+                                          <p:attrName>style.visibility</p:attrName>
+                                        </p:attrNameLst>
+                                      </p:cBhvr>
+                                      <p:to>
+                                        <p:strVal val="visible"/>
+                                      </p:to>
+                                    </p:set>
+                                    <p:animEffect transition="in" filter="fade">
+                                      <p:cBhvr>
+                                        <p:cTn id="24" dur="500"/>
+                                        <p:tgtEl>
+                                          <p:spTgt spid="11"/>
+                                        </p:tgtEl>
+                                      </p:cBhvr>
+                                    </p:animEffect>
+                                  </p:childTnLst>
+                                </p:cTn>
+                              </p:par>
+                              <p:par>
+                                <p:cTn id="25" presetID="10" presetClass="entr" presetSubtype="0" fill="hold" grpId="0" nodeType="withEffect">
+                                  <p:stCondLst>
+                                    <p:cond delay="0"/>
+                                  </p:stCondLst>
+                                  <p:childTnLst>
+                                    <p:set>
+                                      <p:cBhvr>
+                                        <p:cTn id="26" dur="1" fill="hold">
+                                          <p:stCondLst>
+                                            <p:cond delay="0"/>
+                                          </p:stCondLst>
+                                        </p:cTn>
+                                        <p:tgtEl>
+                                          <p:spTgt spid="12"/>
+                                        </p:tgtEl>
+                                        <p:attrNameLst>
+                                          <p:attrName>style.visibility</p:attrName>
+                                        </p:attrNameLst>
+                                      </p:cBhvr>
+                                      <p:to>
+                                        <p:strVal val="visible"/>
+                                      </p:to>
+                                    </p:set>
+                                    <p:animEffect transition="in" filter="fade">
+                                      <p:cBhvr>
+                                        <p:cTn id="27" dur="500"/>
+                                        <p:tgtEl>
+                                          <p:spTgt spid="12"/>
+                                        </p:tgtEl>
+                                      </p:cBhvr>
+                                    </p:animEffect>
+                                  </p:childTnLst>
+                                </p:cTn>
+                              </p:par>
+                              <p:par>
+                                <p:cTn id="28" presetID="10" presetClass="entr" presetSubtype="0" fill="hold" grpId="0" nodeType="withEffect">
+                                  <p:stCondLst>
+                                    <p:cond delay="0"/>
+                                  </p:stCondLst>
+                                  <p:childTnLst>
+                                    <p:set>
+                                      <p:cBhvr>
+                                        <p:cTn id="29" dur="1" fill="hold">
+                                          <p:stCondLst>
+                                            <p:cond delay="0"/>
+                                          </p:stCondLst>
+                                        </p:cTn>
+                                        <p:tgtEl>
+                                          <p:spTgt spid="13"/>
+                                        </p:tgtEl>
+                                        <p:attrNameLst>
+                                          <p:attrName>style.visibility</p:attrName>
+                                        </p:attrNameLst>
+                                      </p:cBhvr>
+                                      <p:to>
+                                        <p:strVal val="visible"/>
+                                      </p:to>
+                                    </p:set>
+                                    <p:animEffect transition="in" filter="fade">
+                                      <p:cBhvr>
+                                        <p:cTn id="30" dur="500"/>
+                                        <p:tgtEl>
+                                          <p:spTgt spid="13"/>
+                                        </p:tgtEl>
+                                      </p:cBhvr>
+                                    </p:animEffect>
+                                  </p:childTnLst>
+                                </p:cTn>
+                              </p:par>
+                              <p:par>
+                                <p:cTn id="31" presetID="10" presetClass="entr" presetSubtype="0" fill="hold" grpId="0" nodeType="withEffect">
+                                  <p:stCondLst>
+                                    <p:cond delay="0"/>
+                                  </p:stCondLst>
+                                  <p:childTnLst>
+                                    <p:set>
+                                      <p:cBhvr>
+                                        <p:cTn id="32" dur="1" fill="hold">
+                                          <p:stCondLst>
+                                            <p:cond delay="0"/>
+                                          </p:stCondLst>
+                                        </p:cTn>
+                                        <p:tgtEl>
+                                          <p:spTgt spid="14"/>
+                                        </p:tgtEl>
+                                        <p:attrNameLst>
+                                          <p:attrName>style.visibility</p:attrName>
+                                        </p:attrNameLst>
+                                      </p:cBhvr>
+                                      <p:to>
+                                        <p:strVal val="visible"/>
+                                      </p:to>
+                                    </p:set>
+                                    <p:animEffect transition="in" filter="fade">
+                                      <p:cBhvr>
+                                        <p:cTn id="33" dur="500"/>
+                                        <p:tgtEl>
+                                          <p:spTgt spid="14"/>
+                                        </p:tgtEl>
+                                      </p:cBhvr>
+                                    </p:animEffect>
+                                  </p:childTnLst>
+                                </p:cTn>
+                              </p:par>
+                            </p:childTnLst>
+                          </p:cTn>
+                        </p:par>
+                      </p:childTnLst>
+                    </p:cTn>
+                  </p:par>
+                </p:childTnLst>
+              </p:cTn>
+              <p:prevCondLst>
+                <p:cond evt="onPrev" delay="0">
+                  <p:tgtEl>
+                    <p:sldTgt/>
+                  </p:tgtEl>
+                </p:cond>
+              </p:prevCondLst>
+              <p:nextCondLst>
+                <p:cond evt="onNext" delay="0">
+                  <p:tgtEl>
+                    <p:sldTgt/>
+                  </p:tgtEl>
+                </p:cond>
+              </p:nextCondLst>
+            </p:seq>
+          </p:childTnLst>
+        </p:cTn>
+      </p:par>
+    </p:tnLst>
+    <p:bldLst>
+      <p:bldP spid="12" grpId="0"/>
+      <p:bldP spid="13" grpId="0"/>
+      <p:bldP spid="14" grpId="0"/>
+    </p:bldLst>
+  </p:timing>
+</p:sld>
+</file>
+
+<file path=ppt/slides/slide11.xml><?xml version="1.0" encoding="utf-8"?>
+<p:sld xmlns:a="http://schemas.openxmlformats.org/drawingml/2006/main" xmlns:r="http://schemas.openxmlformats.org/officeDocument/2006/relationships" xmlns:p="http://schemas.openxmlformats.org/presentationml/2006/main">
+  <p:cSld>
+    <p:spTree>
+      <p:nvGrpSpPr>
+        <p:cNvPr id="1" name=""/>
+        <p:cNvGrpSpPr/>
+        <p:nvPr/>
+      </p:nvGrpSpPr>
+      <p:grpSpPr>
+        <a:xfrm>
+          <a:off x="0" y="0"/>
+          <a:ext cx="0" cy="0"/>
+          <a:chOff x="0" y="0"/>
+          <a:chExt cx="0" cy="0"/>
+        </a:xfrm>
+      </p:grpSpPr>
+      <p:sp>
+        <p:nvSpPr>
+          <p:cNvPr id="4" name="タイトル 1">
+            <a:extLst>
+              <a:ext uri="{FF2B5EF4-FFF2-40B4-BE49-F238E27FC236}">
+                <a16:creationId xmlns:a16="http://schemas.microsoft.com/office/drawing/2014/main" id="{33CA18DF-BB06-2508-2B49-C244362E65A9}"/>
+              </a:ext>
+            </a:extLst>
+          </p:cNvPr>
+          <p:cNvSpPr txBox="1">
+            <a:spLocks/>
+          </p:cNvSpPr>
+          <p:nvPr/>
+        </p:nvSpPr>
+        <p:spPr>
+          <a:xfrm>
+            <a:off x="125766" y="199838"/>
+            <a:ext cx="11940466" cy="648069"/>
+          </a:xfrm>
+          <a:prstGeom prst="rect">
+            <a:avLst/>
+          </a:prstGeom>
+        </p:spPr>
+        <p:txBody>
+          <a:bodyPr>
+            <a:normAutofit fontScale="97500" lnSpcReduction="10000"/>
+          </a:bodyPr>
+          <a:lstStyle>
+            <a:lvl1pPr algn="l" defTabSz="914400" rtl="0" eaLnBrk="1" latinLnBrk="0" hangingPunct="1">
+              <a:lnSpc>
+                <a:spcPct val="90000"/>
+              </a:lnSpc>
+              <a:spcBef>
+                <a:spcPct val="0"/>
+              </a:spcBef>
+              <a:buNone/>
+              <a:defRPr sz="4400" kern="1200">
+                <a:solidFill>
+                  <a:schemeClr val="tx1"/>
+                </a:solidFill>
+                <a:latin typeface="+mj-lt"/>
+                <a:ea typeface="+mj-ea"/>
+                <a:cs typeface="+mj-cs"/>
+              </a:defRPr>
+            </a:lvl1pPr>
+          </a:lstStyle>
+          <a:p>
+            <a:r>
+              <a:rPr lang="en-US" b="1" dirty="0">
+                <a:latin typeface="Arial" panose="020B0604020202020204" pitchFamily="34" charset="0"/>
+                <a:cs typeface="Arial" panose="020B0604020202020204" pitchFamily="34" charset="0"/>
+              </a:rPr>
+              <a:t>Summary</a:t>
+            </a:r>
+          </a:p>
+        </p:txBody>
+      </p:sp>
+      <p:sp>
+        <p:nvSpPr>
+          <p:cNvPr id="5" name="コンテンツ プレースホルダー 2">
+            <a:extLst>
+              <a:ext uri="{FF2B5EF4-FFF2-40B4-BE49-F238E27FC236}">
+                <a16:creationId xmlns:a16="http://schemas.microsoft.com/office/drawing/2014/main" id="{BC2D697F-ABC0-3401-EDE9-33AED999AC06}"/>
+              </a:ext>
+            </a:extLst>
+          </p:cNvPr>
+          <p:cNvSpPr txBox="1">
+            <a:spLocks/>
+          </p:cNvSpPr>
+          <p:nvPr/>
+        </p:nvSpPr>
+        <p:spPr>
+          <a:xfrm>
+            <a:off x="115410" y="878889"/>
+            <a:ext cx="11940466" cy="5872578"/>
+          </a:xfrm>
+          <a:prstGeom prst="rect">
+            <a:avLst/>
+          </a:prstGeom>
+        </p:spPr>
+        <p:txBody>
+          <a:bodyPr>
+            <a:normAutofit/>
+          </a:bodyPr>
+          <a:lstStyle>
+            <a:lvl1pPr marL="228600" indent="-228600" algn="l" defTabSz="914400" rtl="0" eaLnBrk="1" latinLnBrk="0" hangingPunct="1">
+              <a:lnSpc>
+                <a:spcPct val="90000"/>
+              </a:lnSpc>
+              <a:spcBef>
+                <a:spcPts val="1000"/>
+              </a:spcBef>
+              <a:buFont typeface="Arial" panose="020B0604020202020204" pitchFamily="34" charset="0"/>
+              <a:buChar char="•"/>
+              <a:defRPr sz="2800" kern="1200">
+                <a:solidFill>
+                  <a:schemeClr val="tx1"/>
+                </a:solidFill>
+                <a:latin typeface="+mn-lt"/>
+                <a:ea typeface="+mn-ea"/>
+                <a:cs typeface="+mn-cs"/>
+              </a:defRPr>
+            </a:lvl1pPr>
+            <a:lvl2pPr marL="685800" indent="-228600" algn="l" defTabSz="914400" rtl="0" eaLnBrk="1" latinLnBrk="0" hangingPunct="1">
+              <a:lnSpc>
+                <a:spcPct val="90000"/>
+              </a:lnSpc>
+              <a:spcBef>
+                <a:spcPts val="500"/>
+              </a:spcBef>
+              <a:buFont typeface="Arial" panose="020B0604020202020204" pitchFamily="34" charset="0"/>
+              <a:buChar char="•"/>
+              <a:defRPr sz="2400" kern="1200">
+                <a:solidFill>
+                  <a:schemeClr val="tx1"/>
+                </a:solidFill>
+                <a:latin typeface="+mn-lt"/>
+                <a:ea typeface="+mn-ea"/>
+                <a:cs typeface="+mn-cs"/>
+              </a:defRPr>
+            </a:lvl2pPr>
+            <a:lvl3pPr marL="1143000" indent="-228600" algn="l" defTabSz="914400" rtl="0" eaLnBrk="1" latinLnBrk="0" hangingPunct="1">
+              <a:lnSpc>
+                <a:spcPct val="90000"/>
+              </a:lnSpc>
+              <a:spcBef>
+                <a:spcPts val="500"/>
+              </a:spcBef>
+              <a:buFont typeface="Arial" panose="020B0604020202020204" pitchFamily="34" charset="0"/>
+              <a:buChar char="•"/>
+              <a:defRPr sz="2000" kern="1200">
+                <a:solidFill>
+                  <a:schemeClr val="tx1"/>
+                </a:solidFill>
+                <a:latin typeface="+mn-lt"/>
+                <a:ea typeface="+mn-ea"/>
+                <a:cs typeface="+mn-cs"/>
+              </a:defRPr>
+            </a:lvl3pPr>
+            <a:lvl4pPr marL="1600200" indent="-228600" algn="l" defTabSz="914400" rtl="0" eaLnBrk="1" latinLnBrk="0" hangingPunct="1">
+              <a:lnSpc>
+                <a:spcPct val="90000"/>
+              </a:lnSpc>
+              <a:spcBef>
+                <a:spcPts val="500"/>
+              </a:spcBef>
+              <a:buFont typeface="Arial" panose="020B0604020202020204" pitchFamily="34" charset="0"/>
+              <a:buChar char="•"/>
+              <a:defRPr sz="1800" kern="1200">
+                <a:solidFill>
+                  <a:schemeClr val="tx1"/>
+                </a:solidFill>
+                <a:latin typeface="+mn-lt"/>
+                <a:ea typeface="+mn-ea"/>
+                <a:cs typeface="+mn-cs"/>
+              </a:defRPr>
+            </a:lvl4pPr>
+            <a:lvl5pPr marL="2057400" indent="-228600" algn="l" defTabSz="914400" rtl="0" eaLnBrk="1" latinLnBrk="0" hangingPunct="1">
+              <a:lnSpc>
+                <a:spcPct val="90000"/>
+              </a:lnSpc>
+              <a:spcBef>
+                <a:spcPts val="500"/>
+              </a:spcBef>
+              <a:buFont typeface="Arial" panose="020B0604020202020204" pitchFamily="34" charset="0"/>
+              <a:buChar char="•"/>
+              <a:defRPr sz="1800" kern="1200">
+                <a:solidFill>
+                  <a:schemeClr val="tx1"/>
+                </a:solidFill>
+                <a:latin typeface="+mn-lt"/>
+                <a:ea typeface="+mn-ea"/>
+                <a:cs typeface="+mn-cs"/>
+              </a:defRPr>
+            </a:lvl5pPr>
+            <a:lvl6pPr marL="2514600" indent="-228600" algn="l" defTabSz="914400" rtl="0" eaLnBrk="1" latinLnBrk="0" hangingPunct="1">
+              <a:lnSpc>
+                <a:spcPct val="90000"/>
+              </a:lnSpc>
+              <a:spcBef>
+                <a:spcPts val="500"/>
+              </a:spcBef>
+              <a:buFont typeface="Arial" panose="020B0604020202020204" pitchFamily="34" charset="0"/>
+              <a:buChar char="•"/>
+              <a:defRPr sz="1800" kern="1200">
+                <a:solidFill>
+                  <a:schemeClr val="tx1"/>
+                </a:solidFill>
+                <a:latin typeface="+mn-lt"/>
+                <a:ea typeface="+mn-ea"/>
+                <a:cs typeface="+mn-cs"/>
+              </a:defRPr>
+            </a:lvl6pPr>
+            <a:lvl7pPr marL="2971800" indent="-228600" algn="l" defTabSz="914400" rtl="0" eaLnBrk="1" latinLnBrk="0" hangingPunct="1">
+              <a:lnSpc>
+                <a:spcPct val="90000"/>
+              </a:lnSpc>
+              <a:spcBef>
+                <a:spcPts val="500"/>
+              </a:spcBef>
+              <a:buFont typeface="Arial" panose="020B0604020202020204" pitchFamily="34" charset="0"/>
+              <a:buChar char="•"/>
+              <a:defRPr sz="1800" kern="1200">
+                <a:solidFill>
+                  <a:schemeClr val="tx1"/>
+                </a:solidFill>
+                <a:latin typeface="+mn-lt"/>
+                <a:ea typeface="+mn-ea"/>
+                <a:cs typeface="+mn-cs"/>
+              </a:defRPr>
+            </a:lvl7pPr>
+            <a:lvl8pPr marL="3429000" indent="-228600" algn="l" defTabSz="914400" rtl="0" eaLnBrk="1" latinLnBrk="0" hangingPunct="1">
+              <a:lnSpc>
+                <a:spcPct val="90000"/>
+              </a:lnSpc>
+              <a:spcBef>
+                <a:spcPts val="500"/>
+              </a:spcBef>
+              <a:buFont typeface="Arial" panose="020B0604020202020204" pitchFamily="34" charset="0"/>
+              <a:buChar char="•"/>
+              <a:defRPr sz="1800" kern="1200">
+                <a:solidFill>
+                  <a:schemeClr val="tx1"/>
+                </a:solidFill>
+                <a:latin typeface="+mn-lt"/>
+                <a:ea typeface="+mn-ea"/>
+                <a:cs typeface="+mn-cs"/>
+              </a:defRPr>
+            </a:lvl8pPr>
+            <a:lvl9pPr marL="3886200" indent="-228600" algn="l" defTabSz="914400" rtl="0" eaLnBrk="1" latinLnBrk="0" hangingPunct="1">
+              <a:lnSpc>
+                <a:spcPct val="90000"/>
+              </a:lnSpc>
+              <a:spcBef>
+                <a:spcPts val="500"/>
+              </a:spcBef>
+              <a:buFont typeface="Arial" panose="020B0604020202020204" pitchFamily="34" charset="0"/>
+              <a:buChar char="•"/>
+              <a:defRPr sz="1800" kern="1200">
+                <a:solidFill>
+                  <a:schemeClr val="tx1"/>
+                </a:solidFill>
+                <a:latin typeface="+mn-lt"/>
+                <a:ea typeface="+mn-ea"/>
+                <a:cs typeface="+mn-cs"/>
+              </a:defRPr>
+            </a:lvl9pPr>
+          </a:lstStyle>
+          <a:p>
+            <a:pPr marL="457200" indent="-457200" fontAlgn="base">
+              <a:lnSpc>
+                <a:spcPct val="100000"/>
+              </a:lnSpc>
+              <a:spcBef>
+                <a:spcPts val="0"/>
+              </a:spcBef>
+              <a:buFont typeface="Arial" panose="020B0604020202020204" pitchFamily="34" charset="0"/>
+              <a:buAutoNum type="arabicPeriod"/>
+            </a:pPr>
+            <a:r>
+              <a:rPr lang="en-US" sz="2400" dirty="0">
+                <a:latin typeface="Arial" panose="020B0604020202020204" pitchFamily="34" charset="0"/>
+              </a:rPr>
+              <a:t>Stretching</a:t>
+            </a:r>
+          </a:p>
+          <a:p>
+            <a:pPr marL="914400" lvl="1" indent="-457200" fontAlgn="base">
+              <a:lnSpc>
+                <a:spcPct val="100000"/>
+              </a:lnSpc>
+              <a:spcBef>
+                <a:spcPts val="0"/>
+              </a:spcBef>
+              <a:buFont typeface="Arial" panose="020B0604020202020204" pitchFamily="34" charset="0"/>
+              <a:buAutoNum type="arabicPeriod"/>
+            </a:pPr>
+            <a:r>
+              <a:rPr lang="en-US" dirty="0">
+                <a:latin typeface="Arial" panose="020B0604020202020204" pitchFamily="34" charset="0"/>
+              </a:rPr>
+              <a:t>Couldn’t see</a:t>
+            </a:r>
+          </a:p>
+          <a:p>
+            <a:pPr marL="457200" indent="-457200" fontAlgn="base">
+              <a:lnSpc>
+                <a:spcPct val="100000"/>
+              </a:lnSpc>
+              <a:spcBef>
+                <a:spcPts val="0"/>
+              </a:spcBef>
+              <a:buFont typeface="Arial" panose="020B0604020202020204" pitchFamily="34" charset="0"/>
+              <a:buAutoNum type="arabicPeriod"/>
+            </a:pPr>
+            <a:r>
+              <a:rPr lang="en-US" sz="2400" dirty="0">
+                <a:latin typeface="Arial" panose="020B0604020202020204" pitchFamily="34" charset="0"/>
+              </a:rPr>
+              <a:t>Reward Axis and Difficulty Axis was orthogonal</a:t>
+            </a:r>
+          </a:p>
+          <a:p>
+            <a:pPr marL="914400" lvl="1" indent="-457200" fontAlgn="base">
+              <a:lnSpc>
+                <a:spcPct val="100000"/>
+              </a:lnSpc>
+              <a:spcBef>
+                <a:spcPts val="0"/>
+              </a:spcBef>
+              <a:buFont typeface="Arial" panose="020B0604020202020204" pitchFamily="34" charset="0"/>
+              <a:buAutoNum type="arabicPeriod"/>
+            </a:pPr>
+            <a:r>
+              <a:rPr lang="en-US" dirty="0">
+                <a:latin typeface="Arial" panose="020B0604020202020204" pitchFamily="34" charset="0"/>
+              </a:rPr>
+              <a:t>Couldn’t see</a:t>
+            </a:r>
+          </a:p>
+          <a:p>
+            <a:pPr marL="0" indent="0" fontAlgn="base">
+              <a:lnSpc>
+                <a:spcPct val="100000"/>
+              </a:lnSpc>
+              <a:spcBef>
+                <a:spcPts val="0"/>
+              </a:spcBef>
+              <a:buNone/>
+            </a:pPr>
+            <a:endParaRPr lang="en-US" dirty="0">
+              <a:latin typeface="Arial" panose="020B0604020202020204" pitchFamily="34" charset="0"/>
+            </a:endParaRPr>
+          </a:p>
+          <a:p>
+            <a:pPr marL="0" indent="0" fontAlgn="base">
+              <a:lnSpc>
+                <a:spcPct val="100000"/>
+              </a:lnSpc>
+              <a:spcBef>
+                <a:spcPts val="0"/>
+              </a:spcBef>
+              <a:buNone/>
+            </a:pPr>
+            <a:r>
+              <a:rPr lang="en-US" dirty="0">
+                <a:latin typeface="Arial" panose="020B0604020202020204" pitchFamily="34" charset="0"/>
+              </a:rPr>
+              <a:t>What causes the difference?</a:t>
+            </a:r>
+          </a:p>
+          <a:p>
+            <a:pPr marL="514350" indent="-514350" fontAlgn="base">
+              <a:lnSpc>
+                <a:spcPct val="100000"/>
+              </a:lnSpc>
+              <a:spcBef>
+                <a:spcPts val="0"/>
+              </a:spcBef>
+              <a:buAutoNum type="arabicPeriod"/>
+            </a:pPr>
+            <a:r>
+              <a:rPr lang="en-US" dirty="0">
+                <a:latin typeface="Arial" panose="020B0604020202020204" pitchFamily="34" charset="0"/>
+              </a:rPr>
+              <a:t>Focus difficulty affects? =&gt; How about in Trivial trials?</a:t>
+            </a:r>
+          </a:p>
+          <a:p>
+            <a:pPr marL="514350" indent="-514350" fontAlgn="base">
+              <a:lnSpc>
+                <a:spcPct val="100000"/>
+              </a:lnSpc>
+              <a:spcBef>
+                <a:spcPts val="0"/>
+              </a:spcBef>
+              <a:buAutoNum type="arabicPeriod"/>
+            </a:pPr>
+            <a:r>
+              <a:rPr lang="en-US" dirty="0">
+                <a:latin typeface="Arial" panose="020B0604020202020204" pitchFamily="34" charset="0"/>
+              </a:rPr>
+              <a:t>Was Small(0mL) special? =&gt; Rocky showed stretching b/w M and L?</a:t>
+            </a:r>
+          </a:p>
+          <a:p>
+            <a:pPr marL="514350" indent="-514350" fontAlgn="base">
+              <a:lnSpc>
+                <a:spcPct val="100000"/>
+              </a:lnSpc>
+              <a:spcBef>
+                <a:spcPts val="0"/>
+              </a:spcBef>
+              <a:buAutoNum type="arabicPeriod"/>
+            </a:pPr>
+            <a:endParaRPr lang="en-US" dirty="0">
+              <a:latin typeface="Arial" panose="020B0604020202020204" pitchFamily="34" charset="0"/>
+            </a:endParaRPr>
+          </a:p>
+          <a:p>
+            <a:pPr marL="0" indent="0" fontAlgn="base">
+              <a:lnSpc>
+                <a:spcPct val="100000"/>
+              </a:lnSpc>
+              <a:spcBef>
+                <a:spcPts val="0"/>
+              </a:spcBef>
+              <a:buNone/>
+            </a:pPr>
+            <a:r>
+              <a:rPr lang="en-US" dirty="0">
+                <a:latin typeface="Arial" panose="020B0604020202020204" pitchFamily="34" charset="0"/>
+              </a:rPr>
+              <a:t>Future work: Reconstruct the hypothesis</a:t>
+            </a:r>
+          </a:p>
+          <a:p>
+            <a:pPr marL="0" indent="0" fontAlgn="base">
+              <a:lnSpc>
+                <a:spcPct val="100000"/>
+              </a:lnSpc>
+              <a:spcBef>
+                <a:spcPts val="0"/>
+              </a:spcBef>
+              <a:buNone/>
+            </a:pPr>
+            <a:endParaRPr lang="en-US" dirty="0">
+              <a:latin typeface="Arial" panose="020B0604020202020204" pitchFamily="34" charset="0"/>
+            </a:endParaRPr>
+          </a:p>
+          <a:p>
+            <a:pPr marL="0" indent="0" fontAlgn="base">
+              <a:lnSpc>
+                <a:spcPct val="100000"/>
+              </a:lnSpc>
+              <a:spcBef>
+                <a:spcPts val="0"/>
+              </a:spcBef>
+              <a:buNone/>
+            </a:pPr>
+            <a:endParaRPr lang="en-US" dirty="0">
+              <a:latin typeface="Arial" panose="020B0604020202020204" pitchFamily="34" charset="0"/>
+            </a:endParaRPr>
+          </a:p>
+          <a:p>
+            <a:pPr marL="0" indent="0" fontAlgn="base">
+              <a:lnSpc>
+                <a:spcPct val="100000"/>
+              </a:lnSpc>
+              <a:spcBef>
+                <a:spcPts val="0"/>
+              </a:spcBef>
+              <a:buNone/>
+            </a:pPr>
+            <a:endParaRPr lang="en-US" dirty="0">
+              <a:latin typeface="Arial" panose="020B0604020202020204" pitchFamily="34" charset="0"/>
+            </a:endParaRPr>
+          </a:p>
+          <a:p>
+            <a:pPr marL="0" indent="0" fontAlgn="base">
+              <a:lnSpc>
+                <a:spcPct val="100000"/>
+              </a:lnSpc>
+              <a:spcBef>
+                <a:spcPts val="0"/>
+              </a:spcBef>
+              <a:buNone/>
+            </a:pPr>
+            <a:endParaRPr lang="en-US" dirty="0">
+              <a:latin typeface="Arial" panose="020B0604020202020204" pitchFamily="34" charset="0"/>
+            </a:endParaRPr>
+          </a:p>
+        </p:txBody>
+      </p:sp>
+    </p:spTree>
+    <p:extLst>
+      <p:ext uri="{BB962C8B-B14F-4D97-AF65-F5344CB8AC3E}">
+        <p14:creationId xmlns:p14="http://schemas.microsoft.com/office/powerpoint/2010/main" val="4124484599"/>
+      </p:ext>
+    </p:extLst>
+  </p:cSld>
+  <p:clrMapOvr>
+    <a:masterClrMapping/>
+  </p:clrMapOvr>
+  <p:timing>
+    <p:tnLst>
+      <p:par>
+        <p:cTn id="1" dur="indefinite" restart="never" nodeType="tmRoot">
+          <p:childTnLst>
+            <p:seq concurrent="1" nextAc="seek">
+              <p:cTn id="2" dur="indefinite" nodeType="mainSeq">
+                <p:childTnLst>
+                  <p:par>
+                    <p:cTn id="3" fill="hold">
+                      <p:stCondLst>
+                        <p:cond delay="indefinite"/>
+                      </p:stCondLst>
+                      <p:childTnLst>
+                        <p:par>
+                          <p:cTn id="4" fill="hold">
+                            <p:stCondLst>
+                              <p:cond delay="0"/>
+                            </p:stCondLst>
+                            <p:childTnLst>
+                              <p:par>
+                                <p:cTn id="5" presetID="10" presetClass="entr" presetSubtype="0" fill="hold" nodeType="clickEffect">
+                                  <p:stCondLst>
+                                    <p:cond delay="0"/>
+                                  </p:stCondLst>
+                                  <p:childTnLst>
+                                    <p:set>
+                                      <p:cBhvr>
+                                        <p:cTn id="6" dur="1" fill="hold">
+                                          <p:stCondLst>
+                                            <p:cond delay="0"/>
+                                          </p:stCondLst>
+                                        </p:cTn>
+                                        <p:tgtEl>
+                                          <p:spTgt spid="5">
+                                            <p:txEl>
+                                              <p:pRg st="6" end="6"/>
+                                            </p:txEl>
+                                          </p:spTgt>
+                                        </p:tgtEl>
+                                        <p:attrNameLst>
+                                          <p:attrName>style.visibility</p:attrName>
+                                        </p:attrNameLst>
+                                      </p:cBhvr>
+                                      <p:to>
+                                        <p:strVal val="visible"/>
+                                      </p:to>
+                                    </p:set>
+                                    <p:animEffect transition="in" filter="fade">
+                                      <p:cBhvr>
+                                        <p:cTn id="7" dur="500"/>
+                                        <p:tgtEl>
+                                          <p:spTgt spid="5">
+                                            <p:txEl>
+                                              <p:pRg st="6" end="6"/>
+                                            </p:txEl>
+                                          </p:spTgt>
+                                        </p:tgtEl>
+                                      </p:cBhvr>
+                                    </p:animEffect>
+                                  </p:childTnLst>
+                                </p:cTn>
+                              </p:par>
+                            </p:childTnLst>
+                          </p:cTn>
+                        </p:par>
+                      </p:childTnLst>
+                    </p:cTn>
+                  </p:par>
+                  <p:par>
+                    <p:cTn id="8" fill="hold">
+                      <p:stCondLst>
+                        <p:cond delay="indefinite"/>
+                      </p:stCondLst>
+                      <p:childTnLst>
+                        <p:par>
+                          <p:cTn id="9" fill="hold">
+                            <p:stCondLst>
+                              <p:cond delay="0"/>
+                            </p:stCondLst>
+                            <p:childTnLst>
+                              <p:par>
+                                <p:cTn id="10" presetID="10" presetClass="entr" presetSubtype="0" fill="hold" nodeType="clickEffect">
+                                  <p:stCondLst>
+                                    <p:cond delay="0"/>
+                                  </p:stCondLst>
+                                  <p:childTnLst>
+                                    <p:set>
+                                      <p:cBhvr>
+                                        <p:cTn id="11" dur="1" fill="hold">
+                                          <p:stCondLst>
+                                            <p:cond delay="0"/>
+                                          </p:stCondLst>
+                                        </p:cTn>
+                                        <p:tgtEl>
+                                          <p:spTgt spid="5">
+                                            <p:txEl>
+                                              <p:pRg st="7" end="7"/>
+                                            </p:txEl>
+                                          </p:spTgt>
+                                        </p:tgtEl>
+                                        <p:attrNameLst>
+                                          <p:attrName>style.visibility</p:attrName>
+                                        </p:attrNameLst>
+                                      </p:cBhvr>
+                                      <p:to>
+                                        <p:strVal val="visible"/>
+                                      </p:to>
+                                    </p:set>
+                                    <p:animEffect transition="in" filter="fade">
+                                      <p:cBhvr>
+                                        <p:cTn id="12" dur="500"/>
+                                        <p:tgtEl>
+                                          <p:spTgt spid="5">
+                                            <p:txEl>
+                                              <p:pRg st="7" end="7"/>
+                                            </p:txEl>
+                                          </p:spTgt>
+                                        </p:tgtEl>
+                                      </p:cBhvr>
+                                    </p:animEffect>
+                                  </p:childTnLst>
+                                </p:cTn>
+                              </p:par>
+                            </p:childTnLst>
+                          </p:cTn>
+                        </p:par>
+                      </p:childTnLst>
+                    </p:cTn>
+                  </p:par>
+                  <p:par>
+                    <p:cTn id="13" fill="hold">
+                      <p:stCondLst>
+                        <p:cond delay="indefinite"/>
+                      </p:stCondLst>
+                      <p:childTnLst>
+                        <p:par>
+                          <p:cTn id="14" fill="hold">
+                            <p:stCondLst>
+                              <p:cond delay="0"/>
+                            </p:stCondLst>
+                            <p:childTnLst>
+                              <p:par>
+                                <p:cTn id="15" presetID="10" presetClass="entr" presetSubtype="0" fill="hold" nodeType="clickEffect">
+                                  <p:stCondLst>
+                                    <p:cond delay="0"/>
+                                  </p:stCondLst>
+                                  <p:childTnLst>
+                                    <p:set>
+                                      <p:cBhvr>
+                                        <p:cTn id="16" dur="1" fill="hold">
+                                          <p:stCondLst>
+                                            <p:cond delay="0"/>
+                                          </p:stCondLst>
+                                        </p:cTn>
+                                        <p:tgtEl>
+                                          <p:spTgt spid="5">
+                                            <p:txEl>
+                                              <p:pRg st="9" end="9"/>
+                                            </p:txEl>
+                                          </p:spTgt>
+                                        </p:tgtEl>
+                                        <p:attrNameLst>
+                                          <p:attrName>style.visibility</p:attrName>
+                                        </p:attrNameLst>
+                                      </p:cBhvr>
+                                      <p:to>
+                                        <p:strVal val="visible"/>
+                                      </p:to>
+                                    </p:set>
+                                    <p:animEffect transition="in" filter="fade">
+                                      <p:cBhvr>
+                                        <p:cTn id="17" dur="500"/>
+                                        <p:tgtEl>
+                                          <p:spTgt spid="5">
+                                            <p:txEl>
+                                              <p:pRg st="9" end="9"/>
+                                            </p:txEl>
+                                          </p:spTgt>
+                                        </p:tgtEl>
+                                      </p:cBhvr>
+                                    </p:animEffect>
+                                  </p:childTnLst>
+                                </p:cTn>
+                              </p:par>
+                            </p:childTnLst>
+                          </p:cTn>
+                        </p:par>
+                      </p:childTnLst>
+                    </p:cTn>
+                  </p:par>
+                </p:childTnLst>
+              </p:cTn>
+              <p:prevCondLst>
+                <p:cond evt="onPrev" delay="0">
+                  <p:tgtEl>
+                    <p:sldTgt/>
+                  </p:tgtEl>
+                </p:cond>
+              </p:prevCondLst>
+              <p:nextCondLst>
+                <p:cond evt="onNext" delay="0">
+                  <p:tgtEl>
+                    <p:sldTgt/>
+                  </p:tgtEl>
+                </p:cond>
+              </p:nextCondLst>
+            </p:seq>
+          </p:childTnLst>
+        </p:cTn>
+      </p:par>
+    </p:tnLst>
+  </p:timing>
+</p:sld>
+</file>
+
+<file path=ppt/slides/slide12.xml><?xml version="1.0" encoding="utf-8"?>
 <p:sld xmlns:a="http://schemas.openxmlformats.org/drawingml/2006/main" xmlns:r="http://schemas.openxmlformats.org/officeDocument/2006/relationships" xmlns:p="http://schemas.openxmlformats.org/presentationml/2006/main">
   <p:cSld>
     <p:spTree>
@@ -5929,7 +8160,7 @@
 </p:sld>
 </file>
 
-<file path=ppt/slides/slide11.xml><?xml version="1.0" encoding="utf-8"?>
+<file path=ppt/slides/slide13.xml><?xml version="1.0" encoding="utf-8"?>
 <p:sld xmlns:a="http://schemas.openxmlformats.org/drawingml/2006/main" xmlns:r="http://schemas.openxmlformats.org/officeDocument/2006/relationships" xmlns:p="http://schemas.openxmlformats.org/presentationml/2006/main">
   <p:cSld>
     <p:spTree>
@@ -6653,7 +8884,7 @@
 </p:sld>
 </file>
 
-<file path=ppt/slides/slide12.xml><?xml version="1.0" encoding="utf-8"?>
+<file path=ppt/slides/slide14.xml><?xml version="1.0" encoding="utf-8"?>
 <p:sld xmlns:a="http://schemas.openxmlformats.org/drawingml/2006/main" xmlns:r="http://schemas.openxmlformats.org/officeDocument/2006/relationships" xmlns:p="http://schemas.openxmlformats.org/presentationml/2006/main" show="0">
   <p:cSld>
     <p:spTree>
@@ -7605,17 +9836,22 @@
         </p:spPr>
         <p:txBody>
           <a:bodyPr>
-            <a:normAutofit fontScale="90000"/>
+            <a:noAutofit/>
           </a:bodyPr>
           <a:lstStyle/>
           <a:p>
-            <a:r>
-              <a:rPr lang="en-US" b="1" dirty="0">
+            <a:pPr algn="ctr"/>
+            <a:r>
+              <a:rPr lang="en-US" altLang="ja-JP" sz="2800" b="1" dirty="0">
                 <a:latin typeface="Arial" panose="020B0604020202020204" pitchFamily="34" charset="0"/>
                 <a:cs typeface="Arial" panose="020B0604020202020204" pitchFamily="34" charset="0"/>
               </a:rPr>
-              <a:t>Experiment</a:t>
-            </a:r>
+              <a:t>Does Reward Axis around GC show “stretching”?</a:t>
+            </a:r>
+            <a:endParaRPr lang="en-US" sz="2800" dirty="0">
+              <a:latin typeface="Arial" panose="020B0604020202020204" pitchFamily="34" charset="0"/>
+              <a:cs typeface="Arial" panose="020B0604020202020204" pitchFamily="34" charset="0"/>
+            </a:endParaRPr>
           </a:p>
         </p:txBody>
       </p:sp>
@@ -7638,7 +9874,7 @@
         <p:spPr>
           <a:xfrm>
             <a:off x="115410" y="878889"/>
-            <a:ext cx="11940466" cy="5872578"/>
+            <a:ext cx="11940466" cy="1722268"/>
           </a:xfrm>
         </p:spPr>
         <p:txBody>
@@ -7647,361 +9883,1210 @@
           </a:bodyPr>
           <a:lstStyle/>
           <a:p>
-            <a:pPr marL="0" indent="0" fontAlgn="base">
-              <a:lnSpc>
-                <a:spcPct val="100000"/>
-              </a:lnSpc>
-              <a:spcBef>
-                <a:spcPts val="0"/>
-              </a:spcBef>
+            <a:pPr marL="0" indent="0">
               <a:buNone/>
             </a:pPr>
             <a:r>
-              <a:rPr lang="en-US" sz="2000" dirty="0">
-                <a:latin typeface="Arial" panose="020B0604020202020204" pitchFamily="34" charset="0"/>
-              </a:rPr>
-              <a:t>Interleaved Days</a:t>
-            </a:r>
-            <a:endParaRPr lang="en-US" sz="2000" i="0" dirty="0">
-              <a:effectLst/>
-              <a:latin typeface="Arial" panose="020B0604020202020204" pitchFamily="34" charset="0"/>
-            </a:endParaRPr>
-          </a:p>
-          <a:p>
-            <a:pPr fontAlgn="base">
-              <a:lnSpc>
-                <a:spcPct val="100000"/>
-              </a:lnSpc>
-              <a:spcBef>
-                <a:spcPts val="0"/>
-              </a:spcBef>
-              <a:buFont typeface="+mj-lt"/>
-              <a:buAutoNum type="arabicPeriod"/>
-            </a:pPr>
-            <a:r>
-              <a:rPr lang="en-US" sz="2000" i="0" dirty="0">
-                <a:effectLst/>
-                <a:latin typeface="Arial" panose="020B0604020202020204" pitchFamily="34" charset="0"/>
-              </a:rPr>
-              <a:t>Experiment date : 20230216~20220414 (3 days)</a:t>
-            </a:r>
-          </a:p>
-          <a:p>
-            <a:pPr fontAlgn="base">
-              <a:lnSpc>
-                <a:spcPct val="100000"/>
-              </a:lnSpc>
-              <a:spcBef>
-                <a:spcPts val="0"/>
-              </a:spcBef>
-              <a:buFont typeface="+mj-lt"/>
-              <a:buAutoNum type="arabicPeriod"/>
-            </a:pPr>
-            <a:r>
-              <a:rPr lang="en-US" sz="2000" i="0" dirty="0">
-                <a:effectLst/>
-                <a:latin typeface="Arial" panose="020B0604020202020204" pitchFamily="34" charset="0"/>
-              </a:rPr>
-              <a:t>Monkey : Satchel</a:t>
-            </a:r>
-          </a:p>
-          <a:p>
-            <a:pPr fontAlgn="base">
-              <a:lnSpc>
-                <a:spcPct val="100000"/>
-              </a:lnSpc>
-              <a:spcBef>
-                <a:spcPts val="0"/>
-              </a:spcBef>
-              <a:buFont typeface="+mj-lt"/>
-              <a:buAutoNum type="arabicPeriod"/>
-            </a:pPr>
-            <a:r>
-              <a:rPr lang="en-US" sz="2000" i="0" dirty="0">
-                <a:effectLst/>
-                <a:latin typeface="Arial" panose="020B0604020202020204" pitchFamily="34" charset="0"/>
-              </a:rPr>
-              <a:t>Task type : Focus task: color change detection + delayed reach task (16% are catch trials)</a:t>
-            </a:r>
-          </a:p>
-          <a:p>
-            <a:pPr fontAlgn="base">
-              <a:lnSpc>
-                <a:spcPct val="100000"/>
-              </a:lnSpc>
-              <a:spcBef>
-                <a:spcPts val="0"/>
-              </a:spcBef>
-              <a:buFont typeface="+mj-lt"/>
-              <a:buAutoNum type="arabicPeriod"/>
-            </a:pPr>
-            <a:r>
-              <a:rPr lang="en-US" sz="2000" i="0" dirty="0">
-                <a:effectLst/>
-                <a:latin typeface="Arial" panose="020B0604020202020204" pitchFamily="34" charset="0"/>
-              </a:rPr>
-              <a:t>Parameters</a:t>
-            </a:r>
-          </a:p>
-          <a:p>
-            <a:pPr lvl="1" fontAlgn="base">
-              <a:lnSpc>
-                <a:spcPct val="100000"/>
-              </a:lnSpc>
-              <a:spcBef>
-                <a:spcPts val="0"/>
-              </a:spcBef>
-              <a:buFont typeface="+mj-lt"/>
-              <a:buAutoNum type="arabicPeriod"/>
-            </a:pPr>
-            <a:r>
-              <a:rPr lang="en-US" sz="2000" i="0" dirty="0">
-                <a:effectLst/>
-                <a:latin typeface="Arial" panose="020B0604020202020204" pitchFamily="34" charset="0"/>
-              </a:rPr>
-              <a:t>Direction : 8 directions</a:t>
-            </a:r>
-          </a:p>
-          <a:p>
-            <a:pPr lvl="1" fontAlgn="base">
-              <a:lnSpc>
-                <a:spcPct val="100000"/>
-              </a:lnSpc>
-              <a:spcBef>
-                <a:spcPts val="0"/>
-              </a:spcBef>
-              <a:buFont typeface="+mj-lt"/>
-              <a:buAutoNum type="arabicPeriod"/>
-            </a:pPr>
-            <a:r>
-              <a:rPr lang="en-US" sz="2000" i="0" dirty="0">
-                <a:effectLst/>
-                <a:latin typeface="Arial" panose="020B0604020202020204" pitchFamily="34" charset="0"/>
-              </a:rPr>
-              <a:t>Reward : small (</a:t>
-            </a:r>
-            <a:r>
-              <a:rPr lang="en-US" sz="2000" i="0" dirty="0">
-                <a:solidFill>
-                  <a:srgbClr val="FF0000"/>
-                </a:solidFill>
-                <a:effectLst/>
-                <a:latin typeface="Arial" panose="020B0604020202020204" pitchFamily="34" charset="0"/>
-              </a:rPr>
-              <a:t>50ul</a:t>
-            </a:r>
-            <a:r>
-              <a:rPr lang="en-US" sz="2000" i="0" dirty="0">
-                <a:effectLst/>
-                <a:latin typeface="Arial" panose="020B0604020202020204" pitchFamily="34" charset="0"/>
-              </a:rPr>
-              <a:t>) medium (</a:t>
-            </a:r>
-            <a:r>
-              <a:rPr lang="en-US" sz="2000" dirty="0">
-                <a:latin typeface="Arial" panose="020B0604020202020204" pitchFamily="34" charset="0"/>
-              </a:rPr>
-              <a:t>15</a:t>
-            </a:r>
-            <a:r>
-              <a:rPr lang="en-US" sz="2000" i="0" dirty="0">
-                <a:effectLst/>
-                <a:latin typeface="Arial" panose="020B0604020202020204" pitchFamily="34" charset="0"/>
-              </a:rPr>
-              <a:t>0ul) large (400ul) rewards cued by shapes inside</a:t>
-            </a:r>
-          </a:p>
-          <a:p>
-            <a:pPr lvl="1" fontAlgn="base">
-              <a:lnSpc>
-                <a:spcPct val="100000"/>
-              </a:lnSpc>
-              <a:spcBef>
-                <a:spcPts val="0"/>
-              </a:spcBef>
-              <a:buFont typeface="+mj-lt"/>
-              <a:buAutoNum type="arabicPeriod"/>
-            </a:pPr>
-            <a:r>
-              <a:rPr lang="en-US" sz="2000" i="0" dirty="0">
-                <a:effectLst/>
-                <a:latin typeface="Arial" panose="020B0604020202020204" pitchFamily="34" charset="0"/>
-              </a:rPr>
-              <a:t>Target size : either tiny (25mm rad) or huge (38mm rad)</a:t>
-            </a:r>
-          </a:p>
-          <a:p>
-            <a:pPr lvl="1" fontAlgn="base">
-              <a:lnSpc>
-                <a:spcPct val="100000"/>
-              </a:lnSpc>
-              <a:spcBef>
-                <a:spcPts val="0"/>
-              </a:spcBef>
-              <a:buFont typeface="+mj-lt"/>
-              <a:buAutoNum type="arabicPeriod"/>
-            </a:pPr>
-            <a:r>
-              <a:rPr lang="en-US" sz="2000" dirty="0">
-                <a:solidFill>
-                  <a:srgbClr val="000000"/>
-                </a:solidFill>
+              <a:rPr lang="en-US" altLang="ja-JP" sz="2000" b="1" dirty="0">
                 <a:latin typeface="Arial" panose="020B0604020202020204" pitchFamily="34" charset="0"/>
                 <a:cs typeface="Arial" panose="020B0604020202020204" pitchFamily="34" charset="0"/>
               </a:rPr>
-              <a:t>Focus difficulty: </a:t>
-            </a:r>
-          </a:p>
-          <a:p>
-            <a:pPr fontAlgn="base">
-              <a:lnSpc>
-                <a:spcPct val="100000"/>
-              </a:lnSpc>
-              <a:spcBef>
-                <a:spcPts val="0"/>
-              </a:spcBef>
-              <a:buFont typeface="+mj-lt"/>
+              <a:t>Method</a:t>
+            </a:r>
+          </a:p>
+          <a:p>
+            <a:pPr marL="457200" indent="-457200">
               <a:buAutoNum type="arabicPeriod"/>
             </a:pPr>
             <a:r>
-              <a:rPr lang="en-US" sz="2000" dirty="0">
-                <a:solidFill>
-                  <a:srgbClr val="000000"/>
-                </a:solidFill>
+              <a:rPr lang="en-US" altLang="ja-JP" sz="2000" dirty="0">
                 <a:latin typeface="Arial" panose="020B0604020202020204" pitchFamily="34" charset="0"/>
                 <a:cs typeface="Arial" panose="020B0604020202020204" pitchFamily="34" charset="0"/>
               </a:rPr>
-              <a:t>Delay length: </a:t>
-            </a:r>
-            <a:r>
-              <a:rPr lang="en-US" sz="2000" dirty="0">
-                <a:solidFill>
-                  <a:srgbClr val="FF0000"/>
-                </a:solidFill>
+              <a:t>Get an average of firing rate in each reward condition (</a:t>
+            </a:r>
+            <a:r>
+              <a:rPr lang="en-US" altLang="ja-JP" sz="2000" dirty="0" err="1">
                 <a:latin typeface="Arial" panose="020B0604020202020204" pitchFamily="34" charset="0"/>
                 <a:cs typeface="Arial" panose="020B0604020202020204" pitchFamily="34" charset="0"/>
               </a:rPr>
-              <a:t>500~2000</a:t>
-            </a:r>
-            <a:r>
-              <a:rPr lang="en-US" sz="2000" dirty="0">
-                <a:solidFill>
-                  <a:srgbClr val="000000"/>
-                </a:solidFill>
+              <a:t>nneuron</a:t>
+            </a:r>
+            <a:r>
+              <a:rPr lang="en-US" altLang="ja-JP" sz="2000" dirty="0">
                 <a:latin typeface="Arial" panose="020B0604020202020204" pitchFamily="34" charset="0"/>
                 <a:cs typeface="Arial" panose="020B0604020202020204" pitchFamily="34" charset="0"/>
               </a:rPr>
-              <a:t> </a:t>
-            </a:r>
-            <a:r>
-              <a:rPr lang="en-US" sz="2000" dirty="0" err="1">
-                <a:solidFill>
-                  <a:srgbClr val="000000"/>
-                </a:solidFill>
+              <a:t> * </a:t>
+            </a:r>
+            <a:r>
+              <a:rPr lang="en-US" altLang="ja-JP" sz="2000" dirty="0" err="1">
                 <a:latin typeface="Arial" panose="020B0604020202020204" pitchFamily="34" charset="0"/>
                 <a:cs typeface="Arial" panose="020B0604020202020204" pitchFamily="34" charset="0"/>
               </a:rPr>
-              <a:t>ms</a:t>
-            </a:r>
-            <a:endParaRPr lang="en-US" sz="2000" dirty="0">
-              <a:solidFill>
-                <a:srgbClr val="000000"/>
-              </a:solidFill>
+              <a:t>nreward</a:t>
+            </a:r>
+            <a:r>
+              <a:rPr lang="en-US" altLang="ja-JP" sz="2000" dirty="0">
+                <a:latin typeface="Arial" panose="020B0604020202020204" pitchFamily="34" charset="0"/>
+                <a:cs typeface="Arial" panose="020B0604020202020204" pitchFamily="34" charset="0"/>
+              </a:rPr>
+              <a:t>(3)) around GC [-150 +50]</a:t>
+            </a:r>
+          </a:p>
+          <a:p>
+            <a:pPr marL="457200" indent="-457200">
+              <a:buAutoNum type="arabicPeriod"/>
+            </a:pPr>
+            <a:r>
+              <a:rPr lang="en-US" altLang="ja-JP" sz="2000" dirty="0">
+                <a:latin typeface="Arial" panose="020B0604020202020204" pitchFamily="34" charset="0"/>
+                <a:cs typeface="Arial" panose="020B0604020202020204" pitchFamily="34" charset="0"/>
+              </a:rPr>
+              <a:t>Get reward Axis from them</a:t>
+            </a:r>
+            <a:endParaRPr lang="en-US" altLang="ja-JP" sz="2000" b="1" dirty="0">
               <a:latin typeface="Arial" panose="020B0604020202020204" pitchFamily="34" charset="0"/>
               <a:cs typeface="Arial" panose="020B0604020202020204" pitchFamily="34" charset="0"/>
             </a:endParaRPr>
           </a:p>
           <a:p>
-            <a:pPr fontAlgn="base">
-              <a:lnSpc>
-                <a:spcPct val="100000"/>
-              </a:lnSpc>
-              <a:spcBef>
-                <a:spcPts val="0"/>
-              </a:spcBef>
-              <a:buFont typeface="+mj-lt"/>
+            <a:pPr marL="457200" indent="-457200">
               <a:buAutoNum type="arabicPeriod"/>
             </a:pPr>
-            <a:r>
-              <a:rPr lang="en-US" sz="2000" dirty="0">
-                <a:latin typeface="Arial" panose="020B0604020202020204" pitchFamily="34" charset="0"/>
-              </a:rPr>
-              <a:t>Data size: 2000 trials per day.</a:t>
-            </a:r>
-          </a:p>
-          <a:p>
-            <a:pPr fontAlgn="base">
-              <a:lnSpc>
-                <a:spcPct val="100000"/>
-              </a:lnSpc>
-              <a:spcBef>
-                <a:spcPts val="0"/>
-              </a:spcBef>
-              <a:buFont typeface="+mj-lt"/>
-              <a:buAutoNum type="arabicPeriod"/>
-            </a:pPr>
-            <a:r>
-              <a:rPr lang="en-US" sz="2000" dirty="0">
-                <a:latin typeface="Arial" panose="020B0604020202020204" pitchFamily="34" charset="0"/>
-              </a:rPr>
-              <a:t>The data for my analysis: the trials which passed Go Cue and achieved to reach the target</a:t>
-            </a:r>
-            <a:endParaRPr lang="en-US" sz="1200" dirty="0">
-              <a:latin typeface="Arial" panose="020B0604020202020204" pitchFamily="34" charset="0"/>
-            </a:endParaRPr>
-          </a:p>
-          <a:p>
-            <a:pPr fontAlgn="base">
-              <a:lnSpc>
-                <a:spcPct val="100000"/>
-              </a:lnSpc>
-              <a:spcBef>
-                <a:spcPts val="0"/>
-              </a:spcBef>
-              <a:buFont typeface="+mj-lt"/>
-              <a:buAutoNum type="arabicPeriod"/>
-            </a:pPr>
-            <a:r>
-              <a:rPr lang="en-US" sz="2000" dirty="0">
-                <a:solidFill>
-                  <a:srgbClr val="FF0000"/>
-                </a:solidFill>
-                <a:latin typeface="Arial" panose="020B0604020202020204" pitchFamily="34" charset="0"/>
-              </a:rPr>
-              <a:t>How did Adi spike sort?</a:t>
-            </a:r>
-          </a:p>
-          <a:p>
-            <a:pPr fontAlgn="base">
-              <a:lnSpc>
-                <a:spcPct val="100000"/>
-              </a:lnSpc>
-              <a:spcBef>
-                <a:spcPts val="0"/>
-              </a:spcBef>
-              <a:buFont typeface="+mj-lt"/>
-              <a:buAutoNum type="arabicPeriod"/>
-            </a:pPr>
-            <a:endParaRPr lang="en-US" sz="2000" dirty="0">
-              <a:solidFill>
-                <a:srgbClr val="000000"/>
-              </a:solidFill>
+            <a:endParaRPr lang="en-US" sz="2000" b="1" dirty="0">
               <a:latin typeface="Arial" panose="020B0604020202020204" pitchFamily="34" charset="0"/>
               <a:cs typeface="Arial" panose="020B0604020202020204" pitchFamily="34" charset="0"/>
             </a:endParaRPr>
           </a:p>
+          <a:p>
+            <a:pPr marL="457200" indent="-457200">
+              <a:buAutoNum type="arabicPeriod"/>
+            </a:pPr>
+            <a:endParaRPr lang="en-US" sz="2000" b="1" dirty="0">
+              <a:latin typeface="Arial" panose="020B0604020202020204" pitchFamily="34" charset="0"/>
+              <a:cs typeface="Arial" panose="020B0604020202020204" pitchFamily="34" charset="0"/>
+            </a:endParaRPr>
+          </a:p>
         </p:txBody>
       </p:sp>
+      <p:sp>
+        <p:nvSpPr>
+          <p:cNvPr id="4" name="コンテンツ プレースホルダー 2">
+            <a:extLst>
+              <a:ext uri="{FF2B5EF4-FFF2-40B4-BE49-F238E27FC236}">
+                <a16:creationId xmlns:a16="http://schemas.microsoft.com/office/drawing/2014/main" id="{3C1F8DFF-3BE9-522D-51E5-D48F5B432B59}"/>
+              </a:ext>
+            </a:extLst>
+          </p:cNvPr>
+          <p:cNvSpPr txBox="1">
+            <a:spLocks/>
+          </p:cNvSpPr>
+          <p:nvPr/>
+        </p:nvSpPr>
+        <p:spPr>
+          <a:xfrm>
+            <a:off x="115411" y="2087842"/>
+            <a:ext cx="2079149" cy="449063"/>
+          </a:xfrm>
+          <a:prstGeom prst="rect">
+            <a:avLst/>
+          </a:prstGeom>
+          <a:solidFill>
+            <a:schemeClr val="bg1">
+              <a:lumMod val="95000"/>
+            </a:schemeClr>
+          </a:solidFill>
+        </p:spPr>
+        <p:txBody>
+          <a:bodyPr vert="horz" lIns="91440" tIns="45720" rIns="91440" bIns="45720" rtlCol="0" anchor="ctr">
+            <a:normAutofit/>
+          </a:bodyPr>
+          <a:lstStyle>
+            <a:lvl1pPr marL="228600" indent="-228600" algn="l" defTabSz="914400" rtl="0" eaLnBrk="1" latinLnBrk="0" hangingPunct="1">
+              <a:lnSpc>
+                <a:spcPct val="90000"/>
+              </a:lnSpc>
+              <a:spcBef>
+                <a:spcPts val="1000"/>
+              </a:spcBef>
+              <a:buFont typeface="Arial" panose="020B0604020202020204" pitchFamily="34" charset="0"/>
+              <a:buChar char="•"/>
+              <a:defRPr sz="2800" kern="1200">
+                <a:solidFill>
+                  <a:schemeClr val="tx1"/>
+                </a:solidFill>
+                <a:latin typeface="+mn-lt"/>
+                <a:ea typeface="+mn-ea"/>
+                <a:cs typeface="+mn-cs"/>
+              </a:defRPr>
+            </a:lvl1pPr>
+            <a:lvl2pPr marL="685800" indent="-228600" algn="l" defTabSz="914400" rtl="0" eaLnBrk="1" latinLnBrk="0" hangingPunct="1">
+              <a:lnSpc>
+                <a:spcPct val="90000"/>
+              </a:lnSpc>
+              <a:spcBef>
+                <a:spcPts val="500"/>
+              </a:spcBef>
+              <a:buFont typeface="Arial" panose="020B0604020202020204" pitchFamily="34" charset="0"/>
+              <a:buChar char="•"/>
+              <a:defRPr sz="2400" kern="1200">
+                <a:solidFill>
+                  <a:schemeClr val="tx1"/>
+                </a:solidFill>
+                <a:latin typeface="+mn-lt"/>
+                <a:ea typeface="+mn-ea"/>
+                <a:cs typeface="+mn-cs"/>
+              </a:defRPr>
+            </a:lvl2pPr>
+            <a:lvl3pPr marL="1143000" indent="-228600" algn="l" defTabSz="914400" rtl="0" eaLnBrk="1" latinLnBrk="0" hangingPunct="1">
+              <a:lnSpc>
+                <a:spcPct val="90000"/>
+              </a:lnSpc>
+              <a:spcBef>
+                <a:spcPts val="500"/>
+              </a:spcBef>
+              <a:buFont typeface="Arial" panose="020B0604020202020204" pitchFamily="34" charset="0"/>
+              <a:buChar char="•"/>
+              <a:defRPr sz="2000" kern="1200">
+                <a:solidFill>
+                  <a:schemeClr val="tx1"/>
+                </a:solidFill>
+                <a:latin typeface="+mn-lt"/>
+                <a:ea typeface="+mn-ea"/>
+                <a:cs typeface="+mn-cs"/>
+              </a:defRPr>
+            </a:lvl3pPr>
+            <a:lvl4pPr marL="1600200" indent="-228600" algn="l" defTabSz="914400" rtl="0" eaLnBrk="1" latinLnBrk="0" hangingPunct="1">
+              <a:lnSpc>
+                <a:spcPct val="90000"/>
+              </a:lnSpc>
+              <a:spcBef>
+                <a:spcPts val="500"/>
+              </a:spcBef>
+              <a:buFont typeface="Arial" panose="020B0604020202020204" pitchFamily="34" charset="0"/>
+              <a:buChar char="•"/>
+              <a:defRPr sz="1800" kern="1200">
+                <a:solidFill>
+                  <a:schemeClr val="tx1"/>
+                </a:solidFill>
+                <a:latin typeface="+mn-lt"/>
+                <a:ea typeface="+mn-ea"/>
+                <a:cs typeface="+mn-cs"/>
+              </a:defRPr>
+            </a:lvl4pPr>
+            <a:lvl5pPr marL="2057400" indent="-228600" algn="l" defTabSz="914400" rtl="0" eaLnBrk="1" latinLnBrk="0" hangingPunct="1">
+              <a:lnSpc>
+                <a:spcPct val="90000"/>
+              </a:lnSpc>
+              <a:spcBef>
+                <a:spcPts val="500"/>
+              </a:spcBef>
+              <a:buFont typeface="Arial" panose="020B0604020202020204" pitchFamily="34" charset="0"/>
+              <a:buChar char="•"/>
+              <a:defRPr sz="1800" kern="1200">
+                <a:solidFill>
+                  <a:schemeClr val="tx1"/>
+                </a:solidFill>
+                <a:latin typeface="+mn-lt"/>
+                <a:ea typeface="+mn-ea"/>
+                <a:cs typeface="+mn-cs"/>
+              </a:defRPr>
+            </a:lvl5pPr>
+            <a:lvl6pPr marL="2514600" indent="-228600" algn="l" defTabSz="914400" rtl="0" eaLnBrk="1" latinLnBrk="0" hangingPunct="1">
+              <a:lnSpc>
+                <a:spcPct val="90000"/>
+              </a:lnSpc>
+              <a:spcBef>
+                <a:spcPts val="500"/>
+              </a:spcBef>
+              <a:buFont typeface="Arial" panose="020B0604020202020204" pitchFamily="34" charset="0"/>
+              <a:buChar char="•"/>
+              <a:defRPr sz="1800" kern="1200">
+                <a:solidFill>
+                  <a:schemeClr val="tx1"/>
+                </a:solidFill>
+                <a:latin typeface="+mn-lt"/>
+                <a:ea typeface="+mn-ea"/>
+                <a:cs typeface="+mn-cs"/>
+              </a:defRPr>
+            </a:lvl6pPr>
+            <a:lvl7pPr marL="2971800" indent="-228600" algn="l" defTabSz="914400" rtl="0" eaLnBrk="1" latinLnBrk="0" hangingPunct="1">
+              <a:lnSpc>
+                <a:spcPct val="90000"/>
+              </a:lnSpc>
+              <a:spcBef>
+                <a:spcPts val="500"/>
+              </a:spcBef>
+              <a:buFont typeface="Arial" panose="020B0604020202020204" pitchFamily="34" charset="0"/>
+              <a:buChar char="•"/>
+              <a:defRPr sz="1800" kern="1200">
+                <a:solidFill>
+                  <a:schemeClr val="tx1"/>
+                </a:solidFill>
+                <a:latin typeface="+mn-lt"/>
+                <a:ea typeface="+mn-ea"/>
+                <a:cs typeface="+mn-cs"/>
+              </a:defRPr>
+            </a:lvl7pPr>
+            <a:lvl8pPr marL="3429000" indent="-228600" algn="l" defTabSz="914400" rtl="0" eaLnBrk="1" latinLnBrk="0" hangingPunct="1">
+              <a:lnSpc>
+                <a:spcPct val="90000"/>
+              </a:lnSpc>
+              <a:spcBef>
+                <a:spcPts val="500"/>
+              </a:spcBef>
+              <a:buFont typeface="Arial" panose="020B0604020202020204" pitchFamily="34" charset="0"/>
+              <a:buChar char="•"/>
+              <a:defRPr sz="1800" kern="1200">
+                <a:solidFill>
+                  <a:schemeClr val="tx1"/>
+                </a:solidFill>
+                <a:latin typeface="+mn-lt"/>
+                <a:ea typeface="+mn-ea"/>
+                <a:cs typeface="+mn-cs"/>
+              </a:defRPr>
+            </a:lvl8pPr>
+            <a:lvl9pPr marL="3886200" indent="-228600" algn="l" defTabSz="914400" rtl="0" eaLnBrk="1" latinLnBrk="0" hangingPunct="1">
+              <a:lnSpc>
+                <a:spcPct val="90000"/>
+              </a:lnSpc>
+              <a:spcBef>
+                <a:spcPts val="500"/>
+              </a:spcBef>
+              <a:buFont typeface="Arial" panose="020B0604020202020204" pitchFamily="34" charset="0"/>
+              <a:buChar char="•"/>
+              <a:defRPr sz="1800" kern="1200">
+                <a:solidFill>
+                  <a:schemeClr val="tx1"/>
+                </a:solidFill>
+                <a:latin typeface="+mn-lt"/>
+                <a:ea typeface="+mn-ea"/>
+                <a:cs typeface="+mn-cs"/>
+              </a:defRPr>
+            </a:lvl9pPr>
+          </a:lstStyle>
+          <a:p>
+            <a:pPr marL="0" indent="0" algn="ctr">
+              <a:buFont typeface="Arial" panose="020B0604020202020204" pitchFamily="34" charset="0"/>
+              <a:buNone/>
+            </a:pPr>
+            <a:r>
+              <a:rPr lang="en-US" altLang="ja-JP" sz="2400" b="1" dirty="0">
+                <a:latin typeface="Arial" panose="020B0604020202020204" pitchFamily="34" charset="0"/>
+                <a:cs typeface="Arial" panose="020B0604020202020204" pitchFamily="34" charset="0"/>
+              </a:rPr>
+              <a:t>We expect</a:t>
+            </a:r>
+            <a:endParaRPr lang="en-US" sz="2400" b="1" dirty="0">
+              <a:latin typeface="Arial" panose="020B0604020202020204" pitchFamily="34" charset="0"/>
+              <a:cs typeface="Arial" panose="020B0604020202020204" pitchFamily="34" charset="0"/>
+            </a:endParaRPr>
+          </a:p>
+        </p:txBody>
+      </p:sp>
+      <p:sp>
+        <p:nvSpPr>
+          <p:cNvPr id="5" name="コンテンツ プレースホルダー 2">
+            <a:extLst>
+              <a:ext uri="{FF2B5EF4-FFF2-40B4-BE49-F238E27FC236}">
+                <a16:creationId xmlns:a16="http://schemas.microsoft.com/office/drawing/2014/main" id="{E2247332-FBD7-F890-418D-186D025A2163}"/>
+              </a:ext>
+            </a:extLst>
+          </p:cNvPr>
+          <p:cNvSpPr txBox="1">
+            <a:spLocks/>
+          </p:cNvSpPr>
+          <p:nvPr/>
+        </p:nvSpPr>
+        <p:spPr>
+          <a:xfrm>
+            <a:off x="2377441" y="2087841"/>
+            <a:ext cx="9699152" cy="449063"/>
+          </a:xfrm>
+          <a:prstGeom prst="rect">
+            <a:avLst/>
+          </a:prstGeom>
+          <a:solidFill>
+            <a:schemeClr val="bg1">
+              <a:lumMod val="95000"/>
+            </a:schemeClr>
+          </a:solidFill>
+        </p:spPr>
+        <p:txBody>
+          <a:bodyPr vert="horz" lIns="91440" tIns="45720" rIns="91440" bIns="45720" rtlCol="0" anchor="ctr">
+            <a:normAutofit/>
+          </a:bodyPr>
+          <a:lstStyle>
+            <a:lvl1pPr marL="228600" indent="-228600" algn="l" defTabSz="914400" rtl="0" eaLnBrk="1" latinLnBrk="0" hangingPunct="1">
+              <a:lnSpc>
+                <a:spcPct val="90000"/>
+              </a:lnSpc>
+              <a:spcBef>
+                <a:spcPts val="1000"/>
+              </a:spcBef>
+              <a:buFont typeface="Arial" panose="020B0604020202020204" pitchFamily="34" charset="0"/>
+              <a:buChar char="•"/>
+              <a:defRPr sz="2800" kern="1200">
+                <a:solidFill>
+                  <a:schemeClr val="tx1"/>
+                </a:solidFill>
+                <a:latin typeface="+mn-lt"/>
+                <a:ea typeface="+mn-ea"/>
+                <a:cs typeface="+mn-cs"/>
+              </a:defRPr>
+            </a:lvl1pPr>
+            <a:lvl2pPr marL="685800" indent="-228600" algn="l" defTabSz="914400" rtl="0" eaLnBrk="1" latinLnBrk="0" hangingPunct="1">
+              <a:lnSpc>
+                <a:spcPct val="90000"/>
+              </a:lnSpc>
+              <a:spcBef>
+                <a:spcPts val="500"/>
+              </a:spcBef>
+              <a:buFont typeface="Arial" panose="020B0604020202020204" pitchFamily="34" charset="0"/>
+              <a:buChar char="•"/>
+              <a:defRPr sz="2400" kern="1200">
+                <a:solidFill>
+                  <a:schemeClr val="tx1"/>
+                </a:solidFill>
+                <a:latin typeface="+mn-lt"/>
+                <a:ea typeface="+mn-ea"/>
+                <a:cs typeface="+mn-cs"/>
+              </a:defRPr>
+            </a:lvl2pPr>
+            <a:lvl3pPr marL="1143000" indent="-228600" algn="l" defTabSz="914400" rtl="0" eaLnBrk="1" latinLnBrk="0" hangingPunct="1">
+              <a:lnSpc>
+                <a:spcPct val="90000"/>
+              </a:lnSpc>
+              <a:spcBef>
+                <a:spcPts val="500"/>
+              </a:spcBef>
+              <a:buFont typeface="Arial" panose="020B0604020202020204" pitchFamily="34" charset="0"/>
+              <a:buChar char="•"/>
+              <a:defRPr sz="2000" kern="1200">
+                <a:solidFill>
+                  <a:schemeClr val="tx1"/>
+                </a:solidFill>
+                <a:latin typeface="+mn-lt"/>
+                <a:ea typeface="+mn-ea"/>
+                <a:cs typeface="+mn-cs"/>
+              </a:defRPr>
+            </a:lvl3pPr>
+            <a:lvl4pPr marL="1600200" indent="-228600" algn="l" defTabSz="914400" rtl="0" eaLnBrk="1" latinLnBrk="0" hangingPunct="1">
+              <a:lnSpc>
+                <a:spcPct val="90000"/>
+              </a:lnSpc>
+              <a:spcBef>
+                <a:spcPts val="500"/>
+              </a:spcBef>
+              <a:buFont typeface="Arial" panose="020B0604020202020204" pitchFamily="34" charset="0"/>
+              <a:buChar char="•"/>
+              <a:defRPr sz="1800" kern="1200">
+                <a:solidFill>
+                  <a:schemeClr val="tx1"/>
+                </a:solidFill>
+                <a:latin typeface="+mn-lt"/>
+                <a:ea typeface="+mn-ea"/>
+                <a:cs typeface="+mn-cs"/>
+              </a:defRPr>
+            </a:lvl4pPr>
+            <a:lvl5pPr marL="2057400" indent="-228600" algn="l" defTabSz="914400" rtl="0" eaLnBrk="1" latinLnBrk="0" hangingPunct="1">
+              <a:lnSpc>
+                <a:spcPct val="90000"/>
+              </a:lnSpc>
+              <a:spcBef>
+                <a:spcPts val="500"/>
+              </a:spcBef>
+              <a:buFont typeface="Arial" panose="020B0604020202020204" pitchFamily="34" charset="0"/>
+              <a:buChar char="•"/>
+              <a:defRPr sz="1800" kern="1200">
+                <a:solidFill>
+                  <a:schemeClr val="tx1"/>
+                </a:solidFill>
+                <a:latin typeface="+mn-lt"/>
+                <a:ea typeface="+mn-ea"/>
+                <a:cs typeface="+mn-cs"/>
+              </a:defRPr>
+            </a:lvl5pPr>
+            <a:lvl6pPr marL="2514600" indent="-228600" algn="l" defTabSz="914400" rtl="0" eaLnBrk="1" latinLnBrk="0" hangingPunct="1">
+              <a:lnSpc>
+                <a:spcPct val="90000"/>
+              </a:lnSpc>
+              <a:spcBef>
+                <a:spcPts val="500"/>
+              </a:spcBef>
+              <a:buFont typeface="Arial" panose="020B0604020202020204" pitchFamily="34" charset="0"/>
+              <a:buChar char="•"/>
+              <a:defRPr sz="1800" kern="1200">
+                <a:solidFill>
+                  <a:schemeClr val="tx1"/>
+                </a:solidFill>
+                <a:latin typeface="+mn-lt"/>
+                <a:ea typeface="+mn-ea"/>
+                <a:cs typeface="+mn-cs"/>
+              </a:defRPr>
+            </a:lvl6pPr>
+            <a:lvl7pPr marL="2971800" indent="-228600" algn="l" defTabSz="914400" rtl="0" eaLnBrk="1" latinLnBrk="0" hangingPunct="1">
+              <a:lnSpc>
+                <a:spcPct val="90000"/>
+              </a:lnSpc>
+              <a:spcBef>
+                <a:spcPts val="500"/>
+              </a:spcBef>
+              <a:buFont typeface="Arial" panose="020B0604020202020204" pitchFamily="34" charset="0"/>
+              <a:buChar char="•"/>
+              <a:defRPr sz="1800" kern="1200">
+                <a:solidFill>
+                  <a:schemeClr val="tx1"/>
+                </a:solidFill>
+                <a:latin typeface="+mn-lt"/>
+                <a:ea typeface="+mn-ea"/>
+                <a:cs typeface="+mn-cs"/>
+              </a:defRPr>
+            </a:lvl7pPr>
+            <a:lvl8pPr marL="3429000" indent="-228600" algn="l" defTabSz="914400" rtl="0" eaLnBrk="1" latinLnBrk="0" hangingPunct="1">
+              <a:lnSpc>
+                <a:spcPct val="90000"/>
+              </a:lnSpc>
+              <a:spcBef>
+                <a:spcPts val="500"/>
+              </a:spcBef>
+              <a:buFont typeface="Arial" panose="020B0604020202020204" pitchFamily="34" charset="0"/>
+              <a:buChar char="•"/>
+              <a:defRPr sz="1800" kern="1200">
+                <a:solidFill>
+                  <a:schemeClr val="tx1"/>
+                </a:solidFill>
+                <a:latin typeface="+mn-lt"/>
+                <a:ea typeface="+mn-ea"/>
+                <a:cs typeface="+mn-cs"/>
+              </a:defRPr>
+            </a:lvl8pPr>
+            <a:lvl9pPr marL="3886200" indent="-228600" algn="l" defTabSz="914400" rtl="0" eaLnBrk="1" latinLnBrk="0" hangingPunct="1">
+              <a:lnSpc>
+                <a:spcPct val="90000"/>
+              </a:lnSpc>
+              <a:spcBef>
+                <a:spcPts val="500"/>
+              </a:spcBef>
+              <a:buFont typeface="Arial" panose="020B0604020202020204" pitchFamily="34" charset="0"/>
+              <a:buChar char="•"/>
+              <a:defRPr sz="1800" kern="1200">
+                <a:solidFill>
+                  <a:schemeClr val="tx1"/>
+                </a:solidFill>
+                <a:latin typeface="+mn-lt"/>
+                <a:ea typeface="+mn-ea"/>
+                <a:cs typeface="+mn-cs"/>
+              </a:defRPr>
+            </a:lvl9pPr>
+          </a:lstStyle>
+          <a:p>
+            <a:pPr marL="0" indent="0" algn="ctr">
+              <a:buFont typeface="Arial" panose="020B0604020202020204" pitchFamily="34" charset="0"/>
+              <a:buNone/>
+            </a:pPr>
+            <a:r>
+              <a:rPr lang="en-US" altLang="ja-JP" sz="2400" b="1" dirty="0">
+                <a:latin typeface="Arial" panose="020B0604020202020204" pitchFamily="34" charset="0"/>
+                <a:cs typeface="Arial" panose="020B0604020202020204" pitchFamily="34" charset="0"/>
+              </a:rPr>
+              <a:t>Result</a:t>
+            </a:r>
+            <a:endParaRPr lang="en-US" sz="2400" b="1" dirty="0">
+              <a:latin typeface="Arial" panose="020B0604020202020204" pitchFamily="34" charset="0"/>
+              <a:cs typeface="Arial" panose="020B0604020202020204" pitchFamily="34" charset="0"/>
+            </a:endParaRPr>
+          </a:p>
+        </p:txBody>
+      </p:sp>
+      <p:sp>
+        <p:nvSpPr>
+          <p:cNvPr id="14" name="テキスト ボックス 13">
+            <a:extLst>
+              <a:ext uri="{FF2B5EF4-FFF2-40B4-BE49-F238E27FC236}">
+                <a16:creationId xmlns:a16="http://schemas.microsoft.com/office/drawing/2014/main" id="{E78CA14E-16E8-D8D9-A179-5EE0EEF12434}"/>
+              </a:ext>
+            </a:extLst>
+          </p:cNvPr>
+          <p:cNvSpPr txBox="1"/>
+          <p:nvPr/>
+        </p:nvSpPr>
+        <p:spPr>
+          <a:xfrm>
+            <a:off x="2827997" y="5825222"/>
+            <a:ext cx="706332" cy="307777"/>
+          </a:xfrm>
+          <a:prstGeom prst="rect">
+            <a:avLst/>
+          </a:prstGeom>
+          <a:noFill/>
+        </p:spPr>
+        <p:txBody>
+          <a:bodyPr wrap="square" rtlCol="0">
+            <a:spAutoFit/>
+          </a:bodyPr>
+          <a:lstStyle/>
+          <a:p>
+            <a:pPr algn="ctr"/>
+            <a:r>
+              <a:rPr kumimoji="1" lang="en-US" altLang="ja-JP" sz="1400" b="1" dirty="0">
+                <a:latin typeface="Arial" panose="020B0604020202020204" pitchFamily="34" charset="0"/>
+                <a:cs typeface="Arial" panose="020B0604020202020204" pitchFamily="34" charset="0"/>
+              </a:rPr>
+              <a:t>0216</a:t>
+            </a:r>
+          </a:p>
+        </p:txBody>
+      </p:sp>
+      <p:sp>
+        <p:nvSpPr>
+          <p:cNvPr id="38" name="テキスト ボックス 37">
+            <a:extLst>
+              <a:ext uri="{FF2B5EF4-FFF2-40B4-BE49-F238E27FC236}">
+                <a16:creationId xmlns:a16="http://schemas.microsoft.com/office/drawing/2014/main" id="{8CEBEAB8-21CE-5FCA-D76E-27AAEB5C4793}"/>
+              </a:ext>
+            </a:extLst>
+          </p:cNvPr>
+          <p:cNvSpPr txBox="1"/>
+          <p:nvPr/>
+        </p:nvSpPr>
+        <p:spPr>
+          <a:xfrm>
+            <a:off x="4188701" y="5825222"/>
+            <a:ext cx="706332" cy="307777"/>
+          </a:xfrm>
+          <a:prstGeom prst="rect">
+            <a:avLst/>
+          </a:prstGeom>
+          <a:noFill/>
+        </p:spPr>
+        <p:txBody>
+          <a:bodyPr wrap="square" rtlCol="0">
+            <a:spAutoFit/>
+          </a:bodyPr>
+          <a:lstStyle/>
+          <a:p>
+            <a:pPr algn="ctr"/>
+            <a:r>
+              <a:rPr kumimoji="1" lang="en-US" altLang="ja-JP" sz="1400" b="1" dirty="0">
+                <a:latin typeface="Arial" panose="020B0604020202020204" pitchFamily="34" charset="0"/>
+                <a:cs typeface="Arial" panose="020B0604020202020204" pitchFamily="34" charset="0"/>
+              </a:rPr>
+              <a:t>0405</a:t>
+            </a:r>
+          </a:p>
+        </p:txBody>
+      </p:sp>
+      <p:sp>
+        <p:nvSpPr>
+          <p:cNvPr id="39" name="テキスト ボックス 38">
+            <a:extLst>
+              <a:ext uri="{FF2B5EF4-FFF2-40B4-BE49-F238E27FC236}">
+                <a16:creationId xmlns:a16="http://schemas.microsoft.com/office/drawing/2014/main" id="{D22E9565-EA77-6035-F5BF-057CFFD532DE}"/>
+              </a:ext>
+            </a:extLst>
+          </p:cNvPr>
+          <p:cNvSpPr txBox="1"/>
+          <p:nvPr/>
+        </p:nvSpPr>
+        <p:spPr>
+          <a:xfrm>
+            <a:off x="5565812" y="5825222"/>
+            <a:ext cx="706332" cy="307777"/>
+          </a:xfrm>
+          <a:prstGeom prst="rect">
+            <a:avLst/>
+          </a:prstGeom>
+          <a:noFill/>
+        </p:spPr>
+        <p:txBody>
+          <a:bodyPr wrap="square" rtlCol="0">
+            <a:spAutoFit/>
+          </a:bodyPr>
+          <a:lstStyle/>
+          <a:p>
+            <a:pPr algn="ctr"/>
+            <a:r>
+              <a:rPr kumimoji="1" lang="en-US" altLang="ja-JP" sz="1400" b="1" dirty="0">
+                <a:latin typeface="Arial" panose="020B0604020202020204" pitchFamily="34" charset="0"/>
+                <a:cs typeface="Arial" panose="020B0604020202020204" pitchFamily="34" charset="0"/>
+              </a:rPr>
+              <a:t>0414</a:t>
+            </a:r>
+          </a:p>
+        </p:txBody>
+      </p:sp>
+      <p:pic>
+        <p:nvPicPr>
+          <p:cNvPr id="8" name="図 7" descr="アイコン&#10;&#10;自動的に生成された説明">
+            <a:extLst>
+              <a:ext uri="{FF2B5EF4-FFF2-40B4-BE49-F238E27FC236}">
+                <a16:creationId xmlns:a16="http://schemas.microsoft.com/office/drawing/2014/main" id="{599E9DEC-FED0-36CF-90AA-D84B353C4D89}"/>
+              </a:ext>
+            </a:extLst>
+          </p:cNvPr>
+          <p:cNvPicPr>
+            <a:picLocks noChangeAspect="1"/>
+          </p:cNvPicPr>
+          <p:nvPr/>
+        </p:nvPicPr>
+        <p:blipFill>
+          <a:blip r:embed="rId3">
+            <a:extLst>
+              <a:ext uri="{28A0092B-C50C-407E-A947-70E740481C1C}">
+                <a14:useLocalDpi xmlns:a14="http://schemas.microsoft.com/office/drawing/2010/main" val="0"/>
+              </a:ext>
+            </a:extLst>
+          </a:blip>
+          <a:stretch>
+            <a:fillRect/>
+          </a:stretch>
+        </p:blipFill>
+        <p:spPr>
+          <a:xfrm>
+            <a:off x="200964" y="2831948"/>
+            <a:ext cx="1776409" cy="3381033"/>
+          </a:xfrm>
+          <a:prstGeom prst="rect">
+            <a:avLst/>
+          </a:prstGeom>
+        </p:spPr>
+      </p:pic>
+      <p:pic>
+        <p:nvPicPr>
+          <p:cNvPr id="7" name="図 6" descr="グラフ, 折れ線グラフ&#10;&#10;自動的に生成された説明">
+            <a:extLst>
+              <a:ext uri="{FF2B5EF4-FFF2-40B4-BE49-F238E27FC236}">
+                <a16:creationId xmlns:a16="http://schemas.microsoft.com/office/drawing/2014/main" id="{4434A187-717B-1334-0660-9725CDB2A23E}"/>
+              </a:ext>
+            </a:extLst>
+          </p:cNvPr>
+          <p:cNvPicPr>
+            <a:picLocks noChangeAspect="1"/>
+          </p:cNvPicPr>
+          <p:nvPr/>
+        </p:nvPicPr>
+        <p:blipFill>
+          <a:blip r:embed="rId4">
+            <a:extLst>
+              <a:ext uri="{28A0092B-C50C-407E-A947-70E740481C1C}">
+                <a14:useLocalDpi xmlns:a14="http://schemas.microsoft.com/office/drawing/2010/main" val="0"/>
+              </a:ext>
+            </a:extLst>
+          </a:blip>
+          <a:stretch>
+            <a:fillRect/>
+          </a:stretch>
+        </p:blipFill>
+        <p:spPr>
+          <a:xfrm>
+            <a:off x="2324772" y="3224463"/>
+            <a:ext cx="1534951" cy="2495216"/>
+          </a:xfrm>
+          <a:prstGeom prst="rect">
+            <a:avLst/>
+          </a:prstGeom>
+        </p:spPr>
+      </p:pic>
+      <p:pic>
+        <p:nvPicPr>
+          <p:cNvPr id="11" name="図 10" descr="グラフ, 折れ線グラフ&#10;&#10;自動的に生成された説明">
+            <a:extLst>
+              <a:ext uri="{FF2B5EF4-FFF2-40B4-BE49-F238E27FC236}">
+                <a16:creationId xmlns:a16="http://schemas.microsoft.com/office/drawing/2014/main" id="{8F5CD00B-48A4-3935-281C-31CC891DD782}"/>
+              </a:ext>
+            </a:extLst>
+          </p:cNvPr>
+          <p:cNvPicPr>
+            <a:picLocks noChangeAspect="1"/>
+          </p:cNvPicPr>
+          <p:nvPr/>
+        </p:nvPicPr>
+        <p:blipFill>
+          <a:blip r:embed="rId5">
+            <a:extLst>
+              <a:ext uri="{28A0092B-C50C-407E-A947-70E740481C1C}">
+                <a14:useLocalDpi xmlns:a14="http://schemas.microsoft.com/office/drawing/2010/main" val="0"/>
+              </a:ext>
+            </a:extLst>
+          </a:blip>
+          <a:stretch>
+            <a:fillRect/>
+          </a:stretch>
+        </p:blipFill>
+        <p:spPr>
+          <a:xfrm>
+            <a:off x="3729312" y="3226059"/>
+            <a:ext cx="1539647" cy="2502849"/>
+          </a:xfrm>
+          <a:prstGeom prst="rect">
+            <a:avLst/>
+          </a:prstGeom>
+        </p:spPr>
+      </p:pic>
+      <p:pic>
+        <p:nvPicPr>
+          <p:cNvPr id="13" name="図 12" descr="グラフ, 折れ線グラフ&#10;&#10;自動的に生成された説明">
+            <a:extLst>
+              <a:ext uri="{FF2B5EF4-FFF2-40B4-BE49-F238E27FC236}">
+                <a16:creationId xmlns:a16="http://schemas.microsoft.com/office/drawing/2014/main" id="{A209C1A2-0008-0196-5F32-723A9EA78E7E}"/>
+              </a:ext>
+            </a:extLst>
+          </p:cNvPr>
+          <p:cNvPicPr>
+            <a:picLocks noChangeAspect="1"/>
+          </p:cNvPicPr>
+          <p:nvPr/>
+        </p:nvPicPr>
+        <p:blipFill>
+          <a:blip r:embed="rId6">
+            <a:extLst>
+              <a:ext uri="{28A0092B-C50C-407E-A947-70E740481C1C}">
+                <a14:useLocalDpi xmlns:a14="http://schemas.microsoft.com/office/drawing/2010/main" val="0"/>
+              </a:ext>
+            </a:extLst>
+          </a:blip>
+          <a:stretch>
+            <a:fillRect/>
+          </a:stretch>
+        </p:blipFill>
+        <p:spPr>
+          <a:xfrm>
+            <a:off x="5149155" y="3226059"/>
+            <a:ext cx="1539647" cy="2502849"/>
+          </a:xfrm>
+          <a:prstGeom prst="rect">
+            <a:avLst/>
+          </a:prstGeom>
+        </p:spPr>
+      </p:pic>
+      <p:pic>
+        <p:nvPicPr>
+          <p:cNvPr id="16" name="図 15" descr="グラフ, 折れ線グラフ&#10;&#10;自動的に生成された説明">
+            <a:extLst>
+              <a:ext uri="{FF2B5EF4-FFF2-40B4-BE49-F238E27FC236}">
+                <a16:creationId xmlns:a16="http://schemas.microsoft.com/office/drawing/2014/main" id="{EDD81210-3195-BE8E-25E8-8FBB7FE50048}"/>
+              </a:ext>
+            </a:extLst>
+          </p:cNvPr>
+          <p:cNvPicPr>
+            <a:picLocks noChangeAspect="1"/>
+          </p:cNvPicPr>
+          <p:nvPr/>
+        </p:nvPicPr>
+        <p:blipFill>
+          <a:blip r:embed="rId7">
+            <a:extLst>
+              <a:ext uri="{28A0092B-C50C-407E-A947-70E740481C1C}">
+                <a14:useLocalDpi xmlns:a14="http://schemas.microsoft.com/office/drawing/2010/main" val="0"/>
+              </a:ext>
+            </a:extLst>
+          </a:blip>
+          <a:stretch>
+            <a:fillRect/>
+          </a:stretch>
+        </p:blipFill>
+        <p:spPr>
+          <a:xfrm>
+            <a:off x="6570051" y="3233692"/>
+            <a:ext cx="1534950" cy="2495215"/>
+          </a:xfrm>
+          <a:prstGeom prst="rect">
+            <a:avLst/>
+          </a:prstGeom>
+        </p:spPr>
+      </p:pic>
+      <p:pic>
+        <p:nvPicPr>
+          <p:cNvPr id="18" name="図 17" descr="グラフ, 折れ線グラフ&#10;&#10;自動的に生成された説明">
+            <a:extLst>
+              <a:ext uri="{FF2B5EF4-FFF2-40B4-BE49-F238E27FC236}">
+                <a16:creationId xmlns:a16="http://schemas.microsoft.com/office/drawing/2014/main" id="{88ADA800-29DB-1682-6593-7407D59D5352}"/>
+              </a:ext>
+            </a:extLst>
+          </p:cNvPr>
+          <p:cNvPicPr>
+            <a:picLocks noChangeAspect="1"/>
+          </p:cNvPicPr>
+          <p:nvPr/>
+        </p:nvPicPr>
+        <p:blipFill>
+          <a:blip r:embed="rId8">
+            <a:extLst>
+              <a:ext uri="{28A0092B-C50C-407E-A947-70E740481C1C}">
+                <a14:useLocalDpi xmlns:a14="http://schemas.microsoft.com/office/drawing/2010/main" val="0"/>
+              </a:ext>
+            </a:extLst>
+          </a:blip>
+          <a:stretch>
+            <a:fillRect/>
+          </a:stretch>
+        </p:blipFill>
+        <p:spPr>
+          <a:xfrm>
+            <a:off x="8029656" y="3241324"/>
+            <a:ext cx="1534951" cy="2495216"/>
+          </a:xfrm>
+          <a:prstGeom prst="rect">
+            <a:avLst/>
+          </a:prstGeom>
+        </p:spPr>
+      </p:pic>
+      <p:sp>
+        <p:nvSpPr>
+          <p:cNvPr id="19" name="テキスト ボックス 18">
+            <a:extLst>
+              <a:ext uri="{FF2B5EF4-FFF2-40B4-BE49-F238E27FC236}">
+                <a16:creationId xmlns:a16="http://schemas.microsoft.com/office/drawing/2014/main" id="{F1C2E94F-F177-8657-BD71-CBF9052C5758}"/>
+              </a:ext>
+            </a:extLst>
+          </p:cNvPr>
+          <p:cNvSpPr txBox="1"/>
+          <p:nvPr/>
+        </p:nvSpPr>
+        <p:spPr>
+          <a:xfrm>
+            <a:off x="7142066" y="5825222"/>
+            <a:ext cx="706332" cy="307777"/>
+          </a:xfrm>
+          <a:prstGeom prst="rect">
+            <a:avLst/>
+          </a:prstGeom>
+          <a:noFill/>
+        </p:spPr>
+        <p:txBody>
+          <a:bodyPr wrap="square" rtlCol="0">
+            <a:spAutoFit/>
+          </a:bodyPr>
+          <a:lstStyle/>
+          <a:p>
+            <a:pPr algn="ctr"/>
+            <a:r>
+              <a:rPr kumimoji="1" lang="en-US" altLang="ja-JP" sz="1400" b="1" dirty="0">
+                <a:latin typeface="Arial" panose="020B0604020202020204" pitchFamily="34" charset="0"/>
+                <a:cs typeface="Arial" panose="020B0604020202020204" pitchFamily="34" charset="0"/>
+              </a:rPr>
+              <a:t>0417</a:t>
+            </a:r>
+          </a:p>
+        </p:txBody>
+      </p:sp>
+      <p:sp>
+        <p:nvSpPr>
+          <p:cNvPr id="20" name="テキスト ボックス 19">
+            <a:extLst>
+              <a:ext uri="{FF2B5EF4-FFF2-40B4-BE49-F238E27FC236}">
+                <a16:creationId xmlns:a16="http://schemas.microsoft.com/office/drawing/2014/main" id="{E22C134B-F8EF-68F8-A594-2DE2A76684DD}"/>
+              </a:ext>
+            </a:extLst>
+          </p:cNvPr>
+          <p:cNvSpPr txBox="1"/>
+          <p:nvPr/>
+        </p:nvSpPr>
+        <p:spPr>
+          <a:xfrm>
+            <a:off x="8536378" y="5825222"/>
+            <a:ext cx="706332" cy="307777"/>
+          </a:xfrm>
+          <a:prstGeom prst="rect">
+            <a:avLst/>
+          </a:prstGeom>
+          <a:noFill/>
+        </p:spPr>
+        <p:txBody>
+          <a:bodyPr wrap="square" rtlCol="0">
+            <a:spAutoFit/>
+          </a:bodyPr>
+          <a:lstStyle/>
+          <a:p>
+            <a:pPr algn="ctr"/>
+            <a:r>
+              <a:rPr kumimoji="1" lang="en-US" altLang="ja-JP" sz="1400" b="1" dirty="0">
+                <a:latin typeface="Arial" panose="020B0604020202020204" pitchFamily="34" charset="0"/>
+                <a:cs typeface="Arial" panose="020B0604020202020204" pitchFamily="34" charset="0"/>
+              </a:rPr>
+              <a:t>0418</a:t>
+            </a:r>
+          </a:p>
+        </p:txBody>
+      </p:sp>
+      <p:pic>
+        <p:nvPicPr>
+          <p:cNvPr id="22" name="図 21" descr="グラフ, 折れ線グラフ&#10;&#10;自動的に生成された説明">
+            <a:extLst>
+              <a:ext uri="{FF2B5EF4-FFF2-40B4-BE49-F238E27FC236}">
+                <a16:creationId xmlns:a16="http://schemas.microsoft.com/office/drawing/2014/main" id="{5E35CEF9-A254-CFE1-D178-DC9EF8381A98}"/>
+              </a:ext>
+            </a:extLst>
+          </p:cNvPr>
+          <p:cNvPicPr>
+            <a:picLocks noChangeAspect="1"/>
+          </p:cNvPicPr>
+          <p:nvPr/>
+        </p:nvPicPr>
+        <p:blipFill>
+          <a:blip r:embed="rId9">
+            <a:extLst>
+              <a:ext uri="{28A0092B-C50C-407E-A947-70E740481C1C}">
+                <a14:useLocalDpi xmlns:a14="http://schemas.microsoft.com/office/drawing/2010/main" val="0"/>
+              </a:ext>
+            </a:extLst>
+          </a:blip>
+          <a:stretch>
+            <a:fillRect/>
+          </a:stretch>
+        </p:blipFill>
+        <p:spPr>
+          <a:xfrm>
+            <a:off x="9449499" y="3233692"/>
+            <a:ext cx="1534951" cy="2495216"/>
+          </a:xfrm>
+          <a:prstGeom prst="rect">
+            <a:avLst/>
+          </a:prstGeom>
+        </p:spPr>
+      </p:pic>
     </p:spTree>
     <p:extLst>
       <p:ext uri="{BB962C8B-B14F-4D97-AF65-F5344CB8AC3E}">
-        <p14:creationId xmlns:p14="http://schemas.microsoft.com/office/powerpoint/2010/main" val="3041125134"/>
+        <p14:creationId xmlns:p14="http://schemas.microsoft.com/office/powerpoint/2010/main" val="3391324733"/>
       </p:ext>
     </p:extLst>
   </p:cSld>
   <p:clrMapOvr>
     <a:masterClrMapping/>
   </p:clrMapOvr>
+  <p:timing>
+    <p:tnLst>
+      <p:par>
+        <p:cTn id="1" dur="indefinite" restart="never" nodeType="tmRoot">
+          <p:childTnLst>
+            <p:seq concurrent="1" nextAc="seek">
+              <p:cTn id="2" dur="indefinite" nodeType="mainSeq">
+                <p:childTnLst>
+                  <p:par>
+                    <p:cTn id="3" fill="hold">
+                      <p:stCondLst>
+                        <p:cond delay="indefinite"/>
+                      </p:stCondLst>
+                      <p:childTnLst>
+                        <p:par>
+                          <p:cTn id="4" fill="hold">
+                            <p:stCondLst>
+                              <p:cond delay="0"/>
+                            </p:stCondLst>
+                            <p:childTnLst>
+                              <p:par>
+                                <p:cTn id="5" presetID="10" presetClass="entr" presetSubtype="0" fill="hold" grpId="0" nodeType="clickEffect">
+                                  <p:stCondLst>
+                                    <p:cond delay="0"/>
+                                  </p:stCondLst>
+                                  <p:childTnLst>
+                                    <p:set>
+                                      <p:cBhvr>
+                                        <p:cTn id="6" dur="1" fill="hold">
+                                          <p:stCondLst>
+                                            <p:cond delay="0"/>
+                                          </p:stCondLst>
+                                        </p:cTn>
+                                        <p:tgtEl>
+                                          <p:spTgt spid="14"/>
+                                        </p:tgtEl>
+                                        <p:attrNameLst>
+                                          <p:attrName>style.visibility</p:attrName>
+                                        </p:attrNameLst>
+                                      </p:cBhvr>
+                                      <p:to>
+                                        <p:strVal val="visible"/>
+                                      </p:to>
+                                    </p:set>
+                                    <p:animEffect transition="in" filter="fade">
+                                      <p:cBhvr>
+                                        <p:cTn id="7" dur="500"/>
+                                        <p:tgtEl>
+                                          <p:spTgt spid="14"/>
+                                        </p:tgtEl>
+                                      </p:cBhvr>
+                                    </p:animEffect>
+                                  </p:childTnLst>
+                                </p:cTn>
+                              </p:par>
+                              <p:par>
+                                <p:cTn id="8" presetID="10" presetClass="entr" presetSubtype="0" fill="hold" grpId="0" nodeType="withEffect">
+                                  <p:stCondLst>
+                                    <p:cond delay="0"/>
+                                  </p:stCondLst>
+                                  <p:childTnLst>
+                                    <p:set>
+                                      <p:cBhvr>
+                                        <p:cTn id="9" dur="1" fill="hold">
+                                          <p:stCondLst>
+                                            <p:cond delay="0"/>
+                                          </p:stCondLst>
+                                        </p:cTn>
+                                        <p:tgtEl>
+                                          <p:spTgt spid="38"/>
+                                        </p:tgtEl>
+                                        <p:attrNameLst>
+                                          <p:attrName>style.visibility</p:attrName>
+                                        </p:attrNameLst>
+                                      </p:cBhvr>
+                                      <p:to>
+                                        <p:strVal val="visible"/>
+                                      </p:to>
+                                    </p:set>
+                                    <p:animEffect transition="in" filter="fade">
+                                      <p:cBhvr>
+                                        <p:cTn id="10" dur="500"/>
+                                        <p:tgtEl>
+                                          <p:spTgt spid="38"/>
+                                        </p:tgtEl>
+                                      </p:cBhvr>
+                                    </p:animEffect>
+                                  </p:childTnLst>
+                                </p:cTn>
+                              </p:par>
+                              <p:par>
+                                <p:cTn id="11" presetID="10" presetClass="entr" presetSubtype="0" fill="hold" grpId="0" nodeType="withEffect">
+                                  <p:stCondLst>
+                                    <p:cond delay="0"/>
+                                  </p:stCondLst>
+                                  <p:childTnLst>
+                                    <p:set>
+                                      <p:cBhvr>
+                                        <p:cTn id="12" dur="1" fill="hold">
+                                          <p:stCondLst>
+                                            <p:cond delay="0"/>
+                                          </p:stCondLst>
+                                        </p:cTn>
+                                        <p:tgtEl>
+                                          <p:spTgt spid="39"/>
+                                        </p:tgtEl>
+                                        <p:attrNameLst>
+                                          <p:attrName>style.visibility</p:attrName>
+                                        </p:attrNameLst>
+                                      </p:cBhvr>
+                                      <p:to>
+                                        <p:strVal val="visible"/>
+                                      </p:to>
+                                    </p:set>
+                                    <p:animEffect transition="in" filter="fade">
+                                      <p:cBhvr>
+                                        <p:cTn id="13" dur="500"/>
+                                        <p:tgtEl>
+                                          <p:spTgt spid="39"/>
+                                        </p:tgtEl>
+                                      </p:cBhvr>
+                                    </p:animEffect>
+                                  </p:childTnLst>
+                                </p:cTn>
+                              </p:par>
+                              <p:par>
+                                <p:cTn id="14" presetID="10" presetClass="entr" presetSubtype="0" fill="hold" grpId="0" nodeType="withEffect">
+                                  <p:stCondLst>
+                                    <p:cond delay="0"/>
+                                  </p:stCondLst>
+                                  <p:childTnLst>
+                                    <p:set>
+                                      <p:cBhvr>
+                                        <p:cTn id="15" dur="1" fill="hold">
+                                          <p:stCondLst>
+                                            <p:cond delay="0"/>
+                                          </p:stCondLst>
+                                        </p:cTn>
+                                        <p:tgtEl>
+                                          <p:spTgt spid="19"/>
+                                        </p:tgtEl>
+                                        <p:attrNameLst>
+                                          <p:attrName>style.visibility</p:attrName>
+                                        </p:attrNameLst>
+                                      </p:cBhvr>
+                                      <p:to>
+                                        <p:strVal val="visible"/>
+                                      </p:to>
+                                    </p:set>
+                                    <p:animEffect transition="in" filter="fade">
+                                      <p:cBhvr>
+                                        <p:cTn id="16" dur="500"/>
+                                        <p:tgtEl>
+                                          <p:spTgt spid="19"/>
+                                        </p:tgtEl>
+                                      </p:cBhvr>
+                                    </p:animEffect>
+                                  </p:childTnLst>
+                                </p:cTn>
+                              </p:par>
+                              <p:par>
+                                <p:cTn id="17" presetID="10" presetClass="entr" presetSubtype="0" fill="hold" grpId="0" nodeType="withEffect">
+                                  <p:stCondLst>
+                                    <p:cond delay="0"/>
+                                  </p:stCondLst>
+                                  <p:childTnLst>
+                                    <p:set>
+                                      <p:cBhvr>
+                                        <p:cTn id="18" dur="1" fill="hold">
+                                          <p:stCondLst>
+                                            <p:cond delay="0"/>
+                                          </p:stCondLst>
+                                        </p:cTn>
+                                        <p:tgtEl>
+                                          <p:spTgt spid="20"/>
+                                        </p:tgtEl>
+                                        <p:attrNameLst>
+                                          <p:attrName>style.visibility</p:attrName>
+                                        </p:attrNameLst>
+                                      </p:cBhvr>
+                                      <p:to>
+                                        <p:strVal val="visible"/>
+                                      </p:to>
+                                    </p:set>
+                                    <p:animEffect transition="in" filter="fade">
+                                      <p:cBhvr>
+                                        <p:cTn id="19" dur="500"/>
+                                        <p:tgtEl>
+                                          <p:spTgt spid="20"/>
+                                        </p:tgtEl>
+                                      </p:cBhvr>
+                                    </p:animEffect>
+                                  </p:childTnLst>
+                                </p:cTn>
+                              </p:par>
+                            </p:childTnLst>
+                          </p:cTn>
+                        </p:par>
+                      </p:childTnLst>
+                    </p:cTn>
+                  </p:par>
+                </p:childTnLst>
+              </p:cTn>
+              <p:prevCondLst>
+                <p:cond evt="onPrev" delay="0">
+                  <p:tgtEl>
+                    <p:sldTgt/>
+                  </p:tgtEl>
+                </p:cond>
+              </p:prevCondLst>
+              <p:nextCondLst>
+                <p:cond evt="onNext" delay="0">
+                  <p:tgtEl>
+                    <p:sldTgt/>
+                  </p:tgtEl>
+                </p:cond>
+              </p:nextCondLst>
+            </p:seq>
+          </p:childTnLst>
+        </p:cTn>
+      </p:par>
+    </p:tnLst>
+    <p:bldLst>
+      <p:bldP spid="14" grpId="0"/>
+      <p:bldP spid="38" grpId="0"/>
+      <p:bldP spid="39" grpId="0"/>
+      <p:bldP spid="19" grpId="0"/>
+      <p:bldP spid="20" grpId="0"/>
+    </p:bldLst>
+  </p:timing>
 </p:sld>
 </file>
 
@@ -8027,7 +11112,7 @@
           <p:cNvPr id="2" name="タイトル 1">
             <a:extLst>
               <a:ext uri="{FF2B5EF4-FFF2-40B4-BE49-F238E27FC236}">
-                <a16:creationId xmlns:a16="http://schemas.microsoft.com/office/drawing/2014/main" id="{27D14253-3A9D-C323-9B97-5D6BE60413FE}"/>
+                <a16:creationId xmlns:a16="http://schemas.microsoft.com/office/drawing/2014/main" id="{19CA7710-E2B1-C800-FDA8-9F4C0B9B4313}"/>
               </a:ext>
             </a:extLst>
           </p:cNvPr>
@@ -8038,34 +11123,25 @@
             <p:ph type="title"/>
           </p:nvPr>
         </p:nvSpPr>
-        <p:spPr>
-          <a:xfrm>
-            <a:off x="115410" y="106533"/>
-            <a:ext cx="11940466" cy="648069"/>
-          </a:xfrm>
-        </p:spPr>
+        <p:spPr/>
         <p:txBody>
-          <a:bodyPr>
-            <a:normAutofit fontScale="90000"/>
-          </a:bodyPr>
+          <a:bodyPr/>
           <a:lstStyle/>
           <a:p>
             <a:r>
-              <a:rPr lang="en-US" b="1" dirty="0">
-                <a:latin typeface="Arial" panose="020B0604020202020204" pitchFamily="34" charset="0"/>
-                <a:cs typeface="Arial" panose="020B0604020202020204" pitchFamily="34" charset="0"/>
-              </a:rPr>
-              <a:t>Motivation of the analysis</a:t>
-            </a:r>
+              <a:rPr lang="en-US" altLang="ja-JP" b="1" dirty="0"/>
+              <a:t>20230426</a:t>
+            </a:r>
+            <a:endParaRPr lang="en-US" b="1" dirty="0"/>
           </a:p>
         </p:txBody>
       </p:sp>
       <p:sp>
         <p:nvSpPr>
-          <p:cNvPr id="3" name="コンテンツ プレースホルダー 2">
+          <p:cNvPr id="3" name="テキスト プレースホルダー 2">
             <a:extLst>
               <a:ext uri="{FF2B5EF4-FFF2-40B4-BE49-F238E27FC236}">
-                <a16:creationId xmlns:a16="http://schemas.microsoft.com/office/drawing/2014/main" id="{BDE1F3B7-0738-A471-C46D-DC17FEE61F64}"/>
+                <a16:creationId xmlns:a16="http://schemas.microsoft.com/office/drawing/2014/main" id="{9EFE565A-52C1-0525-E984-324A0F2885F4}"/>
               </a:ext>
             </a:extLst>
           </p:cNvPr>
@@ -8073,179 +11149,22 @@
             <a:spLocks noGrp="1"/>
           </p:cNvSpPr>
           <p:nvPr>
-            <p:ph idx="1"/>
+            <p:ph type="body" idx="1"/>
           </p:nvPr>
         </p:nvSpPr>
-        <p:spPr>
-          <a:xfrm>
-            <a:off x="115410" y="878889"/>
-            <a:ext cx="11940466" cy="5872578"/>
-          </a:xfrm>
-        </p:spPr>
+        <p:spPr/>
         <p:txBody>
-          <a:bodyPr>
-            <a:normAutofit/>
-          </a:bodyPr>
+          <a:bodyPr/>
           <a:lstStyle/>
           <a:p>
-            <a:pPr marL="0" indent="0" fontAlgn="base">
-              <a:lnSpc>
-                <a:spcPct val="100000"/>
-              </a:lnSpc>
-              <a:spcBef>
-                <a:spcPts val="0"/>
-              </a:spcBef>
-              <a:buNone/>
-            </a:pPr>
-            <a:r>
-              <a:rPr lang="en-US" sz="2000" dirty="0">
-                <a:latin typeface="Arial" panose="020B0604020202020204" pitchFamily="34" charset="0"/>
-              </a:rPr>
-              <a:t>Does the task difficulty in focus task alter the M1 reward encoding in the same way we saw in Rocky’s data?</a:t>
-            </a:r>
-          </a:p>
-          <a:p>
-            <a:pPr marL="0" indent="0" fontAlgn="base">
-              <a:lnSpc>
-                <a:spcPct val="100000"/>
-              </a:lnSpc>
-              <a:spcBef>
-                <a:spcPts val="0"/>
-              </a:spcBef>
-              <a:buNone/>
-            </a:pPr>
-            <a:endParaRPr lang="en-US" sz="2000" dirty="0">
-              <a:latin typeface="Arial" panose="020B0604020202020204" pitchFamily="34" charset="0"/>
-            </a:endParaRPr>
-          </a:p>
-          <a:p>
-            <a:pPr marL="0" indent="0" fontAlgn="base">
-              <a:lnSpc>
-                <a:spcPct val="100000"/>
-              </a:lnSpc>
-              <a:spcBef>
-                <a:spcPts val="0"/>
-              </a:spcBef>
-              <a:buNone/>
-            </a:pPr>
-            <a:r>
-              <a:rPr lang="en-US" sz="2000" dirty="0">
-                <a:latin typeface="Arial" panose="020B0604020202020204" pitchFamily="34" charset="0"/>
-              </a:rPr>
-              <a:t>The preliminary results about Reward Axis around GC in Rocky’s data</a:t>
-            </a:r>
-          </a:p>
-          <a:p>
-            <a:pPr marL="457200" indent="-457200" fontAlgn="base">
-              <a:lnSpc>
-                <a:spcPct val="100000"/>
-              </a:lnSpc>
-              <a:spcBef>
-                <a:spcPts val="0"/>
-              </a:spcBef>
-              <a:buAutoNum type="arabicPeriod"/>
-            </a:pPr>
-            <a:r>
-              <a:rPr lang="en-US" sz="2000" dirty="0">
-                <a:latin typeface="Arial" panose="020B0604020202020204" pitchFamily="34" charset="0"/>
-              </a:rPr>
-              <a:t>Stretching</a:t>
-            </a:r>
-          </a:p>
-          <a:p>
-            <a:pPr marL="914400" lvl="1" indent="-457200" fontAlgn="base">
-              <a:lnSpc>
-                <a:spcPct val="100000"/>
-              </a:lnSpc>
-              <a:spcBef>
-                <a:spcPts val="0"/>
-              </a:spcBef>
-              <a:buAutoNum type="arabicPeriod"/>
-            </a:pPr>
-            <a:r>
-              <a:rPr lang="en-US" sz="1600" b="1" dirty="0">
-                <a:solidFill>
-                  <a:srgbClr val="FF0000"/>
-                </a:solidFill>
-                <a:latin typeface="Arial" panose="020B0604020202020204" pitchFamily="34" charset="0"/>
-              </a:rPr>
-              <a:t>Would be happened if the success rates differ</a:t>
-            </a:r>
-          </a:p>
-          <a:p>
-            <a:pPr marL="457200" indent="-457200" fontAlgn="base">
-              <a:lnSpc>
-                <a:spcPct val="100000"/>
-              </a:lnSpc>
-              <a:spcBef>
-                <a:spcPts val="0"/>
-              </a:spcBef>
-              <a:buAutoNum type="arabicPeriod"/>
-            </a:pPr>
-            <a:r>
-              <a:rPr lang="en-US" sz="2000" dirty="0">
-                <a:latin typeface="Arial" panose="020B0604020202020204" pitchFamily="34" charset="0"/>
-              </a:rPr>
-              <a:t>Intersection in the middle</a:t>
-            </a:r>
-          </a:p>
-          <a:p>
-            <a:pPr marL="914400" lvl="1" indent="-457200" fontAlgn="base">
-              <a:lnSpc>
-                <a:spcPct val="100000"/>
-              </a:lnSpc>
-              <a:spcBef>
-                <a:spcPts val="0"/>
-              </a:spcBef>
-              <a:buAutoNum type="arabicPeriod"/>
-            </a:pPr>
-            <a:r>
-              <a:rPr lang="en-US" sz="1600" b="1" dirty="0">
-                <a:solidFill>
-                  <a:srgbClr val="FF0000"/>
-                </a:solidFill>
-                <a:latin typeface="Arial" panose="020B0604020202020204" pitchFamily="34" charset="0"/>
-              </a:rPr>
-              <a:t>Wouldn’t be happened since Small reward is not 0 mL</a:t>
-            </a:r>
-          </a:p>
-          <a:p>
-            <a:pPr marL="457200" indent="-457200" fontAlgn="base">
-              <a:lnSpc>
-                <a:spcPct val="100000"/>
-              </a:lnSpc>
-              <a:spcBef>
-                <a:spcPts val="0"/>
-              </a:spcBef>
-              <a:buAutoNum type="arabicPeriod"/>
-            </a:pPr>
-            <a:r>
-              <a:rPr lang="en-US" sz="2000" dirty="0">
-                <a:latin typeface="Arial" panose="020B0604020202020204" pitchFamily="34" charset="0"/>
-              </a:rPr>
-              <a:t>Reward Axis and Difficulty Axis was orthogonal</a:t>
-            </a:r>
-          </a:p>
-          <a:p>
-            <a:pPr marL="457200" indent="-457200" fontAlgn="base">
-              <a:lnSpc>
-                <a:spcPct val="100000"/>
-              </a:lnSpc>
-              <a:spcBef>
-                <a:spcPts val="0"/>
-              </a:spcBef>
-              <a:buAutoNum type="arabicPeriod"/>
-            </a:pPr>
-            <a:endParaRPr lang="en-US" sz="2000" dirty="0">
-              <a:latin typeface="Arial" panose="020B0604020202020204" pitchFamily="34" charset="0"/>
-            </a:endParaRPr>
+            <a:endParaRPr lang="en-US" dirty="0"/>
           </a:p>
         </p:txBody>
       </p:sp>
     </p:spTree>
     <p:extLst>
       <p:ext uri="{BB962C8B-B14F-4D97-AF65-F5344CB8AC3E}">
-        <p14:creationId xmlns:p14="http://schemas.microsoft.com/office/powerpoint/2010/main" val="1645701861"/>
+        <p14:creationId xmlns:p14="http://schemas.microsoft.com/office/powerpoint/2010/main" val="3105730297"/>
       </p:ext>
     </p:extLst>
   </p:cSld>
@@ -8272,97 +11191,421 @@
           <a:chExt cx="0" cy="0"/>
         </a:xfrm>
       </p:grpSpPr>
-      <p:pic>
-        <p:nvPicPr>
-          <p:cNvPr id="3" name="図 2">
-            <a:extLst>
-              <a:ext uri="{FF2B5EF4-FFF2-40B4-BE49-F238E27FC236}">
-                <a16:creationId xmlns:a16="http://schemas.microsoft.com/office/drawing/2014/main" id="{3A031A72-2872-98DF-9D50-78F3A5AA552C}"/>
-              </a:ext>
-            </a:extLst>
-          </p:cNvPr>
-          <p:cNvPicPr>
-            <a:picLocks noChangeAspect="1"/>
-          </p:cNvPicPr>
-          <p:nvPr/>
-        </p:nvPicPr>
-        <p:blipFill>
-          <a:blip r:embed="rId2"/>
-          <a:stretch>
-            <a:fillRect/>
-          </a:stretch>
-        </p:blipFill>
-        <p:spPr>
-          <a:xfrm>
-            <a:off x="191081" y="1566862"/>
-            <a:ext cx="11344275" cy="3724275"/>
-          </a:xfrm>
-          <a:prstGeom prst="rect">
-            <a:avLst/>
-          </a:prstGeom>
-        </p:spPr>
-      </p:pic>
       <p:sp>
         <p:nvSpPr>
-          <p:cNvPr id="4" name="タイトル 1">
+          <p:cNvPr id="2" name="タイトル 1">
             <a:extLst>
               <a:ext uri="{FF2B5EF4-FFF2-40B4-BE49-F238E27FC236}">
-                <a16:creationId xmlns:a16="http://schemas.microsoft.com/office/drawing/2014/main" id="{33CA18DF-BB06-2508-2B49-C244362E65A9}"/>
+                <a16:creationId xmlns:a16="http://schemas.microsoft.com/office/drawing/2014/main" id="{27D14253-3A9D-C323-9B97-5D6BE60413FE}"/>
               </a:ext>
             </a:extLst>
           </p:cNvPr>
-          <p:cNvSpPr txBox="1">
-            <a:spLocks/>
+          <p:cNvSpPr>
+            <a:spLocks noGrp="1"/>
           </p:cNvSpPr>
-          <p:nvPr/>
+          <p:nvPr>
+            <p:ph type="title"/>
+          </p:nvPr>
         </p:nvSpPr>
         <p:spPr>
           <a:xfrm>
-            <a:off x="125766" y="199838"/>
+            <a:off x="115410" y="106533"/>
             <a:ext cx="11940466" cy="648069"/>
           </a:xfrm>
-          <a:prstGeom prst="rect">
-            <a:avLst/>
-          </a:prstGeom>
         </p:spPr>
         <p:txBody>
           <a:bodyPr>
-            <a:normAutofit fontScale="97500" lnSpcReduction="10000"/>
+            <a:normAutofit fontScale="90000"/>
           </a:bodyPr>
-          <a:lstStyle>
-            <a:lvl1pPr algn="l" defTabSz="914400" rtl="0" eaLnBrk="1" latinLnBrk="0" hangingPunct="1">
-              <a:lnSpc>
-                <a:spcPct val="90000"/>
-              </a:lnSpc>
-              <a:spcBef>
-                <a:spcPct val="0"/>
-              </a:spcBef>
-              <a:buNone/>
-              <a:defRPr sz="4400" kern="1200">
-                <a:solidFill>
-                  <a:schemeClr val="tx1"/>
-                </a:solidFill>
-                <a:latin typeface="+mj-lt"/>
-                <a:ea typeface="+mj-ea"/>
-                <a:cs typeface="+mj-cs"/>
-              </a:defRPr>
-            </a:lvl1pPr>
-          </a:lstStyle>
+          <a:lstStyle/>
           <a:p>
             <a:r>
               <a:rPr lang="en-US" b="1" dirty="0">
                 <a:latin typeface="Arial" panose="020B0604020202020204" pitchFamily="34" charset="0"/>
                 <a:cs typeface="Arial" panose="020B0604020202020204" pitchFamily="34" charset="0"/>
               </a:rPr>
-              <a:t>Target size clearly affects success rate</a:t>
-            </a:r>
+              <a:t>Experiment</a:t>
+            </a:r>
+          </a:p>
+        </p:txBody>
+      </p:sp>
+      <p:sp>
+        <p:nvSpPr>
+          <p:cNvPr id="3" name="コンテンツ プレースホルダー 2">
+            <a:extLst>
+              <a:ext uri="{FF2B5EF4-FFF2-40B4-BE49-F238E27FC236}">
+                <a16:creationId xmlns:a16="http://schemas.microsoft.com/office/drawing/2014/main" id="{BDE1F3B7-0738-A471-C46D-DC17FEE61F64}"/>
+              </a:ext>
+            </a:extLst>
+          </p:cNvPr>
+          <p:cNvSpPr>
+            <a:spLocks noGrp="1"/>
+          </p:cNvSpPr>
+          <p:nvPr>
+            <p:ph idx="1"/>
+          </p:nvPr>
+        </p:nvSpPr>
+        <p:spPr>
+          <a:xfrm>
+            <a:off x="115410" y="878889"/>
+            <a:ext cx="11940466" cy="5872578"/>
+          </a:xfrm>
+        </p:spPr>
+        <p:txBody>
+          <a:bodyPr>
+            <a:normAutofit/>
+          </a:bodyPr>
+          <a:lstStyle/>
+          <a:p>
+            <a:pPr marL="0" indent="0" fontAlgn="base">
+              <a:lnSpc>
+                <a:spcPct val="100000"/>
+              </a:lnSpc>
+              <a:spcBef>
+                <a:spcPts val="0"/>
+              </a:spcBef>
+              <a:buNone/>
+            </a:pPr>
+            <a:r>
+              <a:rPr lang="en-US" sz="2000" dirty="0">
+                <a:latin typeface="Arial" panose="020B0604020202020204" pitchFamily="34" charset="0"/>
+              </a:rPr>
+              <a:t>Interleaved Days</a:t>
+            </a:r>
+            <a:endParaRPr lang="en-US" sz="2000" i="0" dirty="0">
+              <a:effectLst/>
+              <a:latin typeface="Arial" panose="020B0604020202020204" pitchFamily="34" charset="0"/>
+            </a:endParaRPr>
+          </a:p>
+          <a:p>
+            <a:pPr fontAlgn="base">
+              <a:lnSpc>
+                <a:spcPct val="100000"/>
+              </a:lnSpc>
+              <a:spcBef>
+                <a:spcPts val="0"/>
+              </a:spcBef>
+              <a:buFont typeface="+mj-lt"/>
+              <a:buAutoNum type="arabicPeriod"/>
+            </a:pPr>
+            <a:r>
+              <a:rPr lang="en-US" sz="2000" i="0" dirty="0">
+                <a:effectLst/>
+                <a:latin typeface="Arial" panose="020B0604020202020204" pitchFamily="34" charset="0"/>
+              </a:rPr>
+              <a:t>Experiment date : 20230216~20220414 (3 days)</a:t>
+            </a:r>
+          </a:p>
+          <a:p>
+            <a:pPr fontAlgn="base">
+              <a:lnSpc>
+                <a:spcPct val="100000"/>
+              </a:lnSpc>
+              <a:spcBef>
+                <a:spcPts val="0"/>
+              </a:spcBef>
+              <a:buFont typeface="+mj-lt"/>
+              <a:buAutoNum type="arabicPeriod"/>
+            </a:pPr>
+            <a:r>
+              <a:rPr lang="en-US" sz="2000" i="0" dirty="0">
+                <a:effectLst/>
+                <a:latin typeface="Arial" panose="020B0604020202020204" pitchFamily="34" charset="0"/>
+              </a:rPr>
+              <a:t>Monkey : Satchel</a:t>
+            </a:r>
+          </a:p>
+          <a:p>
+            <a:pPr fontAlgn="base">
+              <a:lnSpc>
+                <a:spcPct val="100000"/>
+              </a:lnSpc>
+              <a:spcBef>
+                <a:spcPts val="0"/>
+              </a:spcBef>
+              <a:buFont typeface="+mj-lt"/>
+              <a:buAutoNum type="arabicPeriod"/>
+            </a:pPr>
+            <a:r>
+              <a:rPr lang="en-US" sz="2000" i="0" dirty="0">
+                <a:effectLst/>
+                <a:latin typeface="Arial" panose="020B0604020202020204" pitchFamily="34" charset="0"/>
+              </a:rPr>
+              <a:t>Task type : Focus task: color change detection + delayed reach task (16% are catch trials)</a:t>
+            </a:r>
+          </a:p>
+          <a:p>
+            <a:pPr fontAlgn="base">
+              <a:lnSpc>
+                <a:spcPct val="100000"/>
+              </a:lnSpc>
+              <a:spcBef>
+                <a:spcPts val="0"/>
+              </a:spcBef>
+              <a:buFont typeface="+mj-lt"/>
+              <a:buAutoNum type="arabicPeriod"/>
+            </a:pPr>
+            <a:r>
+              <a:rPr lang="en-US" sz="2000" i="0" dirty="0">
+                <a:effectLst/>
+                <a:latin typeface="Arial" panose="020B0604020202020204" pitchFamily="34" charset="0"/>
+              </a:rPr>
+              <a:t>Parameters</a:t>
+            </a:r>
+          </a:p>
+          <a:p>
+            <a:pPr lvl="1" fontAlgn="base">
+              <a:lnSpc>
+                <a:spcPct val="100000"/>
+              </a:lnSpc>
+              <a:spcBef>
+                <a:spcPts val="0"/>
+              </a:spcBef>
+              <a:buFont typeface="+mj-lt"/>
+              <a:buAutoNum type="arabicPeriod"/>
+            </a:pPr>
+            <a:r>
+              <a:rPr lang="en-US" sz="2000" i="0" dirty="0">
+                <a:effectLst/>
+                <a:latin typeface="Arial" panose="020B0604020202020204" pitchFamily="34" charset="0"/>
+              </a:rPr>
+              <a:t>Direction : 8 directions</a:t>
+            </a:r>
+          </a:p>
+          <a:p>
+            <a:pPr lvl="1" fontAlgn="base">
+              <a:lnSpc>
+                <a:spcPct val="100000"/>
+              </a:lnSpc>
+              <a:spcBef>
+                <a:spcPts val="0"/>
+              </a:spcBef>
+              <a:buFont typeface="+mj-lt"/>
+              <a:buAutoNum type="arabicPeriod"/>
+            </a:pPr>
+            <a:r>
+              <a:rPr lang="en-US" sz="2000" i="0" dirty="0">
+                <a:effectLst/>
+                <a:latin typeface="Arial" panose="020B0604020202020204" pitchFamily="34" charset="0"/>
+              </a:rPr>
+              <a:t>Reward : small (</a:t>
+            </a:r>
+            <a:r>
+              <a:rPr lang="en-US" sz="2000" i="0" dirty="0">
+                <a:solidFill>
+                  <a:srgbClr val="FF0000"/>
+                </a:solidFill>
+                <a:effectLst/>
+                <a:latin typeface="Arial" panose="020B0604020202020204" pitchFamily="34" charset="0"/>
+              </a:rPr>
+              <a:t>50ul</a:t>
+            </a:r>
+            <a:r>
+              <a:rPr lang="en-US" sz="2000" i="0" dirty="0">
+                <a:effectLst/>
+                <a:latin typeface="Arial" panose="020B0604020202020204" pitchFamily="34" charset="0"/>
+              </a:rPr>
+              <a:t>) medium (</a:t>
+            </a:r>
+            <a:r>
+              <a:rPr lang="en-US" sz="2000" dirty="0">
+                <a:latin typeface="Arial" panose="020B0604020202020204" pitchFamily="34" charset="0"/>
+              </a:rPr>
+              <a:t>15</a:t>
+            </a:r>
+            <a:r>
+              <a:rPr lang="en-US" sz="2000" i="0" dirty="0">
+                <a:effectLst/>
+                <a:latin typeface="Arial" panose="020B0604020202020204" pitchFamily="34" charset="0"/>
+              </a:rPr>
+              <a:t>0ul) large (400ul) rewards cued by shapes inside</a:t>
+            </a:r>
+          </a:p>
+          <a:p>
+            <a:pPr lvl="1" fontAlgn="base">
+              <a:lnSpc>
+                <a:spcPct val="100000"/>
+              </a:lnSpc>
+              <a:spcBef>
+                <a:spcPts val="0"/>
+              </a:spcBef>
+              <a:buFont typeface="+mj-lt"/>
+              <a:buAutoNum type="arabicPeriod"/>
+            </a:pPr>
+            <a:r>
+              <a:rPr lang="en-US" sz="2000" i="0" dirty="0">
+                <a:effectLst/>
+                <a:latin typeface="Arial" panose="020B0604020202020204" pitchFamily="34" charset="0"/>
+              </a:rPr>
+              <a:t>Target size : either tiny (25mm rad) or huge (38mm rad)</a:t>
+            </a:r>
+          </a:p>
+          <a:p>
+            <a:pPr lvl="1" fontAlgn="base">
+              <a:lnSpc>
+                <a:spcPct val="100000"/>
+              </a:lnSpc>
+              <a:spcBef>
+                <a:spcPts val="0"/>
+              </a:spcBef>
+              <a:buFont typeface="+mj-lt"/>
+              <a:buAutoNum type="arabicPeriod"/>
+            </a:pPr>
+            <a:r>
+              <a:rPr lang="en-US" sz="2000" dirty="0">
+                <a:solidFill>
+                  <a:srgbClr val="000000"/>
+                </a:solidFill>
+                <a:latin typeface="Arial" panose="020B0604020202020204" pitchFamily="34" charset="0"/>
+                <a:cs typeface="Arial" panose="020B0604020202020204" pitchFamily="34" charset="0"/>
+              </a:rPr>
+              <a:t>Focus difficulty: </a:t>
+            </a:r>
+          </a:p>
+          <a:p>
+            <a:pPr fontAlgn="base">
+              <a:lnSpc>
+                <a:spcPct val="100000"/>
+              </a:lnSpc>
+              <a:spcBef>
+                <a:spcPts val="0"/>
+              </a:spcBef>
+              <a:buFont typeface="+mj-lt"/>
+              <a:buAutoNum type="arabicPeriod"/>
+            </a:pPr>
+            <a:r>
+              <a:rPr lang="en-US" sz="2000" dirty="0">
+                <a:solidFill>
+                  <a:srgbClr val="000000"/>
+                </a:solidFill>
+                <a:latin typeface="Arial" panose="020B0604020202020204" pitchFamily="34" charset="0"/>
+                <a:cs typeface="Arial" panose="020B0604020202020204" pitchFamily="34" charset="0"/>
+              </a:rPr>
+              <a:t>Delay length: </a:t>
+            </a:r>
+            <a:r>
+              <a:rPr lang="en-US" sz="2000" dirty="0">
+                <a:solidFill>
+                  <a:srgbClr val="FF0000"/>
+                </a:solidFill>
+                <a:latin typeface="Arial" panose="020B0604020202020204" pitchFamily="34" charset="0"/>
+                <a:cs typeface="Arial" panose="020B0604020202020204" pitchFamily="34" charset="0"/>
+              </a:rPr>
+              <a:t>500~2000</a:t>
+            </a:r>
+            <a:r>
+              <a:rPr lang="en-US" sz="2000" dirty="0">
+                <a:solidFill>
+                  <a:srgbClr val="000000"/>
+                </a:solidFill>
+                <a:latin typeface="Arial" panose="020B0604020202020204" pitchFamily="34" charset="0"/>
+                <a:cs typeface="Arial" panose="020B0604020202020204" pitchFamily="34" charset="0"/>
+              </a:rPr>
+              <a:t> </a:t>
+            </a:r>
+            <a:r>
+              <a:rPr lang="en-US" sz="2000" dirty="0" err="1">
+                <a:solidFill>
+                  <a:srgbClr val="000000"/>
+                </a:solidFill>
+                <a:latin typeface="Arial" panose="020B0604020202020204" pitchFamily="34" charset="0"/>
+                <a:cs typeface="Arial" panose="020B0604020202020204" pitchFamily="34" charset="0"/>
+              </a:rPr>
+              <a:t>ms</a:t>
+            </a:r>
+            <a:endParaRPr lang="en-US" sz="2000" dirty="0">
+              <a:solidFill>
+                <a:srgbClr val="000000"/>
+              </a:solidFill>
+              <a:latin typeface="Arial" panose="020B0604020202020204" pitchFamily="34" charset="0"/>
+              <a:cs typeface="Arial" panose="020B0604020202020204" pitchFamily="34" charset="0"/>
+            </a:endParaRPr>
+          </a:p>
+          <a:p>
+            <a:pPr fontAlgn="base">
+              <a:lnSpc>
+                <a:spcPct val="100000"/>
+              </a:lnSpc>
+              <a:spcBef>
+                <a:spcPts val="0"/>
+              </a:spcBef>
+              <a:buFont typeface="+mj-lt"/>
+              <a:buAutoNum type="arabicPeriod"/>
+            </a:pPr>
+            <a:r>
+              <a:rPr lang="en-US" sz="2000" dirty="0">
+                <a:latin typeface="Arial" panose="020B0604020202020204" pitchFamily="34" charset="0"/>
+              </a:rPr>
+              <a:t>Data size: 2000 trials per day.</a:t>
+            </a:r>
+          </a:p>
+          <a:p>
+            <a:pPr fontAlgn="base">
+              <a:lnSpc>
+                <a:spcPct val="100000"/>
+              </a:lnSpc>
+              <a:spcBef>
+                <a:spcPts val="0"/>
+              </a:spcBef>
+              <a:buFont typeface="+mj-lt"/>
+              <a:buAutoNum type="arabicPeriod"/>
+            </a:pPr>
+            <a:r>
+              <a:rPr lang="en-US" sz="2000" dirty="0">
+                <a:latin typeface="Arial" panose="020B0604020202020204" pitchFamily="34" charset="0"/>
+              </a:rPr>
+              <a:t>The data for my analysis: the trials which passed Go Cue and achieved to reach the target</a:t>
+            </a:r>
+            <a:endParaRPr lang="en-US" sz="1200" dirty="0">
+              <a:latin typeface="Arial" panose="020B0604020202020204" pitchFamily="34" charset="0"/>
+            </a:endParaRPr>
+          </a:p>
+          <a:p>
+            <a:pPr fontAlgn="base">
+              <a:lnSpc>
+                <a:spcPct val="100000"/>
+              </a:lnSpc>
+              <a:spcBef>
+                <a:spcPts val="0"/>
+              </a:spcBef>
+              <a:buFont typeface="+mj-lt"/>
+              <a:buAutoNum type="arabicPeriod"/>
+            </a:pPr>
+            <a:r>
+              <a:rPr lang="en-US" sz="2000" dirty="0">
+                <a:solidFill>
+                  <a:srgbClr val="FF0000"/>
+                </a:solidFill>
+                <a:latin typeface="Arial" panose="020B0604020202020204" pitchFamily="34" charset="0"/>
+              </a:rPr>
+              <a:t>How did Adi spike sort?</a:t>
+            </a:r>
+          </a:p>
+          <a:p>
+            <a:pPr fontAlgn="base">
+              <a:lnSpc>
+                <a:spcPct val="100000"/>
+              </a:lnSpc>
+              <a:spcBef>
+                <a:spcPts val="0"/>
+              </a:spcBef>
+              <a:buFont typeface="+mj-lt"/>
+              <a:buAutoNum type="arabicPeriod"/>
+            </a:pPr>
+            <a:endParaRPr lang="en-US" sz="2000" dirty="0">
+              <a:solidFill>
+                <a:srgbClr val="000000"/>
+              </a:solidFill>
+              <a:latin typeface="Arial" panose="020B0604020202020204" pitchFamily="34" charset="0"/>
+              <a:cs typeface="Arial" panose="020B0604020202020204" pitchFamily="34" charset="0"/>
+            </a:endParaRPr>
           </a:p>
         </p:txBody>
       </p:sp>
     </p:spTree>
     <p:extLst>
       <p:ext uri="{BB962C8B-B14F-4D97-AF65-F5344CB8AC3E}">
-        <p14:creationId xmlns:p14="http://schemas.microsoft.com/office/powerpoint/2010/main" val="1980083620"/>
+        <p14:creationId xmlns:p14="http://schemas.microsoft.com/office/powerpoint/2010/main" val="3041125134"/>
       </p:ext>
     </p:extLst>
   </p:cSld>
@@ -8389,146 +11632,6 @@
           <a:chExt cx="0" cy="0"/>
         </a:xfrm>
       </p:grpSpPr>
-      <p:pic>
-        <p:nvPicPr>
-          <p:cNvPr id="19" name="図 18">
-            <a:extLst>
-              <a:ext uri="{FF2B5EF4-FFF2-40B4-BE49-F238E27FC236}">
-                <a16:creationId xmlns:a16="http://schemas.microsoft.com/office/drawing/2014/main" id="{6A1C6B49-3F41-8685-0A27-3C9665A99F46}"/>
-              </a:ext>
-            </a:extLst>
-          </p:cNvPr>
-          <p:cNvPicPr>
-            <a:picLocks noChangeAspect="1"/>
-          </p:cNvPicPr>
-          <p:nvPr/>
-        </p:nvPicPr>
-        <p:blipFill>
-          <a:blip r:embed="rId2">
-            <a:extLst>
-              <a:ext uri="{28A0092B-C50C-407E-A947-70E740481C1C}">
-                <a14:useLocalDpi xmlns:a14="http://schemas.microsoft.com/office/drawing/2010/main" val="0"/>
-              </a:ext>
-            </a:extLst>
-          </a:blip>
-          <a:srcRect/>
-          <a:stretch/>
-        </p:blipFill>
-        <p:spPr>
-          <a:xfrm>
-            <a:off x="230641" y="4107739"/>
-            <a:ext cx="2920374" cy="2189446"/>
-          </a:xfrm>
-          <a:prstGeom prst="rect">
-            <a:avLst/>
-          </a:prstGeom>
-        </p:spPr>
-      </p:pic>
-      <p:pic>
-        <p:nvPicPr>
-          <p:cNvPr id="18" name="図 17">
-            <a:extLst>
-              <a:ext uri="{FF2B5EF4-FFF2-40B4-BE49-F238E27FC236}">
-                <a16:creationId xmlns:a16="http://schemas.microsoft.com/office/drawing/2014/main" id="{A73C92AB-642F-0768-DFC1-FE02F1657F9F}"/>
-              </a:ext>
-            </a:extLst>
-          </p:cNvPr>
-          <p:cNvPicPr>
-            <a:picLocks noChangeAspect="1"/>
-          </p:cNvPicPr>
-          <p:nvPr/>
-        </p:nvPicPr>
-        <p:blipFill>
-          <a:blip r:embed="rId3">
-            <a:extLst>
-              <a:ext uri="{28A0092B-C50C-407E-A947-70E740481C1C}">
-                <a14:useLocalDpi xmlns:a14="http://schemas.microsoft.com/office/drawing/2010/main" val="0"/>
-              </a:ext>
-            </a:extLst>
-          </a:blip>
-          <a:srcRect/>
-          <a:stretch/>
-        </p:blipFill>
-        <p:spPr>
-          <a:xfrm>
-            <a:off x="243591" y="1169574"/>
-            <a:ext cx="2920374" cy="2189446"/>
-          </a:xfrm>
-          <a:prstGeom prst="rect">
-            <a:avLst/>
-          </a:prstGeom>
-        </p:spPr>
-      </p:pic>
-      <p:pic>
-        <p:nvPicPr>
-          <p:cNvPr id="17" name="図 16">
-            <a:extLst>
-              <a:ext uri="{FF2B5EF4-FFF2-40B4-BE49-F238E27FC236}">
-                <a16:creationId xmlns:a16="http://schemas.microsoft.com/office/drawing/2014/main" id="{89F92F0A-D1E6-BE21-C1E8-55D78EC61210}"/>
-              </a:ext>
-            </a:extLst>
-          </p:cNvPr>
-          <p:cNvPicPr>
-            <a:picLocks noChangeAspect="1"/>
-          </p:cNvPicPr>
-          <p:nvPr/>
-        </p:nvPicPr>
-        <p:blipFill>
-          <a:blip r:embed="rId4">
-            <a:extLst>
-              <a:ext uri="{28A0092B-C50C-407E-A947-70E740481C1C}">
-                <a14:useLocalDpi xmlns:a14="http://schemas.microsoft.com/office/drawing/2010/main" val="0"/>
-              </a:ext>
-            </a:extLst>
-          </a:blip>
-          <a:srcRect/>
-          <a:stretch/>
-        </p:blipFill>
-        <p:spPr>
-          <a:xfrm>
-            <a:off x="6218277" y="1177471"/>
-            <a:ext cx="2920374" cy="2189446"/>
-          </a:xfrm>
-          <a:prstGeom prst="rect">
-            <a:avLst/>
-          </a:prstGeom>
-        </p:spPr>
-      </p:pic>
-      <p:pic>
-        <p:nvPicPr>
-          <p:cNvPr id="16" name="図 15">
-            <a:extLst>
-              <a:ext uri="{FF2B5EF4-FFF2-40B4-BE49-F238E27FC236}">
-                <a16:creationId xmlns:a16="http://schemas.microsoft.com/office/drawing/2014/main" id="{CA71A3F8-5D75-3402-EA89-AD7CF8ED1C14}"/>
-              </a:ext>
-            </a:extLst>
-          </p:cNvPr>
-          <p:cNvPicPr>
-            <a:picLocks noChangeAspect="1"/>
-          </p:cNvPicPr>
-          <p:nvPr/>
-        </p:nvPicPr>
-        <p:blipFill>
-          <a:blip r:embed="rId5">
-            <a:extLst>
-              <a:ext uri="{28A0092B-C50C-407E-A947-70E740481C1C}">
-                <a14:useLocalDpi xmlns:a14="http://schemas.microsoft.com/office/drawing/2010/main" val="0"/>
-              </a:ext>
-            </a:extLst>
-          </a:blip>
-          <a:srcRect/>
-          <a:stretch/>
-        </p:blipFill>
-        <p:spPr>
-          <a:xfrm>
-            <a:off x="6262668" y="4169305"/>
-            <a:ext cx="2920374" cy="2189446"/>
-          </a:xfrm>
-          <a:prstGeom prst="rect">
-            <a:avLst/>
-          </a:prstGeom>
-        </p:spPr>
-      </p:pic>
       <p:sp>
         <p:nvSpPr>
           <p:cNvPr id="2" name="タイトル 1">
@@ -8562,6 +11665,513 @@
                 <a:latin typeface="Arial" panose="020B0604020202020204" pitchFamily="34" charset="0"/>
                 <a:cs typeface="Arial" panose="020B0604020202020204" pitchFamily="34" charset="0"/>
               </a:rPr>
+              <a:t>Motivation of the analysis</a:t>
+            </a:r>
+          </a:p>
+        </p:txBody>
+      </p:sp>
+      <p:sp>
+        <p:nvSpPr>
+          <p:cNvPr id="3" name="コンテンツ プレースホルダー 2">
+            <a:extLst>
+              <a:ext uri="{FF2B5EF4-FFF2-40B4-BE49-F238E27FC236}">
+                <a16:creationId xmlns:a16="http://schemas.microsoft.com/office/drawing/2014/main" id="{BDE1F3B7-0738-A471-C46D-DC17FEE61F64}"/>
+              </a:ext>
+            </a:extLst>
+          </p:cNvPr>
+          <p:cNvSpPr>
+            <a:spLocks noGrp="1"/>
+          </p:cNvSpPr>
+          <p:nvPr>
+            <p:ph idx="1"/>
+          </p:nvPr>
+        </p:nvSpPr>
+        <p:spPr>
+          <a:xfrm>
+            <a:off x="115410" y="878889"/>
+            <a:ext cx="11940466" cy="5872578"/>
+          </a:xfrm>
+        </p:spPr>
+        <p:txBody>
+          <a:bodyPr>
+            <a:normAutofit/>
+          </a:bodyPr>
+          <a:lstStyle/>
+          <a:p>
+            <a:pPr marL="0" indent="0" fontAlgn="base">
+              <a:lnSpc>
+                <a:spcPct val="100000"/>
+              </a:lnSpc>
+              <a:spcBef>
+                <a:spcPts val="0"/>
+              </a:spcBef>
+              <a:buNone/>
+            </a:pPr>
+            <a:r>
+              <a:rPr lang="en-US" sz="2000" dirty="0">
+                <a:latin typeface="Arial" panose="020B0604020202020204" pitchFamily="34" charset="0"/>
+              </a:rPr>
+              <a:t>Does the task difficulty in focus task alter the M1 reward encoding in the same way we saw in Rocky’s data?</a:t>
+            </a:r>
+          </a:p>
+          <a:p>
+            <a:pPr marL="0" indent="0" fontAlgn="base">
+              <a:lnSpc>
+                <a:spcPct val="100000"/>
+              </a:lnSpc>
+              <a:spcBef>
+                <a:spcPts val="0"/>
+              </a:spcBef>
+              <a:buNone/>
+            </a:pPr>
+            <a:endParaRPr lang="en-US" sz="2000" dirty="0">
+              <a:latin typeface="Arial" panose="020B0604020202020204" pitchFamily="34" charset="0"/>
+            </a:endParaRPr>
+          </a:p>
+          <a:p>
+            <a:pPr marL="0" indent="0" fontAlgn="base">
+              <a:lnSpc>
+                <a:spcPct val="100000"/>
+              </a:lnSpc>
+              <a:spcBef>
+                <a:spcPts val="0"/>
+              </a:spcBef>
+              <a:buNone/>
+            </a:pPr>
+            <a:r>
+              <a:rPr lang="en-US" sz="2000" dirty="0">
+                <a:latin typeface="Arial" panose="020B0604020202020204" pitchFamily="34" charset="0"/>
+              </a:rPr>
+              <a:t>The preliminary results about Reward Axis around GC in Rocky’s data</a:t>
+            </a:r>
+          </a:p>
+          <a:p>
+            <a:pPr marL="457200" indent="-457200" fontAlgn="base">
+              <a:lnSpc>
+                <a:spcPct val="100000"/>
+              </a:lnSpc>
+              <a:spcBef>
+                <a:spcPts val="0"/>
+              </a:spcBef>
+              <a:buAutoNum type="arabicPeriod"/>
+            </a:pPr>
+            <a:r>
+              <a:rPr lang="en-US" sz="2000" dirty="0">
+                <a:latin typeface="Arial" panose="020B0604020202020204" pitchFamily="34" charset="0"/>
+              </a:rPr>
+              <a:t>Stretching</a:t>
+            </a:r>
+          </a:p>
+          <a:p>
+            <a:pPr marL="914400" lvl="1" indent="-457200" fontAlgn="base">
+              <a:lnSpc>
+                <a:spcPct val="100000"/>
+              </a:lnSpc>
+              <a:spcBef>
+                <a:spcPts val="0"/>
+              </a:spcBef>
+              <a:buAutoNum type="arabicPeriod"/>
+            </a:pPr>
+            <a:r>
+              <a:rPr lang="en-US" sz="1600" b="1" dirty="0">
+                <a:solidFill>
+                  <a:srgbClr val="FF0000"/>
+                </a:solidFill>
+                <a:latin typeface="Arial" panose="020B0604020202020204" pitchFamily="34" charset="0"/>
+              </a:rPr>
+              <a:t>Would be happened if the success rates differ</a:t>
+            </a:r>
+          </a:p>
+          <a:p>
+            <a:pPr marL="457200" indent="-457200" fontAlgn="base">
+              <a:lnSpc>
+                <a:spcPct val="100000"/>
+              </a:lnSpc>
+              <a:spcBef>
+                <a:spcPts val="0"/>
+              </a:spcBef>
+              <a:buAutoNum type="arabicPeriod"/>
+            </a:pPr>
+            <a:r>
+              <a:rPr lang="en-US" sz="2000" dirty="0">
+                <a:latin typeface="Arial" panose="020B0604020202020204" pitchFamily="34" charset="0"/>
+              </a:rPr>
+              <a:t>Intersection in the middle</a:t>
+            </a:r>
+          </a:p>
+          <a:p>
+            <a:pPr marL="914400" lvl="1" indent="-457200" fontAlgn="base">
+              <a:lnSpc>
+                <a:spcPct val="100000"/>
+              </a:lnSpc>
+              <a:spcBef>
+                <a:spcPts val="0"/>
+              </a:spcBef>
+              <a:buAutoNum type="arabicPeriod"/>
+            </a:pPr>
+            <a:r>
+              <a:rPr lang="en-US" sz="1600" b="1" dirty="0">
+                <a:solidFill>
+                  <a:srgbClr val="FF0000"/>
+                </a:solidFill>
+                <a:latin typeface="Arial" panose="020B0604020202020204" pitchFamily="34" charset="0"/>
+              </a:rPr>
+              <a:t>Wouldn’t be happened since Small reward is not 0 mL</a:t>
+            </a:r>
+          </a:p>
+          <a:p>
+            <a:pPr marL="457200" indent="-457200" fontAlgn="base">
+              <a:lnSpc>
+                <a:spcPct val="100000"/>
+              </a:lnSpc>
+              <a:spcBef>
+                <a:spcPts val="0"/>
+              </a:spcBef>
+              <a:buAutoNum type="arabicPeriod"/>
+            </a:pPr>
+            <a:r>
+              <a:rPr lang="en-US" sz="2000" dirty="0">
+                <a:latin typeface="Arial" panose="020B0604020202020204" pitchFamily="34" charset="0"/>
+              </a:rPr>
+              <a:t>Reward Axis and Difficulty Axis was orthogonal</a:t>
+            </a:r>
+          </a:p>
+          <a:p>
+            <a:pPr marL="457200" indent="-457200" fontAlgn="base">
+              <a:lnSpc>
+                <a:spcPct val="100000"/>
+              </a:lnSpc>
+              <a:spcBef>
+                <a:spcPts val="0"/>
+              </a:spcBef>
+              <a:buAutoNum type="arabicPeriod"/>
+            </a:pPr>
+            <a:endParaRPr lang="en-US" sz="2000" dirty="0">
+              <a:latin typeface="Arial" panose="020B0604020202020204" pitchFamily="34" charset="0"/>
+            </a:endParaRPr>
+          </a:p>
+        </p:txBody>
+      </p:sp>
+    </p:spTree>
+    <p:extLst>
+      <p:ext uri="{BB962C8B-B14F-4D97-AF65-F5344CB8AC3E}">
+        <p14:creationId xmlns:p14="http://schemas.microsoft.com/office/powerpoint/2010/main" val="1645701861"/>
+      </p:ext>
+    </p:extLst>
+  </p:cSld>
+  <p:clrMapOvr>
+    <a:masterClrMapping/>
+  </p:clrMapOvr>
+</p:sld>
+</file>
+
+<file path=ppt/slides/slide6.xml><?xml version="1.0" encoding="utf-8"?>
+<p:sld xmlns:a="http://schemas.openxmlformats.org/drawingml/2006/main" xmlns:r="http://schemas.openxmlformats.org/officeDocument/2006/relationships" xmlns:p="http://schemas.openxmlformats.org/presentationml/2006/main">
+  <p:cSld>
+    <p:spTree>
+      <p:nvGrpSpPr>
+        <p:cNvPr id="1" name=""/>
+        <p:cNvGrpSpPr/>
+        <p:nvPr/>
+      </p:nvGrpSpPr>
+      <p:grpSpPr>
+        <a:xfrm>
+          <a:off x="0" y="0"/>
+          <a:ext cx="0" cy="0"/>
+          <a:chOff x="0" y="0"/>
+          <a:chExt cx="0" cy="0"/>
+        </a:xfrm>
+      </p:grpSpPr>
+      <p:pic>
+        <p:nvPicPr>
+          <p:cNvPr id="3" name="図 2">
+            <a:extLst>
+              <a:ext uri="{FF2B5EF4-FFF2-40B4-BE49-F238E27FC236}">
+                <a16:creationId xmlns:a16="http://schemas.microsoft.com/office/drawing/2014/main" id="{3A031A72-2872-98DF-9D50-78F3A5AA552C}"/>
+              </a:ext>
+            </a:extLst>
+          </p:cNvPr>
+          <p:cNvPicPr>
+            <a:picLocks noChangeAspect="1"/>
+          </p:cNvPicPr>
+          <p:nvPr/>
+        </p:nvPicPr>
+        <p:blipFill>
+          <a:blip r:embed="rId2"/>
+          <a:stretch>
+            <a:fillRect/>
+          </a:stretch>
+        </p:blipFill>
+        <p:spPr>
+          <a:xfrm>
+            <a:off x="191081" y="1566862"/>
+            <a:ext cx="11344275" cy="3724275"/>
+          </a:xfrm>
+          <a:prstGeom prst="rect">
+            <a:avLst/>
+          </a:prstGeom>
+        </p:spPr>
+      </p:pic>
+      <p:sp>
+        <p:nvSpPr>
+          <p:cNvPr id="4" name="タイトル 1">
+            <a:extLst>
+              <a:ext uri="{FF2B5EF4-FFF2-40B4-BE49-F238E27FC236}">
+                <a16:creationId xmlns:a16="http://schemas.microsoft.com/office/drawing/2014/main" id="{33CA18DF-BB06-2508-2B49-C244362E65A9}"/>
+              </a:ext>
+            </a:extLst>
+          </p:cNvPr>
+          <p:cNvSpPr txBox="1">
+            <a:spLocks/>
+          </p:cNvSpPr>
+          <p:nvPr/>
+        </p:nvSpPr>
+        <p:spPr>
+          <a:xfrm>
+            <a:off x="125766" y="199838"/>
+            <a:ext cx="11940466" cy="648069"/>
+          </a:xfrm>
+          <a:prstGeom prst="rect">
+            <a:avLst/>
+          </a:prstGeom>
+        </p:spPr>
+        <p:txBody>
+          <a:bodyPr>
+            <a:normAutofit fontScale="97500" lnSpcReduction="10000"/>
+          </a:bodyPr>
+          <a:lstStyle>
+            <a:lvl1pPr algn="l" defTabSz="914400" rtl="0" eaLnBrk="1" latinLnBrk="0" hangingPunct="1">
+              <a:lnSpc>
+                <a:spcPct val="90000"/>
+              </a:lnSpc>
+              <a:spcBef>
+                <a:spcPct val="0"/>
+              </a:spcBef>
+              <a:buNone/>
+              <a:defRPr sz="4400" kern="1200">
+                <a:solidFill>
+                  <a:schemeClr val="tx1"/>
+                </a:solidFill>
+                <a:latin typeface="+mj-lt"/>
+                <a:ea typeface="+mj-ea"/>
+                <a:cs typeface="+mj-cs"/>
+              </a:defRPr>
+            </a:lvl1pPr>
+          </a:lstStyle>
+          <a:p>
+            <a:r>
+              <a:rPr lang="en-US" b="1" dirty="0">
+                <a:latin typeface="Arial" panose="020B0604020202020204" pitchFamily="34" charset="0"/>
+                <a:cs typeface="Arial" panose="020B0604020202020204" pitchFamily="34" charset="0"/>
+              </a:rPr>
+              <a:t>Target size clearly affects success rate</a:t>
+            </a:r>
+          </a:p>
+        </p:txBody>
+      </p:sp>
+    </p:spTree>
+    <p:extLst>
+      <p:ext uri="{BB962C8B-B14F-4D97-AF65-F5344CB8AC3E}">
+        <p14:creationId xmlns:p14="http://schemas.microsoft.com/office/powerpoint/2010/main" val="1980083620"/>
+      </p:ext>
+    </p:extLst>
+  </p:cSld>
+  <p:clrMapOvr>
+    <a:masterClrMapping/>
+  </p:clrMapOvr>
+</p:sld>
+</file>
+
+<file path=ppt/slides/slide7.xml><?xml version="1.0" encoding="utf-8"?>
+<p:sld xmlns:a="http://schemas.openxmlformats.org/drawingml/2006/main" xmlns:r="http://schemas.openxmlformats.org/officeDocument/2006/relationships" xmlns:p="http://schemas.openxmlformats.org/presentationml/2006/main">
+  <p:cSld>
+    <p:spTree>
+      <p:nvGrpSpPr>
+        <p:cNvPr id="1" name=""/>
+        <p:cNvGrpSpPr/>
+        <p:nvPr/>
+      </p:nvGrpSpPr>
+      <p:grpSpPr>
+        <a:xfrm>
+          <a:off x="0" y="0"/>
+          <a:ext cx="0" cy="0"/>
+          <a:chOff x="0" y="0"/>
+          <a:chExt cx="0" cy="0"/>
+        </a:xfrm>
+      </p:grpSpPr>
+      <p:pic>
+        <p:nvPicPr>
+          <p:cNvPr id="19" name="図 18">
+            <a:extLst>
+              <a:ext uri="{FF2B5EF4-FFF2-40B4-BE49-F238E27FC236}">
+                <a16:creationId xmlns:a16="http://schemas.microsoft.com/office/drawing/2014/main" id="{6A1C6B49-3F41-8685-0A27-3C9665A99F46}"/>
+              </a:ext>
+            </a:extLst>
+          </p:cNvPr>
+          <p:cNvPicPr>
+            <a:picLocks noChangeAspect="1"/>
+          </p:cNvPicPr>
+          <p:nvPr/>
+        </p:nvPicPr>
+        <p:blipFill>
+          <a:blip r:embed="rId2">
+            <a:extLst>
+              <a:ext uri="{28A0092B-C50C-407E-A947-70E740481C1C}">
+                <a14:useLocalDpi xmlns:a14="http://schemas.microsoft.com/office/drawing/2010/main" val="0"/>
+              </a:ext>
+            </a:extLst>
+          </a:blip>
+          <a:srcRect/>
+          <a:stretch/>
+        </p:blipFill>
+        <p:spPr>
+          <a:xfrm>
+            <a:off x="230641" y="4107739"/>
+            <a:ext cx="2920374" cy="2189446"/>
+          </a:xfrm>
+          <a:prstGeom prst="rect">
+            <a:avLst/>
+          </a:prstGeom>
+        </p:spPr>
+      </p:pic>
+      <p:pic>
+        <p:nvPicPr>
+          <p:cNvPr id="18" name="図 17">
+            <a:extLst>
+              <a:ext uri="{FF2B5EF4-FFF2-40B4-BE49-F238E27FC236}">
+                <a16:creationId xmlns:a16="http://schemas.microsoft.com/office/drawing/2014/main" id="{A73C92AB-642F-0768-DFC1-FE02F1657F9F}"/>
+              </a:ext>
+            </a:extLst>
+          </p:cNvPr>
+          <p:cNvPicPr>
+            <a:picLocks noChangeAspect="1"/>
+          </p:cNvPicPr>
+          <p:nvPr/>
+        </p:nvPicPr>
+        <p:blipFill>
+          <a:blip r:embed="rId3">
+            <a:extLst>
+              <a:ext uri="{28A0092B-C50C-407E-A947-70E740481C1C}">
+                <a14:useLocalDpi xmlns:a14="http://schemas.microsoft.com/office/drawing/2010/main" val="0"/>
+              </a:ext>
+            </a:extLst>
+          </a:blip>
+          <a:srcRect/>
+          <a:stretch/>
+        </p:blipFill>
+        <p:spPr>
+          <a:xfrm>
+            <a:off x="243591" y="1169574"/>
+            <a:ext cx="2920374" cy="2189446"/>
+          </a:xfrm>
+          <a:prstGeom prst="rect">
+            <a:avLst/>
+          </a:prstGeom>
+        </p:spPr>
+      </p:pic>
+      <p:pic>
+        <p:nvPicPr>
+          <p:cNvPr id="17" name="図 16">
+            <a:extLst>
+              <a:ext uri="{FF2B5EF4-FFF2-40B4-BE49-F238E27FC236}">
+                <a16:creationId xmlns:a16="http://schemas.microsoft.com/office/drawing/2014/main" id="{89F92F0A-D1E6-BE21-C1E8-55D78EC61210}"/>
+              </a:ext>
+            </a:extLst>
+          </p:cNvPr>
+          <p:cNvPicPr>
+            <a:picLocks noChangeAspect="1"/>
+          </p:cNvPicPr>
+          <p:nvPr/>
+        </p:nvPicPr>
+        <p:blipFill>
+          <a:blip r:embed="rId4">
+            <a:extLst>
+              <a:ext uri="{28A0092B-C50C-407E-A947-70E740481C1C}">
+                <a14:useLocalDpi xmlns:a14="http://schemas.microsoft.com/office/drawing/2010/main" val="0"/>
+              </a:ext>
+            </a:extLst>
+          </a:blip>
+          <a:srcRect/>
+          <a:stretch/>
+        </p:blipFill>
+        <p:spPr>
+          <a:xfrm>
+            <a:off x="6218277" y="1177471"/>
+            <a:ext cx="2920374" cy="2189446"/>
+          </a:xfrm>
+          <a:prstGeom prst="rect">
+            <a:avLst/>
+          </a:prstGeom>
+        </p:spPr>
+      </p:pic>
+      <p:pic>
+        <p:nvPicPr>
+          <p:cNvPr id="16" name="図 15">
+            <a:extLst>
+              <a:ext uri="{FF2B5EF4-FFF2-40B4-BE49-F238E27FC236}">
+                <a16:creationId xmlns:a16="http://schemas.microsoft.com/office/drawing/2014/main" id="{CA71A3F8-5D75-3402-EA89-AD7CF8ED1C14}"/>
+              </a:ext>
+            </a:extLst>
+          </p:cNvPr>
+          <p:cNvPicPr>
+            <a:picLocks noChangeAspect="1"/>
+          </p:cNvPicPr>
+          <p:nvPr/>
+        </p:nvPicPr>
+        <p:blipFill>
+          <a:blip r:embed="rId5">
+            <a:extLst>
+              <a:ext uri="{28A0092B-C50C-407E-A947-70E740481C1C}">
+                <a14:useLocalDpi xmlns:a14="http://schemas.microsoft.com/office/drawing/2010/main" val="0"/>
+              </a:ext>
+            </a:extLst>
+          </a:blip>
+          <a:srcRect/>
+          <a:stretch/>
+        </p:blipFill>
+        <p:spPr>
+          <a:xfrm>
+            <a:off x="6262668" y="4169305"/>
+            <a:ext cx="2920374" cy="2189446"/>
+          </a:xfrm>
+          <a:prstGeom prst="rect">
+            <a:avLst/>
+          </a:prstGeom>
+        </p:spPr>
+      </p:pic>
+      <p:sp>
+        <p:nvSpPr>
+          <p:cNvPr id="2" name="タイトル 1">
+            <a:extLst>
+              <a:ext uri="{FF2B5EF4-FFF2-40B4-BE49-F238E27FC236}">
+                <a16:creationId xmlns:a16="http://schemas.microsoft.com/office/drawing/2014/main" id="{27D14253-3A9D-C323-9B97-5D6BE60413FE}"/>
+              </a:ext>
+            </a:extLst>
+          </p:cNvPr>
+          <p:cNvSpPr>
+            <a:spLocks noGrp="1"/>
+          </p:cNvSpPr>
+          <p:nvPr>
+            <p:ph type="title"/>
+          </p:nvPr>
+        </p:nvSpPr>
+        <p:spPr>
+          <a:xfrm>
+            <a:off x="115410" y="106533"/>
+            <a:ext cx="11940466" cy="648069"/>
+          </a:xfrm>
+        </p:spPr>
+        <p:txBody>
+          <a:bodyPr>
+            <a:normAutofit fontScale="90000"/>
+          </a:bodyPr>
+          <a:lstStyle/>
+          <a:p>
+            <a:r>
+              <a:rPr lang="en-US" b="1" dirty="0">
+                <a:latin typeface="Arial" panose="020B0604020202020204" pitchFamily="34" charset="0"/>
+                <a:cs typeface="Arial" panose="020B0604020202020204" pitchFamily="34" charset="0"/>
+              </a:rPr>
               <a:t>some PSTHs (after TO and around GC) </a:t>
             </a:r>
           </a:p>
@@ -8876,7 +12486,7 @@
 </p:sld>
 </file>
 
-<file path=ppt/slides/slide6.xml><?xml version="1.0" encoding="utf-8"?>
+<file path=ppt/slides/slide8.xml><?xml version="1.0" encoding="utf-8"?>
 <p:sld xmlns:a="http://schemas.openxmlformats.org/drawingml/2006/main" xmlns:r="http://schemas.openxmlformats.org/officeDocument/2006/relationships" xmlns:p="http://schemas.openxmlformats.org/presentationml/2006/main">
   <p:cSld>
     <p:spTree>
@@ -12195,7 +15805,7 @@
 </p:sld>
 </file>
 
-<file path=ppt/slides/slide7.xml><?xml version="1.0" encoding="utf-8"?>
+<file path=ppt/slides/slide9.xml><?xml version="1.0" encoding="utf-8"?>
 <p:sld xmlns:a="http://schemas.openxmlformats.org/drawingml/2006/main" xmlns:r="http://schemas.openxmlformats.org/officeDocument/2006/relationships" xmlns:p="http://schemas.openxmlformats.org/presentationml/2006/main">
   <p:cSld>
     <p:spTree>
@@ -13418,2149 +17028,6 @@
       <p:bldP spid="38" grpId="0"/>
       <p:bldP spid="39" grpId="0"/>
     </p:bldLst>
-  </p:timing>
-</p:sld>
-</file>
-
-<file path=ppt/slides/slide8.xml><?xml version="1.0" encoding="utf-8"?>
-<p:sld xmlns:a="http://schemas.openxmlformats.org/drawingml/2006/main" xmlns:r="http://schemas.openxmlformats.org/officeDocument/2006/relationships" xmlns:p="http://schemas.openxmlformats.org/presentationml/2006/main">
-  <p:cSld>
-    <p:spTree>
-      <p:nvGrpSpPr>
-        <p:cNvPr id="1" name=""/>
-        <p:cNvGrpSpPr/>
-        <p:nvPr/>
-      </p:nvGrpSpPr>
-      <p:grpSpPr>
-        <a:xfrm>
-          <a:off x="0" y="0"/>
-          <a:ext cx="0" cy="0"/>
-          <a:chOff x="0" y="0"/>
-          <a:chExt cx="0" cy="0"/>
-        </a:xfrm>
-      </p:grpSpPr>
-      <p:sp>
-        <p:nvSpPr>
-          <p:cNvPr id="2" name="タイトル 1">
-            <a:extLst>
-              <a:ext uri="{FF2B5EF4-FFF2-40B4-BE49-F238E27FC236}">
-                <a16:creationId xmlns:a16="http://schemas.microsoft.com/office/drawing/2014/main" id="{27D14253-3A9D-C323-9B97-5D6BE60413FE}"/>
-              </a:ext>
-            </a:extLst>
-          </p:cNvPr>
-          <p:cNvSpPr>
-            <a:spLocks noGrp="1"/>
-          </p:cNvSpPr>
-          <p:nvPr>
-            <p:ph type="title"/>
-          </p:nvPr>
-        </p:nvSpPr>
-        <p:spPr>
-          <a:xfrm>
-            <a:off x="115410" y="106533"/>
-            <a:ext cx="11940466" cy="648069"/>
-          </a:xfrm>
-        </p:spPr>
-        <p:txBody>
-          <a:bodyPr>
-            <a:noAutofit/>
-          </a:bodyPr>
-          <a:lstStyle/>
-          <a:p>
-            <a:pPr algn="ctr"/>
-            <a:r>
-              <a:rPr lang="en-US" altLang="ja-JP" sz="2800" b="1" dirty="0">
-                <a:latin typeface="Arial" panose="020B0604020202020204" pitchFamily="34" charset="0"/>
-                <a:cs typeface="Arial" panose="020B0604020202020204" pitchFamily="34" charset="0"/>
-              </a:rPr>
-              <a:t>Is Reward Axis and Difficulty Axis orthogonal?</a:t>
-            </a:r>
-            <a:endParaRPr lang="en-US" sz="2800" dirty="0">
-              <a:latin typeface="Arial" panose="020B0604020202020204" pitchFamily="34" charset="0"/>
-              <a:cs typeface="Arial" panose="020B0604020202020204" pitchFamily="34" charset="0"/>
-            </a:endParaRPr>
-          </a:p>
-        </p:txBody>
-      </p:sp>
-      <p:sp>
-        <p:nvSpPr>
-          <p:cNvPr id="3" name="コンテンツ プレースホルダー 2">
-            <a:extLst>
-              <a:ext uri="{FF2B5EF4-FFF2-40B4-BE49-F238E27FC236}">
-                <a16:creationId xmlns:a16="http://schemas.microsoft.com/office/drawing/2014/main" id="{BDE1F3B7-0738-A471-C46D-DC17FEE61F64}"/>
-              </a:ext>
-            </a:extLst>
-          </p:cNvPr>
-          <p:cNvSpPr>
-            <a:spLocks noGrp="1"/>
-          </p:cNvSpPr>
-          <p:nvPr>
-            <p:ph idx="1"/>
-          </p:nvPr>
-        </p:nvSpPr>
-        <p:spPr>
-          <a:xfrm>
-            <a:off x="115410" y="878889"/>
-            <a:ext cx="11940466" cy="1722268"/>
-          </a:xfrm>
-        </p:spPr>
-        <p:txBody>
-          <a:bodyPr>
-            <a:normAutofit/>
-          </a:bodyPr>
-          <a:lstStyle/>
-          <a:p>
-            <a:pPr marL="0" indent="0">
-              <a:buNone/>
-            </a:pPr>
-            <a:r>
-              <a:rPr lang="en-US" altLang="ja-JP" sz="2000" b="1" dirty="0">
-                <a:latin typeface="Arial" panose="020B0604020202020204" pitchFamily="34" charset="0"/>
-                <a:cs typeface="Arial" panose="020B0604020202020204" pitchFamily="34" charset="0"/>
-              </a:rPr>
-              <a:t>Method</a:t>
-            </a:r>
-          </a:p>
-          <a:p>
-            <a:pPr marL="457200" indent="-457200">
-              <a:buAutoNum type="arabicPeriod"/>
-            </a:pPr>
-            <a:r>
-              <a:rPr lang="en-US" altLang="ja-JP" sz="2000" dirty="0">
-                <a:latin typeface="Arial" panose="020B0604020202020204" pitchFamily="34" charset="0"/>
-                <a:cs typeface="Arial" panose="020B0604020202020204" pitchFamily="34" charset="0"/>
-              </a:rPr>
-              <a:t>Get an average of firing rate in each reward condition (</a:t>
-            </a:r>
-            <a:r>
-              <a:rPr lang="en-US" altLang="ja-JP" sz="2000" dirty="0" err="1">
-                <a:latin typeface="Arial" panose="020B0604020202020204" pitchFamily="34" charset="0"/>
-                <a:cs typeface="Arial" panose="020B0604020202020204" pitchFamily="34" charset="0"/>
-              </a:rPr>
-              <a:t>nneuron</a:t>
-            </a:r>
-            <a:r>
-              <a:rPr lang="en-US" altLang="ja-JP" sz="2000" dirty="0">
-                <a:latin typeface="Arial" panose="020B0604020202020204" pitchFamily="34" charset="0"/>
-                <a:cs typeface="Arial" panose="020B0604020202020204" pitchFamily="34" charset="0"/>
-              </a:rPr>
-              <a:t> * </a:t>
-            </a:r>
-            <a:r>
-              <a:rPr lang="en-US" altLang="ja-JP" sz="2000" dirty="0" err="1">
-                <a:latin typeface="Arial" panose="020B0604020202020204" pitchFamily="34" charset="0"/>
-                <a:cs typeface="Arial" panose="020B0604020202020204" pitchFamily="34" charset="0"/>
-              </a:rPr>
-              <a:t>nreward</a:t>
-            </a:r>
-            <a:r>
-              <a:rPr lang="en-US" altLang="ja-JP" sz="2000" dirty="0">
-                <a:latin typeface="Arial" panose="020B0604020202020204" pitchFamily="34" charset="0"/>
-                <a:cs typeface="Arial" panose="020B0604020202020204" pitchFamily="34" charset="0"/>
-              </a:rPr>
-              <a:t>(3)) around GC [-150 +50]</a:t>
-            </a:r>
-          </a:p>
-          <a:p>
-            <a:pPr marL="457200" indent="-457200">
-              <a:buAutoNum type="arabicPeriod"/>
-            </a:pPr>
-            <a:r>
-              <a:rPr lang="en-US" altLang="ja-JP" sz="2000" dirty="0">
-                <a:latin typeface="Arial" panose="020B0604020202020204" pitchFamily="34" charset="0"/>
-                <a:cs typeface="Arial" panose="020B0604020202020204" pitchFamily="34" charset="0"/>
-              </a:rPr>
-              <a:t>Get reward Axis from them</a:t>
-            </a:r>
-            <a:endParaRPr lang="en-US" altLang="ja-JP" sz="2000" b="1" dirty="0">
-              <a:latin typeface="Arial" panose="020B0604020202020204" pitchFamily="34" charset="0"/>
-              <a:cs typeface="Arial" panose="020B0604020202020204" pitchFamily="34" charset="0"/>
-            </a:endParaRPr>
-          </a:p>
-        </p:txBody>
-      </p:sp>
-      <p:sp>
-        <p:nvSpPr>
-          <p:cNvPr id="4" name="コンテンツ プレースホルダー 2">
-            <a:extLst>
-              <a:ext uri="{FF2B5EF4-FFF2-40B4-BE49-F238E27FC236}">
-                <a16:creationId xmlns:a16="http://schemas.microsoft.com/office/drawing/2014/main" id="{3C1F8DFF-3BE9-522D-51E5-D48F5B432B59}"/>
-              </a:ext>
-            </a:extLst>
-          </p:cNvPr>
-          <p:cNvSpPr txBox="1">
-            <a:spLocks/>
-          </p:cNvSpPr>
-          <p:nvPr/>
-        </p:nvSpPr>
-        <p:spPr>
-          <a:xfrm>
-            <a:off x="115411" y="2087842"/>
-            <a:ext cx="2317071" cy="449063"/>
-          </a:xfrm>
-          <a:prstGeom prst="rect">
-            <a:avLst/>
-          </a:prstGeom>
-          <a:solidFill>
-            <a:schemeClr val="bg1">
-              <a:lumMod val="95000"/>
-            </a:schemeClr>
-          </a:solidFill>
-        </p:spPr>
-        <p:txBody>
-          <a:bodyPr vert="horz" lIns="91440" tIns="45720" rIns="91440" bIns="45720" rtlCol="0" anchor="ctr">
-            <a:normAutofit/>
-          </a:bodyPr>
-          <a:lstStyle>
-            <a:lvl1pPr marL="228600" indent="-228600" algn="l" defTabSz="914400" rtl="0" eaLnBrk="1" latinLnBrk="0" hangingPunct="1">
-              <a:lnSpc>
-                <a:spcPct val="90000"/>
-              </a:lnSpc>
-              <a:spcBef>
-                <a:spcPts val="1000"/>
-              </a:spcBef>
-              <a:buFont typeface="Arial" panose="020B0604020202020204" pitchFamily="34" charset="0"/>
-              <a:buChar char="•"/>
-              <a:defRPr sz="2800" kern="1200">
-                <a:solidFill>
-                  <a:schemeClr val="tx1"/>
-                </a:solidFill>
-                <a:latin typeface="+mn-lt"/>
-                <a:ea typeface="+mn-ea"/>
-                <a:cs typeface="+mn-cs"/>
-              </a:defRPr>
-            </a:lvl1pPr>
-            <a:lvl2pPr marL="685800" indent="-228600" algn="l" defTabSz="914400" rtl="0" eaLnBrk="1" latinLnBrk="0" hangingPunct="1">
-              <a:lnSpc>
-                <a:spcPct val="90000"/>
-              </a:lnSpc>
-              <a:spcBef>
-                <a:spcPts val="500"/>
-              </a:spcBef>
-              <a:buFont typeface="Arial" panose="020B0604020202020204" pitchFamily="34" charset="0"/>
-              <a:buChar char="•"/>
-              <a:defRPr sz="2400" kern="1200">
-                <a:solidFill>
-                  <a:schemeClr val="tx1"/>
-                </a:solidFill>
-                <a:latin typeface="+mn-lt"/>
-                <a:ea typeface="+mn-ea"/>
-                <a:cs typeface="+mn-cs"/>
-              </a:defRPr>
-            </a:lvl2pPr>
-            <a:lvl3pPr marL="1143000" indent="-228600" algn="l" defTabSz="914400" rtl="0" eaLnBrk="1" latinLnBrk="0" hangingPunct="1">
-              <a:lnSpc>
-                <a:spcPct val="90000"/>
-              </a:lnSpc>
-              <a:spcBef>
-                <a:spcPts val="500"/>
-              </a:spcBef>
-              <a:buFont typeface="Arial" panose="020B0604020202020204" pitchFamily="34" charset="0"/>
-              <a:buChar char="•"/>
-              <a:defRPr sz="2000" kern="1200">
-                <a:solidFill>
-                  <a:schemeClr val="tx1"/>
-                </a:solidFill>
-                <a:latin typeface="+mn-lt"/>
-                <a:ea typeface="+mn-ea"/>
-                <a:cs typeface="+mn-cs"/>
-              </a:defRPr>
-            </a:lvl3pPr>
-            <a:lvl4pPr marL="1600200" indent="-228600" algn="l" defTabSz="914400" rtl="0" eaLnBrk="1" latinLnBrk="0" hangingPunct="1">
-              <a:lnSpc>
-                <a:spcPct val="90000"/>
-              </a:lnSpc>
-              <a:spcBef>
-                <a:spcPts val="500"/>
-              </a:spcBef>
-              <a:buFont typeface="Arial" panose="020B0604020202020204" pitchFamily="34" charset="0"/>
-              <a:buChar char="•"/>
-              <a:defRPr sz="1800" kern="1200">
-                <a:solidFill>
-                  <a:schemeClr val="tx1"/>
-                </a:solidFill>
-                <a:latin typeface="+mn-lt"/>
-                <a:ea typeface="+mn-ea"/>
-                <a:cs typeface="+mn-cs"/>
-              </a:defRPr>
-            </a:lvl4pPr>
-            <a:lvl5pPr marL="2057400" indent="-228600" algn="l" defTabSz="914400" rtl="0" eaLnBrk="1" latinLnBrk="0" hangingPunct="1">
-              <a:lnSpc>
-                <a:spcPct val="90000"/>
-              </a:lnSpc>
-              <a:spcBef>
-                <a:spcPts val="500"/>
-              </a:spcBef>
-              <a:buFont typeface="Arial" panose="020B0604020202020204" pitchFamily="34" charset="0"/>
-              <a:buChar char="•"/>
-              <a:defRPr sz="1800" kern="1200">
-                <a:solidFill>
-                  <a:schemeClr val="tx1"/>
-                </a:solidFill>
-                <a:latin typeface="+mn-lt"/>
-                <a:ea typeface="+mn-ea"/>
-                <a:cs typeface="+mn-cs"/>
-              </a:defRPr>
-            </a:lvl5pPr>
-            <a:lvl6pPr marL="2514600" indent="-228600" algn="l" defTabSz="914400" rtl="0" eaLnBrk="1" latinLnBrk="0" hangingPunct="1">
-              <a:lnSpc>
-                <a:spcPct val="90000"/>
-              </a:lnSpc>
-              <a:spcBef>
-                <a:spcPts val="500"/>
-              </a:spcBef>
-              <a:buFont typeface="Arial" panose="020B0604020202020204" pitchFamily="34" charset="0"/>
-              <a:buChar char="•"/>
-              <a:defRPr sz="1800" kern="1200">
-                <a:solidFill>
-                  <a:schemeClr val="tx1"/>
-                </a:solidFill>
-                <a:latin typeface="+mn-lt"/>
-                <a:ea typeface="+mn-ea"/>
-                <a:cs typeface="+mn-cs"/>
-              </a:defRPr>
-            </a:lvl6pPr>
-            <a:lvl7pPr marL="2971800" indent="-228600" algn="l" defTabSz="914400" rtl="0" eaLnBrk="1" latinLnBrk="0" hangingPunct="1">
-              <a:lnSpc>
-                <a:spcPct val="90000"/>
-              </a:lnSpc>
-              <a:spcBef>
-                <a:spcPts val="500"/>
-              </a:spcBef>
-              <a:buFont typeface="Arial" panose="020B0604020202020204" pitchFamily="34" charset="0"/>
-              <a:buChar char="•"/>
-              <a:defRPr sz="1800" kern="1200">
-                <a:solidFill>
-                  <a:schemeClr val="tx1"/>
-                </a:solidFill>
-                <a:latin typeface="+mn-lt"/>
-                <a:ea typeface="+mn-ea"/>
-                <a:cs typeface="+mn-cs"/>
-              </a:defRPr>
-            </a:lvl7pPr>
-            <a:lvl8pPr marL="3429000" indent="-228600" algn="l" defTabSz="914400" rtl="0" eaLnBrk="1" latinLnBrk="0" hangingPunct="1">
-              <a:lnSpc>
-                <a:spcPct val="90000"/>
-              </a:lnSpc>
-              <a:spcBef>
-                <a:spcPts val="500"/>
-              </a:spcBef>
-              <a:buFont typeface="Arial" panose="020B0604020202020204" pitchFamily="34" charset="0"/>
-              <a:buChar char="•"/>
-              <a:defRPr sz="1800" kern="1200">
-                <a:solidFill>
-                  <a:schemeClr val="tx1"/>
-                </a:solidFill>
-                <a:latin typeface="+mn-lt"/>
-                <a:ea typeface="+mn-ea"/>
-                <a:cs typeface="+mn-cs"/>
-              </a:defRPr>
-            </a:lvl8pPr>
-            <a:lvl9pPr marL="3886200" indent="-228600" algn="l" defTabSz="914400" rtl="0" eaLnBrk="1" latinLnBrk="0" hangingPunct="1">
-              <a:lnSpc>
-                <a:spcPct val="90000"/>
-              </a:lnSpc>
-              <a:spcBef>
-                <a:spcPts val="500"/>
-              </a:spcBef>
-              <a:buFont typeface="Arial" panose="020B0604020202020204" pitchFamily="34" charset="0"/>
-              <a:buChar char="•"/>
-              <a:defRPr sz="1800" kern="1200">
-                <a:solidFill>
-                  <a:schemeClr val="tx1"/>
-                </a:solidFill>
-                <a:latin typeface="+mn-lt"/>
-                <a:ea typeface="+mn-ea"/>
-                <a:cs typeface="+mn-cs"/>
-              </a:defRPr>
-            </a:lvl9pPr>
-          </a:lstStyle>
-          <a:p>
-            <a:pPr marL="0" indent="0" algn="ctr">
-              <a:buFont typeface="Arial" panose="020B0604020202020204" pitchFamily="34" charset="0"/>
-              <a:buNone/>
-            </a:pPr>
-            <a:r>
-              <a:rPr lang="en-US" altLang="ja-JP" sz="2400" b="1" dirty="0">
-                <a:latin typeface="Arial" panose="020B0604020202020204" pitchFamily="34" charset="0"/>
-                <a:cs typeface="Arial" panose="020B0604020202020204" pitchFamily="34" charset="0"/>
-              </a:rPr>
-              <a:t>We expect</a:t>
-            </a:r>
-            <a:endParaRPr lang="en-US" sz="2400" b="1" dirty="0">
-              <a:latin typeface="Arial" panose="020B0604020202020204" pitchFamily="34" charset="0"/>
-              <a:cs typeface="Arial" panose="020B0604020202020204" pitchFamily="34" charset="0"/>
-            </a:endParaRPr>
-          </a:p>
-        </p:txBody>
-      </p:sp>
-      <p:sp>
-        <p:nvSpPr>
-          <p:cNvPr id="5" name="コンテンツ プレースホルダー 2">
-            <a:extLst>
-              <a:ext uri="{FF2B5EF4-FFF2-40B4-BE49-F238E27FC236}">
-                <a16:creationId xmlns:a16="http://schemas.microsoft.com/office/drawing/2014/main" id="{E2247332-FBD7-F890-418D-186D025A2163}"/>
-              </a:ext>
-            </a:extLst>
-          </p:cNvPr>
-          <p:cNvSpPr txBox="1">
-            <a:spLocks/>
-          </p:cNvSpPr>
-          <p:nvPr/>
-        </p:nvSpPr>
-        <p:spPr>
-          <a:xfrm>
-            <a:off x="2559017" y="2087841"/>
-            <a:ext cx="9517576" cy="449063"/>
-          </a:xfrm>
-          <a:prstGeom prst="rect">
-            <a:avLst/>
-          </a:prstGeom>
-          <a:solidFill>
-            <a:schemeClr val="bg1">
-              <a:lumMod val="95000"/>
-            </a:schemeClr>
-          </a:solidFill>
-        </p:spPr>
-        <p:txBody>
-          <a:bodyPr vert="horz" lIns="91440" tIns="45720" rIns="91440" bIns="45720" rtlCol="0" anchor="ctr">
-            <a:normAutofit/>
-          </a:bodyPr>
-          <a:lstStyle>
-            <a:lvl1pPr marL="228600" indent="-228600" algn="l" defTabSz="914400" rtl="0" eaLnBrk="1" latinLnBrk="0" hangingPunct="1">
-              <a:lnSpc>
-                <a:spcPct val="90000"/>
-              </a:lnSpc>
-              <a:spcBef>
-                <a:spcPts val="1000"/>
-              </a:spcBef>
-              <a:buFont typeface="Arial" panose="020B0604020202020204" pitchFamily="34" charset="0"/>
-              <a:buChar char="•"/>
-              <a:defRPr sz="2800" kern="1200">
-                <a:solidFill>
-                  <a:schemeClr val="tx1"/>
-                </a:solidFill>
-                <a:latin typeface="+mn-lt"/>
-                <a:ea typeface="+mn-ea"/>
-                <a:cs typeface="+mn-cs"/>
-              </a:defRPr>
-            </a:lvl1pPr>
-            <a:lvl2pPr marL="685800" indent="-228600" algn="l" defTabSz="914400" rtl="0" eaLnBrk="1" latinLnBrk="0" hangingPunct="1">
-              <a:lnSpc>
-                <a:spcPct val="90000"/>
-              </a:lnSpc>
-              <a:spcBef>
-                <a:spcPts val="500"/>
-              </a:spcBef>
-              <a:buFont typeface="Arial" panose="020B0604020202020204" pitchFamily="34" charset="0"/>
-              <a:buChar char="•"/>
-              <a:defRPr sz="2400" kern="1200">
-                <a:solidFill>
-                  <a:schemeClr val="tx1"/>
-                </a:solidFill>
-                <a:latin typeface="+mn-lt"/>
-                <a:ea typeface="+mn-ea"/>
-                <a:cs typeface="+mn-cs"/>
-              </a:defRPr>
-            </a:lvl2pPr>
-            <a:lvl3pPr marL="1143000" indent="-228600" algn="l" defTabSz="914400" rtl="0" eaLnBrk="1" latinLnBrk="0" hangingPunct="1">
-              <a:lnSpc>
-                <a:spcPct val="90000"/>
-              </a:lnSpc>
-              <a:spcBef>
-                <a:spcPts val="500"/>
-              </a:spcBef>
-              <a:buFont typeface="Arial" panose="020B0604020202020204" pitchFamily="34" charset="0"/>
-              <a:buChar char="•"/>
-              <a:defRPr sz="2000" kern="1200">
-                <a:solidFill>
-                  <a:schemeClr val="tx1"/>
-                </a:solidFill>
-                <a:latin typeface="+mn-lt"/>
-                <a:ea typeface="+mn-ea"/>
-                <a:cs typeface="+mn-cs"/>
-              </a:defRPr>
-            </a:lvl3pPr>
-            <a:lvl4pPr marL="1600200" indent="-228600" algn="l" defTabSz="914400" rtl="0" eaLnBrk="1" latinLnBrk="0" hangingPunct="1">
-              <a:lnSpc>
-                <a:spcPct val="90000"/>
-              </a:lnSpc>
-              <a:spcBef>
-                <a:spcPts val="500"/>
-              </a:spcBef>
-              <a:buFont typeface="Arial" panose="020B0604020202020204" pitchFamily="34" charset="0"/>
-              <a:buChar char="•"/>
-              <a:defRPr sz="1800" kern="1200">
-                <a:solidFill>
-                  <a:schemeClr val="tx1"/>
-                </a:solidFill>
-                <a:latin typeface="+mn-lt"/>
-                <a:ea typeface="+mn-ea"/>
-                <a:cs typeface="+mn-cs"/>
-              </a:defRPr>
-            </a:lvl4pPr>
-            <a:lvl5pPr marL="2057400" indent="-228600" algn="l" defTabSz="914400" rtl="0" eaLnBrk="1" latinLnBrk="0" hangingPunct="1">
-              <a:lnSpc>
-                <a:spcPct val="90000"/>
-              </a:lnSpc>
-              <a:spcBef>
-                <a:spcPts val="500"/>
-              </a:spcBef>
-              <a:buFont typeface="Arial" panose="020B0604020202020204" pitchFamily="34" charset="0"/>
-              <a:buChar char="•"/>
-              <a:defRPr sz="1800" kern="1200">
-                <a:solidFill>
-                  <a:schemeClr val="tx1"/>
-                </a:solidFill>
-                <a:latin typeface="+mn-lt"/>
-                <a:ea typeface="+mn-ea"/>
-                <a:cs typeface="+mn-cs"/>
-              </a:defRPr>
-            </a:lvl5pPr>
-            <a:lvl6pPr marL="2514600" indent="-228600" algn="l" defTabSz="914400" rtl="0" eaLnBrk="1" latinLnBrk="0" hangingPunct="1">
-              <a:lnSpc>
-                <a:spcPct val="90000"/>
-              </a:lnSpc>
-              <a:spcBef>
-                <a:spcPts val="500"/>
-              </a:spcBef>
-              <a:buFont typeface="Arial" panose="020B0604020202020204" pitchFamily="34" charset="0"/>
-              <a:buChar char="•"/>
-              <a:defRPr sz="1800" kern="1200">
-                <a:solidFill>
-                  <a:schemeClr val="tx1"/>
-                </a:solidFill>
-                <a:latin typeface="+mn-lt"/>
-                <a:ea typeface="+mn-ea"/>
-                <a:cs typeface="+mn-cs"/>
-              </a:defRPr>
-            </a:lvl6pPr>
-            <a:lvl7pPr marL="2971800" indent="-228600" algn="l" defTabSz="914400" rtl="0" eaLnBrk="1" latinLnBrk="0" hangingPunct="1">
-              <a:lnSpc>
-                <a:spcPct val="90000"/>
-              </a:lnSpc>
-              <a:spcBef>
-                <a:spcPts val="500"/>
-              </a:spcBef>
-              <a:buFont typeface="Arial" panose="020B0604020202020204" pitchFamily="34" charset="0"/>
-              <a:buChar char="•"/>
-              <a:defRPr sz="1800" kern="1200">
-                <a:solidFill>
-                  <a:schemeClr val="tx1"/>
-                </a:solidFill>
-                <a:latin typeface="+mn-lt"/>
-                <a:ea typeface="+mn-ea"/>
-                <a:cs typeface="+mn-cs"/>
-              </a:defRPr>
-            </a:lvl7pPr>
-            <a:lvl8pPr marL="3429000" indent="-228600" algn="l" defTabSz="914400" rtl="0" eaLnBrk="1" latinLnBrk="0" hangingPunct="1">
-              <a:lnSpc>
-                <a:spcPct val="90000"/>
-              </a:lnSpc>
-              <a:spcBef>
-                <a:spcPts val="500"/>
-              </a:spcBef>
-              <a:buFont typeface="Arial" panose="020B0604020202020204" pitchFamily="34" charset="0"/>
-              <a:buChar char="•"/>
-              <a:defRPr sz="1800" kern="1200">
-                <a:solidFill>
-                  <a:schemeClr val="tx1"/>
-                </a:solidFill>
-                <a:latin typeface="+mn-lt"/>
-                <a:ea typeface="+mn-ea"/>
-                <a:cs typeface="+mn-cs"/>
-              </a:defRPr>
-            </a:lvl8pPr>
-            <a:lvl9pPr marL="3886200" indent="-228600" algn="l" defTabSz="914400" rtl="0" eaLnBrk="1" latinLnBrk="0" hangingPunct="1">
-              <a:lnSpc>
-                <a:spcPct val="90000"/>
-              </a:lnSpc>
-              <a:spcBef>
-                <a:spcPts val="500"/>
-              </a:spcBef>
-              <a:buFont typeface="Arial" panose="020B0604020202020204" pitchFamily="34" charset="0"/>
-              <a:buChar char="•"/>
-              <a:defRPr sz="1800" kern="1200">
-                <a:solidFill>
-                  <a:schemeClr val="tx1"/>
-                </a:solidFill>
-                <a:latin typeface="+mn-lt"/>
-                <a:ea typeface="+mn-ea"/>
-                <a:cs typeface="+mn-cs"/>
-              </a:defRPr>
-            </a:lvl9pPr>
-          </a:lstStyle>
-          <a:p>
-            <a:pPr marL="0" indent="0" algn="ctr">
-              <a:buFont typeface="Arial" panose="020B0604020202020204" pitchFamily="34" charset="0"/>
-              <a:buNone/>
-            </a:pPr>
-            <a:r>
-              <a:rPr lang="en-US" altLang="ja-JP" sz="2400" b="1" dirty="0">
-                <a:latin typeface="Arial" panose="020B0604020202020204" pitchFamily="34" charset="0"/>
-                <a:cs typeface="Arial" panose="020B0604020202020204" pitchFamily="34" charset="0"/>
-              </a:rPr>
-              <a:t>Result</a:t>
-            </a:r>
-            <a:endParaRPr lang="en-US" sz="2400" b="1" dirty="0">
-              <a:latin typeface="Arial" panose="020B0604020202020204" pitchFamily="34" charset="0"/>
-              <a:cs typeface="Arial" panose="020B0604020202020204" pitchFamily="34" charset="0"/>
-            </a:endParaRPr>
-          </a:p>
-        </p:txBody>
-      </p:sp>
-      <p:pic>
-        <p:nvPicPr>
-          <p:cNvPr id="6" name="図 5">
-            <a:extLst>
-              <a:ext uri="{FF2B5EF4-FFF2-40B4-BE49-F238E27FC236}">
-                <a16:creationId xmlns:a16="http://schemas.microsoft.com/office/drawing/2014/main" id="{593B869B-0920-8933-A724-ABA47FCE1109}"/>
-              </a:ext>
-            </a:extLst>
-          </p:cNvPr>
-          <p:cNvPicPr>
-            <a:picLocks noChangeAspect="1"/>
-          </p:cNvPicPr>
-          <p:nvPr/>
-        </p:nvPicPr>
-        <p:blipFill>
-          <a:blip r:embed="rId3">
-            <a:extLst>
-              <a:ext uri="{28A0092B-C50C-407E-A947-70E740481C1C}">
-                <a14:useLocalDpi xmlns:a14="http://schemas.microsoft.com/office/drawing/2010/main" val="0"/>
-              </a:ext>
-            </a:extLst>
-          </a:blip>
-          <a:srcRect/>
-          <a:stretch/>
-        </p:blipFill>
-        <p:spPr>
-          <a:xfrm>
-            <a:off x="2559017" y="2702423"/>
-            <a:ext cx="1514180" cy="3280185"/>
-          </a:xfrm>
-          <a:prstGeom prst="rect">
-            <a:avLst/>
-          </a:prstGeom>
-        </p:spPr>
-      </p:pic>
-      <p:pic>
-        <p:nvPicPr>
-          <p:cNvPr id="7" name="図 6">
-            <a:extLst>
-              <a:ext uri="{FF2B5EF4-FFF2-40B4-BE49-F238E27FC236}">
-                <a16:creationId xmlns:a16="http://schemas.microsoft.com/office/drawing/2014/main" id="{AB2F9B29-106D-2B68-7CD9-CFC04F568488}"/>
-              </a:ext>
-            </a:extLst>
-          </p:cNvPr>
-          <p:cNvPicPr>
-            <a:picLocks noChangeAspect="1"/>
-          </p:cNvPicPr>
-          <p:nvPr/>
-        </p:nvPicPr>
-        <p:blipFill>
-          <a:blip r:embed="rId4">
-            <a:extLst>
-              <a:ext uri="{28A0092B-C50C-407E-A947-70E740481C1C}">
-                <a14:useLocalDpi xmlns:a14="http://schemas.microsoft.com/office/drawing/2010/main" val="0"/>
-              </a:ext>
-            </a:extLst>
-          </a:blip>
-          <a:srcRect/>
-          <a:stretch/>
-        </p:blipFill>
-        <p:spPr>
-          <a:xfrm>
-            <a:off x="4073197" y="2698924"/>
-            <a:ext cx="1514179" cy="3280185"/>
-          </a:xfrm>
-          <a:prstGeom prst="rect">
-            <a:avLst/>
-          </a:prstGeom>
-        </p:spPr>
-      </p:pic>
-      <p:pic>
-        <p:nvPicPr>
-          <p:cNvPr id="8" name="図 7">
-            <a:extLst>
-              <a:ext uri="{FF2B5EF4-FFF2-40B4-BE49-F238E27FC236}">
-                <a16:creationId xmlns:a16="http://schemas.microsoft.com/office/drawing/2014/main" id="{8717830C-11B7-02A9-5E17-6B25CC5B119C}"/>
-              </a:ext>
-            </a:extLst>
-          </p:cNvPr>
-          <p:cNvPicPr>
-            <a:picLocks noChangeAspect="1"/>
-          </p:cNvPicPr>
-          <p:nvPr/>
-        </p:nvPicPr>
-        <p:blipFill>
-          <a:blip r:embed="rId5">
-            <a:extLst>
-              <a:ext uri="{28A0092B-C50C-407E-A947-70E740481C1C}">
-                <a14:useLocalDpi xmlns:a14="http://schemas.microsoft.com/office/drawing/2010/main" val="0"/>
-              </a:ext>
-            </a:extLst>
-          </a:blip>
-          <a:srcRect/>
-          <a:stretch/>
-        </p:blipFill>
-        <p:spPr>
-          <a:xfrm>
-            <a:off x="5868787" y="2698926"/>
-            <a:ext cx="1514179" cy="3280185"/>
-          </a:xfrm>
-          <a:prstGeom prst="rect">
-            <a:avLst/>
-          </a:prstGeom>
-        </p:spPr>
-      </p:pic>
-      <p:pic>
-        <p:nvPicPr>
-          <p:cNvPr id="9" name="図 8">
-            <a:extLst>
-              <a:ext uri="{FF2B5EF4-FFF2-40B4-BE49-F238E27FC236}">
-                <a16:creationId xmlns:a16="http://schemas.microsoft.com/office/drawing/2014/main" id="{3FFD7BC9-D45B-3051-74E4-CB59A9DDBDA1}"/>
-              </a:ext>
-            </a:extLst>
-          </p:cNvPr>
-          <p:cNvPicPr>
-            <a:picLocks noChangeAspect="1"/>
-          </p:cNvPicPr>
-          <p:nvPr/>
-        </p:nvPicPr>
-        <p:blipFill>
-          <a:blip r:embed="rId6">
-            <a:extLst>
-              <a:ext uri="{28A0092B-C50C-407E-A947-70E740481C1C}">
-                <a14:useLocalDpi xmlns:a14="http://schemas.microsoft.com/office/drawing/2010/main" val="0"/>
-              </a:ext>
-            </a:extLst>
-          </a:blip>
-          <a:srcRect/>
-          <a:stretch/>
-        </p:blipFill>
-        <p:spPr>
-          <a:xfrm>
-            <a:off x="7382967" y="2698925"/>
-            <a:ext cx="1514179" cy="3280185"/>
-          </a:xfrm>
-          <a:prstGeom prst="rect">
-            <a:avLst/>
-          </a:prstGeom>
-        </p:spPr>
-      </p:pic>
-      <p:pic>
-        <p:nvPicPr>
-          <p:cNvPr id="10" name="図 9">
-            <a:extLst>
-              <a:ext uri="{FF2B5EF4-FFF2-40B4-BE49-F238E27FC236}">
-                <a16:creationId xmlns:a16="http://schemas.microsoft.com/office/drawing/2014/main" id="{789F6288-5B80-9C73-DBE8-1909E871F3A6}"/>
-              </a:ext>
-            </a:extLst>
-          </p:cNvPr>
-          <p:cNvPicPr>
-            <a:picLocks noChangeAspect="1"/>
-          </p:cNvPicPr>
-          <p:nvPr/>
-        </p:nvPicPr>
-        <p:blipFill>
-          <a:blip r:embed="rId7">
-            <a:extLst>
-              <a:ext uri="{28A0092B-C50C-407E-A947-70E740481C1C}">
-                <a14:useLocalDpi xmlns:a14="http://schemas.microsoft.com/office/drawing/2010/main" val="0"/>
-              </a:ext>
-            </a:extLst>
-          </a:blip>
-          <a:srcRect/>
-          <a:stretch/>
-        </p:blipFill>
-        <p:spPr>
-          <a:xfrm>
-            <a:off x="9151104" y="2698925"/>
-            <a:ext cx="1514179" cy="3280185"/>
-          </a:xfrm>
-          <a:prstGeom prst="rect">
-            <a:avLst/>
-          </a:prstGeom>
-        </p:spPr>
-      </p:pic>
-      <p:pic>
-        <p:nvPicPr>
-          <p:cNvPr id="11" name="図 10">
-            <a:extLst>
-              <a:ext uri="{FF2B5EF4-FFF2-40B4-BE49-F238E27FC236}">
-                <a16:creationId xmlns:a16="http://schemas.microsoft.com/office/drawing/2014/main" id="{E174DCFF-5E5F-4C51-E3CC-A4CF40B8F6A5}"/>
-              </a:ext>
-            </a:extLst>
-          </p:cNvPr>
-          <p:cNvPicPr>
-            <a:picLocks noChangeAspect="1"/>
-          </p:cNvPicPr>
-          <p:nvPr/>
-        </p:nvPicPr>
-        <p:blipFill>
-          <a:blip r:embed="rId8">
-            <a:extLst>
-              <a:ext uri="{28A0092B-C50C-407E-A947-70E740481C1C}">
-                <a14:useLocalDpi xmlns:a14="http://schemas.microsoft.com/office/drawing/2010/main" val="0"/>
-              </a:ext>
-            </a:extLst>
-          </a:blip>
-          <a:srcRect/>
-          <a:stretch/>
-        </p:blipFill>
-        <p:spPr>
-          <a:xfrm>
-            <a:off x="10665284" y="2698924"/>
-            <a:ext cx="1514179" cy="3280185"/>
-          </a:xfrm>
-          <a:prstGeom prst="rect">
-            <a:avLst/>
-          </a:prstGeom>
-        </p:spPr>
-      </p:pic>
-      <p:sp>
-        <p:nvSpPr>
-          <p:cNvPr id="12" name="テキスト ボックス 11">
-            <a:extLst>
-              <a:ext uri="{FF2B5EF4-FFF2-40B4-BE49-F238E27FC236}">
-                <a16:creationId xmlns:a16="http://schemas.microsoft.com/office/drawing/2014/main" id="{33057860-BD21-1430-BF54-6FA839BCC651}"/>
-              </a:ext>
-            </a:extLst>
-          </p:cNvPr>
-          <p:cNvSpPr txBox="1"/>
-          <p:nvPr/>
-        </p:nvSpPr>
-        <p:spPr>
-          <a:xfrm>
-            <a:off x="3098308" y="5832218"/>
-            <a:ext cx="2257712" cy="307777"/>
-          </a:xfrm>
-          <a:prstGeom prst="rect">
-            <a:avLst/>
-          </a:prstGeom>
-          <a:noFill/>
-        </p:spPr>
-        <p:txBody>
-          <a:bodyPr wrap="square" rtlCol="0">
-            <a:spAutoFit/>
-          </a:bodyPr>
-          <a:lstStyle/>
-          <a:p>
-            <a:pPr algn="ctr"/>
-            <a:r>
-              <a:rPr kumimoji="1" lang="en-US" altLang="ja-JP" sz="1400" b="1" dirty="0">
-                <a:latin typeface="Arial" panose="020B0604020202020204" pitchFamily="34" charset="0"/>
-                <a:cs typeface="Arial" panose="020B0604020202020204" pitchFamily="34" charset="0"/>
-              </a:rPr>
-              <a:t>66.3°</a:t>
-            </a:r>
-          </a:p>
-        </p:txBody>
-      </p:sp>
-      <p:sp>
-        <p:nvSpPr>
-          <p:cNvPr id="13" name="テキスト ボックス 12">
-            <a:extLst>
-              <a:ext uri="{FF2B5EF4-FFF2-40B4-BE49-F238E27FC236}">
-                <a16:creationId xmlns:a16="http://schemas.microsoft.com/office/drawing/2014/main" id="{2D0D72F0-04E3-41B5-467F-01AD7257E6CC}"/>
-              </a:ext>
-            </a:extLst>
-          </p:cNvPr>
-          <p:cNvSpPr txBox="1"/>
-          <p:nvPr/>
-        </p:nvSpPr>
-        <p:spPr>
-          <a:xfrm>
-            <a:off x="6425012" y="5832218"/>
-            <a:ext cx="2257712" cy="307777"/>
-          </a:xfrm>
-          <a:prstGeom prst="rect">
-            <a:avLst/>
-          </a:prstGeom>
-          <a:noFill/>
-        </p:spPr>
-        <p:txBody>
-          <a:bodyPr wrap="square" rtlCol="0">
-            <a:spAutoFit/>
-          </a:bodyPr>
-          <a:lstStyle/>
-          <a:p>
-            <a:pPr algn="ctr"/>
-            <a:r>
-              <a:rPr kumimoji="1" lang="en-US" altLang="ja-JP" sz="1400" b="1" dirty="0">
-                <a:latin typeface="Arial" panose="020B0604020202020204" pitchFamily="34" charset="0"/>
-                <a:cs typeface="Arial" panose="020B0604020202020204" pitchFamily="34" charset="0"/>
-              </a:rPr>
-              <a:t>61.0°</a:t>
-            </a:r>
-          </a:p>
-        </p:txBody>
-      </p:sp>
-      <p:sp>
-        <p:nvSpPr>
-          <p:cNvPr id="14" name="テキスト ボックス 13">
-            <a:extLst>
-              <a:ext uri="{FF2B5EF4-FFF2-40B4-BE49-F238E27FC236}">
-                <a16:creationId xmlns:a16="http://schemas.microsoft.com/office/drawing/2014/main" id="{C0F09E5F-B118-17B6-8F0A-B9849D3D6FD7}"/>
-              </a:ext>
-            </a:extLst>
-          </p:cNvPr>
-          <p:cNvSpPr txBox="1"/>
-          <p:nvPr/>
-        </p:nvSpPr>
-        <p:spPr>
-          <a:xfrm>
-            <a:off x="9695304" y="5832218"/>
-            <a:ext cx="2257712" cy="307777"/>
-          </a:xfrm>
-          <a:prstGeom prst="rect">
-            <a:avLst/>
-          </a:prstGeom>
-          <a:noFill/>
-        </p:spPr>
-        <p:txBody>
-          <a:bodyPr wrap="square" rtlCol="0">
-            <a:spAutoFit/>
-          </a:bodyPr>
-          <a:lstStyle/>
-          <a:p>
-            <a:pPr algn="ctr"/>
-            <a:r>
-              <a:rPr kumimoji="1" lang="en-US" altLang="ja-JP" sz="1400" b="1" dirty="0">
-                <a:latin typeface="Arial" panose="020B0604020202020204" pitchFamily="34" charset="0"/>
-                <a:cs typeface="Arial" panose="020B0604020202020204" pitchFamily="34" charset="0"/>
-              </a:rPr>
-              <a:t>90.3°</a:t>
-            </a:r>
-          </a:p>
-        </p:txBody>
-      </p:sp>
-      <p:pic>
-        <p:nvPicPr>
-          <p:cNvPr id="16" name="図 15">
-            <a:extLst>
-              <a:ext uri="{FF2B5EF4-FFF2-40B4-BE49-F238E27FC236}">
-                <a16:creationId xmlns:a16="http://schemas.microsoft.com/office/drawing/2014/main" id="{4681523C-BBF9-5126-77C2-0C6F7F6B26E4}"/>
-              </a:ext>
-            </a:extLst>
-          </p:cNvPr>
-          <p:cNvPicPr>
-            <a:picLocks noChangeAspect="1"/>
-          </p:cNvPicPr>
-          <p:nvPr/>
-        </p:nvPicPr>
-        <p:blipFill>
-          <a:blip r:embed="rId9">
-            <a:extLst>
-              <a:ext uri="{28A0092B-C50C-407E-A947-70E740481C1C}">
-                <a14:useLocalDpi xmlns:a14="http://schemas.microsoft.com/office/drawing/2010/main" val="0"/>
-              </a:ext>
-            </a:extLst>
-          </a:blip>
-          <a:srcRect/>
-          <a:stretch/>
-        </p:blipFill>
-        <p:spPr>
-          <a:xfrm>
-            <a:off x="1205016" y="3047128"/>
-            <a:ext cx="1193823" cy="2586192"/>
-          </a:xfrm>
-          <a:prstGeom prst="rect">
-            <a:avLst/>
-          </a:prstGeom>
-        </p:spPr>
-      </p:pic>
-      <p:sp>
-        <p:nvSpPr>
-          <p:cNvPr id="17" name="テキスト ボックス 16">
-            <a:extLst>
-              <a:ext uri="{FF2B5EF4-FFF2-40B4-BE49-F238E27FC236}">
-                <a16:creationId xmlns:a16="http://schemas.microsoft.com/office/drawing/2014/main" id="{1E19F80C-1F8A-865D-4307-F6CD5747B356}"/>
-              </a:ext>
-            </a:extLst>
-          </p:cNvPr>
-          <p:cNvSpPr txBox="1"/>
-          <p:nvPr/>
-        </p:nvSpPr>
-        <p:spPr>
-          <a:xfrm>
-            <a:off x="263372" y="5617558"/>
-            <a:ext cx="1910667" cy="261610"/>
-          </a:xfrm>
-          <a:prstGeom prst="rect">
-            <a:avLst/>
-          </a:prstGeom>
-          <a:noFill/>
-        </p:spPr>
-        <p:txBody>
-          <a:bodyPr wrap="square" rtlCol="0">
-            <a:spAutoFit/>
-          </a:bodyPr>
-          <a:lstStyle/>
-          <a:p>
-            <a:pPr algn="ctr"/>
-            <a:r>
-              <a:rPr kumimoji="1" lang="en-US" altLang="ja-JP" sz="1100" b="1" dirty="0">
-                <a:latin typeface="Arial" panose="020B0604020202020204" pitchFamily="34" charset="0"/>
-                <a:cs typeface="Arial" panose="020B0604020202020204" pitchFamily="34" charset="0"/>
-              </a:rPr>
-              <a:t>Rocky data Day1 – 95.9 °</a:t>
-            </a:r>
-            <a:endParaRPr kumimoji="1" lang="ja-JP" altLang="en-US" sz="1100" b="1" dirty="0">
-              <a:latin typeface="Arial" panose="020B0604020202020204" pitchFamily="34" charset="0"/>
-              <a:cs typeface="Arial" panose="020B0604020202020204" pitchFamily="34" charset="0"/>
-            </a:endParaRPr>
-          </a:p>
-        </p:txBody>
-      </p:sp>
-      <p:pic>
-        <p:nvPicPr>
-          <p:cNvPr id="15" name="図 14">
-            <a:extLst>
-              <a:ext uri="{FF2B5EF4-FFF2-40B4-BE49-F238E27FC236}">
-                <a16:creationId xmlns:a16="http://schemas.microsoft.com/office/drawing/2014/main" id="{54EA8663-1916-F875-96AE-E042F040933E}"/>
-              </a:ext>
-            </a:extLst>
-          </p:cNvPr>
-          <p:cNvPicPr>
-            <a:picLocks noChangeAspect="1"/>
-          </p:cNvPicPr>
-          <p:nvPr/>
-        </p:nvPicPr>
-        <p:blipFill>
-          <a:blip r:embed="rId10">
-            <a:extLst>
-              <a:ext uri="{28A0092B-C50C-407E-A947-70E740481C1C}">
-                <a14:useLocalDpi xmlns:a14="http://schemas.microsoft.com/office/drawing/2010/main" val="0"/>
-              </a:ext>
-            </a:extLst>
-          </a:blip>
-          <a:srcRect/>
-          <a:stretch/>
-        </p:blipFill>
-        <p:spPr>
-          <a:xfrm>
-            <a:off x="115410" y="3047128"/>
-            <a:ext cx="1193823" cy="2586192"/>
-          </a:xfrm>
-          <a:prstGeom prst="rect">
-            <a:avLst/>
-          </a:prstGeom>
-        </p:spPr>
-      </p:pic>
-    </p:spTree>
-    <p:extLst>
-      <p:ext uri="{BB962C8B-B14F-4D97-AF65-F5344CB8AC3E}">
-        <p14:creationId xmlns:p14="http://schemas.microsoft.com/office/powerpoint/2010/main" val="4032427205"/>
-      </p:ext>
-    </p:extLst>
-  </p:cSld>
-  <p:clrMapOvr>
-    <a:masterClrMapping/>
-  </p:clrMapOvr>
-  <p:timing>
-    <p:tnLst>
-      <p:par>
-        <p:cTn id="1" dur="indefinite" restart="never" nodeType="tmRoot">
-          <p:childTnLst>
-            <p:seq concurrent="1" nextAc="seek">
-              <p:cTn id="2" dur="indefinite" nodeType="mainSeq">
-                <p:childTnLst>
-                  <p:par>
-                    <p:cTn id="3" fill="hold">
-                      <p:stCondLst>
-                        <p:cond delay="indefinite"/>
-                      </p:stCondLst>
-                      <p:childTnLst>
-                        <p:par>
-                          <p:cTn id="4" fill="hold">
-                            <p:stCondLst>
-                              <p:cond delay="0"/>
-                            </p:stCondLst>
-                            <p:childTnLst>
-                              <p:par>
-                                <p:cTn id="5" presetID="10" presetClass="entr" presetSubtype="0" fill="hold" nodeType="clickEffect">
-                                  <p:stCondLst>
-                                    <p:cond delay="0"/>
-                                  </p:stCondLst>
-                                  <p:childTnLst>
-                                    <p:set>
-                                      <p:cBhvr>
-                                        <p:cTn id="6" dur="1" fill="hold">
-                                          <p:stCondLst>
-                                            <p:cond delay="0"/>
-                                          </p:stCondLst>
-                                        </p:cTn>
-                                        <p:tgtEl>
-                                          <p:spTgt spid="6"/>
-                                        </p:tgtEl>
-                                        <p:attrNameLst>
-                                          <p:attrName>style.visibility</p:attrName>
-                                        </p:attrNameLst>
-                                      </p:cBhvr>
-                                      <p:to>
-                                        <p:strVal val="visible"/>
-                                      </p:to>
-                                    </p:set>
-                                    <p:animEffect transition="in" filter="fade">
-                                      <p:cBhvr>
-                                        <p:cTn id="7" dur="500"/>
-                                        <p:tgtEl>
-                                          <p:spTgt spid="6"/>
-                                        </p:tgtEl>
-                                      </p:cBhvr>
-                                    </p:animEffect>
-                                  </p:childTnLst>
-                                </p:cTn>
-                              </p:par>
-                              <p:par>
-                                <p:cTn id="8" presetID="10" presetClass="entr" presetSubtype="0" fill="hold" nodeType="withEffect">
-                                  <p:stCondLst>
-                                    <p:cond delay="0"/>
-                                  </p:stCondLst>
-                                  <p:childTnLst>
-                                    <p:set>
-                                      <p:cBhvr>
-                                        <p:cTn id="9" dur="1" fill="hold">
-                                          <p:stCondLst>
-                                            <p:cond delay="0"/>
-                                          </p:stCondLst>
-                                        </p:cTn>
-                                        <p:tgtEl>
-                                          <p:spTgt spid="8"/>
-                                        </p:tgtEl>
-                                        <p:attrNameLst>
-                                          <p:attrName>style.visibility</p:attrName>
-                                        </p:attrNameLst>
-                                      </p:cBhvr>
-                                      <p:to>
-                                        <p:strVal val="visible"/>
-                                      </p:to>
-                                    </p:set>
-                                    <p:animEffect transition="in" filter="fade">
-                                      <p:cBhvr>
-                                        <p:cTn id="10" dur="500"/>
-                                        <p:tgtEl>
-                                          <p:spTgt spid="8"/>
-                                        </p:tgtEl>
-                                      </p:cBhvr>
-                                    </p:animEffect>
-                                  </p:childTnLst>
-                                </p:cTn>
-                              </p:par>
-                              <p:par>
-                                <p:cTn id="11" presetID="10" presetClass="entr" presetSubtype="0" fill="hold" nodeType="withEffect">
-                                  <p:stCondLst>
-                                    <p:cond delay="0"/>
-                                  </p:stCondLst>
-                                  <p:childTnLst>
-                                    <p:set>
-                                      <p:cBhvr>
-                                        <p:cTn id="12" dur="1" fill="hold">
-                                          <p:stCondLst>
-                                            <p:cond delay="0"/>
-                                          </p:stCondLst>
-                                        </p:cTn>
-                                        <p:tgtEl>
-                                          <p:spTgt spid="10"/>
-                                        </p:tgtEl>
-                                        <p:attrNameLst>
-                                          <p:attrName>style.visibility</p:attrName>
-                                        </p:attrNameLst>
-                                      </p:cBhvr>
-                                      <p:to>
-                                        <p:strVal val="visible"/>
-                                      </p:to>
-                                    </p:set>
-                                    <p:animEffect transition="in" filter="fade">
-                                      <p:cBhvr>
-                                        <p:cTn id="13" dur="500"/>
-                                        <p:tgtEl>
-                                          <p:spTgt spid="10"/>
-                                        </p:tgtEl>
-                                      </p:cBhvr>
-                                    </p:animEffect>
-                                  </p:childTnLst>
-                                </p:cTn>
-                              </p:par>
-                            </p:childTnLst>
-                          </p:cTn>
-                        </p:par>
-                      </p:childTnLst>
-                    </p:cTn>
-                  </p:par>
-                  <p:par>
-                    <p:cTn id="14" fill="hold">
-                      <p:stCondLst>
-                        <p:cond delay="indefinite"/>
-                      </p:stCondLst>
-                      <p:childTnLst>
-                        <p:par>
-                          <p:cTn id="15" fill="hold">
-                            <p:stCondLst>
-                              <p:cond delay="0"/>
-                            </p:stCondLst>
-                            <p:childTnLst>
-                              <p:par>
-                                <p:cTn id="16" presetID="10" presetClass="entr" presetSubtype="0" fill="hold" nodeType="clickEffect">
-                                  <p:stCondLst>
-                                    <p:cond delay="0"/>
-                                  </p:stCondLst>
-                                  <p:childTnLst>
-                                    <p:set>
-                                      <p:cBhvr>
-                                        <p:cTn id="17" dur="1" fill="hold">
-                                          <p:stCondLst>
-                                            <p:cond delay="0"/>
-                                          </p:stCondLst>
-                                        </p:cTn>
-                                        <p:tgtEl>
-                                          <p:spTgt spid="7"/>
-                                        </p:tgtEl>
-                                        <p:attrNameLst>
-                                          <p:attrName>style.visibility</p:attrName>
-                                        </p:attrNameLst>
-                                      </p:cBhvr>
-                                      <p:to>
-                                        <p:strVal val="visible"/>
-                                      </p:to>
-                                    </p:set>
-                                    <p:animEffect transition="in" filter="fade">
-                                      <p:cBhvr>
-                                        <p:cTn id="18" dur="500"/>
-                                        <p:tgtEl>
-                                          <p:spTgt spid="7"/>
-                                        </p:tgtEl>
-                                      </p:cBhvr>
-                                    </p:animEffect>
-                                  </p:childTnLst>
-                                </p:cTn>
-                              </p:par>
-                              <p:par>
-                                <p:cTn id="19" presetID="10" presetClass="entr" presetSubtype="0" fill="hold" nodeType="withEffect">
-                                  <p:stCondLst>
-                                    <p:cond delay="0"/>
-                                  </p:stCondLst>
-                                  <p:childTnLst>
-                                    <p:set>
-                                      <p:cBhvr>
-                                        <p:cTn id="20" dur="1" fill="hold">
-                                          <p:stCondLst>
-                                            <p:cond delay="0"/>
-                                          </p:stCondLst>
-                                        </p:cTn>
-                                        <p:tgtEl>
-                                          <p:spTgt spid="9"/>
-                                        </p:tgtEl>
-                                        <p:attrNameLst>
-                                          <p:attrName>style.visibility</p:attrName>
-                                        </p:attrNameLst>
-                                      </p:cBhvr>
-                                      <p:to>
-                                        <p:strVal val="visible"/>
-                                      </p:to>
-                                    </p:set>
-                                    <p:animEffect transition="in" filter="fade">
-                                      <p:cBhvr>
-                                        <p:cTn id="21" dur="500"/>
-                                        <p:tgtEl>
-                                          <p:spTgt spid="9"/>
-                                        </p:tgtEl>
-                                      </p:cBhvr>
-                                    </p:animEffect>
-                                  </p:childTnLst>
-                                </p:cTn>
-                              </p:par>
-                              <p:par>
-                                <p:cTn id="22" presetID="10" presetClass="entr" presetSubtype="0" fill="hold" nodeType="withEffect">
-                                  <p:stCondLst>
-                                    <p:cond delay="0"/>
-                                  </p:stCondLst>
-                                  <p:childTnLst>
-                                    <p:set>
-                                      <p:cBhvr>
-                                        <p:cTn id="23" dur="1" fill="hold">
-                                          <p:stCondLst>
-                                            <p:cond delay="0"/>
-                                          </p:stCondLst>
-                                        </p:cTn>
-                                        <p:tgtEl>
-                                          <p:spTgt spid="11"/>
-                                        </p:tgtEl>
-                                        <p:attrNameLst>
-                                          <p:attrName>style.visibility</p:attrName>
-                                        </p:attrNameLst>
-                                      </p:cBhvr>
-                                      <p:to>
-                                        <p:strVal val="visible"/>
-                                      </p:to>
-                                    </p:set>
-                                    <p:animEffect transition="in" filter="fade">
-                                      <p:cBhvr>
-                                        <p:cTn id="24" dur="500"/>
-                                        <p:tgtEl>
-                                          <p:spTgt spid="11"/>
-                                        </p:tgtEl>
-                                      </p:cBhvr>
-                                    </p:animEffect>
-                                  </p:childTnLst>
-                                </p:cTn>
-                              </p:par>
-                              <p:par>
-                                <p:cTn id="25" presetID="10" presetClass="entr" presetSubtype="0" fill="hold" grpId="0" nodeType="withEffect">
-                                  <p:stCondLst>
-                                    <p:cond delay="0"/>
-                                  </p:stCondLst>
-                                  <p:childTnLst>
-                                    <p:set>
-                                      <p:cBhvr>
-                                        <p:cTn id="26" dur="1" fill="hold">
-                                          <p:stCondLst>
-                                            <p:cond delay="0"/>
-                                          </p:stCondLst>
-                                        </p:cTn>
-                                        <p:tgtEl>
-                                          <p:spTgt spid="12"/>
-                                        </p:tgtEl>
-                                        <p:attrNameLst>
-                                          <p:attrName>style.visibility</p:attrName>
-                                        </p:attrNameLst>
-                                      </p:cBhvr>
-                                      <p:to>
-                                        <p:strVal val="visible"/>
-                                      </p:to>
-                                    </p:set>
-                                    <p:animEffect transition="in" filter="fade">
-                                      <p:cBhvr>
-                                        <p:cTn id="27" dur="500"/>
-                                        <p:tgtEl>
-                                          <p:spTgt spid="12"/>
-                                        </p:tgtEl>
-                                      </p:cBhvr>
-                                    </p:animEffect>
-                                  </p:childTnLst>
-                                </p:cTn>
-                              </p:par>
-                              <p:par>
-                                <p:cTn id="28" presetID="10" presetClass="entr" presetSubtype="0" fill="hold" grpId="0" nodeType="withEffect">
-                                  <p:stCondLst>
-                                    <p:cond delay="0"/>
-                                  </p:stCondLst>
-                                  <p:childTnLst>
-                                    <p:set>
-                                      <p:cBhvr>
-                                        <p:cTn id="29" dur="1" fill="hold">
-                                          <p:stCondLst>
-                                            <p:cond delay="0"/>
-                                          </p:stCondLst>
-                                        </p:cTn>
-                                        <p:tgtEl>
-                                          <p:spTgt spid="13"/>
-                                        </p:tgtEl>
-                                        <p:attrNameLst>
-                                          <p:attrName>style.visibility</p:attrName>
-                                        </p:attrNameLst>
-                                      </p:cBhvr>
-                                      <p:to>
-                                        <p:strVal val="visible"/>
-                                      </p:to>
-                                    </p:set>
-                                    <p:animEffect transition="in" filter="fade">
-                                      <p:cBhvr>
-                                        <p:cTn id="30" dur="500"/>
-                                        <p:tgtEl>
-                                          <p:spTgt spid="13"/>
-                                        </p:tgtEl>
-                                      </p:cBhvr>
-                                    </p:animEffect>
-                                  </p:childTnLst>
-                                </p:cTn>
-                              </p:par>
-                              <p:par>
-                                <p:cTn id="31" presetID="10" presetClass="entr" presetSubtype="0" fill="hold" grpId="0" nodeType="withEffect">
-                                  <p:stCondLst>
-                                    <p:cond delay="0"/>
-                                  </p:stCondLst>
-                                  <p:childTnLst>
-                                    <p:set>
-                                      <p:cBhvr>
-                                        <p:cTn id="32" dur="1" fill="hold">
-                                          <p:stCondLst>
-                                            <p:cond delay="0"/>
-                                          </p:stCondLst>
-                                        </p:cTn>
-                                        <p:tgtEl>
-                                          <p:spTgt spid="14"/>
-                                        </p:tgtEl>
-                                        <p:attrNameLst>
-                                          <p:attrName>style.visibility</p:attrName>
-                                        </p:attrNameLst>
-                                      </p:cBhvr>
-                                      <p:to>
-                                        <p:strVal val="visible"/>
-                                      </p:to>
-                                    </p:set>
-                                    <p:animEffect transition="in" filter="fade">
-                                      <p:cBhvr>
-                                        <p:cTn id="33" dur="500"/>
-                                        <p:tgtEl>
-                                          <p:spTgt spid="14"/>
-                                        </p:tgtEl>
-                                      </p:cBhvr>
-                                    </p:animEffect>
-                                  </p:childTnLst>
-                                </p:cTn>
-                              </p:par>
-                            </p:childTnLst>
-                          </p:cTn>
-                        </p:par>
-                      </p:childTnLst>
-                    </p:cTn>
-                  </p:par>
-                </p:childTnLst>
-              </p:cTn>
-              <p:prevCondLst>
-                <p:cond evt="onPrev" delay="0">
-                  <p:tgtEl>
-                    <p:sldTgt/>
-                  </p:tgtEl>
-                </p:cond>
-              </p:prevCondLst>
-              <p:nextCondLst>
-                <p:cond evt="onNext" delay="0">
-                  <p:tgtEl>
-                    <p:sldTgt/>
-                  </p:tgtEl>
-                </p:cond>
-              </p:nextCondLst>
-            </p:seq>
-          </p:childTnLst>
-        </p:cTn>
-      </p:par>
-    </p:tnLst>
-    <p:bldLst>
-      <p:bldP spid="12" grpId="0"/>
-      <p:bldP spid="13" grpId="0"/>
-      <p:bldP spid="14" grpId="0"/>
-    </p:bldLst>
-  </p:timing>
-</p:sld>
-</file>
-
-<file path=ppt/slides/slide9.xml><?xml version="1.0" encoding="utf-8"?>
-<p:sld xmlns:a="http://schemas.openxmlformats.org/drawingml/2006/main" xmlns:r="http://schemas.openxmlformats.org/officeDocument/2006/relationships" xmlns:p="http://schemas.openxmlformats.org/presentationml/2006/main">
-  <p:cSld>
-    <p:spTree>
-      <p:nvGrpSpPr>
-        <p:cNvPr id="1" name=""/>
-        <p:cNvGrpSpPr/>
-        <p:nvPr/>
-      </p:nvGrpSpPr>
-      <p:grpSpPr>
-        <a:xfrm>
-          <a:off x="0" y="0"/>
-          <a:ext cx="0" cy="0"/>
-          <a:chOff x="0" y="0"/>
-          <a:chExt cx="0" cy="0"/>
-        </a:xfrm>
-      </p:grpSpPr>
-      <p:sp>
-        <p:nvSpPr>
-          <p:cNvPr id="4" name="タイトル 1">
-            <a:extLst>
-              <a:ext uri="{FF2B5EF4-FFF2-40B4-BE49-F238E27FC236}">
-                <a16:creationId xmlns:a16="http://schemas.microsoft.com/office/drawing/2014/main" id="{33CA18DF-BB06-2508-2B49-C244362E65A9}"/>
-              </a:ext>
-            </a:extLst>
-          </p:cNvPr>
-          <p:cNvSpPr txBox="1">
-            <a:spLocks/>
-          </p:cNvSpPr>
-          <p:nvPr/>
-        </p:nvSpPr>
-        <p:spPr>
-          <a:xfrm>
-            <a:off x="125766" y="199838"/>
-            <a:ext cx="11940466" cy="648069"/>
-          </a:xfrm>
-          <a:prstGeom prst="rect">
-            <a:avLst/>
-          </a:prstGeom>
-        </p:spPr>
-        <p:txBody>
-          <a:bodyPr>
-            <a:normAutofit fontScale="97500" lnSpcReduction="10000"/>
-          </a:bodyPr>
-          <a:lstStyle>
-            <a:lvl1pPr algn="l" defTabSz="914400" rtl="0" eaLnBrk="1" latinLnBrk="0" hangingPunct="1">
-              <a:lnSpc>
-                <a:spcPct val="90000"/>
-              </a:lnSpc>
-              <a:spcBef>
-                <a:spcPct val="0"/>
-              </a:spcBef>
-              <a:buNone/>
-              <a:defRPr sz="4400" kern="1200">
-                <a:solidFill>
-                  <a:schemeClr val="tx1"/>
-                </a:solidFill>
-                <a:latin typeface="+mj-lt"/>
-                <a:ea typeface="+mj-ea"/>
-                <a:cs typeface="+mj-cs"/>
-              </a:defRPr>
-            </a:lvl1pPr>
-          </a:lstStyle>
-          <a:p>
-            <a:r>
-              <a:rPr lang="en-US" b="1" dirty="0">
-                <a:latin typeface="Arial" panose="020B0604020202020204" pitchFamily="34" charset="0"/>
-                <a:cs typeface="Arial" panose="020B0604020202020204" pitchFamily="34" charset="0"/>
-              </a:rPr>
-              <a:t>Summary</a:t>
-            </a:r>
-          </a:p>
-        </p:txBody>
-      </p:sp>
-      <p:sp>
-        <p:nvSpPr>
-          <p:cNvPr id="5" name="コンテンツ プレースホルダー 2">
-            <a:extLst>
-              <a:ext uri="{FF2B5EF4-FFF2-40B4-BE49-F238E27FC236}">
-                <a16:creationId xmlns:a16="http://schemas.microsoft.com/office/drawing/2014/main" id="{BC2D697F-ABC0-3401-EDE9-33AED999AC06}"/>
-              </a:ext>
-            </a:extLst>
-          </p:cNvPr>
-          <p:cNvSpPr txBox="1">
-            <a:spLocks/>
-          </p:cNvSpPr>
-          <p:nvPr/>
-        </p:nvSpPr>
-        <p:spPr>
-          <a:xfrm>
-            <a:off x="115410" y="878889"/>
-            <a:ext cx="11940466" cy="5872578"/>
-          </a:xfrm>
-          <a:prstGeom prst="rect">
-            <a:avLst/>
-          </a:prstGeom>
-        </p:spPr>
-        <p:txBody>
-          <a:bodyPr>
-            <a:normAutofit/>
-          </a:bodyPr>
-          <a:lstStyle>
-            <a:lvl1pPr marL="228600" indent="-228600" algn="l" defTabSz="914400" rtl="0" eaLnBrk="1" latinLnBrk="0" hangingPunct="1">
-              <a:lnSpc>
-                <a:spcPct val="90000"/>
-              </a:lnSpc>
-              <a:spcBef>
-                <a:spcPts val="1000"/>
-              </a:spcBef>
-              <a:buFont typeface="Arial" panose="020B0604020202020204" pitchFamily="34" charset="0"/>
-              <a:buChar char="•"/>
-              <a:defRPr sz="2800" kern="1200">
-                <a:solidFill>
-                  <a:schemeClr val="tx1"/>
-                </a:solidFill>
-                <a:latin typeface="+mn-lt"/>
-                <a:ea typeface="+mn-ea"/>
-                <a:cs typeface="+mn-cs"/>
-              </a:defRPr>
-            </a:lvl1pPr>
-            <a:lvl2pPr marL="685800" indent="-228600" algn="l" defTabSz="914400" rtl="0" eaLnBrk="1" latinLnBrk="0" hangingPunct="1">
-              <a:lnSpc>
-                <a:spcPct val="90000"/>
-              </a:lnSpc>
-              <a:spcBef>
-                <a:spcPts val="500"/>
-              </a:spcBef>
-              <a:buFont typeface="Arial" panose="020B0604020202020204" pitchFamily="34" charset="0"/>
-              <a:buChar char="•"/>
-              <a:defRPr sz="2400" kern="1200">
-                <a:solidFill>
-                  <a:schemeClr val="tx1"/>
-                </a:solidFill>
-                <a:latin typeface="+mn-lt"/>
-                <a:ea typeface="+mn-ea"/>
-                <a:cs typeface="+mn-cs"/>
-              </a:defRPr>
-            </a:lvl2pPr>
-            <a:lvl3pPr marL="1143000" indent="-228600" algn="l" defTabSz="914400" rtl="0" eaLnBrk="1" latinLnBrk="0" hangingPunct="1">
-              <a:lnSpc>
-                <a:spcPct val="90000"/>
-              </a:lnSpc>
-              <a:spcBef>
-                <a:spcPts val="500"/>
-              </a:spcBef>
-              <a:buFont typeface="Arial" panose="020B0604020202020204" pitchFamily="34" charset="0"/>
-              <a:buChar char="•"/>
-              <a:defRPr sz="2000" kern="1200">
-                <a:solidFill>
-                  <a:schemeClr val="tx1"/>
-                </a:solidFill>
-                <a:latin typeface="+mn-lt"/>
-                <a:ea typeface="+mn-ea"/>
-                <a:cs typeface="+mn-cs"/>
-              </a:defRPr>
-            </a:lvl3pPr>
-            <a:lvl4pPr marL="1600200" indent="-228600" algn="l" defTabSz="914400" rtl="0" eaLnBrk="1" latinLnBrk="0" hangingPunct="1">
-              <a:lnSpc>
-                <a:spcPct val="90000"/>
-              </a:lnSpc>
-              <a:spcBef>
-                <a:spcPts val="500"/>
-              </a:spcBef>
-              <a:buFont typeface="Arial" panose="020B0604020202020204" pitchFamily="34" charset="0"/>
-              <a:buChar char="•"/>
-              <a:defRPr sz="1800" kern="1200">
-                <a:solidFill>
-                  <a:schemeClr val="tx1"/>
-                </a:solidFill>
-                <a:latin typeface="+mn-lt"/>
-                <a:ea typeface="+mn-ea"/>
-                <a:cs typeface="+mn-cs"/>
-              </a:defRPr>
-            </a:lvl4pPr>
-            <a:lvl5pPr marL="2057400" indent="-228600" algn="l" defTabSz="914400" rtl="0" eaLnBrk="1" latinLnBrk="0" hangingPunct="1">
-              <a:lnSpc>
-                <a:spcPct val="90000"/>
-              </a:lnSpc>
-              <a:spcBef>
-                <a:spcPts val="500"/>
-              </a:spcBef>
-              <a:buFont typeface="Arial" panose="020B0604020202020204" pitchFamily="34" charset="0"/>
-              <a:buChar char="•"/>
-              <a:defRPr sz="1800" kern="1200">
-                <a:solidFill>
-                  <a:schemeClr val="tx1"/>
-                </a:solidFill>
-                <a:latin typeface="+mn-lt"/>
-                <a:ea typeface="+mn-ea"/>
-                <a:cs typeface="+mn-cs"/>
-              </a:defRPr>
-            </a:lvl5pPr>
-            <a:lvl6pPr marL="2514600" indent="-228600" algn="l" defTabSz="914400" rtl="0" eaLnBrk="1" latinLnBrk="0" hangingPunct="1">
-              <a:lnSpc>
-                <a:spcPct val="90000"/>
-              </a:lnSpc>
-              <a:spcBef>
-                <a:spcPts val="500"/>
-              </a:spcBef>
-              <a:buFont typeface="Arial" panose="020B0604020202020204" pitchFamily="34" charset="0"/>
-              <a:buChar char="•"/>
-              <a:defRPr sz="1800" kern="1200">
-                <a:solidFill>
-                  <a:schemeClr val="tx1"/>
-                </a:solidFill>
-                <a:latin typeface="+mn-lt"/>
-                <a:ea typeface="+mn-ea"/>
-                <a:cs typeface="+mn-cs"/>
-              </a:defRPr>
-            </a:lvl6pPr>
-            <a:lvl7pPr marL="2971800" indent="-228600" algn="l" defTabSz="914400" rtl="0" eaLnBrk="1" latinLnBrk="0" hangingPunct="1">
-              <a:lnSpc>
-                <a:spcPct val="90000"/>
-              </a:lnSpc>
-              <a:spcBef>
-                <a:spcPts val="500"/>
-              </a:spcBef>
-              <a:buFont typeface="Arial" panose="020B0604020202020204" pitchFamily="34" charset="0"/>
-              <a:buChar char="•"/>
-              <a:defRPr sz="1800" kern="1200">
-                <a:solidFill>
-                  <a:schemeClr val="tx1"/>
-                </a:solidFill>
-                <a:latin typeface="+mn-lt"/>
-                <a:ea typeface="+mn-ea"/>
-                <a:cs typeface="+mn-cs"/>
-              </a:defRPr>
-            </a:lvl7pPr>
-            <a:lvl8pPr marL="3429000" indent="-228600" algn="l" defTabSz="914400" rtl="0" eaLnBrk="1" latinLnBrk="0" hangingPunct="1">
-              <a:lnSpc>
-                <a:spcPct val="90000"/>
-              </a:lnSpc>
-              <a:spcBef>
-                <a:spcPts val="500"/>
-              </a:spcBef>
-              <a:buFont typeface="Arial" panose="020B0604020202020204" pitchFamily="34" charset="0"/>
-              <a:buChar char="•"/>
-              <a:defRPr sz="1800" kern="1200">
-                <a:solidFill>
-                  <a:schemeClr val="tx1"/>
-                </a:solidFill>
-                <a:latin typeface="+mn-lt"/>
-                <a:ea typeface="+mn-ea"/>
-                <a:cs typeface="+mn-cs"/>
-              </a:defRPr>
-            </a:lvl8pPr>
-            <a:lvl9pPr marL="3886200" indent="-228600" algn="l" defTabSz="914400" rtl="0" eaLnBrk="1" latinLnBrk="0" hangingPunct="1">
-              <a:lnSpc>
-                <a:spcPct val="90000"/>
-              </a:lnSpc>
-              <a:spcBef>
-                <a:spcPts val="500"/>
-              </a:spcBef>
-              <a:buFont typeface="Arial" panose="020B0604020202020204" pitchFamily="34" charset="0"/>
-              <a:buChar char="•"/>
-              <a:defRPr sz="1800" kern="1200">
-                <a:solidFill>
-                  <a:schemeClr val="tx1"/>
-                </a:solidFill>
-                <a:latin typeface="+mn-lt"/>
-                <a:ea typeface="+mn-ea"/>
-                <a:cs typeface="+mn-cs"/>
-              </a:defRPr>
-            </a:lvl9pPr>
-          </a:lstStyle>
-          <a:p>
-            <a:pPr marL="457200" indent="-457200" fontAlgn="base">
-              <a:lnSpc>
-                <a:spcPct val="100000"/>
-              </a:lnSpc>
-              <a:spcBef>
-                <a:spcPts val="0"/>
-              </a:spcBef>
-              <a:buFont typeface="Arial" panose="020B0604020202020204" pitchFamily="34" charset="0"/>
-              <a:buAutoNum type="arabicPeriod"/>
-            </a:pPr>
-            <a:r>
-              <a:rPr lang="en-US" sz="2400" dirty="0">
-                <a:latin typeface="Arial" panose="020B0604020202020204" pitchFamily="34" charset="0"/>
-              </a:rPr>
-              <a:t>Stretching</a:t>
-            </a:r>
-          </a:p>
-          <a:p>
-            <a:pPr marL="914400" lvl="1" indent="-457200" fontAlgn="base">
-              <a:lnSpc>
-                <a:spcPct val="100000"/>
-              </a:lnSpc>
-              <a:spcBef>
-                <a:spcPts val="0"/>
-              </a:spcBef>
-              <a:buFont typeface="Arial" panose="020B0604020202020204" pitchFamily="34" charset="0"/>
-              <a:buAutoNum type="arabicPeriod"/>
-            </a:pPr>
-            <a:r>
-              <a:rPr lang="en-US" dirty="0">
-                <a:latin typeface="Arial" panose="020B0604020202020204" pitchFamily="34" charset="0"/>
-              </a:rPr>
-              <a:t>Couldn’t see</a:t>
-            </a:r>
-          </a:p>
-          <a:p>
-            <a:pPr marL="457200" indent="-457200" fontAlgn="base">
-              <a:lnSpc>
-                <a:spcPct val="100000"/>
-              </a:lnSpc>
-              <a:spcBef>
-                <a:spcPts val="0"/>
-              </a:spcBef>
-              <a:buFont typeface="Arial" panose="020B0604020202020204" pitchFamily="34" charset="0"/>
-              <a:buAutoNum type="arabicPeriod"/>
-            </a:pPr>
-            <a:r>
-              <a:rPr lang="en-US" sz="2400" dirty="0">
-                <a:latin typeface="Arial" panose="020B0604020202020204" pitchFamily="34" charset="0"/>
-              </a:rPr>
-              <a:t>Reward Axis and Difficulty Axis was orthogonal</a:t>
-            </a:r>
-          </a:p>
-          <a:p>
-            <a:pPr marL="914400" lvl="1" indent="-457200" fontAlgn="base">
-              <a:lnSpc>
-                <a:spcPct val="100000"/>
-              </a:lnSpc>
-              <a:spcBef>
-                <a:spcPts val="0"/>
-              </a:spcBef>
-              <a:buFont typeface="Arial" panose="020B0604020202020204" pitchFamily="34" charset="0"/>
-              <a:buAutoNum type="arabicPeriod"/>
-            </a:pPr>
-            <a:r>
-              <a:rPr lang="en-US" dirty="0">
-                <a:latin typeface="Arial" panose="020B0604020202020204" pitchFamily="34" charset="0"/>
-              </a:rPr>
-              <a:t>Couldn’t see</a:t>
-            </a:r>
-          </a:p>
-          <a:p>
-            <a:pPr marL="0" indent="0" fontAlgn="base">
-              <a:lnSpc>
-                <a:spcPct val="100000"/>
-              </a:lnSpc>
-              <a:spcBef>
-                <a:spcPts val="0"/>
-              </a:spcBef>
-              <a:buNone/>
-            </a:pPr>
-            <a:endParaRPr lang="en-US" dirty="0">
-              <a:latin typeface="Arial" panose="020B0604020202020204" pitchFamily="34" charset="0"/>
-            </a:endParaRPr>
-          </a:p>
-          <a:p>
-            <a:pPr marL="0" indent="0" fontAlgn="base">
-              <a:lnSpc>
-                <a:spcPct val="100000"/>
-              </a:lnSpc>
-              <a:spcBef>
-                <a:spcPts val="0"/>
-              </a:spcBef>
-              <a:buNone/>
-            </a:pPr>
-            <a:r>
-              <a:rPr lang="en-US" dirty="0">
-                <a:latin typeface="Arial" panose="020B0604020202020204" pitchFamily="34" charset="0"/>
-              </a:rPr>
-              <a:t>What causes the difference?</a:t>
-            </a:r>
-          </a:p>
-          <a:p>
-            <a:pPr marL="514350" indent="-514350" fontAlgn="base">
-              <a:lnSpc>
-                <a:spcPct val="100000"/>
-              </a:lnSpc>
-              <a:spcBef>
-                <a:spcPts val="0"/>
-              </a:spcBef>
-              <a:buAutoNum type="arabicPeriod"/>
-            </a:pPr>
-            <a:r>
-              <a:rPr lang="en-US" dirty="0">
-                <a:latin typeface="Arial" panose="020B0604020202020204" pitchFamily="34" charset="0"/>
-              </a:rPr>
-              <a:t>Focus difficulty affects? =&gt; How about in Trivial trials?</a:t>
-            </a:r>
-          </a:p>
-          <a:p>
-            <a:pPr marL="514350" indent="-514350" fontAlgn="base">
-              <a:lnSpc>
-                <a:spcPct val="100000"/>
-              </a:lnSpc>
-              <a:spcBef>
-                <a:spcPts val="0"/>
-              </a:spcBef>
-              <a:buAutoNum type="arabicPeriod"/>
-            </a:pPr>
-            <a:r>
-              <a:rPr lang="en-US" dirty="0">
-                <a:latin typeface="Arial" panose="020B0604020202020204" pitchFamily="34" charset="0"/>
-              </a:rPr>
-              <a:t>Was Small(0mL) special? =&gt; Rocky showed stretching b/w M and L?</a:t>
-            </a:r>
-          </a:p>
-          <a:p>
-            <a:pPr marL="514350" indent="-514350" fontAlgn="base">
-              <a:lnSpc>
-                <a:spcPct val="100000"/>
-              </a:lnSpc>
-              <a:spcBef>
-                <a:spcPts val="0"/>
-              </a:spcBef>
-              <a:buAutoNum type="arabicPeriod"/>
-            </a:pPr>
-            <a:endParaRPr lang="en-US" dirty="0">
-              <a:latin typeface="Arial" panose="020B0604020202020204" pitchFamily="34" charset="0"/>
-            </a:endParaRPr>
-          </a:p>
-          <a:p>
-            <a:pPr marL="0" indent="0" fontAlgn="base">
-              <a:lnSpc>
-                <a:spcPct val="100000"/>
-              </a:lnSpc>
-              <a:spcBef>
-                <a:spcPts val="0"/>
-              </a:spcBef>
-              <a:buNone/>
-            </a:pPr>
-            <a:r>
-              <a:rPr lang="en-US" dirty="0">
-                <a:latin typeface="Arial" panose="020B0604020202020204" pitchFamily="34" charset="0"/>
-              </a:rPr>
-              <a:t>Future work: Reconstruct the hypothesis</a:t>
-            </a:r>
-          </a:p>
-          <a:p>
-            <a:pPr marL="0" indent="0" fontAlgn="base">
-              <a:lnSpc>
-                <a:spcPct val="100000"/>
-              </a:lnSpc>
-              <a:spcBef>
-                <a:spcPts val="0"/>
-              </a:spcBef>
-              <a:buNone/>
-            </a:pPr>
-            <a:endParaRPr lang="en-US" dirty="0">
-              <a:latin typeface="Arial" panose="020B0604020202020204" pitchFamily="34" charset="0"/>
-            </a:endParaRPr>
-          </a:p>
-          <a:p>
-            <a:pPr marL="0" indent="0" fontAlgn="base">
-              <a:lnSpc>
-                <a:spcPct val="100000"/>
-              </a:lnSpc>
-              <a:spcBef>
-                <a:spcPts val="0"/>
-              </a:spcBef>
-              <a:buNone/>
-            </a:pPr>
-            <a:endParaRPr lang="en-US" dirty="0">
-              <a:latin typeface="Arial" panose="020B0604020202020204" pitchFamily="34" charset="0"/>
-            </a:endParaRPr>
-          </a:p>
-          <a:p>
-            <a:pPr marL="0" indent="0" fontAlgn="base">
-              <a:lnSpc>
-                <a:spcPct val="100000"/>
-              </a:lnSpc>
-              <a:spcBef>
-                <a:spcPts val="0"/>
-              </a:spcBef>
-              <a:buNone/>
-            </a:pPr>
-            <a:endParaRPr lang="en-US" dirty="0">
-              <a:latin typeface="Arial" panose="020B0604020202020204" pitchFamily="34" charset="0"/>
-            </a:endParaRPr>
-          </a:p>
-          <a:p>
-            <a:pPr marL="0" indent="0" fontAlgn="base">
-              <a:lnSpc>
-                <a:spcPct val="100000"/>
-              </a:lnSpc>
-              <a:spcBef>
-                <a:spcPts val="0"/>
-              </a:spcBef>
-              <a:buNone/>
-            </a:pPr>
-            <a:endParaRPr lang="en-US" dirty="0">
-              <a:latin typeface="Arial" panose="020B0604020202020204" pitchFamily="34" charset="0"/>
-            </a:endParaRPr>
-          </a:p>
-        </p:txBody>
-      </p:sp>
-    </p:spTree>
-    <p:extLst>
-      <p:ext uri="{BB962C8B-B14F-4D97-AF65-F5344CB8AC3E}">
-        <p14:creationId xmlns:p14="http://schemas.microsoft.com/office/powerpoint/2010/main" val="4124484599"/>
-      </p:ext>
-    </p:extLst>
-  </p:cSld>
-  <p:clrMapOvr>
-    <a:masterClrMapping/>
-  </p:clrMapOvr>
-  <p:timing>
-    <p:tnLst>
-      <p:par>
-        <p:cTn id="1" dur="indefinite" restart="never" nodeType="tmRoot">
-          <p:childTnLst>
-            <p:seq concurrent="1" nextAc="seek">
-              <p:cTn id="2" dur="indefinite" nodeType="mainSeq">
-                <p:childTnLst>
-                  <p:par>
-                    <p:cTn id="3" fill="hold">
-                      <p:stCondLst>
-                        <p:cond delay="indefinite"/>
-                      </p:stCondLst>
-                      <p:childTnLst>
-                        <p:par>
-                          <p:cTn id="4" fill="hold">
-                            <p:stCondLst>
-                              <p:cond delay="0"/>
-                            </p:stCondLst>
-                            <p:childTnLst>
-                              <p:par>
-                                <p:cTn id="5" presetID="10" presetClass="entr" presetSubtype="0" fill="hold" nodeType="clickEffect">
-                                  <p:stCondLst>
-                                    <p:cond delay="0"/>
-                                  </p:stCondLst>
-                                  <p:childTnLst>
-                                    <p:set>
-                                      <p:cBhvr>
-                                        <p:cTn id="6" dur="1" fill="hold">
-                                          <p:stCondLst>
-                                            <p:cond delay="0"/>
-                                          </p:stCondLst>
-                                        </p:cTn>
-                                        <p:tgtEl>
-                                          <p:spTgt spid="5">
-                                            <p:txEl>
-                                              <p:pRg st="6" end="6"/>
-                                            </p:txEl>
-                                          </p:spTgt>
-                                        </p:tgtEl>
-                                        <p:attrNameLst>
-                                          <p:attrName>style.visibility</p:attrName>
-                                        </p:attrNameLst>
-                                      </p:cBhvr>
-                                      <p:to>
-                                        <p:strVal val="visible"/>
-                                      </p:to>
-                                    </p:set>
-                                    <p:animEffect transition="in" filter="fade">
-                                      <p:cBhvr>
-                                        <p:cTn id="7" dur="500"/>
-                                        <p:tgtEl>
-                                          <p:spTgt spid="5">
-                                            <p:txEl>
-                                              <p:pRg st="6" end="6"/>
-                                            </p:txEl>
-                                          </p:spTgt>
-                                        </p:tgtEl>
-                                      </p:cBhvr>
-                                    </p:animEffect>
-                                  </p:childTnLst>
-                                </p:cTn>
-                              </p:par>
-                            </p:childTnLst>
-                          </p:cTn>
-                        </p:par>
-                      </p:childTnLst>
-                    </p:cTn>
-                  </p:par>
-                  <p:par>
-                    <p:cTn id="8" fill="hold">
-                      <p:stCondLst>
-                        <p:cond delay="indefinite"/>
-                      </p:stCondLst>
-                      <p:childTnLst>
-                        <p:par>
-                          <p:cTn id="9" fill="hold">
-                            <p:stCondLst>
-                              <p:cond delay="0"/>
-                            </p:stCondLst>
-                            <p:childTnLst>
-                              <p:par>
-                                <p:cTn id="10" presetID="10" presetClass="entr" presetSubtype="0" fill="hold" nodeType="clickEffect">
-                                  <p:stCondLst>
-                                    <p:cond delay="0"/>
-                                  </p:stCondLst>
-                                  <p:childTnLst>
-                                    <p:set>
-                                      <p:cBhvr>
-                                        <p:cTn id="11" dur="1" fill="hold">
-                                          <p:stCondLst>
-                                            <p:cond delay="0"/>
-                                          </p:stCondLst>
-                                        </p:cTn>
-                                        <p:tgtEl>
-                                          <p:spTgt spid="5">
-                                            <p:txEl>
-                                              <p:pRg st="7" end="7"/>
-                                            </p:txEl>
-                                          </p:spTgt>
-                                        </p:tgtEl>
-                                        <p:attrNameLst>
-                                          <p:attrName>style.visibility</p:attrName>
-                                        </p:attrNameLst>
-                                      </p:cBhvr>
-                                      <p:to>
-                                        <p:strVal val="visible"/>
-                                      </p:to>
-                                    </p:set>
-                                    <p:animEffect transition="in" filter="fade">
-                                      <p:cBhvr>
-                                        <p:cTn id="12" dur="500"/>
-                                        <p:tgtEl>
-                                          <p:spTgt spid="5">
-                                            <p:txEl>
-                                              <p:pRg st="7" end="7"/>
-                                            </p:txEl>
-                                          </p:spTgt>
-                                        </p:tgtEl>
-                                      </p:cBhvr>
-                                    </p:animEffect>
-                                  </p:childTnLst>
-                                </p:cTn>
-                              </p:par>
-                            </p:childTnLst>
-                          </p:cTn>
-                        </p:par>
-                      </p:childTnLst>
-                    </p:cTn>
-                  </p:par>
-                  <p:par>
-                    <p:cTn id="13" fill="hold">
-                      <p:stCondLst>
-                        <p:cond delay="indefinite"/>
-                      </p:stCondLst>
-                      <p:childTnLst>
-                        <p:par>
-                          <p:cTn id="14" fill="hold">
-                            <p:stCondLst>
-                              <p:cond delay="0"/>
-                            </p:stCondLst>
-                            <p:childTnLst>
-                              <p:par>
-                                <p:cTn id="15" presetID="10" presetClass="entr" presetSubtype="0" fill="hold" nodeType="clickEffect">
-                                  <p:stCondLst>
-                                    <p:cond delay="0"/>
-                                  </p:stCondLst>
-                                  <p:childTnLst>
-                                    <p:set>
-                                      <p:cBhvr>
-                                        <p:cTn id="16" dur="1" fill="hold">
-                                          <p:stCondLst>
-                                            <p:cond delay="0"/>
-                                          </p:stCondLst>
-                                        </p:cTn>
-                                        <p:tgtEl>
-                                          <p:spTgt spid="5">
-                                            <p:txEl>
-                                              <p:pRg st="9" end="9"/>
-                                            </p:txEl>
-                                          </p:spTgt>
-                                        </p:tgtEl>
-                                        <p:attrNameLst>
-                                          <p:attrName>style.visibility</p:attrName>
-                                        </p:attrNameLst>
-                                      </p:cBhvr>
-                                      <p:to>
-                                        <p:strVal val="visible"/>
-                                      </p:to>
-                                    </p:set>
-                                    <p:animEffect transition="in" filter="fade">
-                                      <p:cBhvr>
-                                        <p:cTn id="17" dur="500"/>
-                                        <p:tgtEl>
-                                          <p:spTgt spid="5">
-                                            <p:txEl>
-                                              <p:pRg st="9" end="9"/>
-                                            </p:txEl>
-                                          </p:spTgt>
-                                        </p:tgtEl>
-                                      </p:cBhvr>
-                                    </p:animEffect>
-                                  </p:childTnLst>
-                                </p:cTn>
-                              </p:par>
-                            </p:childTnLst>
-                          </p:cTn>
-                        </p:par>
-                      </p:childTnLst>
-                    </p:cTn>
-                  </p:par>
-                </p:childTnLst>
-              </p:cTn>
-              <p:prevCondLst>
-                <p:cond evt="onPrev" delay="0">
-                  <p:tgtEl>
-                    <p:sldTgt/>
-                  </p:tgtEl>
-                </p:cond>
-              </p:prevCondLst>
-              <p:nextCondLst>
-                <p:cond evt="onNext" delay="0">
-                  <p:tgtEl>
-                    <p:sldTgt/>
-                  </p:tgtEl>
-                </p:cond>
-              </p:nextCondLst>
-            </p:seq>
-          </p:childTnLst>
-        </p:cTn>
-      </p:par>
-    </p:tnLst>
   </p:timing>
 </p:sld>
 </file>
